--- a/workshop2/presentation.pptx
+++ b/workshop2/presentation.pptx
@@ -5,18 +5,28 @@
     <p:sldMasterId id="2147483648" r:id="rId2"/>
   </p:sldMasterIdLst>
   <p:notesMasterIdLst>
-    <p:notesMasterId r:id="rId9"/>
+    <p:notesMasterId r:id="rId19"/>
   </p:notesMasterIdLst>
   <p:handoutMasterIdLst>
-    <p:handoutMasterId r:id="rId10"/>
+    <p:handoutMasterId r:id="rId20"/>
   </p:handoutMasterIdLst>
   <p:sldIdLst>
     <p:sldId id="256" r:id="rId3"/>
     <p:sldId id="267" r:id="rId4"/>
-    <p:sldId id="271" r:id="rId5"/>
-    <p:sldId id="272" r:id="rId6"/>
-    <p:sldId id="273" r:id="rId7"/>
-    <p:sldId id="274" r:id="rId8"/>
+    <p:sldId id="276" r:id="rId5"/>
+    <p:sldId id="283" r:id="rId6"/>
+    <p:sldId id="275" r:id="rId7"/>
+    <p:sldId id="271" r:id="rId8"/>
+    <p:sldId id="272" r:id="rId9"/>
+    <p:sldId id="280" r:id="rId10"/>
+    <p:sldId id="273" r:id="rId11"/>
+    <p:sldId id="277" r:id="rId12"/>
+    <p:sldId id="281" r:id="rId13"/>
+    <p:sldId id="274" r:id="rId14"/>
+    <p:sldId id="282" r:id="rId15"/>
+    <p:sldId id="278" r:id="rId16"/>
+    <p:sldId id="279" r:id="rId17"/>
+    <p:sldId id="284" r:id="rId18"/>
   </p:sldIdLst>
   <p:sldSz cx="12192000" cy="6858000"/>
   <p:notesSz cx="6858000" cy="9144000"/>
@@ -219,7 +229,7 @@
           <a:p>
             <a:fld id="{20EA5F0D-C1DC-412F-A146-DDB3A74B588F}" type="datetimeFigureOut">
               <a:rPr lang="en-US"/>
-              <a:t>2/28/2016</a:t>
+              <a:t>2/29/2016</a:t>
             </a:fld>
             <a:endParaRPr/>
           </a:p>
@@ -384,7 +394,7 @@
           <a:p>
             <a:fld id="{A8CDE508-72C8-4AB5-AA9C-1584D31690E0}" type="datetimeFigureOut">
               <a:rPr lang="en-US"/>
-              <a:t>2/28/2016</a:t>
+              <a:t>2/29/2016</a:t>
             </a:fld>
             <a:endParaRPr/>
           </a:p>
@@ -994,7 +1004,7 @@
           <a:p>
             <a:fld id="{9E583DDF-CA54-461A-A486-592D2374C532}" type="datetimeFigureOut">
               <a:rPr lang="en-US"/>
-              <a:t>2/28/2016</a:t>
+              <a:t>2/29/2016</a:t>
             </a:fld>
             <a:endParaRPr/>
           </a:p>
@@ -1186,7 +1196,7 @@
           <a:p>
             <a:fld id="{9E583DDF-CA54-461A-A486-592D2374C532}" type="datetimeFigureOut">
               <a:rPr lang="en-US"/>
-              <a:t>2/28/2016</a:t>
+              <a:t>2/29/2016</a:t>
             </a:fld>
             <a:endParaRPr/>
           </a:p>
@@ -1368,7 +1378,7 @@
           <a:p>
             <a:fld id="{9E583DDF-CA54-461A-A486-592D2374C532}" type="datetimeFigureOut">
               <a:rPr lang="en-US"/>
-              <a:t>2/28/2016</a:t>
+              <a:t>2/29/2016</a:t>
             </a:fld>
             <a:endParaRPr/>
           </a:p>
@@ -1674,7 +1684,7 @@
           <a:p>
             <a:fld id="{9E583DDF-CA54-461A-A486-592D2374C532}" type="datetimeFigureOut">
               <a:rPr lang="en-US"/>
-              <a:t>2/28/2016</a:t>
+              <a:t>2/29/2016</a:t>
             </a:fld>
             <a:endParaRPr/>
           </a:p>
@@ -1978,7 +1988,7 @@
           <a:p>
             <a:fld id="{0A879FD0-C37A-4F50-8F3B-5FA0D9D0B42F}" type="datetimeFigureOut">
               <a:rPr lang="en-US"/>
-              <a:t>2/28/2016</a:t>
+              <a:t>2/29/2016</a:t>
             </a:fld>
             <a:endParaRPr/>
           </a:p>
@@ -2422,7 +2432,7 @@
           <a:p>
             <a:fld id="{9E583DDF-CA54-461A-A486-592D2374C532}" type="datetimeFigureOut">
               <a:rPr lang="en-US"/>
-              <a:t>2/28/2016</a:t>
+              <a:t>2/29/2016</a:t>
             </a:fld>
             <a:endParaRPr/>
           </a:p>
@@ -2552,7 +2562,7 @@
           <a:p>
             <a:fld id="{9E583DDF-CA54-461A-A486-592D2374C532}" type="datetimeFigureOut">
               <a:rPr lang="en-US"/>
-              <a:t>2/28/2016</a:t>
+              <a:t>2/29/2016</a:t>
             </a:fld>
             <a:endParaRPr/>
           </a:p>
@@ -2704,7 +2714,7 @@
           <a:p>
             <a:fld id="{9E583DDF-CA54-461A-A486-592D2374C532}" type="datetimeFigureOut">
               <a:rPr lang="en-US"/>
-              <a:t>2/28/2016</a:t>
+              <a:t>2/29/2016</a:t>
             </a:fld>
             <a:endParaRPr/>
           </a:p>
@@ -3002,7 +3012,7 @@
           <a:p>
             <a:fld id="{9E583DDF-CA54-461A-A486-592D2374C532}" type="datetimeFigureOut">
               <a:rPr lang="en-US"/>
-              <a:t>2/28/2016</a:t>
+              <a:t>2/29/2016</a:t>
             </a:fld>
             <a:endParaRPr/>
           </a:p>
@@ -3288,7 +3298,7 @@
           <a:p>
             <a:fld id="{9E583DDF-CA54-461A-A486-592D2374C532}" type="datetimeFigureOut">
               <a:rPr lang="en-US"/>
-              <a:t>2/28/2016</a:t>
+              <a:t>2/29/2016</a:t>
             </a:fld>
             <a:endParaRPr/>
           </a:p>
@@ -3559,7 +3569,7 @@
             <a:fld id="{9E583DDF-CA54-461A-A486-592D2374C532}" type="datetimeFigureOut">
               <a:rPr lang="en-US"/>
               <a:pPr/>
-              <a:t>2/28/2016</a:t>
+              <a:t>2/29/2016</a:t>
             </a:fld>
             <a:endParaRPr/>
           </a:p>
@@ -4045,12 +4055,2951 @@
               <a:t> and socket.io</a:t>
             </a:r>
           </a:p>
+          <a:p>
+            <a:r>
+              <a:rPr lang="en-US" dirty="0"/>
+              <a:t>Chris Caruso</a:t>
+            </a:r>
+          </a:p>
         </p:txBody>
       </p:sp>
     </p:spTree>
     <p:extLst>
       <p:ext uri="{BB962C8B-B14F-4D97-AF65-F5344CB8AC3E}">
         <p14:creationId xmlns:p14="http://schemas.microsoft.com/office/powerpoint/2010/main" val="3250670041"/>
+      </p:ext>
+    </p:extLst>
+  </p:cSld>
+  <p:clrMapOvr>
+    <a:masterClrMapping/>
+  </p:clrMapOvr>
+  <mc:AlternateContent xmlns:mc="http://schemas.openxmlformats.org/markup-compatibility/2006" xmlns:p14="http://schemas.microsoft.com/office/powerpoint/2010/main">
+    <mc:Choice Requires="p14">
+      <p:transition spd="med" p14:dur="700">
+        <p:fade/>
+      </p:transition>
+    </mc:Choice>
+    <mc:Fallback xmlns="">
+      <p:transition spd="med">
+        <p:fade/>
+      </p:transition>
+    </mc:Fallback>
+  </mc:AlternateContent>
+</p:sld>
+</file>
+
+<file path=ppt/slides/slide10.xml><?xml version="1.0" encoding="utf-8"?>
+<p:sld xmlns:a="http://schemas.openxmlformats.org/drawingml/2006/main" xmlns:r="http://schemas.openxmlformats.org/officeDocument/2006/relationships" xmlns:p="http://schemas.openxmlformats.org/presentationml/2006/main">
+  <p:cSld>
+    <p:spTree>
+      <p:nvGrpSpPr>
+        <p:cNvPr id="1" name=""/>
+        <p:cNvGrpSpPr/>
+        <p:nvPr/>
+      </p:nvGrpSpPr>
+      <p:grpSpPr>
+        <a:xfrm>
+          <a:off x="0" y="0"/>
+          <a:ext cx="0" cy="0"/>
+          <a:chOff x="0" y="0"/>
+          <a:chExt cx="0" cy="0"/>
+        </a:xfrm>
+      </p:grpSpPr>
+      <p:sp>
+        <p:nvSpPr>
+          <p:cNvPr id="2" name="Title 1"/>
+          <p:cNvSpPr>
+            <a:spLocks noGrp="1"/>
+          </p:cNvSpPr>
+          <p:nvPr>
+            <p:ph type="title"/>
+          </p:nvPr>
+        </p:nvSpPr>
+        <p:spPr>
+          <a:xfrm>
+            <a:off x="24" y="11987"/>
+            <a:ext cx="9509760" cy="593578"/>
+          </a:xfrm>
+        </p:spPr>
+        <p:txBody>
+          <a:bodyPr/>
+          <a:lstStyle/>
+          <a:p>
+            <a:r>
+              <a:rPr lang="en-US" dirty="0"/>
+              <a:t>AngularJS Dependencies and Injection</a:t>
+            </a:r>
+          </a:p>
+        </p:txBody>
+      </p:sp>
+      <p:pic>
+        <p:nvPicPr>
+          <p:cNvPr id="3074" name="Picture 2" descr="http://puu.sh/nq5SV/afe4fe0c7c.png"/>
+          <p:cNvPicPr>
+            <a:picLocks noChangeAspect="1" noChangeArrowheads="1"/>
+          </p:cNvPicPr>
+          <p:nvPr/>
+        </p:nvPicPr>
+        <p:blipFill>
+          <a:blip r:embed="rId2">
+            <a:extLst>
+              <a:ext uri="{28A0092B-C50C-407E-A947-70E740481C1C}">
+                <a14:useLocalDpi xmlns:a14="http://schemas.microsoft.com/office/drawing/2010/main" val="0"/>
+              </a:ext>
+            </a:extLst>
+          </a:blip>
+          <a:srcRect/>
+          <a:stretch>
+            <a:fillRect/>
+          </a:stretch>
+        </p:blipFill>
+        <p:spPr bwMode="auto">
+          <a:xfrm>
+            <a:off x="0" y="3557972"/>
+            <a:ext cx="5678929" cy="353094"/>
+          </a:xfrm>
+          <a:prstGeom prst="rect">
+            <a:avLst/>
+          </a:prstGeom>
+          <a:noFill/>
+          <a:extLst>
+            <a:ext uri="{909E8E84-426E-40DD-AFC4-6F175D3DCCD1}">
+              <a14:hiddenFill xmlns:a14="http://schemas.microsoft.com/office/drawing/2010/main">
+                <a:solidFill>
+                  <a:srgbClr val="FFFFFF"/>
+                </a:solidFill>
+              </a14:hiddenFill>
+            </a:ext>
+          </a:extLst>
+        </p:spPr>
+      </p:pic>
+      <p:pic>
+        <p:nvPicPr>
+          <p:cNvPr id="3076" name="Picture 4" descr="http://puu.sh/nq5W8/7c8d94aa8d.png"/>
+          <p:cNvPicPr>
+            <a:picLocks noChangeAspect="1" noChangeArrowheads="1"/>
+          </p:cNvPicPr>
+          <p:nvPr/>
+        </p:nvPicPr>
+        <p:blipFill>
+          <a:blip r:embed="rId3">
+            <a:extLst>
+              <a:ext uri="{28A0092B-C50C-407E-A947-70E740481C1C}">
+                <a14:useLocalDpi xmlns:a14="http://schemas.microsoft.com/office/drawing/2010/main" val="0"/>
+              </a:ext>
+            </a:extLst>
+          </a:blip>
+          <a:srcRect/>
+          <a:stretch>
+            <a:fillRect/>
+          </a:stretch>
+        </p:blipFill>
+        <p:spPr bwMode="auto">
+          <a:xfrm>
+            <a:off x="0" y="1855779"/>
+            <a:ext cx="7623620" cy="353094"/>
+          </a:xfrm>
+          <a:prstGeom prst="rect">
+            <a:avLst/>
+          </a:prstGeom>
+          <a:noFill/>
+          <a:extLst>
+            <a:ext uri="{909E8E84-426E-40DD-AFC4-6F175D3DCCD1}">
+              <a14:hiddenFill xmlns:a14="http://schemas.microsoft.com/office/drawing/2010/main">
+                <a:solidFill>
+                  <a:srgbClr val="FFFFFF"/>
+                </a:solidFill>
+              </a14:hiddenFill>
+            </a:ext>
+          </a:extLst>
+        </p:spPr>
+      </p:pic>
+      <p:pic>
+        <p:nvPicPr>
+          <p:cNvPr id="3078" name="Picture 6" descr="http://puu.sh/nq5YN/8441ca0ce4.png"/>
+          <p:cNvPicPr>
+            <a:picLocks noChangeAspect="1" noChangeArrowheads="1"/>
+          </p:cNvPicPr>
+          <p:nvPr/>
+        </p:nvPicPr>
+        <p:blipFill>
+          <a:blip r:embed="rId4">
+            <a:extLst>
+              <a:ext uri="{28A0092B-C50C-407E-A947-70E740481C1C}">
+                <a14:useLocalDpi xmlns:a14="http://schemas.microsoft.com/office/drawing/2010/main" val="0"/>
+              </a:ext>
+            </a:extLst>
+          </a:blip>
+          <a:srcRect/>
+          <a:stretch>
+            <a:fillRect/>
+          </a:stretch>
+        </p:blipFill>
+        <p:spPr bwMode="auto">
+          <a:xfrm>
+            <a:off x="0" y="5260165"/>
+            <a:ext cx="12192000" cy="330733"/>
+          </a:xfrm>
+          <a:prstGeom prst="rect">
+            <a:avLst/>
+          </a:prstGeom>
+          <a:noFill/>
+          <a:extLst>
+            <a:ext uri="{909E8E84-426E-40DD-AFC4-6F175D3DCCD1}">
+              <a14:hiddenFill xmlns:a14="http://schemas.microsoft.com/office/drawing/2010/main">
+                <a:solidFill>
+                  <a:srgbClr val="FFFFFF"/>
+                </a:solidFill>
+              </a14:hiddenFill>
+            </a:ext>
+          </a:extLst>
+        </p:spPr>
+      </p:pic>
+      <p:sp>
+        <p:nvSpPr>
+          <p:cNvPr id="7" name="Rectangle 6"/>
+          <p:cNvSpPr/>
+          <p:nvPr/>
+        </p:nvSpPr>
+        <p:spPr>
+          <a:xfrm>
+            <a:off x="5137484" y="5137485"/>
+            <a:ext cx="1467854" cy="553452"/>
+          </a:xfrm>
+          <a:prstGeom prst="rect">
+            <a:avLst/>
+          </a:prstGeom>
+          <a:noFill/>
+          <a:ln w="19050">
+            <a:solidFill>
+              <a:schemeClr val="accent1"/>
+            </a:solidFill>
+          </a:ln>
+        </p:spPr>
+        <p:style>
+          <a:lnRef idx="2">
+            <a:schemeClr val="accent1">
+              <a:shade val="50000"/>
+            </a:schemeClr>
+          </a:lnRef>
+          <a:fillRef idx="1">
+            <a:schemeClr val="accent1"/>
+          </a:fillRef>
+          <a:effectRef idx="0">
+            <a:schemeClr val="accent1"/>
+          </a:effectRef>
+          <a:fontRef idx="minor">
+            <a:schemeClr val="lt1"/>
+          </a:fontRef>
+        </p:style>
+        <p:txBody>
+          <a:bodyPr rtlCol="0" anchor="ctr"/>
+          <a:lstStyle/>
+          <a:p>
+            <a:pPr algn="ctr"/>
+            <a:endParaRPr lang="en-US"/>
+          </a:p>
+        </p:txBody>
+      </p:sp>
+      <p:cxnSp>
+        <p:nvCxnSpPr>
+          <p:cNvPr id="8" name="Elbow Connector 7"/>
+          <p:cNvCxnSpPr>
+            <a:stCxn id="7" idx="0"/>
+            <a:endCxn id="11" idx="2"/>
+          </p:cNvCxnSpPr>
+          <p:nvPr/>
+        </p:nvCxnSpPr>
+        <p:spPr>
+          <a:xfrm rot="16200000" flipV="1">
+            <a:off x="3410109" y="2676183"/>
+            <a:ext cx="1126240" cy="3796364"/>
+          </a:xfrm>
+          <a:prstGeom prst="bentConnector3">
+            <a:avLst>
+              <a:gd name="adj1" fmla="val 50000"/>
+            </a:avLst>
+          </a:prstGeom>
+          <a:ln w="19050">
+            <a:solidFill>
+              <a:schemeClr val="accent1"/>
+            </a:solidFill>
+            <a:prstDash val="dash"/>
+          </a:ln>
+        </p:spPr>
+        <p:style>
+          <a:lnRef idx="1">
+            <a:schemeClr val="accent1"/>
+          </a:lnRef>
+          <a:fillRef idx="0">
+            <a:schemeClr val="accent1"/>
+          </a:fillRef>
+          <a:effectRef idx="0">
+            <a:schemeClr val="accent1"/>
+          </a:effectRef>
+          <a:fontRef idx="minor">
+            <a:schemeClr val="tx1"/>
+          </a:fontRef>
+        </p:style>
+      </p:cxnSp>
+      <p:sp>
+        <p:nvSpPr>
+          <p:cNvPr id="11" name="Rectangle 10"/>
+          <p:cNvSpPr/>
+          <p:nvPr/>
+        </p:nvSpPr>
+        <p:spPr>
+          <a:xfrm>
+            <a:off x="1341120" y="3457793"/>
+            <a:ext cx="1467854" cy="553452"/>
+          </a:xfrm>
+          <a:prstGeom prst="rect">
+            <a:avLst/>
+          </a:prstGeom>
+          <a:noFill/>
+          <a:ln w="19050">
+            <a:solidFill>
+              <a:schemeClr val="accent1"/>
+            </a:solidFill>
+          </a:ln>
+        </p:spPr>
+        <p:style>
+          <a:lnRef idx="2">
+            <a:schemeClr val="accent1">
+              <a:shade val="50000"/>
+            </a:schemeClr>
+          </a:lnRef>
+          <a:fillRef idx="1">
+            <a:schemeClr val="accent1"/>
+          </a:fillRef>
+          <a:effectRef idx="0">
+            <a:schemeClr val="accent1"/>
+          </a:effectRef>
+          <a:fontRef idx="minor">
+            <a:schemeClr val="lt1"/>
+          </a:fontRef>
+        </p:style>
+        <p:txBody>
+          <a:bodyPr rtlCol="0" anchor="ctr"/>
+          <a:lstStyle/>
+          <a:p>
+            <a:pPr algn="ctr"/>
+            <a:endParaRPr lang="en-US"/>
+          </a:p>
+        </p:txBody>
+      </p:sp>
+      <p:sp>
+        <p:nvSpPr>
+          <p:cNvPr id="12" name="Rectangle 11"/>
+          <p:cNvSpPr/>
+          <p:nvPr/>
+        </p:nvSpPr>
+        <p:spPr>
+          <a:xfrm>
+            <a:off x="1491916" y="1755600"/>
+            <a:ext cx="1215189" cy="553452"/>
+          </a:xfrm>
+          <a:prstGeom prst="rect">
+            <a:avLst/>
+          </a:prstGeom>
+          <a:noFill/>
+          <a:ln w="19050">
+            <a:solidFill>
+              <a:schemeClr val="accent1"/>
+            </a:solidFill>
+          </a:ln>
+        </p:spPr>
+        <p:style>
+          <a:lnRef idx="2">
+            <a:schemeClr val="accent1">
+              <a:shade val="50000"/>
+            </a:schemeClr>
+          </a:lnRef>
+          <a:fillRef idx="1">
+            <a:schemeClr val="accent1"/>
+          </a:fillRef>
+          <a:effectRef idx="0">
+            <a:schemeClr val="accent1"/>
+          </a:effectRef>
+          <a:fontRef idx="minor">
+            <a:schemeClr val="lt1"/>
+          </a:fontRef>
+        </p:style>
+        <p:txBody>
+          <a:bodyPr rtlCol="0" anchor="ctr"/>
+          <a:lstStyle/>
+          <a:p>
+            <a:pPr algn="ctr"/>
+            <a:endParaRPr lang="en-US"/>
+          </a:p>
+        </p:txBody>
+      </p:sp>
+      <p:cxnSp>
+        <p:nvCxnSpPr>
+          <p:cNvPr id="13" name="Elbow Connector 12"/>
+          <p:cNvCxnSpPr>
+            <a:stCxn id="16" idx="0"/>
+            <a:endCxn id="12" idx="2"/>
+          </p:cNvCxnSpPr>
+          <p:nvPr/>
+        </p:nvCxnSpPr>
+        <p:spPr>
+          <a:xfrm rot="16200000" flipV="1">
+            <a:off x="2216957" y="2191607"/>
+            <a:ext cx="1148741" cy="1383631"/>
+          </a:xfrm>
+          <a:prstGeom prst="bentConnector3">
+            <a:avLst>
+              <a:gd name="adj1" fmla="val 50000"/>
+            </a:avLst>
+          </a:prstGeom>
+          <a:ln w="19050">
+            <a:solidFill>
+              <a:schemeClr val="accent1"/>
+            </a:solidFill>
+            <a:prstDash val="dash"/>
+          </a:ln>
+        </p:spPr>
+        <p:style>
+          <a:lnRef idx="1">
+            <a:schemeClr val="accent1"/>
+          </a:lnRef>
+          <a:fillRef idx="0">
+            <a:schemeClr val="accent1"/>
+          </a:fillRef>
+          <a:effectRef idx="0">
+            <a:schemeClr val="accent1"/>
+          </a:effectRef>
+          <a:fontRef idx="minor">
+            <a:schemeClr val="tx1"/>
+          </a:fontRef>
+        </p:style>
+      </p:cxnSp>
+      <p:sp>
+        <p:nvSpPr>
+          <p:cNvPr id="14" name="Rectangle 13"/>
+          <p:cNvSpPr/>
+          <p:nvPr/>
+        </p:nvSpPr>
+        <p:spPr>
+          <a:xfrm>
+            <a:off x="9031705" y="5148805"/>
+            <a:ext cx="1255295" cy="553452"/>
+          </a:xfrm>
+          <a:prstGeom prst="rect">
+            <a:avLst/>
+          </a:prstGeom>
+          <a:noFill/>
+          <a:ln w="19050">
+            <a:solidFill>
+              <a:schemeClr val="accent1"/>
+            </a:solidFill>
+          </a:ln>
+        </p:spPr>
+        <p:style>
+          <a:lnRef idx="2">
+            <a:schemeClr val="accent1">
+              <a:shade val="50000"/>
+            </a:schemeClr>
+          </a:lnRef>
+          <a:fillRef idx="1">
+            <a:schemeClr val="accent1"/>
+          </a:fillRef>
+          <a:effectRef idx="0">
+            <a:schemeClr val="accent1"/>
+          </a:effectRef>
+          <a:fontRef idx="minor">
+            <a:schemeClr val="lt1"/>
+          </a:fontRef>
+        </p:style>
+        <p:txBody>
+          <a:bodyPr rtlCol="0" anchor="ctr"/>
+          <a:lstStyle/>
+          <a:p>
+            <a:pPr algn="ctr"/>
+            <a:endParaRPr lang="en-US"/>
+          </a:p>
+        </p:txBody>
+      </p:sp>
+      <p:sp>
+        <p:nvSpPr>
+          <p:cNvPr id="16" name="Rectangle 15"/>
+          <p:cNvSpPr/>
+          <p:nvPr/>
+        </p:nvSpPr>
+        <p:spPr>
+          <a:xfrm>
+            <a:off x="2911642" y="3457793"/>
+            <a:ext cx="1142999" cy="553452"/>
+          </a:xfrm>
+          <a:prstGeom prst="rect">
+            <a:avLst/>
+          </a:prstGeom>
+          <a:noFill/>
+          <a:ln w="19050">
+            <a:solidFill>
+              <a:schemeClr val="accent1"/>
+            </a:solidFill>
+          </a:ln>
+        </p:spPr>
+        <p:style>
+          <a:lnRef idx="2">
+            <a:schemeClr val="accent1">
+              <a:shade val="50000"/>
+            </a:schemeClr>
+          </a:lnRef>
+          <a:fillRef idx="1">
+            <a:schemeClr val="accent1"/>
+          </a:fillRef>
+          <a:effectRef idx="0">
+            <a:schemeClr val="accent1"/>
+          </a:effectRef>
+          <a:fontRef idx="minor">
+            <a:schemeClr val="lt1"/>
+          </a:fontRef>
+        </p:style>
+        <p:txBody>
+          <a:bodyPr rtlCol="0" anchor="ctr"/>
+          <a:lstStyle/>
+          <a:p>
+            <a:pPr algn="ctr"/>
+            <a:endParaRPr lang="en-US"/>
+          </a:p>
+        </p:txBody>
+      </p:sp>
+      <p:sp>
+        <p:nvSpPr>
+          <p:cNvPr id="25" name="Rectangle 24"/>
+          <p:cNvSpPr/>
+          <p:nvPr/>
+        </p:nvSpPr>
+        <p:spPr>
+          <a:xfrm>
+            <a:off x="4137674" y="3457793"/>
+            <a:ext cx="771210" cy="553452"/>
+          </a:xfrm>
+          <a:prstGeom prst="rect">
+            <a:avLst/>
+          </a:prstGeom>
+          <a:noFill/>
+          <a:ln w="19050">
+            <a:solidFill>
+              <a:schemeClr val="accent1"/>
+            </a:solidFill>
+          </a:ln>
+        </p:spPr>
+        <p:style>
+          <a:lnRef idx="2">
+            <a:schemeClr val="accent1">
+              <a:shade val="50000"/>
+            </a:schemeClr>
+          </a:lnRef>
+          <a:fillRef idx="1">
+            <a:schemeClr val="accent1"/>
+          </a:fillRef>
+          <a:effectRef idx="0">
+            <a:schemeClr val="accent1"/>
+          </a:effectRef>
+          <a:fontRef idx="minor">
+            <a:schemeClr val="lt1"/>
+          </a:fontRef>
+        </p:style>
+        <p:txBody>
+          <a:bodyPr rtlCol="0" anchor="ctr"/>
+          <a:lstStyle/>
+          <a:p>
+            <a:pPr algn="ctr"/>
+            <a:endParaRPr lang="en-US"/>
+          </a:p>
+        </p:txBody>
+      </p:sp>
+      <p:cxnSp>
+        <p:nvCxnSpPr>
+          <p:cNvPr id="26" name="Elbow Connector 25"/>
+          <p:cNvCxnSpPr>
+            <a:stCxn id="16" idx="2"/>
+            <a:endCxn id="25" idx="2"/>
+          </p:cNvCxnSpPr>
+          <p:nvPr/>
+        </p:nvCxnSpPr>
+        <p:spPr>
+          <a:xfrm rot="16200000" flipH="1">
+            <a:off x="4003210" y="3491176"/>
+            <a:ext cx="12700" cy="1040137"/>
+          </a:xfrm>
+          <a:prstGeom prst="bentConnector3">
+            <a:avLst>
+              <a:gd name="adj1" fmla="val 1800000"/>
+            </a:avLst>
+          </a:prstGeom>
+          <a:ln w="19050">
+            <a:tailEnd type="triangle"/>
+          </a:ln>
+        </p:spPr>
+        <p:style>
+          <a:lnRef idx="1">
+            <a:schemeClr val="accent1"/>
+          </a:lnRef>
+          <a:fillRef idx="0">
+            <a:schemeClr val="accent1"/>
+          </a:fillRef>
+          <a:effectRef idx="0">
+            <a:schemeClr val="accent1"/>
+          </a:effectRef>
+          <a:fontRef idx="minor">
+            <a:schemeClr val="tx1"/>
+          </a:fontRef>
+        </p:style>
+      </p:cxnSp>
+      <p:cxnSp>
+        <p:nvCxnSpPr>
+          <p:cNvPr id="3075" name="Elbow Connector 3074"/>
+          <p:cNvCxnSpPr>
+            <a:stCxn id="7" idx="2"/>
+            <a:endCxn id="14" idx="2"/>
+          </p:cNvCxnSpPr>
+          <p:nvPr/>
+        </p:nvCxnSpPr>
+        <p:spPr>
+          <a:xfrm rot="16200000" flipH="1">
+            <a:off x="7759722" y="3802626"/>
+            <a:ext cx="11320" cy="3787942"/>
+          </a:xfrm>
+          <a:prstGeom prst="bentConnector3">
+            <a:avLst>
+              <a:gd name="adj1" fmla="val 2119435"/>
+            </a:avLst>
+          </a:prstGeom>
+          <a:ln w="19050">
+            <a:tailEnd type="triangle"/>
+          </a:ln>
+        </p:spPr>
+        <p:style>
+          <a:lnRef idx="1">
+            <a:schemeClr val="accent1"/>
+          </a:lnRef>
+          <a:fillRef idx="0">
+            <a:schemeClr val="accent1"/>
+          </a:fillRef>
+          <a:effectRef idx="0">
+            <a:schemeClr val="accent1"/>
+          </a:effectRef>
+          <a:fontRef idx="minor">
+            <a:schemeClr val="tx1"/>
+          </a:fontRef>
+        </p:style>
+      </p:cxnSp>
+      <p:cxnSp>
+        <p:nvCxnSpPr>
+          <p:cNvPr id="3079" name="Straight Arrow Connector 3078"/>
+          <p:cNvCxnSpPr/>
+          <p:nvPr/>
+        </p:nvCxnSpPr>
+        <p:spPr>
+          <a:xfrm flipH="1">
+            <a:off x="6449261" y="3911066"/>
+            <a:ext cx="733926" cy="1094071"/>
+          </a:xfrm>
+          <a:prstGeom prst="straightConnector1">
+            <a:avLst/>
+          </a:prstGeom>
+          <a:ln>
+            <a:tailEnd type="triangle"/>
+          </a:ln>
+        </p:spPr>
+        <p:style>
+          <a:lnRef idx="1">
+            <a:schemeClr val="accent1"/>
+          </a:lnRef>
+          <a:fillRef idx="0">
+            <a:schemeClr val="accent1"/>
+          </a:fillRef>
+          <a:effectRef idx="0">
+            <a:schemeClr val="accent1"/>
+          </a:effectRef>
+          <a:fontRef idx="minor">
+            <a:schemeClr val="tx1"/>
+          </a:fontRef>
+        </p:style>
+      </p:cxnSp>
+      <p:cxnSp>
+        <p:nvCxnSpPr>
+          <p:cNvPr id="42" name="Straight Arrow Connector 41"/>
+          <p:cNvCxnSpPr/>
+          <p:nvPr/>
+        </p:nvCxnSpPr>
+        <p:spPr>
+          <a:xfrm>
+            <a:off x="7183187" y="3911066"/>
+            <a:ext cx="1" cy="1226419"/>
+          </a:xfrm>
+          <a:prstGeom prst="straightConnector1">
+            <a:avLst/>
+          </a:prstGeom>
+          <a:ln>
+            <a:tailEnd type="triangle"/>
+          </a:ln>
+        </p:spPr>
+        <p:style>
+          <a:lnRef idx="1">
+            <a:schemeClr val="accent1"/>
+          </a:lnRef>
+          <a:fillRef idx="0">
+            <a:schemeClr val="accent1"/>
+          </a:fillRef>
+          <a:effectRef idx="0">
+            <a:schemeClr val="accent1"/>
+          </a:effectRef>
+          <a:fontRef idx="minor">
+            <a:schemeClr val="tx1"/>
+          </a:fontRef>
+        </p:style>
+      </p:cxnSp>
+      <p:sp>
+        <p:nvSpPr>
+          <p:cNvPr id="3085" name="TextBox 3084"/>
+          <p:cNvSpPr txBox="1"/>
+          <p:nvPr/>
+        </p:nvSpPr>
+        <p:spPr>
+          <a:xfrm>
+            <a:off x="8198381" y="1004571"/>
+            <a:ext cx="2088619" cy="646331"/>
+          </a:xfrm>
+          <a:prstGeom prst="rect">
+            <a:avLst/>
+          </a:prstGeom>
+          <a:noFill/>
+        </p:spPr>
+        <p:txBody>
+          <a:bodyPr wrap="square" rtlCol="0">
+            <a:spAutoFit/>
+          </a:bodyPr>
+          <a:lstStyle/>
+          <a:p>
+            <a:pPr algn="ctr"/>
+            <a:r>
+              <a:rPr lang="en-US" dirty="0"/>
+              <a:t>Has no dependencies</a:t>
+            </a:r>
+          </a:p>
+        </p:txBody>
+      </p:sp>
+      <p:cxnSp>
+        <p:nvCxnSpPr>
+          <p:cNvPr id="47" name="Straight Arrow Connector 46"/>
+          <p:cNvCxnSpPr/>
+          <p:nvPr/>
+        </p:nvCxnSpPr>
+        <p:spPr>
+          <a:xfrm flipH="1">
+            <a:off x="9969737" y="3861046"/>
+            <a:ext cx="733926" cy="1094071"/>
+          </a:xfrm>
+          <a:prstGeom prst="straightConnector1">
+            <a:avLst/>
+          </a:prstGeom>
+          <a:ln>
+            <a:tailEnd type="triangle"/>
+          </a:ln>
+        </p:spPr>
+        <p:style>
+          <a:lnRef idx="1">
+            <a:schemeClr val="accent1"/>
+          </a:lnRef>
+          <a:fillRef idx="0">
+            <a:schemeClr val="accent1"/>
+          </a:fillRef>
+          <a:effectRef idx="0">
+            <a:schemeClr val="accent1"/>
+          </a:effectRef>
+          <a:fontRef idx="minor">
+            <a:schemeClr val="tx1"/>
+          </a:fontRef>
+        </p:style>
+      </p:cxnSp>
+      <p:cxnSp>
+        <p:nvCxnSpPr>
+          <p:cNvPr id="48" name="Straight Arrow Connector 47"/>
+          <p:cNvCxnSpPr/>
+          <p:nvPr/>
+        </p:nvCxnSpPr>
+        <p:spPr>
+          <a:xfrm>
+            <a:off x="10703663" y="3861046"/>
+            <a:ext cx="1" cy="1226419"/>
+          </a:xfrm>
+          <a:prstGeom prst="straightConnector1">
+            <a:avLst/>
+          </a:prstGeom>
+          <a:ln>
+            <a:tailEnd type="triangle"/>
+          </a:ln>
+        </p:spPr>
+        <p:style>
+          <a:lnRef idx="1">
+            <a:schemeClr val="accent1"/>
+          </a:lnRef>
+          <a:fillRef idx="0">
+            <a:schemeClr val="accent1"/>
+          </a:fillRef>
+          <a:effectRef idx="0">
+            <a:schemeClr val="accent1"/>
+          </a:effectRef>
+          <a:fontRef idx="minor">
+            <a:schemeClr val="tx1"/>
+          </a:fontRef>
+        </p:style>
+      </p:cxnSp>
+      <p:sp>
+        <p:nvSpPr>
+          <p:cNvPr id="49" name="TextBox 48"/>
+          <p:cNvSpPr txBox="1"/>
+          <p:nvPr/>
+        </p:nvSpPr>
+        <p:spPr>
+          <a:xfrm>
+            <a:off x="9683416" y="2937715"/>
+            <a:ext cx="2088619" cy="923330"/>
+          </a:xfrm>
+          <a:prstGeom prst="rect">
+            <a:avLst/>
+          </a:prstGeom>
+          <a:noFill/>
+        </p:spPr>
+        <p:txBody>
+          <a:bodyPr wrap="square" rtlCol="0">
+            <a:spAutoFit/>
+          </a:bodyPr>
+          <a:lstStyle/>
+          <a:p>
+            <a:pPr algn="ctr"/>
+            <a:r>
+              <a:rPr lang="en-US" dirty="0"/>
+              <a:t>Injected</a:t>
+            </a:r>
+          </a:p>
+          <a:p>
+            <a:pPr algn="ctr"/>
+            <a:r>
+              <a:rPr lang="en-US" dirty="0"/>
+              <a:t>dependencies</a:t>
+            </a:r>
+          </a:p>
+          <a:p>
+            <a:pPr algn="ctr"/>
+            <a:r>
+              <a:rPr lang="en-US" dirty="0"/>
+              <a:t>for TodoController</a:t>
+            </a:r>
+          </a:p>
+        </p:txBody>
+      </p:sp>
+      <p:cxnSp>
+        <p:nvCxnSpPr>
+          <p:cNvPr id="3088" name="Elbow Connector 3087"/>
+          <p:cNvCxnSpPr/>
+          <p:nvPr/>
+        </p:nvCxnSpPr>
+        <p:spPr>
+          <a:xfrm rot="10800000" flipV="1">
+            <a:off x="2947248" y="1353617"/>
+            <a:ext cx="5522984" cy="379101"/>
+          </a:xfrm>
+          <a:prstGeom prst="bentConnector3">
+            <a:avLst>
+              <a:gd name="adj1" fmla="val 99887"/>
+            </a:avLst>
+          </a:prstGeom>
+          <a:ln>
+            <a:tailEnd type="triangle"/>
+          </a:ln>
+        </p:spPr>
+        <p:style>
+          <a:lnRef idx="1">
+            <a:schemeClr val="accent1"/>
+          </a:lnRef>
+          <a:fillRef idx="0">
+            <a:schemeClr val="accent1"/>
+          </a:fillRef>
+          <a:effectRef idx="0">
+            <a:schemeClr val="accent1"/>
+          </a:effectRef>
+          <a:fontRef idx="minor">
+            <a:schemeClr val="tx1"/>
+          </a:fontRef>
+        </p:style>
+      </p:cxnSp>
+      <p:sp>
+        <p:nvSpPr>
+          <p:cNvPr id="60" name="TextBox 59"/>
+          <p:cNvSpPr txBox="1"/>
+          <p:nvPr/>
+        </p:nvSpPr>
+        <p:spPr>
+          <a:xfrm>
+            <a:off x="6291277" y="3405815"/>
+            <a:ext cx="2088619" cy="646331"/>
+          </a:xfrm>
+          <a:prstGeom prst="rect">
+            <a:avLst/>
+          </a:prstGeom>
+          <a:noFill/>
+        </p:spPr>
+        <p:txBody>
+          <a:bodyPr wrap="square" rtlCol="0">
+            <a:spAutoFit/>
+          </a:bodyPr>
+          <a:lstStyle/>
+          <a:p>
+            <a:pPr algn="ctr"/>
+            <a:r>
+              <a:rPr lang="en-US" dirty="0"/>
+              <a:t>Dependencies</a:t>
+            </a:r>
+          </a:p>
+          <a:p>
+            <a:pPr algn="ctr"/>
+            <a:r>
+              <a:rPr lang="en-US" dirty="0"/>
+              <a:t>for TodoController</a:t>
+            </a:r>
+          </a:p>
+        </p:txBody>
+      </p:sp>
+    </p:spTree>
+    <p:extLst>
+      <p:ext uri="{BB962C8B-B14F-4D97-AF65-F5344CB8AC3E}">
+        <p14:creationId xmlns:p14="http://schemas.microsoft.com/office/powerpoint/2010/main" val="2846571447"/>
+      </p:ext>
+    </p:extLst>
+  </p:cSld>
+  <p:clrMapOvr>
+    <a:masterClrMapping/>
+  </p:clrMapOvr>
+  <mc:AlternateContent xmlns:mc="http://schemas.openxmlformats.org/markup-compatibility/2006" xmlns:p14="http://schemas.microsoft.com/office/powerpoint/2010/main">
+    <mc:Choice Requires="p14">
+      <p:transition spd="med" p14:dur="700">
+        <p:fade/>
+      </p:transition>
+    </mc:Choice>
+    <mc:Fallback xmlns="">
+      <p:transition spd="med">
+        <p:fade/>
+      </p:transition>
+    </mc:Fallback>
+  </mc:AlternateContent>
+</p:sld>
+</file>
+
+<file path=ppt/slides/slide11.xml><?xml version="1.0" encoding="utf-8"?>
+<p:sld xmlns:a="http://schemas.openxmlformats.org/drawingml/2006/main" xmlns:r="http://schemas.openxmlformats.org/officeDocument/2006/relationships" xmlns:p="http://schemas.openxmlformats.org/presentationml/2006/main">
+  <p:cSld>
+    <p:spTree>
+      <p:nvGrpSpPr>
+        <p:cNvPr id="1" name=""/>
+        <p:cNvGrpSpPr/>
+        <p:nvPr/>
+      </p:nvGrpSpPr>
+      <p:grpSpPr>
+        <a:xfrm>
+          <a:off x="0" y="0"/>
+          <a:ext cx="0" cy="0"/>
+          <a:chOff x="0" y="0"/>
+          <a:chExt cx="0" cy="0"/>
+        </a:xfrm>
+      </p:grpSpPr>
+      <p:sp>
+        <p:nvSpPr>
+          <p:cNvPr id="2" name="Title 1"/>
+          <p:cNvSpPr>
+            <a:spLocks noGrp="1"/>
+          </p:cNvSpPr>
+          <p:nvPr>
+            <p:ph type="title"/>
+          </p:nvPr>
+        </p:nvSpPr>
+        <p:spPr>
+          <a:xfrm>
+            <a:off x="1341120" y="467360"/>
+            <a:ext cx="9509760" cy="4224956"/>
+          </a:xfrm>
+        </p:spPr>
+        <p:txBody>
+          <a:bodyPr>
+            <a:normAutofit/>
+          </a:bodyPr>
+          <a:lstStyle/>
+          <a:p>
+            <a:r>
+              <a:rPr lang="en-US" sz="4000" dirty="0"/>
+              <a:t>For all your AngularJS documentation needs:</a:t>
+            </a:r>
+            <a:br>
+              <a:rPr lang="en-US" sz="4000" dirty="0"/>
+            </a:br>
+            <a:br>
+              <a:rPr lang="en-US" sz="4000" dirty="0"/>
+            </a:br>
+            <a:r>
+              <a:rPr lang="en-US" sz="8000" dirty="0"/>
+              <a:t>docs.angularjs.org/</a:t>
+            </a:r>
+            <a:r>
+              <a:rPr lang="en-US" sz="8000" dirty="0" err="1"/>
+              <a:t>api</a:t>
+            </a:r>
+            <a:endParaRPr lang="en-US" sz="4000" dirty="0"/>
+          </a:p>
+        </p:txBody>
+      </p:sp>
+    </p:spTree>
+    <p:extLst>
+      <p:ext uri="{BB962C8B-B14F-4D97-AF65-F5344CB8AC3E}">
+        <p14:creationId xmlns:p14="http://schemas.microsoft.com/office/powerpoint/2010/main" val="3574948254"/>
+      </p:ext>
+    </p:extLst>
+  </p:cSld>
+  <p:clrMapOvr>
+    <a:masterClrMapping/>
+  </p:clrMapOvr>
+  <mc:AlternateContent xmlns:mc="http://schemas.openxmlformats.org/markup-compatibility/2006" xmlns:p14="http://schemas.microsoft.com/office/powerpoint/2010/main">
+    <mc:Choice Requires="p14">
+      <p:transition spd="med" p14:dur="700">
+        <p:fade/>
+      </p:transition>
+    </mc:Choice>
+    <mc:Fallback xmlns="">
+      <p:transition spd="med">
+        <p:fade/>
+      </p:transition>
+    </mc:Fallback>
+  </mc:AlternateContent>
+</p:sld>
+</file>
+
+<file path=ppt/slides/slide12.xml><?xml version="1.0" encoding="utf-8"?>
+<p:sld xmlns:a="http://schemas.openxmlformats.org/drawingml/2006/main" xmlns:r="http://schemas.openxmlformats.org/officeDocument/2006/relationships" xmlns:p="http://schemas.openxmlformats.org/presentationml/2006/main">
+  <p:cSld>
+    <p:spTree>
+      <p:nvGrpSpPr>
+        <p:cNvPr id="1" name=""/>
+        <p:cNvGrpSpPr/>
+        <p:nvPr/>
+      </p:nvGrpSpPr>
+      <p:grpSpPr>
+        <a:xfrm>
+          <a:off x="0" y="0"/>
+          <a:ext cx="0" cy="0"/>
+          <a:chOff x="0" y="0"/>
+          <a:chExt cx="0" cy="0"/>
+        </a:xfrm>
+      </p:grpSpPr>
+      <p:sp>
+        <p:nvSpPr>
+          <p:cNvPr id="3" name="Content Placeholder 2"/>
+          <p:cNvSpPr>
+            <a:spLocks noGrp="1"/>
+          </p:cNvSpPr>
+          <p:nvPr>
+            <p:ph idx="1"/>
+          </p:nvPr>
+        </p:nvSpPr>
+        <p:spPr>
+          <a:xfrm>
+            <a:off x="1341120" y="883920"/>
+            <a:ext cx="9509760" cy="5145659"/>
+          </a:xfrm>
+        </p:spPr>
+        <p:txBody>
+          <a:bodyPr/>
+          <a:lstStyle/>
+          <a:p>
+            <a:pPr marL="45720" indent="0" algn="ctr">
+              <a:buNone/>
+            </a:pPr>
+            <a:r>
+              <a:rPr lang="en-US" sz="3200" dirty="0">
+                <a:latin typeface="Consolas" panose="020B0609020204030204" pitchFamily="49" charset="0"/>
+              </a:rPr>
+              <a:t>Open </a:t>
+            </a:r>
+            <a:r>
+              <a:rPr lang="en-US" sz="3200" dirty="0" err="1">
+                <a:latin typeface="Consolas" panose="020B0609020204030204" pitchFamily="49" charset="0"/>
+              </a:rPr>
+              <a:t>git</a:t>
+            </a:r>
+            <a:r>
+              <a:rPr lang="en-US" sz="3200" dirty="0">
+                <a:latin typeface="Consolas" panose="020B0609020204030204" pitchFamily="49" charset="0"/>
+              </a:rPr>
+              <a:t> bash or terminal</a:t>
+            </a:r>
+          </a:p>
+          <a:p>
+            <a:pPr marL="45720" indent="0" algn="ctr">
+              <a:buNone/>
+            </a:pPr>
+            <a:endParaRPr lang="en-US" dirty="0">
+              <a:latin typeface="Consolas" panose="020B0609020204030204" pitchFamily="49" charset="0"/>
+            </a:endParaRPr>
+          </a:p>
+          <a:p>
+            <a:pPr marL="45720" indent="0">
+              <a:buNone/>
+            </a:pPr>
+            <a:r>
+              <a:rPr lang="en-US" sz="2400" dirty="0" err="1">
+                <a:latin typeface="Consolas" panose="020B0609020204030204" pitchFamily="49" charset="0"/>
+              </a:rPr>
+              <a:t>git</a:t>
+            </a:r>
+            <a:r>
+              <a:rPr lang="en-US" sz="2400" dirty="0">
+                <a:latin typeface="Consolas" panose="020B0609020204030204" pitchFamily="49" charset="0"/>
+              </a:rPr>
+              <a:t> clone https://github.com/chcaru/workshop.git</a:t>
+            </a:r>
+          </a:p>
+          <a:p>
+            <a:pPr marL="45720" indent="0">
+              <a:buNone/>
+            </a:pPr>
+            <a:r>
+              <a:rPr lang="en-US" sz="2400" dirty="0">
+                <a:latin typeface="Consolas" panose="020B0609020204030204" pitchFamily="49" charset="0"/>
+              </a:rPr>
+              <a:t>cd workshop/workshop2</a:t>
+            </a:r>
+          </a:p>
+          <a:p>
+            <a:pPr marL="45720" indent="0">
+              <a:buNone/>
+            </a:pPr>
+            <a:r>
+              <a:rPr lang="en-US" sz="2400" dirty="0" err="1">
+                <a:latin typeface="Consolas" panose="020B0609020204030204" pitchFamily="49" charset="0"/>
+              </a:rPr>
+              <a:t>npm</a:t>
+            </a:r>
+            <a:r>
+              <a:rPr lang="en-US" sz="2400" dirty="0">
+                <a:latin typeface="Consolas" panose="020B0609020204030204" pitchFamily="49" charset="0"/>
+              </a:rPr>
+              <a:t> install</a:t>
+            </a:r>
+          </a:p>
+          <a:p>
+            <a:pPr marL="45720" indent="0">
+              <a:buNone/>
+            </a:pPr>
+            <a:r>
+              <a:rPr lang="en-US" sz="2400" dirty="0">
+                <a:latin typeface="Consolas" panose="020B0609020204030204" pitchFamily="49" charset="0"/>
+              </a:rPr>
+              <a:t>cd start</a:t>
+            </a:r>
+          </a:p>
+          <a:p>
+            <a:pPr marL="45720" indent="0">
+              <a:buNone/>
+            </a:pPr>
+            <a:r>
+              <a:rPr lang="en-US" sz="2400" dirty="0">
+                <a:latin typeface="Consolas" panose="020B0609020204030204" pitchFamily="49" charset="0"/>
+              </a:rPr>
+              <a:t>start atom .</a:t>
+            </a:r>
+          </a:p>
+          <a:p>
+            <a:pPr marL="45720" indent="0">
+              <a:buNone/>
+            </a:pPr>
+            <a:r>
+              <a:rPr lang="en-US" sz="2400" dirty="0">
+                <a:latin typeface="Consolas" panose="020B0609020204030204" pitchFamily="49" charset="0"/>
+              </a:rPr>
+              <a:t>node server.js</a:t>
+            </a:r>
+          </a:p>
+          <a:p>
+            <a:pPr marL="45720" indent="0">
+              <a:buNone/>
+            </a:pPr>
+            <a:endParaRPr lang="en-US" dirty="0">
+              <a:latin typeface="Consolas" panose="020B0609020204030204" pitchFamily="49" charset="0"/>
+            </a:endParaRPr>
+          </a:p>
+        </p:txBody>
+      </p:sp>
+      <p:cxnSp>
+        <p:nvCxnSpPr>
+          <p:cNvPr id="4" name="Straight Arrow Connector 3"/>
+          <p:cNvCxnSpPr/>
+          <p:nvPr/>
+        </p:nvCxnSpPr>
+        <p:spPr>
+          <a:xfrm flipH="1">
+            <a:off x="4186989" y="5041232"/>
+            <a:ext cx="2213811" cy="0"/>
+          </a:xfrm>
+          <a:prstGeom prst="straightConnector1">
+            <a:avLst/>
+          </a:prstGeom>
+          <a:ln>
+            <a:tailEnd type="triangle"/>
+          </a:ln>
+        </p:spPr>
+        <p:style>
+          <a:lnRef idx="1">
+            <a:schemeClr val="accent1"/>
+          </a:lnRef>
+          <a:fillRef idx="0">
+            <a:schemeClr val="accent1"/>
+          </a:fillRef>
+          <a:effectRef idx="0">
+            <a:schemeClr val="accent1"/>
+          </a:effectRef>
+          <a:fontRef idx="minor">
+            <a:schemeClr val="tx1"/>
+          </a:fontRef>
+        </p:style>
+      </p:cxnSp>
+      <p:sp>
+        <p:nvSpPr>
+          <p:cNvPr id="8" name="TextBox 7"/>
+          <p:cNvSpPr txBox="1"/>
+          <p:nvPr/>
+        </p:nvSpPr>
+        <p:spPr>
+          <a:xfrm>
+            <a:off x="6533148" y="4856566"/>
+            <a:ext cx="3639394" cy="1200329"/>
+          </a:xfrm>
+          <a:prstGeom prst="rect">
+            <a:avLst/>
+          </a:prstGeom>
+          <a:noFill/>
+        </p:spPr>
+        <p:txBody>
+          <a:bodyPr wrap="none" rtlCol="0">
+            <a:spAutoFit/>
+          </a:bodyPr>
+          <a:lstStyle/>
+          <a:p>
+            <a:r>
+              <a:rPr lang="en-US" dirty="0"/>
+              <a:t>Starts node with the file server.js</a:t>
+            </a:r>
+          </a:p>
+          <a:p>
+            <a:r>
+              <a:rPr lang="en-US" dirty="0"/>
+              <a:t>We will be restarting this throughout</a:t>
+            </a:r>
+          </a:p>
+          <a:p>
+            <a:r>
+              <a:rPr lang="en-US" dirty="0"/>
+              <a:t>the workshop, so keep the window </a:t>
+            </a:r>
+          </a:p>
+          <a:p>
+            <a:r>
+              <a:rPr lang="en-US" dirty="0"/>
+              <a:t>handy, but don’t close it!</a:t>
+            </a:r>
+          </a:p>
+        </p:txBody>
+      </p:sp>
+    </p:spTree>
+    <p:extLst>
+      <p:ext uri="{BB962C8B-B14F-4D97-AF65-F5344CB8AC3E}">
+        <p14:creationId xmlns:p14="http://schemas.microsoft.com/office/powerpoint/2010/main" val="1596373389"/>
+      </p:ext>
+    </p:extLst>
+  </p:cSld>
+  <p:clrMapOvr>
+    <a:masterClrMapping/>
+  </p:clrMapOvr>
+  <mc:AlternateContent xmlns:mc="http://schemas.openxmlformats.org/markup-compatibility/2006" xmlns:p14="http://schemas.microsoft.com/office/powerpoint/2010/main">
+    <mc:Choice Requires="p14">
+      <p:transition spd="med" p14:dur="700">
+        <p:fade/>
+      </p:transition>
+    </mc:Choice>
+    <mc:Fallback xmlns="">
+      <p:transition spd="med">
+        <p:fade/>
+      </p:transition>
+    </mc:Fallback>
+  </mc:AlternateContent>
+</p:sld>
+</file>
+
+<file path=ppt/slides/slide13.xml><?xml version="1.0" encoding="utf-8"?>
+<p:sld xmlns:a="http://schemas.openxmlformats.org/drawingml/2006/main" xmlns:r="http://schemas.openxmlformats.org/officeDocument/2006/relationships" xmlns:p="http://schemas.openxmlformats.org/presentationml/2006/main">
+  <p:cSld>
+    <p:spTree>
+      <p:nvGrpSpPr>
+        <p:cNvPr id="1" name=""/>
+        <p:cNvGrpSpPr/>
+        <p:nvPr/>
+      </p:nvGrpSpPr>
+      <p:grpSpPr>
+        <a:xfrm>
+          <a:off x="0" y="0"/>
+          <a:ext cx="0" cy="0"/>
+          <a:chOff x="0" y="0"/>
+          <a:chExt cx="0" cy="0"/>
+        </a:xfrm>
+      </p:grpSpPr>
+      <p:sp>
+        <p:nvSpPr>
+          <p:cNvPr id="2" name="Title 1"/>
+          <p:cNvSpPr>
+            <a:spLocks noGrp="1"/>
+          </p:cNvSpPr>
+          <p:nvPr>
+            <p:ph type="title"/>
+          </p:nvPr>
+        </p:nvSpPr>
+        <p:spPr>
+          <a:xfrm>
+            <a:off x="1341120" y="132347"/>
+            <a:ext cx="9509760" cy="6316579"/>
+          </a:xfrm>
+        </p:spPr>
+        <p:txBody>
+          <a:bodyPr>
+            <a:normAutofit fontScale="90000"/>
+          </a:bodyPr>
+          <a:lstStyle/>
+          <a:p>
+            <a:r>
+              <a:rPr lang="en-US" sz="4900" dirty="0">
+                <a:solidFill>
+                  <a:schemeClr val="accent1"/>
+                </a:solidFill>
+              </a:rPr>
+              <a:t>5 minute break</a:t>
+            </a:r>
+            <a:br>
+              <a:rPr lang="en-US" dirty="0"/>
+            </a:br>
+            <a:br>
+              <a:rPr lang="en-US" dirty="0"/>
+            </a:br>
+            <a:r>
+              <a:rPr lang="en-US" dirty="0"/>
+              <a:t>If you need help, come up and ask me now</a:t>
+            </a:r>
+            <a:br>
+              <a:rPr lang="en-US" dirty="0"/>
+            </a:br>
+            <a:br>
+              <a:rPr lang="en-US" dirty="0"/>
+            </a:br>
+            <a:r>
+              <a:rPr lang="en-US" dirty="0"/>
+              <a:t>Feedback:</a:t>
+            </a:r>
+            <a:br>
+              <a:rPr lang="en-US" dirty="0"/>
+            </a:br>
+            <a:r>
+              <a:rPr lang="en-US" sz="13800" dirty="0">
+                <a:latin typeface="Calibri Light" panose="020F0302020204030204" pitchFamily="34" charset="0"/>
+              </a:rPr>
+              <a:t>goo.gl/z6qY9C</a:t>
+            </a:r>
+            <a:br>
+              <a:rPr lang="en-US" sz="9600" dirty="0">
+                <a:latin typeface="Calibri Light" panose="020F0302020204030204" pitchFamily="34" charset="0"/>
+              </a:rPr>
+            </a:br>
+            <a:br>
+              <a:rPr lang="en-US" dirty="0"/>
+            </a:br>
+            <a:endParaRPr lang="en-US" dirty="0"/>
+          </a:p>
+        </p:txBody>
+      </p:sp>
+    </p:spTree>
+    <p:extLst>
+      <p:ext uri="{BB962C8B-B14F-4D97-AF65-F5344CB8AC3E}">
+        <p14:creationId xmlns:p14="http://schemas.microsoft.com/office/powerpoint/2010/main" val="4112575831"/>
+      </p:ext>
+    </p:extLst>
+  </p:cSld>
+  <p:clrMapOvr>
+    <a:masterClrMapping/>
+  </p:clrMapOvr>
+  <mc:AlternateContent xmlns:mc="http://schemas.openxmlformats.org/markup-compatibility/2006" xmlns:p14="http://schemas.microsoft.com/office/powerpoint/2010/main">
+    <mc:Choice Requires="p14">
+      <p:transition spd="med" p14:dur="700">
+        <p:fade/>
+      </p:transition>
+    </mc:Choice>
+    <mc:Fallback xmlns="">
+      <p:transition spd="med">
+        <p:fade/>
+      </p:transition>
+    </mc:Fallback>
+  </mc:AlternateContent>
+</p:sld>
+</file>
+
+<file path=ppt/slides/slide14.xml><?xml version="1.0" encoding="utf-8"?>
+<p:sld xmlns:a="http://schemas.openxmlformats.org/drawingml/2006/main" xmlns:r="http://schemas.openxmlformats.org/officeDocument/2006/relationships" xmlns:p="http://schemas.openxmlformats.org/presentationml/2006/main">
+  <p:cSld>
+    <p:spTree>
+      <p:nvGrpSpPr>
+        <p:cNvPr id="1" name=""/>
+        <p:cNvGrpSpPr/>
+        <p:nvPr/>
+      </p:nvGrpSpPr>
+      <p:grpSpPr>
+        <a:xfrm>
+          <a:off x="0" y="0"/>
+          <a:ext cx="0" cy="0"/>
+          <a:chOff x="0" y="0"/>
+          <a:chExt cx="0" cy="0"/>
+        </a:xfrm>
+      </p:grpSpPr>
+      <p:sp>
+        <p:nvSpPr>
+          <p:cNvPr id="2" name="Title 1"/>
+          <p:cNvSpPr>
+            <a:spLocks noGrp="1"/>
+          </p:cNvSpPr>
+          <p:nvPr>
+            <p:ph type="title"/>
+          </p:nvPr>
+        </p:nvSpPr>
+        <p:spPr>
+          <a:xfrm>
+            <a:off x="0" y="0"/>
+            <a:ext cx="9509760" cy="651577"/>
+          </a:xfrm>
+        </p:spPr>
+        <p:txBody>
+          <a:bodyPr/>
+          <a:lstStyle/>
+          <a:p>
+            <a:r>
+              <a:rPr lang="en-US" dirty="0" err="1"/>
+              <a:t>WebSockets</a:t>
+            </a:r>
+            <a:r>
+              <a:rPr lang="en-US" dirty="0"/>
+              <a:t> with socket.io</a:t>
+            </a:r>
+          </a:p>
+        </p:txBody>
+      </p:sp>
+      <p:pic>
+        <p:nvPicPr>
+          <p:cNvPr id="4098" name="Picture 2" descr="http://storage.vexxhost.net/v1/d7594b0298b54bcc9e4e0f252e1da2e4/blog/mean-socket-io-integration-tutorial%2Fsocketio-logo.png"/>
+          <p:cNvPicPr>
+            <a:picLocks noChangeAspect="1" noChangeArrowheads="1"/>
+          </p:cNvPicPr>
+          <p:nvPr/>
+        </p:nvPicPr>
+        <p:blipFill rotWithShape="1">
+          <a:blip r:embed="rId2" cstate="print">
+            <a:extLst>
+              <a:ext uri="{28A0092B-C50C-407E-A947-70E740481C1C}">
+                <a14:useLocalDpi xmlns:a14="http://schemas.microsoft.com/office/drawing/2010/main" val="0"/>
+              </a:ext>
+            </a:extLst>
+          </a:blip>
+          <a:srcRect l="4305" t="18439" r="5299" b="23702"/>
+          <a:stretch/>
+        </p:blipFill>
+        <p:spPr bwMode="auto">
+          <a:xfrm>
+            <a:off x="8000157" y="4155380"/>
+            <a:ext cx="2549970" cy="765832"/>
+          </a:xfrm>
+          <a:prstGeom prst="rect">
+            <a:avLst/>
+          </a:prstGeom>
+          <a:noFill/>
+          <a:extLst>
+            <a:ext uri="{909E8E84-426E-40DD-AFC4-6F175D3DCCD1}">
+              <a14:hiddenFill xmlns:a14="http://schemas.microsoft.com/office/drawing/2010/main">
+                <a:solidFill>
+                  <a:srgbClr val="FFFFFF"/>
+                </a:solidFill>
+              </a14:hiddenFill>
+            </a:ext>
+          </a:extLst>
+        </p:spPr>
+      </p:pic>
+      <p:pic>
+        <p:nvPicPr>
+          <p:cNvPr id="4100" name="Picture 4" descr="https://lh3.ggpht.com/O0aW5qsyCkR2i7Bu-jUU1b5BWA_NygJ6ui4MgaAvL7gfqvVWqkOBscDaq4pn-vkwByUx=w300"/>
+          <p:cNvPicPr>
+            <a:picLocks noChangeAspect="1" noChangeArrowheads="1"/>
+          </p:cNvPicPr>
+          <p:nvPr/>
+        </p:nvPicPr>
+        <p:blipFill>
+          <a:blip r:embed="rId3">
+            <a:extLst>
+              <a:ext uri="{28A0092B-C50C-407E-A947-70E740481C1C}">
+                <a14:useLocalDpi xmlns:a14="http://schemas.microsoft.com/office/drawing/2010/main" val="0"/>
+              </a:ext>
+            </a:extLst>
+          </a:blip>
+          <a:srcRect/>
+          <a:stretch>
+            <a:fillRect/>
+          </a:stretch>
+        </p:blipFill>
+        <p:spPr bwMode="auto">
+          <a:xfrm>
+            <a:off x="2390259" y="1441540"/>
+            <a:ext cx="1299439" cy="1299439"/>
+          </a:xfrm>
+          <a:prstGeom prst="rect">
+            <a:avLst/>
+          </a:prstGeom>
+          <a:noFill/>
+          <a:extLst>
+            <a:ext uri="{909E8E84-426E-40DD-AFC4-6F175D3DCCD1}">
+              <a14:hiddenFill xmlns:a14="http://schemas.microsoft.com/office/drawing/2010/main">
+                <a:solidFill>
+                  <a:srgbClr val="FFFFFF"/>
+                </a:solidFill>
+              </a14:hiddenFill>
+            </a:ext>
+          </a:extLst>
+        </p:spPr>
+      </p:pic>
+      <p:pic>
+        <p:nvPicPr>
+          <p:cNvPr id="6" name="Picture 4" descr="https://angularjs.org/img/AngularJS-large.png"/>
+          <p:cNvPicPr>
+            <a:picLocks noChangeAspect="1" noChangeArrowheads="1"/>
+          </p:cNvPicPr>
+          <p:nvPr/>
+        </p:nvPicPr>
+        <p:blipFill>
+          <a:blip r:embed="rId4">
+            <a:extLst>
+              <a:ext uri="{28A0092B-C50C-407E-A947-70E740481C1C}">
+                <a14:useLocalDpi xmlns:a14="http://schemas.microsoft.com/office/drawing/2010/main" val="0"/>
+              </a:ext>
+            </a:extLst>
+          </a:blip>
+          <a:srcRect/>
+          <a:stretch>
+            <a:fillRect/>
+          </a:stretch>
+        </p:blipFill>
+        <p:spPr bwMode="auto">
+          <a:xfrm>
+            <a:off x="1931400" y="3082552"/>
+            <a:ext cx="2217158" cy="625204"/>
+          </a:xfrm>
+          <a:prstGeom prst="rect">
+            <a:avLst/>
+          </a:prstGeom>
+          <a:noFill/>
+          <a:extLst>
+            <a:ext uri="{909E8E84-426E-40DD-AFC4-6F175D3DCCD1}">
+              <a14:hiddenFill xmlns:a14="http://schemas.microsoft.com/office/drawing/2010/main">
+                <a:solidFill>
+                  <a:srgbClr val="FFFFFF"/>
+                </a:solidFill>
+              </a14:hiddenFill>
+            </a:ext>
+          </a:extLst>
+        </p:spPr>
+      </p:pic>
+      <p:pic>
+        <p:nvPicPr>
+          <p:cNvPr id="7" name="Picture 2" descr="http://storage.vexxhost.net/v1/d7594b0298b54bcc9e4e0f252e1da2e4/blog/mean-socket-io-integration-tutorial%2Fsocketio-logo.png"/>
+          <p:cNvPicPr>
+            <a:picLocks noChangeAspect="1" noChangeArrowheads="1"/>
+          </p:cNvPicPr>
+          <p:nvPr/>
+        </p:nvPicPr>
+        <p:blipFill rotWithShape="1">
+          <a:blip r:embed="rId5" cstate="print">
+            <a:extLst>
+              <a:ext uri="{28A0092B-C50C-407E-A947-70E740481C1C}">
+                <a14:useLocalDpi xmlns:a14="http://schemas.microsoft.com/office/drawing/2010/main" val="0"/>
+              </a:ext>
+            </a:extLst>
+          </a:blip>
+          <a:srcRect l="4305" t="18439" r="5299" b="23702"/>
+          <a:stretch/>
+        </p:blipFill>
+        <p:spPr bwMode="auto">
+          <a:xfrm>
+            <a:off x="2147638" y="4652918"/>
+            <a:ext cx="1784683" cy="535994"/>
+          </a:xfrm>
+          <a:prstGeom prst="rect">
+            <a:avLst/>
+          </a:prstGeom>
+          <a:noFill/>
+          <a:extLst>
+            <a:ext uri="{909E8E84-426E-40DD-AFC4-6F175D3DCCD1}">
+              <a14:hiddenFill xmlns:a14="http://schemas.microsoft.com/office/drawing/2010/main">
+                <a:solidFill>
+                  <a:srgbClr val="FFFFFF"/>
+                </a:solidFill>
+              </a14:hiddenFill>
+            </a:ext>
+          </a:extLst>
+        </p:spPr>
+      </p:pic>
+      <p:sp>
+        <p:nvSpPr>
+          <p:cNvPr id="4" name="Rectangle 3"/>
+          <p:cNvSpPr/>
+          <p:nvPr/>
+        </p:nvSpPr>
+        <p:spPr>
+          <a:xfrm>
+            <a:off x="1070810" y="1340238"/>
+            <a:ext cx="3994485" cy="4988373"/>
+          </a:xfrm>
+          <a:prstGeom prst="rect">
+            <a:avLst/>
+          </a:prstGeom>
+          <a:noFill/>
+          <a:ln>
+            <a:solidFill>
+              <a:schemeClr val="accent1"/>
+            </a:solidFill>
+          </a:ln>
+        </p:spPr>
+        <p:style>
+          <a:lnRef idx="2">
+            <a:schemeClr val="accent1">
+              <a:shade val="50000"/>
+            </a:schemeClr>
+          </a:lnRef>
+          <a:fillRef idx="1">
+            <a:schemeClr val="accent1"/>
+          </a:fillRef>
+          <a:effectRef idx="0">
+            <a:schemeClr val="accent1"/>
+          </a:effectRef>
+          <a:fontRef idx="minor">
+            <a:schemeClr val="lt1"/>
+          </a:fontRef>
+        </p:style>
+        <p:txBody>
+          <a:bodyPr rtlCol="0" anchor="ctr"/>
+          <a:lstStyle/>
+          <a:p>
+            <a:pPr algn="ctr"/>
+            <a:endParaRPr lang="en-US"/>
+          </a:p>
+        </p:txBody>
+      </p:sp>
+      <p:sp>
+        <p:nvSpPr>
+          <p:cNvPr id="10" name="Rectangle 9"/>
+          <p:cNvSpPr/>
+          <p:nvPr/>
+        </p:nvSpPr>
+        <p:spPr>
+          <a:xfrm>
+            <a:off x="1203156" y="2878299"/>
+            <a:ext cx="3717758" cy="3319994"/>
+          </a:xfrm>
+          <a:prstGeom prst="rect">
+            <a:avLst/>
+          </a:prstGeom>
+          <a:noFill/>
+          <a:ln>
+            <a:solidFill>
+              <a:schemeClr val="accent1"/>
+            </a:solidFill>
+          </a:ln>
+        </p:spPr>
+        <p:style>
+          <a:lnRef idx="2">
+            <a:schemeClr val="accent1">
+              <a:shade val="50000"/>
+            </a:schemeClr>
+          </a:lnRef>
+          <a:fillRef idx="1">
+            <a:schemeClr val="accent1"/>
+          </a:fillRef>
+          <a:effectRef idx="0">
+            <a:schemeClr val="accent1"/>
+          </a:effectRef>
+          <a:fontRef idx="minor">
+            <a:schemeClr val="lt1"/>
+          </a:fontRef>
+        </p:style>
+        <p:txBody>
+          <a:bodyPr rtlCol="0" anchor="ctr"/>
+          <a:lstStyle/>
+          <a:p>
+            <a:pPr algn="ctr"/>
+            <a:endParaRPr lang="en-US"/>
+          </a:p>
+        </p:txBody>
+      </p:sp>
+      <p:sp>
+        <p:nvSpPr>
+          <p:cNvPr id="11" name="Rectangle 10"/>
+          <p:cNvSpPr/>
+          <p:nvPr/>
+        </p:nvSpPr>
+        <p:spPr>
+          <a:xfrm>
+            <a:off x="1364241" y="3838074"/>
+            <a:ext cx="3364170" cy="2165683"/>
+          </a:xfrm>
+          <a:prstGeom prst="rect">
+            <a:avLst/>
+          </a:prstGeom>
+          <a:noFill/>
+          <a:ln>
+            <a:solidFill>
+              <a:schemeClr val="accent1"/>
+            </a:solidFill>
+          </a:ln>
+        </p:spPr>
+        <p:style>
+          <a:lnRef idx="2">
+            <a:schemeClr val="accent1">
+              <a:shade val="50000"/>
+            </a:schemeClr>
+          </a:lnRef>
+          <a:fillRef idx="1">
+            <a:schemeClr val="accent1"/>
+          </a:fillRef>
+          <a:effectRef idx="0">
+            <a:schemeClr val="accent1"/>
+          </a:effectRef>
+          <a:fontRef idx="minor">
+            <a:schemeClr val="lt1"/>
+          </a:fontRef>
+        </p:style>
+        <p:txBody>
+          <a:bodyPr rtlCol="0" anchor="ctr"/>
+          <a:lstStyle/>
+          <a:p>
+            <a:pPr algn="ctr"/>
+            <a:endParaRPr lang="en-US"/>
+          </a:p>
+        </p:txBody>
+      </p:sp>
+      <p:pic>
+        <p:nvPicPr>
+          <p:cNvPr id="4102" name="Picture 6" descr="http://benznext.com/wp-content/uploads/2015/04/nodejs_logo_green.jpg"/>
+          <p:cNvPicPr>
+            <a:picLocks noChangeAspect="1" noChangeArrowheads="1"/>
+          </p:cNvPicPr>
+          <p:nvPr/>
+        </p:nvPicPr>
+        <p:blipFill rotWithShape="1">
+          <a:blip r:embed="rId6" cstate="print">
+            <a:extLst>
+              <a:ext uri="{28A0092B-C50C-407E-A947-70E740481C1C}">
+                <a14:useLocalDpi xmlns:a14="http://schemas.microsoft.com/office/drawing/2010/main" val="0"/>
+              </a:ext>
+            </a:extLst>
+          </a:blip>
+          <a:srcRect l="8828" t="15310" r="4955" b="14116"/>
+          <a:stretch/>
+        </p:blipFill>
+        <p:spPr bwMode="auto">
+          <a:xfrm>
+            <a:off x="7512516" y="1473989"/>
+            <a:ext cx="3525253" cy="1236498"/>
+          </a:xfrm>
+          <a:prstGeom prst="rect">
+            <a:avLst/>
+          </a:prstGeom>
+          <a:noFill/>
+          <a:extLst>
+            <a:ext uri="{909E8E84-426E-40DD-AFC4-6F175D3DCCD1}">
+              <a14:hiddenFill xmlns:a14="http://schemas.microsoft.com/office/drawing/2010/main">
+                <a:solidFill>
+                  <a:srgbClr val="FFFFFF"/>
+                </a:solidFill>
+              </a14:hiddenFill>
+            </a:ext>
+          </a:extLst>
+        </p:spPr>
+      </p:pic>
+      <p:sp>
+        <p:nvSpPr>
+          <p:cNvPr id="13" name="Rectangle 12"/>
+          <p:cNvSpPr/>
+          <p:nvPr/>
+        </p:nvSpPr>
+        <p:spPr>
+          <a:xfrm>
+            <a:off x="7277901" y="1340238"/>
+            <a:ext cx="3994485" cy="4988373"/>
+          </a:xfrm>
+          <a:prstGeom prst="rect">
+            <a:avLst/>
+          </a:prstGeom>
+          <a:noFill/>
+          <a:ln>
+            <a:solidFill>
+              <a:schemeClr val="accent1"/>
+            </a:solidFill>
+          </a:ln>
+        </p:spPr>
+        <p:style>
+          <a:lnRef idx="2">
+            <a:schemeClr val="accent1">
+              <a:shade val="50000"/>
+            </a:schemeClr>
+          </a:lnRef>
+          <a:fillRef idx="1">
+            <a:schemeClr val="accent1"/>
+          </a:fillRef>
+          <a:effectRef idx="0">
+            <a:schemeClr val="accent1"/>
+          </a:effectRef>
+          <a:fontRef idx="minor">
+            <a:schemeClr val="lt1"/>
+          </a:fontRef>
+        </p:style>
+        <p:txBody>
+          <a:bodyPr rtlCol="0" anchor="ctr"/>
+          <a:lstStyle/>
+          <a:p>
+            <a:pPr algn="ctr"/>
+            <a:endParaRPr lang="en-US"/>
+          </a:p>
+        </p:txBody>
+      </p:sp>
+      <p:sp>
+        <p:nvSpPr>
+          <p:cNvPr id="14" name="Rectangle 13"/>
+          <p:cNvSpPr/>
+          <p:nvPr/>
+        </p:nvSpPr>
+        <p:spPr>
+          <a:xfrm>
+            <a:off x="7416263" y="2878299"/>
+            <a:ext cx="3717758" cy="3319994"/>
+          </a:xfrm>
+          <a:prstGeom prst="rect">
+            <a:avLst/>
+          </a:prstGeom>
+          <a:noFill/>
+          <a:ln>
+            <a:solidFill>
+              <a:schemeClr val="accent1"/>
+            </a:solidFill>
+          </a:ln>
+        </p:spPr>
+        <p:style>
+          <a:lnRef idx="2">
+            <a:schemeClr val="accent1">
+              <a:shade val="50000"/>
+            </a:schemeClr>
+          </a:lnRef>
+          <a:fillRef idx="1">
+            <a:schemeClr val="accent1"/>
+          </a:fillRef>
+          <a:effectRef idx="0">
+            <a:schemeClr val="accent1"/>
+          </a:effectRef>
+          <a:fontRef idx="minor">
+            <a:schemeClr val="lt1"/>
+          </a:fontRef>
+        </p:style>
+        <p:txBody>
+          <a:bodyPr rtlCol="0" anchor="ctr"/>
+          <a:lstStyle/>
+          <a:p>
+            <a:pPr algn="ctr"/>
+            <a:endParaRPr lang="en-US"/>
+          </a:p>
+        </p:txBody>
+      </p:sp>
+      <p:cxnSp>
+        <p:nvCxnSpPr>
+          <p:cNvPr id="15" name="Elbow Connector 14"/>
+          <p:cNvCxnSpPr>
+            <a:stCxn id="4098" idx="1"/>
+            <a:endCxn id="7" idx="3"/>
+          </p:cNvCxnSpPr>
+          <p:nvPr/>
+        </p:nvCxnSpPr>
+        <p:spPr>
+          <a:xfrm rot="10800000" flipV="1">
+            <a:off x="3932321" y="4538295"/>
+            <a:ext cx="4067836" cy="382619"/>
+          </a:xfrm>
+          <a:prstGeom prst="bentConnector3">
+            <a:avLst/>
+          </a:prstGeom>
+          <a:ln w="57150">
+            <a:headEnd type="triangle"/>
+            <a:tailEnd type="triangle"/>
+          </a:ln>
+        </p:spPr>
+        <p:style>
+          <a:lnRef idx="1">
+            <a:schemeClr val="accent1"/>
+          </a:lnRef>
+          <a:fillRef idx="0">
+            <a:schemeClr val="accent1"/>
+          </a:fillRef>
+          <a:effectRef idx="0">
+            <a:schemeClr val="accent1"/>
+          </a:effectRef>
+          <a:fontRef idx="minor">
+            <a:schemeClr val="tx1"/>
+          </a:fontRef>
+        </p:style>
+      </p:cxnSp>
+      <p:sp>
+        <p:nvSpPr>
+          <p:cNvPr id="16" name="TextBox 15"/>
+          <p:cNvSpPr txBox="1"/>
+          <p:nvPr/>
+        </p:nvSpPr>
+        <p:spPr>
+          <a:xfrm>
+            <a:off x="5555628" y="3977642"/>
+            <a:ext cx="1231940" cy="369332"/>
+          </a:xfrm>
+          <a:prstGeom prst="rect">
+            <a:avLst/>
+          </a:prstGeom>
+          <a:noFill/>
+        </p:spPr>
+        <p:txBody>
+          <a:bodyPr wrap="none" rtlCol="0">
+            <a:spAutoFit/>
+          </a:bodyPr>
+          <a:lstStyle/>
+          <a:p>
+            <a:r>
+              <a:rPr lang="en-US" dirty="0" err="1"/>
+              <a:t>WebSocket</a:t>
+            </a:r>
+            <a:endParaRPr lang="en-US" dirty="0"/>
+          </a:p>
+        </p:txBody>
+      </p:sp>
+      <p:sp>
+        <p:nvSpPr>
+          <p:cNvPr id="20" name="TextBox 19"/>
+          <p:cNvSpPr txBox="1"/>
+          <p:nvPr/>
+        </p:nvSpPr>
+        <p:spPr>
+          <a:xfrm>
+            <a:off x="5059276" y="5021781"/>
+            <a:ext cx="2241319" cy="1200329"/>
+          </a:xfrm>
+          <a:prstGeom prst="rect">
+            <a:avLst/>
+          </a:prstGeom>
+          <a:noFill/>
+        </p:spPr>
+        <p:txBody>
+          <a:bodyPr wrap="none" rtlCol="0">
+            <a:spAutoFit/>
+          </a:bodyPr>
+          <a:lstStyle/>
+          <a:p>
+            <a:pPr algn="ctr"/>
+            <a:r>
+              <a:rPr lang="en-US" dirty="0"/>
+              <a:t>2 way communication</a:t>
+            </a:r>
+          </a:p>
+          <a:p>
+            <a:pPr algn="ctr"/>
+            <a:r>
+              <a:rPr lang="en-US" dirty="0"/>
+              <a:t>channel between </a:t>
+            </a:r>
+          </a:p>
+          <a:p>
+            <a:pPr algn="ctr"/>
+            <a:r>
+              <a:rPr lang="en-US" dirty="0"/>
+              <a:t>the client and </a:t>
+            </a:r>
+          </a:p>
+          <a:p>
+            <a:pPr algn="ctr"/>
+            <a:r>
+              <a:rPr lang="en-US" dirty="0"/>
+              <a:t>the server</a:t>
+            </a:r>
+          </a:p>
+        </p:txBody>
+      </p:sp>
+    </p:spTree>
+    <p:extLst>
+      <p:ext uri="{BB962C8B-B14F-4D97-AF65-F5344CB8AC3E}">
+        <p14:creationId xmlns:p14="http://schemas.microsoft.com/office/powerpoint/2010/main" val="3659767512"/>
+      </p:ext>
+    </p:extLst>
+  </p:cSld>
+  <p:clrMapOvr>
+    <a:masterClrMapping/>
+  </p:clrMapOvr>
+  <mc:AlternateContent xmlns:mc="http://schemas.openxmlformats.org/markup-compatibility/2006" xmlns:p14="http://schemas.microsoft.com/office/powerpoint/2010/main">
+    <mc:Choice Requires="p14">
+      <p:transition spd="med" p14:dur="700">
+        <p:fade/>
+      </p:transition>
+    </mc:Choice>
+    <mc:Fallback xmlns="">
+      <p:transition spd="med">
+        <p:fade/>
+      </p:transition>
+    </mc:Fallback>
+  </mc:AlternateContent>
+</p:sld>
+</file>
+
+<file path=ppt/slides/slide15.xml><?xml version="1.0" encoding="utf-8"?>
+<p:sld xmlns:a="http://schemas.openxmlformats.org/drawingml/2006/main" xmlns:r="http://schemas.openxmlformats.org/officeDocument/2006/relationships" xmlns:p="http://schemas.openxmlformats.org/presentationml/2006/main">
+  <p:cSld>
+    <p:spTree>
+      <p:nvGrpSpPr>
+        <p:cNvPr id="1" name=""/>
+        <p:cNvGrpSpPr/>
+        <p:nvPr/>
+      </p:nvGrpSpPr>
+      <p:grpSpPr>
+        <a:xfrm>
+          <a:off x="0" y="0"/>
+          <a:ext cx="0" cy="0"/>
+          <a:chOff x="0" y="0"/>
+          <a:chExt cx="0" cy="0"/>
+        </a:xfrm>
+      </p:grpSpPr>
+      <p:pic>
+        <p:nvPicPr>
+          <p:cNvPr id="5122" name="Picture 2" descr="http://puu.sh/nq7uk/8954516238.png"/>
+          <p:cNvPicPr>
+            <a:picLocks noChangeAspect="1" noChangeArrowheads="1"/>
+          </p:cNvPicPr>
+          <p:nvPr/>
+        </p:nvPicPr>
+        <p:blipFill rotWithShape="1">
+          <a:blip r:embed="rId2">
+            <a:extLst>
+              <a:ext uri="{28A0092B-C50C-407E-A947-70E740481C1C}">
+                <a14:useLocalDpi xmlns:a14="http://schemas.microsoft.com/office/drawing/2010/main" val="0"/>
+              </a:ext>
+            </a:extLst>
+          </a:blip>
+          <a:srcRect r="18830"/>
+          <a:stretch/>
+        </p:blipFill>
+        <p:spPr bwMode="auto">
+          <a:xfrm>
+            <a:off x="6129362" y="2681738"/>
+            <a:ext cx="6062638" cy="2577366"/>
+          </a:xfrm>
+          <a:prstGeom prst="rect">
+            <a:avLst/>
+          </a:prstGeom>
+          <a:noFill/>
+          <a:extLst>
+            <a:ext uri="{909E8E84-426E-40DD-AFC4-6F175D3DCCD1}">
+              <a14:hiddenFill xmlns:a14="http://schemas.microsoft.com/office/drawing/2010/main">
+                <a:solidFill>
+                  <a:srgbClr val="FFFFFF"/>
+                </a:solidFill>
+              </a14:hiddenFill>
+            </a:ext>
+          </a:extLst>
+        </p:spPr>
+      </p:pic>
+      <p:pic>
+        <p:nvPicPr>
+          <p:cNvPr id="5" name="Picture 4" descr="https://lh3.ggpht.com/O0aW5qsyCkR2i7Bu-jUU1b5BWA_NygJ6ui4MgaAvL7gfqvVWqkOBscDaq4pn-vkwByUx=w300"/>
+          <p:cNvPicPr>
+            <a:picLocks noChangeAspect="1" noChangeArrowheads="1"/>
+          </p:cNvPicPr>
+          <p:nvPr/>
+        </p:nvPicPr>
+        <p:blipFill>
+          <a:blip r:embed="rId3" cstate="print">
+            <a:extLst>
+              <a:ext uri="{28A0092B-C50C-407E-A947-70E740481C1C}">
+                <a14:useLocalDpi xmlns:a14="http://schemas.microsoft.com/office/drawing/2010/main" val="0"/>
+              </a:ext>
+            </a:extLst>
+          </a:blip>
+          <a:srcRect/>
+          <a:stretch>
+            <a:fillRect/>
+          </a:stretch>
+        </p:blipFill>
+        <p:spPr bwMode="auto">
+          <a:xfrm>
+            <a:off x="0" y="15864"/>
+            <a:ext cx="824665" cy="824665"/>
+          </a:xfrm>
+          <a:prstGeom prst="rect">
+            <a:avLst/>
+          </a:prstGeom>
+          <a:noFill/>
+          <a:extLst>
+            <a:ext uri="{909E8E84-426E-40DD-AFC4-6F175D3DCCD1}">
+              <a14:hiddenFill xmlns:a14="http://schemas.microsoft.com/office/drawing/2010/main">
+                <a:solidFill>
+                  <a:srgbClr val="FFFFFF"/>
+                </a:solidFill>
+              </a14:hiddenFill>
+            </a:ext>
+          </a:extLst>
+        </p:spPr>
+      </p:pic>
+      <p:pic>
+        <p:nvPicPr>
+          <p:cNvPr id="6" name="Picture 6" descr="http://benznext.com/wp-content/uploads/2015/04/nodejs_logo_green.jpg"/>
+          <p:cNvPicPr>
+            <a:picLocks noChangeAspect="1" noChangeArrowheads="1"/>
+          </p:cNvPicPr>
+          <p:nvPr/>
+        </p:nvPicPr>
+        <p:blipFill rotWithShape="1">
+          <a:blip r:embed="rId4" cstate="print">
+            <a:extLst>
+              <a:ext uri="{28A0092B-C50C-407E-A947-70E740481C1C}">
+                <a14:useLocalDpi xmlns:a14="http://schemas.microsoft.com/office/drawing/2010/main" val="0"/>
+              </a:ext>
+            </a:extLst>
+          </a:blip>
+          <a:srcRect l="8828" t="15310" r="4955" b="14116"/>
+          <a:stretch/>
+        </p:blipFill>
+        <p:spPr bwMode="auto">
+          <a:xfrm>
+            <a:off x="9993395" y="0"/>
+            <a:ext cx="2198605" cy="771170"/>
+          </a:xfrm>
+          <a:prstGeom prst="rect">
+            <a:avLst/>
+          </a:prstGeom>
+          <a:noFill/>
+          <a:extLst>
+            <a:ext uri="{909E8E84-426E-40DD-AFC4-6F175D3DCCD1}">
+              <a14:hiddenFill xmlns:a14="http://schemas.microsoft.com/office/drawing/2010/main">
+                <a:solidFill>
+                  <a:srgbClr val="FFFFFF"/>
+                </a:solidFill>
+              </a14:hiddenFill>
+            </a:ext>
+          </a:extLst>
+        </p:spPr>
+      </p:pic>
+      <p:cxnSp>
+        <p:nvCxnSpPr>
+          <p:cNvPr id="7" name="Straight Connector 6"/>
+          <p:cNvCxnSpPr/>
+          <p:nvPr/>
+        </p:nvCxnSpPr>
+        <p:spPr>
+          <a:xfrm>
+            <a:off x="5973459" y="-637674"/>
+            <a:ext cx="802" cy="8228397"/>
+          </a:xfrm>
+          <a:prstGeom prst="line">
+            <a:avLst/>
+          </a:prstGeom>
+          <a:ln w="28575">
+            <a:solidFill>
+              <a:schemeClr val="accent1"/>
+            </a:solidFill>
+          </a:ln>
+        </p:spPr>
+        <p:style>
+          <a:lnRef idx="1">
+            <a:schemeClr val="accent1"/>
+          </a:lnRef>
+          <a:fillRef idx="0">
+            <a:schemeClr val="accent1"/>
+          </a:fillRef>
+          <a:effectRef idx="0">
+            <a:schemeClr val="accent1"/>
+          </a:effectRef>
+          <a:fontRef idx="minor">
+            <a:schemeClr val="tx1"/>
+          </a:fontRef>
+        </p:style>
+      </p:cxnSp>
+      <p:pic>
+        <p:nvPicPr>
+          <p:cNvPr id="11" name="Picture 4" descr="http://puu.sh/nq5W8/7c8d94aa8d.png"/>
+          <p:cNvPicPr>
+            <a:picLocks noChangeAspect="1" noChangeArrowheads="1"/>
+          </p:cNvPicPr>
+          <p:nvPr/>
+        </p:nvPicPr>
+        <p:blipFill rotWithShape="1">
+          <a:blip r:embed="rId5">
+            <a:extLst>
+              <a:ext uri="{28A0092B-C50C-407E-A947-70E740481C1C}">
+                <a14:useLocalDpi xmlns:a14="http://schemas.microsoft.com/office/drawing/2010/main" val="0"/>
+              </a:ext>
+            </a:extLst>
+          </a:blip>
+          <a:srcRect l="36298" t="-203" b="-1"/>
+          <a:stretch/>
+        </p:blipFill>
+        <p:spPr bwMode="auto">
+          <a:xfrm>
+            <a:off x="155575" y="2376380"/>
+            <a:ext cx="5638781" cy="410817"/>
+          </a:xfrm>
+          <a:prstGeom prst="rect">
+            <a:avLst/>
+          </a:prstGeom>
+          <a:noFill/>
+          <a:extLst>
+            <a:ext uri="{909E8E84-426E-40DD-AFC4-6F175D3DCCD1}">
+              <a14:hiddenFill xmlns:a14="http://schemas.microsoft.com/office/drawing/2010/main">
+                <a:solidFill>
+                  <a:srgbClr val="FFFFFF"/>
+                </a:solidFill>
+              </a14:hiddenFill>
+            </a:ext>
+          </a:extLst>
+        </p:spPr>
+      </p:pic>
+      <p:pic>
+        <p:nvPicPr>
+          <p:cNvPr id="5124" name="Picture 4" descr="http://puu.sh/nq7Qr/8783a0b5e3.png"/>
+          <p:cNvPicPr>
+            <a:picLocks noChangeAspect="1" noChangeArrowheads="1"/>
+          </p:cNvPicPr>
+          <p:nvPr/>
+        </p:nvPicPr>
+        <p:blipFill rotWithShape="1">
+          <a:blip r:embed="rId6">
+            <a:extLst>
+              <a:ext uri="{28A0092B-C50C-407E-A947-70E740481C1C}">
+                <a14:useLocalDpi xmlns:a14="http://schemas.microsoft.com/office/drawing/2010/main" val="0"/>
+              </a:ext>
+            </a:extLst>
+          </a:blip>
+          <a:srcRect r="43221" b="1579"/>
+          <a:stretch/>
+        </p:blipFill>
+        <p:spPr bwMode="auto">
+          <a:xfrm>
+            <a:off x="155575" y="3574952"/>
+            <a:ext cx="5042067" cy="395469"/>
+          </a:xfrm>
+          <a:prstGeom prst="rect">
+            <a:avLst/>
+          </a:prstGeom>
+          <a:noFill/>
+          <a:extLst>
+            <a:ext uri="{909E8E84-426E-40DD-AFC4-6F175D3DCCD1}">
+              <a14:hiddenFill xmlns:a14="http://schemas.microsoft.com/office/drawing/2010/main">
+                <a:solidFill>
+                  <a:srgbClr val="FFFFFF"/>
+                </a:solidFill>
+              </a14:hiddenFill>
+            </a:ext>
+          </a:extLst>
+        </p:spPr>
+      </p:pic>
+      <p:pic>
+        <p:nvPicPr>
+          <p:cNvPr id="5126" name="Picture 6" descr="http://puu.sh/nq7SS/3483a1e62a.png"/>
+          <p:cNvPicPr>
+            <a:picLocks noChangeAspect="1" noChangeArrowheads="1"/>
+          </p:cNvPicPr>
+          <p:nvPr/>
+        </p:nvPicPr>
+        <p:blipFill>
+          <a:blip r:embed="rId7">
+            <a:extLst>
+              <a:ext uri="{28A0092B-C50C-407E-A947-70E740481C1C}">
+                <a14:useLocalDpi xmlns:a14="http://schemas.microsoft.com/office/drawing/2010/main" val="0"/>
+              </a:ext>
+            </a:extLst>
+          </a:blip>
+          <a:srcRect/>
+          <a:stretch>
+            <a:fillRect/>
+          </a:stretch>
+        </p:blipFill>
+        <p:spPr bwMode="auto">
+          <a:xfrm>
+            <a:off x="155574" y="5013056"/>
+            <a:ext cx="5619555" cy="1556186"/>
+          </a:xfrm>
+          <a:prstGeom prst="rect">
+            <a:avLst/>
+          </a:prstGeom>
+          <a:noFill/>
+          <a:extLst>
+            <a:ext uri="{909E8E84-426E-40DD-AFC4-6F175D3DCCD1}">
+              <a14:hiddenFill xmlns:a14="http://schemas.microsoft.com/office/drawing/2010/main">
+                <a:solidFill>
+                  <a:srgbClr val="FFFFFF"/>
+                </a:solidFill>
+              </a14:hiddenFill>
+            </a:ext>
+          </a:extLst>
+        </p:spPr>
+      </p:pic>
+      <p:pic>
+        <p:nvPicPr>
+          <p:cNvPr id="14" name="Picture 4" descr="http://puu.sh/nq7Qr/8783a0b5e3.png"/>
+          <p:cNvPicPr>
+            <a:picLocks noChangeAspect="1" noChangeArrowheads="1"/>
+          </p:cNvPicPr>
+          <p:nvPr/>
+        </p:nvPicPr>
+        <p:blipFill rotWithShape="1">
+          <a:blip r:embed="rId6">
+            <a:extLst>
+              <a:ext uri="{28A0092B-C50C-407E-A947-70E740481C1C}">
+                <a14:useLocalDpi xmlns:a14="http://schemas.microsoft.com/office/drawing/2010/main" val="0"/>
+              </a:ext>
+            </a:extLst>
+          </a:blip>
+          <a:srcRect l="56779" t="-7877"/>
+          <a:stretch/>
+        </p:blipFill>
+        <p:spPr bwMode="auto">
+          <a:xfrm>
+            <a:off x="1359568" y="3934325"/>
+            <a:ext cx="3838074" cy="433467"/>
+          </a:xfrm>
+          <a:prstGeom prst="rect">
+            <a:avLst/>
+          </a:prstGeom>
+          <a:noFill/>
+          <a:extLst>
+            <a:ext uri="{909E8E84-426E-40DD-AFC4-6F175D3DCCD1}">
+              <a14:hiddenFill xmlns:a14="http://schemas.microsoft.com/office/drawing/2010/main">
+                <a:solidFill>
+                  <a:srgbClr val="FFFFFF"/>
+                </a:solidFill>
+              </a14:hiddenFill>
+            </a:ext>
+          </a:extLst>
+        </p:spPr>
+      </p:pic>
+      <p:sp>
+        <p:nvSpPr>
+          <p:cNvPr id="15" name="Rectangle 14"/>
+          <p:cNvSpPr/>
+          <p:nvPr/>
+        </p:nvSpPr>
+        <p:spPr>
+          <a:xfrm>
+            <a:off x="1070812" y="2256308"/>
+            <a:ext cx="4162926" cy="637283"/>
+          </a:xfrm>
+          <a:prstGeom prst="rect">
+            <a:avLst/>
+          </a:prstGeom>
+          <a:noFill/>
+          <a:ln w="19050">
+            <a:solidFill>
+              <a:schemeClr val="accent1"/>
+            </a:solidFill>
+          </a:ln>
+        </p:spPr>
+        <p:style>
+          <a:lnRef idx="2">
+            <a:schemeClr val="accent1">
+              <a:shade val="50000"/>
+            </a:schemeClr>
+          </a:lnRef>
+          <a:fillRef idx="1">
+            <a:schemeClr val="accent1"/>
+          </a:fillRef>
+          <a:effectRef idx="0">
+            <a:schemeClr val="accent1"/>
+          </a:effectRef>
+          <a:fontRef idx="minor">
+            <a:schemeClr val="lt1"/>
+          </a:fontRef>
+        </p:style>
+        <p:txBody>
+          <a:bodyPr rtlCol="0" anchor="ctr"/>
+          <a:lstStyle/>
+          <a:p>
+            <a:pPr algn="ctr"/>
+            <a:endParaRPr lang="en-US"/>
+          </a:p>
+        </p:txBody>
+      </p:sp>
+      <p:cxnSp>
+        <p:nvCxnSpPr>
+          <p:cNvPr id="16" name="Elbow Connector 15"/>
+          <p:cNvCxnSpPr>
+            <a:stCxn id="22" idx="0"/>
+            <a:endCxn id="15" idx="0"/>
+          </p:cNvCxnSpPr>
+          <p:nvPr/>
+        </p:nvCxnSpPr>
+        <p:spPr>
+          <a:xfrm rot="16200000" flipV="1">
+            <a:off x="4870459" y="538125"/>
+            <a:ext cx="975819" cy="4412186"/>
+          </a:xfrm>
+          <a:prstGeom prst="bentConnector3">
+            <a:avLst>
+              <a:gd name="adj1" fmla="val 172745"/>
+            </a:avLst>
+          </a:prstGeom>
+          <a:ln w="19050">
+            <a:prstDash val="dash"/>
+          </a:ln>
+        </p:spPr>
+        <p:style>
+          <a:lnRef idx="1">
+            <a:schemeClr val="accent1"/>
+          </a:lnRef>
+          <a:fillRef idx="0">
+            <a:schemeClr val="accent1"/>
+          </a:fillRef>
+          <a:effectRef idx="0">
+            <a:schemeClr val="accent1"/>
+          </a:effectRef>
+          <a:fontRef idx="minor">
+            <a:schemeClr val="tx1"/>
+          </a:fontRef>
+        </p:style>
+      </p:cxnSp>
+      <p:sp>
+        <p:nvSpPr>
+          <p:cNvPr id="22" name="Rectangle 21"/>
+          <p:cNvSpPr/>
+          <p:nvPr/>
+        </p:nvSpPr>
+        <p:spPr>
+          <a:xfrm>
+            <a:off x="6153364" y="3232127"/>
+            <a:ext cx="2822194" cy="342825"/>
+          </a:xfrm>
+          <a:prstGeom prst="rect">
+            <a:avLst/>
+          </a:prstGeom>
+          <a:noFill/>
+          <a:ln w="19050">
+            <a:solidFill>
+              <a:schemeClr val="accent1"/>
+            </a:solidFill>
+          </a:ln>
+        </p:spPr>
+        <p:style>
+          <a:lnRef idx="2">
+            <a:schemeClr val="accent1">
+              <a:shade val="50000"/>
+            </a:schemeClr>
+          </a:lnRef>
+          <a:fillRef idx="1">
+            <a:schemeClr val="accent1"/>
+          </a:fillRef>
+          <a:effectRef idx="0">
+            <a:schemeClr val="accent1"/>
+          </a:effectRef>
+          <a:fontRef idx="minor">
+            <a:schemeClr val="lt1"/>
+          </a:fontRef>
+        </p:style>
+        <p:txBody>
+          <a:bodyPr rtlCol="0" anchor="ctr"/>
+          <a:lstStyle/>
+          <a:p>
+            <a:pPr algn="ctr"/>
+            <a:endParaRPr lang="en-US"/>
+          </a:p>
+        </p:txBody>
+      </p:sp>
+      <p:sp>
+        <p:nvSpPr>
+          <p:cNvPr id="25" name="Rectangle 24"/>
+          <p:cNvSpPr/>
+          <p:nvPr/>
+        </p:nvSpPr>
+        <p:spPr>
+          <a:xfrm>
+            <a:off x="264696" y="3468557"/>
+            <a:ext cx="4451684" cy="564705"/>
+          </a:xfrm>
+          <a:prstGeom prst="rect">
+            <a:avLst/>
+          </a:prstGeom>
+          <a:noFill/>
+          <a:ln w="19050">
+            <a:solidFill>
+              <a:schemeClr val="accent1"/>
+            </a:solidFill>
+          </a:ln>
+        </p:spPr>
+        <p:style>
+          <a:lnRef idx="2">
+            <a:schemeClr val="accent1">
+              <a:shade val="50000"/>
+            </a:schemeClr>
+          </a:lnRef>
+          <a:fillRef idx="1">
+            <a:schemeClr val="accent1"/>
+          </a:fillRef>
+          <a:effectRef idx="0">
+            <a:schemeClr val="accent1"/>
+          </a:effectRef>
+          <a:fontRef idx="minor">
+            <a:schemeClr val="lt1"/>
+          </a:fontRef>
+        </p:style>
+        <p:txBody>
+          <a:bodyPr rtlCol="0" anchor="ctr"/>
+          <a:lstStyle/>
+          <a:p>
+            <a:pPr algn="ctr"/>
+            <a:endParaRPr lang="en-US"/>
+          </a:p>
+        </p:txBody>
+      </p:sp>
+      <p:cxnSp>
+        <p:nvCxnSpPr>
+          <p:cNvPr id="26" name="Elbow Connector 25"/>
+          <p:cNvCxnSpPr>
+            <a:stCxn id="27" idx="1"/>
+            <a:endCxn id="25" idx="0"/>
+          </p:cNvCxnSpPr>
+          <p:nvPr/>
+        </p:nvCxnSpPr>
+        <p:spPr>
+          <a:xfrm rot="10800000">
+            <a:off x="2490538" y="3468557"/>
+            <a:ext cx="3964182" cy="485372"/>
+          </a:xfrm>
+          <a:prstGeom prst="bentConnector4">
+            <a:avLst>
+              <a:gd name="adj1" fmla="val 21926"/>
+              <a:gd name="adj2" fmla="val 147098"/>
+            </a:avLst>
+          </a:prstGeom>
+          <a:ln w="19050">
+            <a:prstDash val="dash"/>
+          </a:ln>
+        </p:spPr>
+        <p:style>
+          <a:lnRef idx="1">
+            <a:schemeClr val="accent1"/>
+          </a:lnRef>
+          <a:fillRef idx="0">
+            <a:schemeClr val="accent1"/>
+          </a:fillRef>
+          <a:effectRef idx="0">
+            <a:schemeClr val="accent1"/>
+          </a:effectRef>
+          <a:fontRef idx="minor">
+            <a:schemeClr val="tx1"/>
+          </a:fontRef>
+        </p:style>
+      </p:cxnSp>
+      <p:sp>
+        <p:nvSpPr>
+          <p:cNvPr id="27" name="Rectangle 26"/>
+          <p:cNvSpPr/>
+          <p:nvPr/>
+        </p:nvSpPr>
+        <p:spPr>
+          <a:xfrm>
+            <a:off x="6454720" y="3782516"/>
+            <a:ext cx="3218669" cy="342825"/>
+          </a:xfrm>
+          <a:prstGeom prst="rect">
+            <a:avLst/>
+          </a:prstGeom>
+          <a:noFill/>
+          <a:ln w="19050">
+            <a:solidFill>
+              <a:schemeClr val="accent1"/>
+            </a:solidFill>
+          </a:ln>
+        </p:spPr>
+        <p:style>
+          <a:lnRef idx="2">
+            <a:schemeClr val="accent1">
+              <a:shade val="50000"/>
+            </a:schemeClr>
+          </a:lnRef>
+          <a:fillRef idx="1">
+            <a:schemeClr val="accent1"/>
+          </a:fillRef>
+          <a:effectRef idx="0">
+            <a:schemeClr val="accent1"/>
+          </a:effectRef>
+          <a:fontRef idx="minor">
+            <a:schemeClr val="lt1"/>
+          </a:fontRef>
+        </p:style>
+        <p:txBody>
+          <a:bodyPr rtlCol="0" anchor="ctr"/>
+          <a:lstStyle/>
+          <a:p>
+            <a:pPr algn="ctr"/>
+            <a:endParaRPr lang="en-US"/>
+          </a:p>
+        </p:txBody>
+      </p:sp>
+      <p:sp>
+        <p:nvSpPr>
+          <p:cNvPr id="38" name="Rectangle 37"/>
+          <p:cNvSpPr/>
+          <p:nvPr/>
+        </p:nvSpPr>
+        <p:spPr>
+          <a:xfrm>
+            <a:off x="649704" y="5323522"/>
+            <a:ext cx="2731169" cy="337193"/>
+          </a:xfrm>
+          <a:prstGeom prst="rect">
+            <a:avLst/>
+          </a:prstGeom>
+          <a:noFill/>
+          <a:ln w="19050">
+            <a:solidFill>
+              <a:schemeClr val="accent1"/>
+            </a:solidFill>
+          </a:ln>
+        </p:spPr>
+        <p:style>
+          <a:lnRef idx="2">
+            <a:schemeClr val="accent1">
+              <a:shade val="50000"/>
+            </a:schemeClr>
+          </a:lnRef>
+          <a:fillRef idx="1">
+            <a:schemeClr val="accent1"/>
+          </a:fillRef>
+          <a:effectRef idx="0">
+            <a:schemeClr val="accent1"/>
+          </a:effectRef>
+          <a:fontRef idx="minor">
+            <a:schemeClr val="lt1"/>
+          </a:fontRef>
+        </p:style>
+        <p:txBody>
+          <a:bodyPr rtlCol="0" anchor="ctr"/>
+          <a:lstStyle/>
+          <a:p>
+            <a:pPr algn="ctr"/>
+            <a:endParaRPr lang="en-US"/>
+          </a:p>
+        </p:txBody>
+      </p:sp>
+      <p:cxnSp>
+        <p:nvCxnSpPr>
+          <p:cNvPr id="39" name="Elbow Connector 38"/>
+          <p:cNvCxnSpPr>
+            <a:stCxn id="40" idx="2"/>
+            <a:endCxn id="38" idx="3"/>
+          </p:cNvCxnSpPr>
+          <p:nvPr/>
+        </p:nvCxnSpPr>
+        <p:spPr>
+          <a:xfrm rot="5400000">
+            <a:off x="5240782" y="2807029"/>
+            <a:ext cx="825182" cy="4544999"/>
+          </a:xfrm>
+          <a:prstGeom prst="bentConnector2">
+            <a:avLst/>
+          </a:prstGeom>
+          <a:ln w="19050">
+            <a:prstDash val="dash"/>
+          </a:ln>
+        </p:spPr>
+        <p:style>
+          <a:lnRef idx="1">
+            <a:schemeClr val="accent1"/>
+          </a:lnRef>
+          <a:fillRef idx="0">
+            <a:schemeClr val="accent1"/>
+          </a:fillRef>
+          <a:effectRef idx="0">
+            <a:schemeClr val="accent1"/>
+          </a:effectRef>
+          <a:fontRef idx="minor">
+            <a:schemeClr val="tx1"/>
+          </a:fontRef>
+        </p:style>
+      </p:cxnSp>
+      <p:sp>
+        <p:nvSpPr>
+          <p:cNvPr id="40" name="Rectangle 39"/>
+          <p:cNvSpPr/>
+          <p:nvPr/>
+        </p:nvSpPr>
+        <p:spPr>
+          <a:xfrm>
+            <a:off x="6454720" y="4324112"/>
+            <a:ext cx="2942303" cy="342825"/>
+          </a:xfrm>
+          <a:prstGeom prst="rect">
+            <a:avLst/>
+          </a:prstGeom>
+          <a:noFill/>
+          <a:ln w="19050">
+            <a:solidFill>
+              <a:schemeClr val="accent1"/>
+            </a:solidFill>
+          </a:ln>
+        </p:spPr>
+        <p:style>
+          <a:lnRef idx="2">
+            <a:schemeClr val="accent1">
+              <a:shade val="50000"/>
+            </a:schemeClr>
+          </a:lnRef>
+          <a:fillRef idx="1">
+            <a:schemeClr val="accent1"/>
+          </a:fillRef>
+          <a:effectRef idx="0">
+            <a:schemeClr val="accent1"/>
+          </a:effectRef>
+          <a:fontRef idx="minor">
+            <a:schemeClr val="lt1"/>
+          </a:fontRef>
+        </p:style>
+        <p:txBody>
+          <a:bodyPr rtlCol="0" anchor="ctr"/>
+          <a:lstStyle/>
+          <a:p>
+            <a:pPr algn="ctr"/>
+            <a:endParaRPr lang="en-US"/>
+          </a:p>
+        </p:txBody>
+      </p:sp>
+    </p:spTree>
+    <p:extLst>
+      <p:ext uri="{BB962C8B-B14F-4D97-AF65-F5344CB8AC3E}">
+        <p14:creationId xmlns:p14="http://schemas.microsoft.com/office/powerpoint/2010/main" val="2928623440"/>
+      </p:ext>
+    </p:extLst>
+  </p:cSld>
+  <p:clrMapOvr>
+    <a:masterClrMapping/>
+  </p:clrMapOvr>
+  <mc:AlternateContent xmlns:mc="http://schemas.openxmlformats.org/markup-compatibility/2006" xmlns:p14="http://schemas.microsoft.com/office/powerpoint/2010/main">
+    <mc:Choice Requires="p14">
+      <p:transition spd="med" p14:dur="700">
+        <p:fade/>
+      </p:transition>
+    </mc:Choice>
+    <mc:Fallback xmlns="">
+      <p:transition spd="med">
+        <p:fade/>
+      </p:transition>
+    </mc:Fallback>
+  </mc:AlternateContent>
+</p:sld>
+</file>
+
+<file path=ppt/slides/slide16.xml><?xml version="1.0" encoding="utf-8"?>
+<p:sld xmlns:a="http://schemas.openxmlformats.org/drawingml/2006/main" xmlns:r="http://schemas.openxmlformats.org/officeDocument/2006/relationships" xmlns:p="http://schemas.openxmlformats.org/presentationml/2006/main">
+  <p:cSld>
+    <p:spTree>
+      <p:nvGrpSpPr>
+        <p:cNvPr id="1" name=""/>
+        <p:cNvGrpSpPr/>
+        <p:nvPr/>
+      </p:nvGrpSpPr>
+      <p:grpSpPr>
+        <a:xfrm>
+          <a:off x="0" y="0"/>
+          <a:ext cx="0" cy="0"/>
+          <a:chOff x="0" y="0"/>
+          <a:chExt cx="0" cy="0"/>
+        </a:xfrm>
+      </p:grpSpPr>
+      <p:sp>
+        <p:nvSpPr>
+          <p:cNvPr id="2" name="Title 1"/>
+          <p:cNvSpPr>
+            <a:spLocks noGrp="1"/>
+          </p:cNvSpPr>
+          <p:nvPr>
+            <p:ph type="title"/>
+          </p:nvPr>
+        </p:nvSpPr>
+        <p:spPr>
+          <a:xfrm>
+            <a:off x="0" y="23267"/>
+            <a:ext cx="9509760" cy="686876"/>
+          </a:xfrm>
+        </p:spPr>
+        <p:txBody>
+          <a:bodyPr/>
+          <a:lstStyle/>
+          <a:p>
+            <a:r>
+              <a:rPr lang="en-US" dirty="0"/>
+              <a:t>Workshop3</a:t>
+            </a:r>
+          </a:p>
+        </p:txBody>
+      </p:sp>
+      <p:sp>
+        <p:nvSpPr>
+          <p:cNvPr id="3" name="Content Placeholder 2"/>
+          <p:cNvSpPr>
+            <a:spLocks noGrp="1"/>
+          </p:cNvSpPr>
+          <p:nvPr>
+            <p:ph idx="1"/>
+          </p:nvPr>
+        </p:nvSpPr>
+        <p:spPr>
+          <a:xfrm>
+            <a:off x="0" y="932189"/>
+            <a:ext cx="12192000" cy="5612990"/>
+          </a:xfrm>
+        </p:spPr>
+        <p:txBody>
+          <a:bodyPr>
+            <a:normAutofit fontScale="92500"/>
+          </a:bodyPr>
+          <a:lstStyle/>
+          <a:p>
+            <a:r>
+              <a:rPr lang="en-US" sz="3000" dirty="0"/>
+              <a:t>Tuesday 3/29 (second week after spring break)</a:t>
+            </a:r>
+          </a:p>
+          <a:p>
+            <a:r>
+              <a:rPr lang="en-US" sz="3000" dirty="0"/>
+              <a:t>We’ll be making this</a:t>
+            </a:r>
+          </a:p>
+          <a:p>
+            <a:pPr marL="45720" indent="0">
+              <a:buNone/>
+            </a:pPr>
+            <a:endParaRPr lang="en-US" sz="3000" dirty="0"/>
+          </a:p>
+          <a:p>
+            <a:pPr marL="45720" indent="0">
+              <a:buNone/>
+            </a:pPr>
+            <a:endParaRPr lang="en-US" sz="3000" dirty="0"/>
+          </a:p>
+          <a:p>
+            <a:pPr marL="45720" indent="0">
+              <a:buNone/>
+            </a:pPr>
+            <a:r>
+              <a:rPr lang="en-US" sz="3000" dirty="0"/>
+              <a:t>Feedback (you can edit):</a:t>
+            </a:r>
+            <a:endParaRPr lang="en-US" sz="9600" dirty="0">
+              <a:latin typeface="Calibri Light" panose="020F0302020204030204" pitchFamily="34" charset="0"/>
+            </a:endParaRPr>
+          </a:p>
+          <a:p>
+            <a:pPr marL="45720" indent="0" algn="ctr">
+              <a:buNone/>
+            </a:pPr>
+            <a:r>
+              <a:rPr lang="en-US" sz="16600" dirty="0">
+                <a:latin typeface="Calibri Light" panose="020F0302020204030204" pitchFamily="34" charset="0"/>
+              </a:rPr>
+              <a:t>goo.gl/z6qY9C</a:t>
+            </a:r>
+          </a:p>
+          <a:p>
+            <a:pPr marL="45720" indent="0">
+              <a:buNone/>
+            </a:pPr>
+            <a:endParaRPr lang="en-US" dirty="0"/>
+          </a:p>
+          <a:p>
+            <a:endParaRPr lang="en-US" dirty="0"/>
+          </a:p>
+          <a:p>
+            <a:endParaRPr lang="en-US" dirty="0"/>
+          </a:p>
+        </p:txBody>
+      </p:sp>
+      <p:pic>
+        <p:nvPicPr>
+          <p:cNvPr id="5" name="Picture 4"/>
+          <p:cNvPicPr>
+            <a:picLocks noChangeAspect="1"/>
+          </p:cNvPicPr>
+          <p:nvPr/>
+        </p:nvPicPr>
+        <p:blipFill rotWithShape="1">
+          <a:blip r:embed="rId2"/>
+          <a:srcRect l="19336" t="14139" r="39410" b="53750"/>
+          <a:stretch/>
+        </p:blipFill>
+        <p:spPr>
+          <a:xfrm>
+            <a:off x="7278686" y="23266"/>
+            <a:ext cx="4913314" cy="3802775"/>
+          </a:xfrm>
+          <a:prstGeom prst="rect">
+            <a:avLst/>
+          </a:prstGeom>
+        </p:spPr>
+      </p:pic>
+      <p:cxnSp>
+        <p:nvCxnSpPr>
+          <p:cNvPr id="7" name="Straight Arrow Connector 6"/>
+          <p:cNvCxnSpPr/>
+          <p:nvPr/>
+        </p:nvCxnSpPr>
+        <p:spPr>
+          <a:xfrm>
+            <a:off x="3368842" y="1780674"/>
+            <a:ext cx="3669632" cy="348915"/>
+          </a:xfrm>
+          <a:prstGeom prst="straightConnector1">
+            <a:avLst/>
+          </a:prstGeom>
+          <a:ln>
+            <a:tailEnd type="triangle"/>
+          </a:ln>
+        </p:spPr>
+        <p:style>
+          <a:lnRef idx="1">
+            <a:schemeClr val="accent1"/>
+          </a:lnRef>
+          <a:fillRef idx="0">
+            <a:schemeClr val="accent1"/>
+          </a:fillRef>
+          <a:effectRef idx="0">
+            <a:schemeClr val="accent1"/>
+          </a:effectRef>
+          <a:fontRef idx="minor">
+            <a:schemeClr val="tx1"/>
+          </a:fontRef>
+        </p:style>
+      </p:cxnSp>
+    </p:spTree>
+    <p:extLst>
+      <p:ext uri="{BB962C8B-B14F-4D97-AF65-F5344CB8AC3E}">
+        <p14:creationId xmlns:p14="http://schemas.microsoft.com/office/powerpoint/2010/main" val="3561944362"/>
       </p:ext>
     </p:extLst>
   </p:cSld>
@@ -4107,7 +7056,7 @@
         </p:spPr>
         <p:txBody>
           <a:bodyPr>
-            <a:normAutofit/>
+            <a:normAutofit lnSpcReduction="10000"/>
           </a:bodyPr>
           <a:lstStyle/>
           <a:p>
@@ -4115,7 +7064,7 @@
               <a:buNone/>
             </a:pPr>
             <a:r>
-              <a:rPr lang="en-US" sz="12000" dirty="0">
+              <a:rPr lang="en-US" sz="14400" dirty="0">
                 <a:latin typeface="Calibri Light" panose="020F0302020204030204" pitchFamily="34" charset="0"/>
               </a:rPr>
               <a:t>goo.gl/z6qY9C</a:t>
@@ -4552,16 +7501,110 @@
           <a:chExt cx="0" cy="0"/>
         </a:xfrm>
       </p:grpSpPr>
+      <p:sp>
+        <p:nvSpPr>
+          <p:cNvPr id="2" name="Title 1"/>
+          <p:cNvSpPr>
+            <a:spLocks noGrp="1"/>
+          </p:cNvSpPr>
+          <p:nvPr>
+            <p:ph type="title"/>
+          </p:nvPr>
+        </p:nvSpPr>
+        <p:spPr/>
+        <p:txBody>
+          <a:bodyPr/>
+          <a:lstStyle/>
+          <a:p>
+            <a:r>
+              <a:rPr lang="en-US" dirty="0"/>
+              <a:t>Startup Weekend Tuscaloosa</a:t>
+            </a:r>
+          </a:p>
+        </p:txBody>
+      </p:sp>
+      <p:sp>
+        <p:nvSpPr>
+          <p:cNvPr id="3" name="Content Placeholder 2"/>
+          <p:cNvSpPr>
+            <a:spLocks noGrp="1"/>
+          </p:cNvSpPr>
+          <p:nvPr>
+            <p:ph idx="1"/>
+          </p:nvPr>
+        </p:nvSpPr>
+        <p:spPr/>
+        <p:txBody>
+          <a:bodyPr/>
+          <a:lstStyle/>
+          <a:p>
+            <a:r>
+              <a:rPr lang="en-US" dirty="0"/>
+              <a:t>Weekend long hackathon</a:t>
+            </a:r>
+          </a:p>
+          <a:p>
+            <a:pPr lvl="1"/>
+            <a:r>
+              <a:rPr lang="en-US" b="1" dirty="0"/>
+              <a:t>Friday, April 22 - 24, 2016</a:t>
+            </a:r>
+          </a:p>
+          <a:p>
+            <a:pPr lvl="1"/>
+            <a:r>
+              <a:rPr lang="en-US" dirty="0"/>
+              <a:t>Build a product prototype (web app, mobile, other…)</a:t>
+            </a:r>
+          </a:p>
+          <a:p>
+            <a:r>
+              <a:rPr lang="en-US" dirty="0"/>
+              <a:t>It’s A LOT of fun!</a:t>
+            </a:r>
+          </a:p>
+          <a:p>
+            <a:r>
+              <a:rPr lang="en-US" dirty="0"/>
+              <a:t>Looks </a:t>
+            </a:r>
+            <a:r>
+              <a:rPr lang="en-US" u="sng" dirty="0"/>
+              <a:t>great</a:t>
+            </a:r>
+            <a:r>
+              <a:rPr lang="en-US" dirty="0"/>
+              <a:t> on resume</a:t>
+            </a:r>
+          </a:p>
+          <a:p>
+            <a:r>
+              <a:rPr lang="en-US" dirty="0">
+                <a:hlinkClick r:id="rId2"/>
+              </a:rPr>
+              <a:t>goo.gl/4azuLk</a:t>
+            </a:r>
+            <a:endParaRPr lang="en-US" dirty="0"/>
+          </a:p>
+          <a:p>
+            <a:pPr lvl="1"/>
+            <a:r>
+              <a:rPr lang="en-US" dirty="0"/>
+              <a:t>Sign up now for  $25</a:t>
+            </a:r>
+          </a:p>
+        </p:txBody>
+      </p:sp>
       <p:pic>
         <p:nvPicPr>
-          <p:cNvPr id="1028" name="Picture 4" descr="https://angularjs.org/img/AngularJS-large.png"/>
+          <p:cNvPr id="2052" name="Picture 4" descr="https://scontent-atl3-1.xx.fbcdn.net/hphotos-xat1/v/t1.0-9/12670859_733137026787519_7030742083454077300_n.png?oh=e11fa31b6860c4ac8579a51ddbae0c19&amp;oe=57593369"/>
           <p:cNvPicPr>
             <a:picLocks noChangeAspect="1" noChangeArrowheads="1"/>
           </p:cNvPicPr>
           <p:nvPr/>
         </p:nvPicPr>
         <p:blipFill>
-          <a:blip r:embed="rId2">
+          <a:blip r:embed="rId3">
             <a:extLst>
               <a:ext uri="{28A0092B-C50C-407E-A947-70E740481C1C}">
                 <a14:useLocalDpi xmlns:a14="http://schemas.microsoft.com/office/drawing/2010/main" val="0"/>
@@ -4575,8 +7618,8 @@
         </p:blipFill>
         <p:spPr bwMode="auto">
           <a:xfrm>
-            <a:off x="0" y="1"/>
-            <a:ext cx="1664035" cy="469232"/>
+            <a:off x="7000599" y="4505948"/>
+            <a:ext cx="5191401" cy="2076560"/>
           </a:xfrm>
           <a:prstGeom prst="rect">
             <a:avLst/>
@@ -4593,735 +7636,10 @@
           </a:extLst>
         </p:spPr>
       </p:pic>
-      <p:sp>
-        <p:nvSpPr>
-          <p:cNvPr id="6" name="Rectangle 5"/>
-          <p:cNvSpPr/>
-          <p:nvPr/>
-        </p:nvSpPr>
-        <p:spPr>
-          <a:xfrm>
-            <a:off x="213279" y="2057399"/>
-            <a:ext cx="3260557" cy="4162925"/>
-          </a:xfrm>
-          <a:prstGeom prst="rect">
-            <a:avLst/>
-          </a:prstGeom>
-          <a:noFill/>
-          <a:ln w="9525">
-            <a:solidFill>
-              <a:schemeClr val="accent1"/>
-            </a:solidFill>
-          </a:ln>
-        </p:spPr>
-        <p:style>
-          <a:lnRef idx="2">
-            <a:schemeClr val="accent1">
-              <a:shade val="50000"/>
-            </a:schemeClr>
-          </a:lnRef>
-          <a:fillRef idx="1">
-            <a:schemeClr val="accent1"/>
-          </a:fillRef>
-          <a:effectRef idx="0">
-            <a:schemeClr val="accent1"/>
-          </a:effectRef>
-          <a:fontRef idx="minor">
-            <a:schemeClr val="lt1"/>
-          </a:fontRef>
-        </p:style>
-        <p:txBody>
-          <a:bodyPr rtlCol="0" anchor="ctr"/>
-          <a:lstStyle/>
-          <a:p>
-            <a:pPr algn="ctr"/>
-            <a:endParaRPr lang="en-US" dirty="0"/>
-          </a:p>
-        </p:txBody>
-      </p:sp>
-      <p:sp>
-        <p:nvSpPr>
-          <p:cNvPr id="8" name="Rectangle 7"/>
-          <p:cNvSpPr/>
-          <p:nvPr/>
-        </p:nvSpPr>
-        <p:spPr>
-          <a:xfrm>
-            <a:off x="4471737" y="2057399"/>
-            <a:ext cx="3260557" cy="4162925"/>
-          </a:xfrm>
-          <a:prstGeom prst="rect">
-            <a:avLst/>
-          </a:prstGeom>
-          <a:noFill/>
-          <a:ln w="9525">
-            <a:solidFill>
-              <a:schemeClr val="accent1"/>
-            </a:solidFill>
-          </a:ln>
-        </p:spPr>
-        <p:style>
-          <a:lnRef idx="2">
-            <a:schemeClr val="accent1">
-              <a:shade val="50000"/>
-            </a:schemeClr>
-          </a:lnRef>
-          <a:fillRef idx="1">
-            <a:schemeClr val="accent1"/>
-          </a:fillRef>
-          <a:effectRef idx="0">
-            <a:schemeClr val="accent1"/>
-          </a:effectRef>
-          <a:fontRef idx="minor">
-            <a:schemeClr val="lt1"/>
-          </a:fontRef>
-        </p:style>
-        <p:txBody>
-          <a:bodyPr rtlCol="0" anchor="ctr"/>
-          <a:lstStyle/>
-          <a:p>
-            <a:pPr algn="ctr"/>
-            <a:endParaRPr lang="en-US"/>
-          </a:p>
-        </p:txBody>
-      </p:sp>
-      <p:sp>
-        <p:nvSpPr>
-          <p:cNvPr id="9" name="Rectangle 8"/>
-          <p:cNvSpPr/>
-          <p:nvPr/>
-        </p:nvSpPr>
-        <p:spPr>
-          <a:xfrm>
-            <a:off x="8730193" y="2057399"/>
-            <a:ext cx="3260557" cy="4162925"/>
-          </a:xfrm>
-          <a:prstGeom prst="rect">
-            <a:avLst/>
-          </a:prstGeom>
-          <a:noFill/>
-          <a:ln w="9525">
-            <a:solidFill>
-              <a:schemeClr val="accent1"/>
-            </a:solidFill>
-          </a:ln>
-        </p:spPr>
-        <p:style>
-          <a:lnRef idx="2">
-            <a:schemeClr val="accent1">
-              <a:shade val="50000"/>
-            </a:schemeClr>
-          </a:lnRef>
-          <a:fillRef idx="1">
-            <a:schemeClr val="accent1"/>
-          </a:fillRef>
-          <a:effectRef idx="0">
-            <a:schemeClr val="accent1"/>
-          </a:effectRef>
-          <a:fontRef idx="minor">
-            <a:schemeClr val="lt1"/>
-          </a:fontRef>
-        </p:style>
-        <p:txBody>
-          <a:bodyPr rtlCol="0" anchor="ctr"/>
-          <a:lstStyle/>
-          <a:p>
-            <a:pPr algn="ctr"/>
-            <a:endParaRPr lang="en-US"/>
-          </a:p>
-        </p:txBody>
-      </p:sp>
-      <p:sp>
-        <p:nvSpPr>
-          <p:cNvPr id="7" name="TextBox 6"/>
-          <p:cNvSpPr txBox="1"/>
-          <p:nvPr/>
-        </p:nvSpPr>
-        <p:spPr>
-          <a:xfrm>
-            <a:off x="940104" y="1226402"/>
-            <a:ext cx="1806905" cy="830997"/>
-          </a:xfrm>
-          <a:prstGeom prst="rect">
-            <a:avLst/>
-          </a:prstGeom>
-          <a:noFill/>
-        </p:spPr>
-        <p:txBody>
-          <a:bodyPr wrap="none" rtlCol="0">
-            <a:spAutoFit/>
-          </a:bodyPr>
-          <a:lstStyle/>
-          <a:p>
-            <a:r>
-              <a:rPr lang="en-US" sz="4800" u="sng" dirty="0"/>
-              <a:t>M</a:t>
-            </a:r>
-            <a:r>
-              <a:rPr lang="en-US" sz="4800" dirty="0"/>
-              <a:t>odel</a:t>
-            </a:r>
-          </a:p>
-        </p:txBody>
-      </p:sp>
-      <p:sp>
-        <p:nvSpPr>
-          <p:cNvPr id="11" name="TextBox 10"/>
-          <p:cNvSpPr txBox="1"/>
-          <p:nvPr/>
-        </p:nvSpPr>
-        <p:spPr>
-          <a:xfrm>
-            <a:off x="5392429" y="1226401"/>
-            <a:ext cx="1419171" cy="830997"/>
-          </a:xfrm>
-          <a:prstGeom prst="rect">
-            <a:avLst/>
-          </a:prstGeom>
-          <a:noFill/>
-        </p:spPr>
-        <p:txBody>
-          <a:bodyPr wrap="none" rtlCol="0">
-            <a:spAutoFit/>
-          </a:bodyPr>
-          <a:lstStyle/>
-          <a:p>
-            <a:r>
-              <a:rPr lang="en-US" sz="4800" u="sng" dirty="0"/>
-              <a:t>V</a:t>
-            </a:r>
-            <a:r>
-              <a:rPr lang="en-US" sz="4800" dirty="0"/>
-              <a:t>iew</a:t>
-            </a:r>
-          </a:p>
-        </p:txBody>
-      </p:sp>
-      <p:sp>
-        <p:nvSpPr>
-          <p:cNvPr id="12" name="TextBox 11"/>
-          <p:cNvSpPr txBox="1"/>
-          <p:nvPr/>
-        </p:nvSpPr>
-        <p:spPr>
-          <a:xfrm>
-            <a:off x="9011992" y="1226401"/>
-            <a:ext cx="2696957" cy="830997"/>
-          </a:xfrm>
-          <a:prstGeom prst="rect">
-            <a:avLst/>
-          </a:prstGeom>
-          <a:noFill/>
-        </p:spPr>
-        <p:txBody>
-          <a:bodyPr wrap="none" rtlCol="0">
-            <a:spAutoFit/>
-          </a:bodyPr>
-          <a:lstStyle/>
-          <a:p>
-            <a:r>
-              <a:rPr lang="en-US" sz="4800" u="sng" dirty="0"/>
-              <a:t>C</a:t>
-            </a:r>
-            <a:r>
-              <a:rPr lang="en-US" sz="4800" dirty="0"/>
-              <a:t>ontroller</a:t>
-            </a:r>
-          </a:p>
-        </p:txBody>
-      </p:sp>
-      <p:pic>
-        <p:nvPicPr>
-          <p:cNvPr id="1030" name="Picture 6" descr="http://puu.sh/npjn6/a13608ee3e.png"/>
-          <p:cNvPicPr>
-            <a:picLocks noChangeAspect="1" noChangeArrowheads="1"/>
-          </p:cNvPicPr>
-          <p:nvPr/>
-        </p:nvPicPr>
-        <p:blipFill rotWithShape="1">
-          <a:blip r:embed="rId3">
-            <a:extLst>
-              <a:ext uri="{28A0092B-C50C-407E-A947-70E740481C1C}">
-                <a14:useLocalDpi xmlns:a14="http://schemas.microsoft.com/office/drawing/2010/main" val="0"/>
-              </a:ext>
-            </a:extLst>
-          </a:blip>
-          <a:srcRect r="15751"/>
-          <a:stretch/>
-        </p:blipFill>
-        <p:spPr bwMode="auto">
-          <a:xfrm>
-            <a:off x="4511999" y="2100498"/>
-            <a:ext cx="3180030" cy="1990234"/>
-          </a:xfrm>
-          <a:prstGeom prst="rect">
-            <a:avLst/>
-          </a:prstGeom>
-          <a:noFill/>
-          <a:extLst>
-            <a:ext uri="{909E8E84-426E-40DD-AFC4-6F175D3DCCD1}">
-              <a14:hiddenFill xmlns:a14="http://schemas.microsoft.com/office/drawing/2010/main">
-                <a:solidFill>
-                  <a:srgbClr val="FFFFFF"/>
-                </a:solidFill>
-              </a14:hiddenFill>
-            </a:ext>
-          </a:extLst>
-        </p:spPr>
-      </p:pic>
-      <p:pic>
-        <p:nvPicPr>
-          <p:cNvPr id="1032" name="Picture 8" descr="http://puu.sh/npkrC/5a399c0b60.png"/>
-          <p:cNvPicPr>
-            <a:picLocks noChangeAspect="1" noChangeArrowheads="1"/>
-          </p:cNvPicPr>
-          <p:nvPr/>
-        </p:nvPicPr>
-        <p:blipFill rotWithShape="1">
-          <a:blip r:embed="rId4">
-            <a:extLst>
-              <a:ext uri="{28A0092B-C50C-407E-A947-70E740481C1C}">
-                <a14:useLocalDpi xmlns:a14="http://schemas.microsoft.com/office/drawing/2010/main" val="0"/>
-              </a:ext>
-            </a:extLst>
-          </a:blip>
-          <a:srcRect r="20148" b="18925"/>
-          <a:stretch/>
-        </p:blipFill>
-        <p:spPr bwMode="auto">
-          <a:xfrm>
-            <a:off x="558486" y="2105528"/>
-            <a:ext cx="2577875" cy="4066676"/>
-          </a:xfrm>
-          <a:prstGeom prst="rect">
-            <a:avLst/>
-          </a:prstGeom>
-          <a:noFill/>
-          <a:extLst>
-            <a:ext uri="{909E8E84-426E-40DD-AFC4-6F175D3DCCD1}">
-              <a14:hiddenFill xmlns:a14="http://schemas.microsoft.com/office/drawing/2010/main">
-                <a:solidFill>
-                  <a:srgbClr val="FFFFFF"/>
-                </a:solidFill>
-              </a14:hiddenFill>
-            </a:ext>
-          </a:extLst>
-        </p:spPr>
-      </p:pic>
-      <p:pic>
-        <p:nvPicPr>
-          <p:cNvPr id="1034" name="Picture 10" descr="http://puu.sh/nprbH/64b5b0310d.png"/>
-          <p:cNvPicPr>
-            <a:picLocks noChangeAspect="1" noChangeArrowheads="1"/>
-          </p:cNvPicPr>
-          <p:nvPr/>
-        </p:nvPicPr>
-        <p:blipFill>
-          <a:blip r:embed="rId5">
-            <a:extLst>
-              <a:ext uri="{28A0092B-C50C-407E-A947-70E740481C1C}">
-                <a14:useLocalDpi xmlns:a14="http://schemas.microsoft.com/office/drawing/2010/main" val="0"/>
-              </a:ext>
-            </a:extLst>
-          </a:blip>
-          <a:srcRect/>
-          <a:stretch>
-            <a:fillRect/>
-          </a:stretch>
-        </p:blipFill>
-        <p:spPr bwMode="auto">
-          <a:xfrm>
-            <a:off x="8775341" y="2326356"/>
-            <a:ext cx="3170257" cy="3625009"/>
-          </a:xfrm>
-          <a:prstGeom prst="rect">
-            <a:avLst/>
-          </a:prstGeom>
-          <a:noFill/>
-          <a:extLst>
-            <a:ext uri="{909E8E84-426E-40DD-AFC4-6F175D3DCCD1}">
-              <a14:hiddenFill xmlns:a14="http://schemas.microsoft.com/office/drawing/2010/main">
-                <a:solidFill>
-                  <a:srgbClr val="FFFFFF"/>
-                </a:solidFill>
-              </a14:hiddenFill>
-            </a:ext>
-          </a:extLst>
-        </p:spPr>
-      </p:pic>
-      <p:pic>
-        <p:nvPicPr>
-          <p:cNvPr id="1036" name="Picture 12" descr="http://puu.sh/nprft/2195fee9dc.png"/>
-          <p:cNvPicPr>
-            <a:picLocks noChangeAspect="1" noChangeArrowheads="1"/>
-          </p:cNvPicPr>
-          <p:nvPr/>
-        </p:nvPicPr>
-        <p:blipFill rotWithShape="1">
-          <a:blip r:embed="rId6">
-            <a:extLst>
-              <a:ext uri="{28A0092B-C50C-407E-A947-70E740481C1C}">
-                <a14:useLocalDpi xmlns:a14="http://schemas.microsoft.com/office/drawing/2010/main" val="0"/>
-              </a:ext>
-            </a:extLst>
-          </a:blip>
-          <a:srcRect l="4946" t="15925" r="4660" b="12722"/>
-          <a:stretch/>
-        </p:blipFill>
-        <p:spPr bwMode="auto">
-          <a:xfrm>
-            <a:off x="4831346" y="4133830"/>
-            <a:ext cx="2541335" cy="2038373"/>
-          </a:xfrm>
-          <a:prstGeom prst="rect">
-            <a:avLst/>
-          </a:prstGeom>
-          <a:noFill/>
-          <a:extLst>
-            <a:ext uri="{909E8E84-426E-40DD-AFC4-6F175D3DCCD1}">
-              <a14:hiddenFill xmlns:a14="http://schemas.microsoft.com/office/drawing/2010/main">
-                <a:solidFill>
-                  <a:srgbClr val="FFFFFF"/>
-                </a:solidFill>
-              </a14:hiddenFill>
-            </a:ext>
-          </a:extLst>
-        </p:spPr>
-      </p:pic>
-      <p:sp>
-        <p:nvSpPr>
-          <p:cNvPr id="17" name="TextBox 16"/>
-          <p:cNvSpPr txBox="1"/>
-          <p:nvPr/>
-        </p:nvSpPr>
-        <p:spPr>
-          <a:xfrm>
-            <a:off x="10907802" y="-135509"/>
-            <a:ext cx="1284198" cy="769441"/>
-          </a:xfrm>
-          <a:prstGeom prst="rect">
-            <a:avLst/>
-          </a:prstGeom>
-          <a:noFill/>
-        </p:spPr>
-        <p:txBody>
-          <a:bodyPr wrap="none" rtlCol="0">
-            <a:spAutoFit/>
-          </a:bodyPr>
-          <a:lstStyle/>
-          <a:p>
-            <a:r>
-              <a:rPr lang="en-US" sz="4400" dirty="0"/>
-              <a:t>MVC</a:t>
-            </a:r>
-          </a:p>
-        </p:txBody>
-      </p:sp>
-      <p:cxnSp>
-        <p:nvCxnSpPr>
-          <p:cNvPr id="13" name="Elbow Connector 12"/>
-          <p:cNvCxnSpPr>
-            <a:stCxn id="12" idx="0"/>
-            <a:endCxn id="7" idx="0"/>
-          </p:cNvCxnSpPr>
-          <p:nvPr/>
-        </p:nvCxnSpPr>
-        <p:spPr>
-          <a:xfrm rot="16200000" flipH="1" flipV="1">
-            <a:off x="6102013" y="-3032056"/>
-            <a:ext cx="1" cy="8516914"/>
-          </a:xfrm>
-          <a:prstGeom prst="bentConnector3">
-            <a:avLst>
-              <a:gd name="adj1" fmla="val -22860000000"/>
-            </a:avLst>
-          </a:prstGeom>
-          <a:ln>
-            <a:tailEnd type="triangle"/>
-          </a:ln>
-        </p:spPr>
-        <p:style>
-          <a:lnRef idx="1">
-            <a:schemeClr val="accent1"/>
-          </a:lnRef>
-          <a:fillRef idx="0">
-            <a:schemeClr val="accent1"/>
-          </a:fillRef>
-          <a:effectRef idx="0">
-            <a:schemeClr val="accent1"/>
-          </a:effectRef>
-          <a:fontRef idx="minor">
-            <a:schemeClr val="tx1"/>
-          </a:fontRef>
-        </p:style>
-      </p:cxnSp>
-      <p:cxnSp>
-        <p:nvCxnSpPr>
-          <p:cNvPr id="20" name="Straight Arrow Connector 19"/>
-          <p:cNvCxnSpPr>
-            <a:stCxn id="7" idx="3"/>
-            <a:endCxn id="11" idx="1"/>
-          </p:cNvCxnSpPr>
-          <p:nvPr/>
-        </p:nvCxnSpPr>
-        <p:spPr>
-          <a:xfrm flipV="1">
-            <a:off x="2747009" y="1641900"/>
-            <a:ext cx="2645420" cy="1"/>
-          </a:xfrm>
-          <a:prstGeom prst="straightConnector1">
-            <a:avLst/>
-          </a:prstGeom>
-          <a:ln>
-            <a:headEnd type="triangle"/>
-            <a:tailEnd type="triangle"/>
-          </a:ln>
-        </p:spPr>
-        <p:style>
-          <a:lnRef idx="1">
-            <a:schemeClr val="accent1"/>
-          </a:lnRef>
-          <a:fillRef idx="0">
-            <a:schemeClr val="accent1"/>
-          </a:fillRef>
-          <a:effectRef idx="0">
-            <a:schemeClr val="accent1"/>
-          </a:effectRef>
-          <a:fontRef idx="minor">
-            <a:schemeClr val="tx1"/>
-          </a:fontRef>
-        </p:style>
-      </p:cxnSp>
-      <p:cxnSp>
-        <p:nvCxnSpPr>
-          <p:cNvPr id="22" name="Straight Arrow Connector 21"/>
-          <p:cNvCxnSpPr>
-            <a:stCxn id="11" idx="3"/>
-            <a:endCxn id="12" idx="1"/>
-          </p:cNvCxnSpPr>
-          <p:nvPr/>
-        </p:nvCxnSpPr>
-        <p:spPr>
-          <a:xfrm>
-            <a:off x="6811600" y="1641900"/>
-            <a:ext cx="2200392" cy="0"/>
-          </a:xfrm>
-          <a:prstGeom prst="straightConnector1">
-            <a:avLst/>
-          </a:prstGeom>
-          <a:ln>
-            <a:tailEnd type="triangle"/>
-          </a:ln>
-        </p:spPr>
-        <p:style>
-          <a:lnRef idx="1">
-            <a:schemeClr val="accent1"/>
-          </a:lnRef>
-          <a:fillRef idx="0">
-            <a:schemeClr val="accent1"/>
-          </a:fillRef>
-          <a:effectRef idx="0">
-            <a:schemeClr val="accent1"/>
-          </a:effectRef>
-          <a:fontRef idx="minor">
-            <a:schemeClr val="tx1"/>
-          </a:fontRef>
-        </p:style>
-      </p:cxnSp>
-      <p:sp>
-        <p:nvSpPr>
-          <p:cNvPr id="23" name="TextBox 22"/>
-          <p:cNvSpPr txBox="1"/>
-          <p:nvPr/>
-        </p:nvSpPr>
-        <p:spPr>
-          <a:xfrm>
-            <a:off x="3606297" y="420021"/>
-            <a:ext cx="4991431" cy="523220"/>
-          </a:xfrm>
-          <a:prstGeom prst="rect">
-            <a:avLst/>
-          </a:prstGeom>
-          <a:noFill/>
-        </p:spPr>
-        <p:txBody>
-          <a:bodyPr wrap="none" rtlCol="0">
-            <a:spAutoFit/>
-          </a:bodyPr>
-          <a:lstStyle/>
-          <a:p>
-            <a:r>
-              <a:rPr lang="en-US" sz="2800" dirty="0"/>
-              <a:t>Controller’s logic modifies Model</a:t>
-            </a:r>
-          </a:p>
-        </p:txBody>
-      </p:sp>
-      <p:sp>
-        <p:nvSpPr>
-          <p:cNvPr id="28" name="TextBox 27"/>
-          <p:cNvSpPr txBox="1"/>
-          <p:nvPr/>
-        </p:nvSpPr>
-        <p:spPr>
-          <a:xfrm>
-            <a:off x="7362479" y="1313587"/>
-            <a:ext cx="1098634" cy="646331"/>
-          </a:xfrm>
-          <a:prstGeom prst="rect">
-            <a:avLst/>
-          </a:prstGeom>
-          <a:noFill/>
-        </p:spPr>
-        <p:txBody>
-          <a:bodyPr wrap="none" rtlCol="0">
-            <a:spAutoFit/>
-          </a:bodyPr>
-          <a:lstStyle/>
-          <a:p>
-            <a:pPr algn="ctr"/>
-            <a:r>
-              <a:rPr lang="en-US" dirty="0"/>
-              <a:t>Invoke </a:t>
-            </a:r>
-          </a:p>
-          <a:p>
-            <a:pPr algn="ctr"/>
-            <a:r>
-              <a:rPr lang="en-US" dirty="0"/>
-              <a:t>controller</a:t>
-            </a:r>
-          </a:p>
-        </p:txBody>
-      </p:sp>
-      <p:sp>
-        <p:nvSpPr>
-          <p:cNvPr id="29" name="TextBox 28"/>
-          <p:cNvSpPr txBox="1"/>
-          <p:nvPr/>
-        </p:nvSpPr>
-        <p:spPr>
-          <a:xfrm>
-            <a:off x="3529867" y="1313586"/>
-            <a:ext cx="886781" cy="646331"/>
-          </a:xfrm>
-          <a:prstGeom prst="rect">
-            <a:avLst/>
-          </a:prstGeom>
-          <a:noFill/>
-        </p:spPr>
-        <p:txBody>
-          <a:bodyPr wrap="none" rtlCol="0">
-            <a:spAutoFit/>
-          </a:bodyPr>
-          <a:lstStyle/>
-          <a:p>
-            <a:pPr algn="ctr"/>
-            <a:r>
-              <a:rPr lang="en-US" dirty="0"/>
-              <a:t>Data</a:t>
-            </a:r>
-          </a:p>
-          <a:p>
-            <a:pPr algn="ctr"/>
-            <a:r>
-              <a:rPr lang="en-US" dirty="0"/>
-              <a:t>binding</a:t>
-            </a:r>
-          </a:p>
-        </p:txBody>
-      </p:sp>
-      <p:sp>
-        <p:nvSpPr>
-          <p:cNvPr id="30" name="TextBox 29"/>
-          <p:cNvSpPr txBox="1"/>
-          <p:nvPr/>
-        </p:nvSpPr>
-        <p:spPr>
-          <a:xfrm>
-            <a:off x="-96252" y="6220324"/>
-            <a:ext cx="4295278" cy="369332"/>
-          </a:xfrm>
-          <a:prstGeom prst="rect">
-            <a:avLst/>
-          </a:prstGeom>
-          <a:noFill/>
-        </p:spPr>
-        <p:txBody>
-          <a:bodyPr wrap="none" rtlCol="0">
-            <a:spAutoFit/>
-          </a:bodyPr>
-          <a:lstStyle/>
-          <a:p>
-            <a:r>
-              <a:rPr lang="en-US" dirty="0"/>
-              <a:t>A working “model” for the view to consume</a:t>
-            </a:r>
-          </a:p>
-        </p:txBody>
-      </p:sp>
-      <p:sp>
-        <p:nvSpPr>
-          <p:cNvPr id="31" name="TextBox 30"/>
-          <p:cNvSpPr txBox="1"/>
-          <p:nvPr/>
-        </p:nvSpPr>
-        <p:spPr>
-          <a:xfrm>
-            <a:off x="4852855" y="6215301"/>
-            <a:ext cx="2498313" cy="369332"/>
-          </a:xfrm>
-          <a:prstGeom prst="rect">
-            <a:avLst/>
-          </a:prstGeom>
-          <a:noFill/>
-        </p:spPr>
-        <p:txBody>
-          <a:bodyPr wrap="none" rtlCol="0">
-            <a:spAutoFit/>
-          </a:bodyPr>
-          <a:lstStyle/>
-          <a:p>
-            <a:r>
-              <a:rPr lang="en-US" dirty="0"/>
-              <a:t>The display of the model</a:t>
-            </a:r>
-          </a:p>
-        </p:txBody>
-      </p:sp>
-      <p:sp>
-        <p:nvSpPr>
-          <p:cNvPr id="1024" name="TextBox 1023"/>
-          <p:cNvSpPr txBox="1"/>
-          <p:nvPr/>
-        </p:nvSpPr>
-        <p:spPr>
-          <a:xfrm>
-            <a:off x="9022410" y="6215301"/>
-            <a:ext cx="2676117" cy="369332"/>
-          </a:xfrm>
-          <a:prstGeom prst="rect">
-            <a:avLst/>
-          </a:prstGeom>
-          <a:noFill/>
-        </p:spPr>
-        <p:txBody>
-          <a:bodyPr wrap="none" rtlCol="0">
-            <a:spAutoFit/>
-          </a:bodyPr>
-          <a:lstStyle/>
-          <a:p>
-            <a:r>
-              <a:rPr lang="en-US" dirty="0"/>
-              <a:t>How the model is changed</a:t>
-            </a:r>
-          </a:p>
-        </p:txBody>
-      </p:sp>
     </p:spTree>
     <p:extLst>
       <p:ext uri="{BB962C8B-B14F-4D97-AF65-F5344CB8AC3E}">
-        <p14:creationId xmlns:p14="http://schemas.microsoft.com/office/powerpoint/2010/main" val="2239608326"/>
+        <p14:creationId xmlns:p14="http://schemas.microsoft.com/office/powerpoint/2010/main" val="109561533"/>
       </p:ext>
     </p:extLst>
   </p:cSld>
@@ -5360,9 +7678,44 @@
           <a:chExt cx="0" cy="0"/>
         </a:xfrm>
       </p:grpSpPr>
+      <p:sp>
+        <p:nvSpPr>
+          <p:cNvPr id="2" name="Title 1"/>
+          <p:cNvSpPr>
+            <a:spLocks noGrp="1"/>
+          </p:cNvSpPr>
+          <p:nvPr>
+            <p:ph type="title"/>
+          </p:nvPr>
+        </p:nvSpPr>
+        <p:spPr>
+          <a:xfrm>
+            <a:off x="0" y="3741821"/>
+            <a:ext cx="12192000" cy="2194079"/>
+          </a:xfrm>
+        </p:spPr>
+        <p:txBody>
+          <a:bodyPr>
+            <a:noAutofit/>
+          </a:bodyPr>
+          <a:lstStyle/>
+          <a:p>
+            <a:pPr algn="ctr"/>
+            <a:r>
+              <a:rPr lang="en-US" sz="13800" dirty="0"/>
+              <a:t>goo.gl/</a:t>
+            </a:r>
+            <a:r>
+              <a:rPr lang="en-US" sz="13800" dirty="0" err="1"/>
+              <a:t>mPVVPb</a:t>
+            </a:r>
+            <a:endParaRPr lang="en-US" sz="13800" dirty="0"/>
+          </a:p>
+        </p:txBody>
+      </p:sp>
       <p:pic>
         <p:nvPicPr>
-          <p:cNvPr id="2050" name="Picture 2" descr="http://puu.sh/nprPC/9242ab6178.png"/>
+          <p:cNvPr id="7170" name="Picture 2" descr="http://thatstechnology.com/wp-content/uploads/2015/03/0328-Slack-Logo.jpg"/>
           <p:cNvPicPr>
             <a:picLocks noChangeAspect="1" noChangeArrowheads="1"/>
           </p:cNvPicPr>
@@ -5376,13 +7729,13 @@
               </a:ext>
             </a:extLst>
           </a:blip>
-          <a:srcRect r="6891"/>
+          <a:srcRect l="8222" t="25263" r="8252" b="24421"/>
           <a:stretch/>
         </p:blipFill>
         <p:spPr bwMode="auto">
           <a:xfrm>
-            <a:off x="0" y="1789553"/>
-            <a:ext cx="6189084" cy="4799669"/>
+            <a:off x="2757714" y="0"/>
+            <a:ext cx="6604380" cy="2983832"/>
           </a:xfrm>
           <a:prstGeom prst="rect">
             <a:avLst/>
@@ -5399,1512 +7752,10 @@
           </a:extLst>
         </p:spPr>
       </p:pic>
-      <p:pic>
-        <p:nvPicPr>
-          <p:cNvPr id="2054" name="Picture 6" descr="http://puu.sh/nprYE/5cb7e92299.png"/>
-          <p:cNvPicPr>
-            <a:picLocks noChangeAspect="1" noChangeArrowheads="1"/>
-          </p:cNvPicPr>
-          <p:nvPr/>
-        </p:nvPicPr>
-        <p:blipFill>
-          <a:blip r:embed="rId3">
-            <a:extLst>
-              <a:ext uri="{28A0092B-C50C-407E-A947-70E740481C1C}">
-                <a14:useLocalDpi xmlns:a14="http://schemas.microsoft.com/office/drawing/2010/main" val="0"/>
-              </a:ext>
-            </a:extLst>
-          </a:blip>
-          <a:srcRect/>
-          <a:stretch>
-            <a:fillRect/>
-          </a:stretch>
-        </p:blipFill>
-        <p:spPr bwMode="auto">
-          <a:xfrm>
-            <a:off x="6874539" y="3405554"/>
-            <a:ext cx="5330697" cy="3183668"/>
-          </a:xfrm>
-          <a:prstGeom prst="rect">
-            <a:avLst/>
-          </a:prstGeom>
-          <a:noFill/>
-          <a:extLst>
-            <a:ext uri="{909E8E84-426E-40DD-AFC4-6F175D3DCCD1}">
-              <a14:hiddenFill xmlns:a14="http://schemas.microsoft.com/office/drawing/2010/main">
-                <a:solidFill>
-                  <a:srgbClr val="FFFFFF"/>
-                </a:solidFill>
-              </a14:hiddenFill>
-            </a:ext>
-          </a:extLst>
-        </p:spPr>
-      </p:pic>
-      <p:pic>
-        <p:nvPicPr>
-          <p:cNvPr id="8" name="Picture 12" descr="http://puu.sh/nprft/2195fee9dc.png"/>
-          <p:cNvPicPr>
-            <a:picLocks noChangeAspect="1" noChangeArrowheads="1"/>
-          </p:cNvPicPr>
-          <p:nvPr/>
-        </p:nvPicPr>
-        <p:blipFill rotWithShape="1">
-          <a:blip r:embed="rId4">
-            <a:extLst>
-              <a:ext uri="{28A0092B-C50C-407E-A947-70E740481C1C}">
-                <a14:useLocalDpi xmlns:a14="http://schemas.microsoft.com/office/drawing/2010/main" val="0"/>
-              </a:ext>
-            </a:extLst>
-          </a:blip>
-          <a:srcRect l="8647" t="25298" r="8373" b="24434"/>
-          <a:stretch/>
-        </p:blipFill>
-        <p:spPr bwMode="auto">
-          <a:xfrm>
-            <a:off x="10530542" y="0"/>
-            <a:ext cx="2409801" cy="1483360"/>
-          </a:xfrm>
-          <a:prstGeom prst="rect">
-            <a:avLst/>
-          </a:prstGeom>
-          <a:noFill/>
-          <a:extLst>
-            <a:ext uri="{909E8E84-426E-40DD-AFC4-6F175D3DCCD1}">
-              <a14:hiddenFill xmlns:a14="http://schemas.microsoft.com/office/drawing/2010/main">
-                <a:solidFill>
-                  <a:srgbClr val="FFFFFF"/>
-                </a:solidFill>
-              </a14:hiddenFill>
-            </a:ext>
-          </a:extLst>
-        </p:spPr>
-      </p:pic>
-      <p:pic>
-        <p:nvPicPr>
-          <p:cNvPr id="2056" name="Picture 8" descr="http://puu.sh/nps8A/5282caf25d.png"/>
-          <p:cNvPicPr>
-            <a:picLocks noChangeAspect="1" noChangeArrowheads="1"/>
-          </p:cNvPicPr>
-          <p:nvPr/>
-        </p:nvPicPr>
-        <p:blipFill>
-          <a:blip r:embed="rId5">
-            <a:extLst>
-              <a:ext uri="{28A0092B-C50C-407E-A947-70E740481C1C}">
-                <a14:useLocalDpi xmlns:a14="http://schemas.microsoft.com/office/drawing/2010/main" val="0"/>
-              </a:ext>
-            </a:extLst>
-          </a:blip>
-          <a:srcRect/>
-          <a:stretch>
-            <a:fillRect/>
-          </a:stretch>
-        </p:blipFill>
-        <p:spPr bwMode="auto">
-          <a:xfrm>
-            <a:off x="6874539" y="1395489"/>
-            <a:ext cx="2559477" cy="1789553"/>
-          </a:xfrm>
-          <a:prstGeom prst="rect">
-            <a:avLst/>
-          </a:prstGeom>
-          <a:noFill/>
-          <a:extLst>
-            <a:ext uri="{909E8E84-426E-40DD-AFC4-6F175D3DCCD1}">
-              <a14:hiddenFill xmlns:a14="http://schemas.microsoft.com/office/drawing/2010/main">
-                <a:solidFill>
-                  <a:srgbClr val="FFFFFF"/>
-                </a:solidFill>
-              </a14:hiddenFill>
-            </a:ext>
-          </a:extLst>
-        </p:spPr>
-      </p:pic>
-      <p:sp>
-        <p:nvSpPr>
-          <p:cNvPr id="5" name="Rectangle 4"/>
-          <p:cNvSpPr/>
-          <p:nvPr/>
-        </p:nvSpPr>
-        <p:spPr>
-          <a:xfrm>
-            <a:off x="7197967" y="1881553"/>
-            <a:ext cx="574431" cy="187569"/>
-          </a:xfrm>
-          <a:prstGeom prst="rect">
-            <a:avLst/>
-          </a:prstGeom>
-          <a:noFill/>
-          <a:ln w="19050">
-            <a:solidFill>
-              <a:schemeClr val="accent1"/>
-            </a:solidFill>
-          </a:ln>
-        </p:spPr>
-        <p:style>
-          <a:lnRef idx="2">
-            <a:schemeClr val="accent1">
-              <a:shade val="50000"/>
-            </a:schemeClr>
-          </a:lnRef>
-          <a:fillRef idx="1">
-            <a:schemeClr val="accent1"/>
-          </a:fillRef>
-          <a:effectRef idx="0">
-            <a:schemeClr val="accent1"/>
-          </a:effectRef>
-          <a:fontRef idx="minor">
-            <a:schemeClr val="lt1"/>
-          </a:fontRef>
-        </p:style>
-        <p:txBody>
-          <a:bodyPr rtlCol="0" anchor="ctr"/>
-          <a:lstStyle/>
-          <a:p>
-            <a:pPr algn="ctr"/>
-            <a:endParaRPr lang="en-US"/>
-          </a:p>
-        </p:txBody>
-      </p:sp>
-      <p:sp>
-        <p:nvSpPr>
-          <p:cNvPr id="11" name="Rectangle 10"/>
-          <p:cNvSpPr/>
-          <p:nvPr/>
-        </p:nvSpPr>
-        <p:spPr>
-          <a:xfrm>
-            <a:off x="8461000" y="3358662"/>
-            <a:ext cx="595077" cy="237131"/>
-          </a:xfrm>
-          <a:prstGeom prst="rect">
-            <a:avLst/>
-          </a:prstGeom>
-          <a:noFill/>
-          <a:ln w="19050">
-            <a:solidFill>
-              <a:schemeClr val="accent1"/>
-            </a:solidFill>
-          </a:ln>
-        </p:spPr>
-        <p:style>
-          <a:lnRef idx="2">
-            <a:schemeClr val="accent1">
-              <a:shade val="50000"/>
-            </a:schemeClr>
-          </a:lnRef>
-          <a:fillRef idx="1">
-            <a:schemeClr val="accent1"/>
-          </a:fillRef>
-          <a:effectRef idx="0">
-            <a:schemeClr val="accent1"/>
-          </a:effectRef>
-          <a:fontRef idx="minor">
-            <a:schemeClr val="lt1"/>
-          </a:fontRef>
-        </p:style>
-        <p:txBody>
-          <a:bodyPr rtlCol="0" anchor="ctr"/>
-          <a:lstStyle/>
-          <a:p>
-            <a:pPr algn="ctr"/>
-            <a:endParaRPr lang="en-US"/>
-          </a:p>
-        </p:txBody>
-      </p:sp>
-      <p:sp>
-        <p:nvSpPr>
-          <p:cNvPr id="12" name="Rectangle 11"/>
-          <p:cNvSpPr/>
-          <p:nvPr/>
-        </p:nvSpPr>
-        <p:spPr>
-          <a:xfrm>
-            <a:off x="7117304" y="4090189"/>
-            <a:ext cx="1194356" cy="280463"/>
-          </a:xfrm>
-          <a:prstGeom prst="rect">
-            <a:avLst/>
-          </a:prstGeom>
-          <a:noFill/>
-          <a:ln w="19050">
-            <a:solidFill>
-              <a:schemeClr val="accent1"/>
-            </a:solidFill>
-          </a:ln>
-        </p:spPr>
-        <p:style>
-          <a:lnRef idx="2">
-            <a:schemeClr val="accent1">
-              <a:shade val="50000"/>
-            </a:schemeClr>
-          </a:lnRef>
-          <a:fillRef idx="1">
-            <a:schemeClr val="accent1"/>
-          </a:fillRef>
-          <a:effectRef idx="0">
-            <a:schemeClr val="accent1"/>
-          </a:effectRef>
-          <a:fontRef idx="minor">
-            <a:schemeClr val="lt1"/>
-          </a:fontRef>
-        </p:style>
-        <p:txBody>
-          <a:bodyPr rtlCol="0" anchor="ctr"/>
-          <a:lstStyle/>
-          <a:p>
-            <a:pPr algn="ctr"/>
-            <a:endParaRPr lang="en-US"/>
-          </a:p>
-        </p:txBody>
-      </p:sp>
-      <p:cxnSp>
-        <p:nvCxnSpPr>
-          <p:cNvPr id="7" name="Elbow Connector 6"/>
-          <p:cNvCxnSpPr>
-            <a:stCxn id="12" idx="3"/>
-            <a:endCxn id="5" idx="0"/>
-          </p:cNvCxnSpPr>
-          <p:nvPr/>
-        </p:nvCxnSpPr>
-        <p:spPr>
-          <a:xfrm flipH="1" flipV="1">
-            <a:off x="7485183" y="1881553"/>
-            <a:ext cx="826477" cy="2348868"/>
-          </a:xfrm>
-          <a:prstGeom prst="bentConnector4">
-            <a:avLst>
-              <a:gd name="adj1" fmla="val -274969"/>
-              <a:gd name="adj2" fmla="val 109732"/>
-            </a:avLst>
-          </a:prstGeom>
-          <a:ln w="19050">
-            <a:prstDash val="dash"/>
-          </a:ln>
-        </p:spPr>
-        <p:style>
-          <a:lnRef idx="1">
-            <a:schemeClr val="accent1"/>
-          </a:lnRef>
-          <a:fillRef idx="0">
-            <a:schemeClr val="accent1"/>
-          </a:fillRef>
-          <a:effectRef idx="0">
-            <a:schemeClr val="accent1"/>
-          </a:effectRef>
-          <a:fontRef idx="minor">
-            <a:schemeClr val="tx1"/>
-          </a:fontRef>
-        </p:style>
-      </p:cxnSp>
-      <p:cxnSp>
-        <p:nvCxnSpPr>
-          <p:cNvPr id="28" name="Straight Connector 27"/>
-          <p:cNvCxnSpPr>
-            <a:stCxn id="11" idx="0"/>
-            <a:endCxn id="11" idx="0"/>
-          </p:cNvCxnSpPr>
-          <p:nvPr/>
-        </p:nvCxnSpPr>
-        <p:spPr>
-          <a:xfrm>
-            <a:off x="8758539" y="3358662"/>
-            <a:ext cx="0" cy="0"/>
-          </a:xfrm>
-          <a:prstGeom prst="line">
-            <a:avLst/>
-          </a:prstGeom>
-        </p:spPr>
-        <p:style>
-          <a:lnRef idx="1">
-            <a:schemeClr val="accent1"/>
-          </a:lnRef>
-          <a:fillRef idx="0">
-            <a:schemeClr val="accent1"/>
-          </a:fillRef>
-          <a:effectRef idx="0">
-            <a:schemeClr val="accent1"/>
-          </a:effectRef>
-          <a:fontRef idx="minor">
-            <a:schemeClr val="tx1"/>
-          </a:fontRef>
-        </p:style>
-      </p:cxnSp>
-      <p:sp>
-        <p:nvSpPr>
-          <p:cNvPr id="33" name="Rectangle 32"/>
-          <p:cNvSpPr/>
-          <p:nvPr/>
-        </p:nvSpPr>
-        <p:spPr>
-          <a:xfrm>
-            <a:off x="423461" y="1735015"/>
-            <a:ext cx="1113694" cy="283138"/>
-          </a:xfrm>
-          <a:prstGeom prst="rect">
-            <a:avLst/>
-          </a:prstGeom>
-          <a:noFill/>
-          <a:ln w="19050">
-            <a:solidFill>
-              <a:schemeClr val="accent1"/>
-            </a:solidFill>
-          </a:ln>
-        </p:spPr>
-        <p:style>
-          <a:lnRef idx="2">
-            <a:schemeClr val="accent1">
-              <a:shade val="50000"/>
-            </a:schemeClr>
-          </a:lnRef>
-          <a:fillRef idx="1">
-            <a:schemeClr val="accent1"/>
-          </a:fillRef>
-          <a:effectRef idx="0">
-            <a:schemeClr val="accent1"/>
-          </a:effectRef>
-          <a:fontRef idx="minor">
-            <a:schemeClr val="lt1"/>
-          </a:fontRef>
-        </p:style>
-        <p:txBody>
-          <a:bodyPr rtlCol="0" anchor="ctr"/>
-          <a:lstStyle/>
-          <a:p>
-            <a:pPr algn="ctr"/>
-            <a:endParaRPr lang="en-US"/>
-          </a:p>
-        </p:txBody>
-      </p:sp>
-      <p:cxnSp>
-        <p:nvCxnSpPr>
-          <p:cNvPr id="2048" name="Elbow Connector 2047"/>
-          <p:cNvCxnSpPr>
-            <a:stCxn id="11" idx="0"/>
-            <a:endCxn id="33" idx="0"/>
-          </p:cNvCxnSpPr>
-          <p:nvPr/>
-        </p:nvCxnSpPr>
-        <p:spPr>
-          <a:xfrm rot="16200000" flipV="1">
-            <a:off x="4057601" y="-1342277"/>
-            <a:ext cx="1623647" cy="7778231"/>
-          </a:xfrm>
-          <a:prstGeom prst="bentConnector3">
-            <a:avLst>
-              <a:gd name="adj1" fmla="val 148375"/>
-            </a:avLst>
-          </a:prstGeom>
-          <a:ln w="19050">
-            <a:prstDash val="dash"/>
-          </a:ln>
-        </p:spPr>
-        <p:style>
-          <a:lnRef idx="1">
-            <a:schemeClr val="accent1"/>
-          </a:lnRef>
-          <a:fillRef idx="0">
-            <a:schemeClr val="accent1"/>
-          </a:fillRef>
-          <a:effectRef idx="0">
-            <a:schemeClr val="accent1"/>
-          </a:effectRef>
-          <a:fontRef idx="minor">
-            <a:schemeClr val="tx1"/>
-          </a:fontRef>
-        </p:style>
-      </p:cxnSp>
-      <p:sp>
-        <p:nvSpPr>
-          <p:cNvPr id="40" name="Rectangle 39"/>
-          <p:cNvSpPr/>
-          <p:nvPr/>
-        </p:nvSpPr>
-        <p:spPr>
-          <a:xfrm>
-            <a:off x="2186355" y="2175965"/>
-            <a:ext cx="2350476" cy="228600"/>
-          </a:xfrm>
-          <a:prstGeom prst="rect">
-            <a:avLst/>
-          </a:prstGeom>
-          <a:noFill/>
-          <a:ln w="19050">
-            <a:solidFill>
-              <a:schemeClr val="accent1"/>
-            </a:solidFill>
-          </a:ln>
-        </p:spPr>
-        <p:style>
-          <a:lnRef idx="2">
-            <a:schemeClr val="accent1">
-              <a:shade val="50000"/>
-            </a:schemeClr>
-          </a:lnRef>
-          <a:fillRef idx="1">
-            <a:schemeClr val="accent1"/>
-          </a:fillRef>
-          <a:effectRef idx="0">
-            <a:schemeClr val="accent1"/>
-          </a:effectRef>
-          <a:fontRef idx="minor">
-            <a:schemeClr val="lt1"/>
-          </a:fontRef>
-        </p:style>
-        <p:txBody>
-          <a:bodyPr rtlCol="0" anchor="ctr"/>
-          <a:lstStyle/>
-          <a:p>
-            <a:pPr algn="ctr"/>
-            <a:endParaRPr lang="en-US"/>
-          </a:p>
-        </p:txBody>
-      </p:sp>
-      <p:sp>
-        <p:nvSpPr>
-          <p:cNvPr id="41" name="Rectangle 40"/>
-          <p:cNvSpPr/>
-          <p:nvPr/>
-        </p:nvSpPr>
-        <p:spPr>
-          <a:xfrm>
-            <a:off x="6864559" y="3742331"/>
-            <a:ext cx="2091872" cy="237602"/>
-          </a:xfrm>
-          <a:prstGeom prst="rect">
-            <a:avLst/>
-          </a:prstGeom>
-          <a:noFill/>
-          <a:ln w="19050">
-            <a:solidFill>
-              <a:schemeClr val="accent1"/>
-            </a:solidFill>
-          </a:ln>
-        </p:spPr>
-        <p:style>
-          <a:lnRef idx="2">
-            <a:schemeClr val="accent1">
-              <a:shade val="50000"/>
-            </a:schemeClr>
-          </a:lnRef>
-          <a:fillRef idx="1">
-            <a:schemeClr val="accent1"/>
-          </a:fillRef>
-          <a:effectRef idx="0">
-            <a:schemeClr val="accent1"/>
-          </a:effectRef>
-          <a:fontRef idx="minor">
-            <a:schemeClr val="lt1"/>
-          </a:fontRef>
-        </p:style>
-        <p:txBody>
-          <a:bodyPr rtlCol="0" anchor="ctr"/>
-          <a:lstStyle/>
-          <a:p>
-            <a:pPr algn="ctr"/>
-            <a:endParaRPr lang="en-US"/>
-          </a:p>
-        </p:txBody>
-      </p:sp>
-      <p:cxnSp>
-        <p:nvCxnSpPr>
-          <p:cNvPr id="2055" name="Elbow Connector 2054"/>
-          <p:cNvCxnSpPr>
-            <a:stCxn id="41" idx="1"/>
-            <a:endCxn id="40" idx="3"/>
-          </p:cNvCxnSpPr>
-          <p:nvPr/>
-        </p:nvCxnSpPr>
-        <p:spPr>
-          <a:xfrm rot="10800000">
-            <a:off x="4536831" y="2290266"/>
-            <a:ext cx="2327728" cy="1570867"/>
-          </a:xfrm>
-          <a:prstGeom prst="bentConnector3">
-            <a:avLst>
-              <a:gd name="adj1" fmla="val 12983"/>
-            </a:avLst>
-          </a:prstGeom>
-          <a:ln w="19050">
-            <a:solidFill>
-              <a:schemeClr val="accent1"/>
-            </a:solidFill>
-            <a:prstDash val="dash"/>
-          </a:ln>
-        </p:spPr>
-        <p:style>
-          <a:lnRef idx="1">
-            <a:schemeClr val="accent1"/>
-          </a:lnRef>
-          <a:fillRef idx="0">
-            <a:schemeClr val="accent1"/>
-          </a:fillRef>
-          <a:effectRef idx="0">
-            <a:schemeClr val="accent1"/>
-          </a:effectRef>
-          <a:fontRef idx="minor">
-            <a:schemeClr val="tx1"/>
-          </a:fontRef>
-        </p:style>
-      </p:cxnSp>
-      <p:sp>
-        <p:nvSpPr>
-          <p:cNvPr id="46" name="Rectangle 45"/>
-          <p:cNvSpPr/>
-          <p:nvPr/>
-        </p:nvSpPr>
-        <p:spPr>
-          <a:xfrm>
-            <a:off x="2549769" y="2989385"/>
-            <a:ext cx="515816" cy="213244"/>
-          </a:xfrm>
-          <a:prstGeom prst="rect">
-            <a:avLst/>
-          </a:prstGeom>
-          <a:noFill/>
-          <a:ln w="19050">
-            <a:solidFill>
-              <a:schemeClr val="accent1"/>
-            </a:solidFill>
-          </a:ln>
-        </p:spPr>
-        <p:style>
-          <a:lnRef idx="2">
-            <a:schemeClr val="accent1">
-              <a:shade val="50000"/>
-            </a:schemeClr>
-          </a:lnRef>
-          <a:fillRef idx="1">
-            <a:schemeClr val="accent1"/>
-          </a:fillRef>
-          <a:effectRef idx="0">
-            <a:schemeClr val="accent1"/>
-          </a:effectRef>
-          <a:fontRef idx="minor">
-            <a:schemeClr val="lt1"/>
-          </a:fontRef>
-        </p:style>
-        <p:txBody>
-          <a:bodyPr rtlCol="0" anchor="ctr"/>
-          <a:lstStyle/>
-          <a:p>
-            <a:pPr algn="ctr"/>
-            <a:endParaRPr lang="en-US"/>
-          </a:p>
-        </p:txBody>
-      </p:sp>
-      <p:cxnSp>
-        <p:nvCxnSpPr>
-          <p:cNvPr id="47" name="Elbow Connector 46"/>
-          <p:cNvCxnSpPr>
-            <a:stCxn id="12" idx="1"/>
-            <a:endCxn id="46" idx="3"/>
-          </p:cNvCxnSpPr>
-          <p:nvPr/>
-        </p:nvCxnSpPr>
-        <p:spPr>
-          <a:xfrm rot="10800000">
-            <a:off x="3065586" y="3096007"/>
-            <a:ext cx="4051719" cy="1134414"/>
-          </a:xfrm>
-          <a:prstGeom prst="bentConnector3">
-            <a:avLst>
-              <a:gd name="adj1" fmla="val 49410"/>
-            </a:avLst>
-          </a:prstGeom>
-          <a:ln w="19050">
-            <a:solidFill>
-              <a:schemeClr val="accent1"/>
-            </a:solidFill>
-            <a:prstDash val="dash"/>
-          </a:ln>
-        </p:spPr>
-        <p:style>
-          <a:lnRef idx="1">
-            <a:schemeClr val="accent1"/>
-          </a:lnRef>
-          <a:fillRef idx="0">
-            <a:schemeClr val="accent1"/>
-          </a:fillRef>
-          <a:effectRef idx="0">
-            <a:schemeClr val="accent1"/>
-          </a:effectRef>
-          <a:fontRef idx="minor">
-            <a:schemeClr val="tx1"/>
-          </a:fontRef>
-        </p:style>
-      </p:cxnSp>
-      <p:sp>
-        <p:nvSpPr>
-          <p:cNvPr id="52" name="Rectangle 51"/>
-          <p:cNvSpPr/>
-          <p:nvPr/>
-        </p:nvSpPr>
-        <p:spPr>
-          <a:xfrm>
-            <a:off x="1952593" y="2995550"/>
-            <a:ext cx="403223" cy="213244"/>
-          </a:xfrm>
-          <a:prstGeom prst="rect">
-            <a:avLst/>
-          </a:prstGeom>
-          <a:noFill/>
-          <a:ln w="19050">
-            <a:solidFill>
-              <a:schemeClr val="accent1"/>
-            </a:solidFill>
-          </a:ln>
-        </p:spPr>
-        <p:style>
-          <a:lnRef idx="2">
-            <a:schemeClr val="accent1">
-              <a:shade val="50000"/>
-            </a:schemeClr>
-          </a:lnRef>
-          <a:fillRef idx="1">
-            <a:schemeClr val="accent1"/>
-          </a:fillRef>
-          <a:effectRef idx="0">
-            <a:schemeClr val="accent1"/>
-          </a:effectRef>
-          <a:fontRef idx="minor">
-            <a:schemeClr val="lt1"/>
-          </a:fontRef>
-        </p:style>
-        <p:txBody>
-          <a:bodyPr rtlCol="0" anchor="ctr"/>
-          <a:lstStyle/>
-          <a:p>
-            <a:pPr algn="ctr"/>
-            <a:endParaRPr lang="en-US"/>
-          </a:p>
-        </p:txBody>
-      </p:sp>
-      <p:cxnSp>
-        <p:nvCxnSpPr>
-          <p:cNvPr id="53" name="Elbow Connector 52"/>
-          <p:cNvCxnSpPr/>
-          <p:nvPr/>
-        </p:nvCxnSpPr>
-        <p:spPr>
-          <a:xfrm rot="10800000" flipH="1">
-            <a:off x="1719705" y="2995551"/>
-            <a:ext cx="434500" cy="1098683"/>
-          </a:xfrm>
-          <a:prstGeom prst="bentConnector4">
-            <a:avLst>
-              <a:gd name="adj1" fmla="val -225288"/>
-              <a:gd name="adj2" fmla="val 100000"/>
-            </a:avLst>
-          </a:prstGeom>
-          <a:ln w="19050">
-            <a:solidFill>
-              <a:schemeClr val="accent1"/>
-            </a:solidFill>
-            <a:prstDash val="dash"/>
-          </a:ln>
-        </p:spPr>
-        <p:style>
-          <a:lnRef idx="1">
-            <a:schemeClr val="accent1"/>
-          </a:lnRef>
-          <a:fillRef idx="0">
-            <a:schemeClr val="accent1"/>
-          </a:fillRef>
-          <a:effectRef idx="0">
-            <a:schemeClr val="accent1"/>
-          </a:effectRef>
-          <a:fontRef idx="minor">
-            <a:schemeClr val="tx1"/>
-          </a:fontRef>
-        </p:style>
-      </p:cxnSp>
-      <p:sp>
-        <p:nvSpPr>
-          <p:cNvPr id="60" name="Rectangle 59"/>
-          <p:cNvSpPr/>
-          <p:nvPr/>
-        </p:nvSpPr>
-        <p:spPr>
-          <a:xfrm>
-            <a:off x="2217981" y="3381298"/>
-            <a:ext cx="837623" cy="214495"/>
-          </a:xfrm>
-          <a:prstGeom prst="rect">
-            <a:avLst/>
-          </a:prstGeom>
-          <a:noFill/>
-          <a:ln w="19050">
-            <a:solidFill>
-              <a:schemeClr val="accent1"/>
-            </a:solidFill>
-          </a:ln>
-        </p:spPr>
-        <p:style>
-          <a:lnRef idx="2">
-            <a:schemeClr val="accent1">
-              <a:shade val="50000"/>
-            </a:schemeClr>
-          </a:lnRef>
-          <a:fillRef idx="1">
-            <a:schemeClr val="accent1"/>
-          </a:fillRef>
-          <a:effectRef idx="0">
-            <a:schemeClr val="accent1"/>
-          </a:effectRef>
-          <a:fontRef idx="minor">
-            <a:schemeClr val="lt1"/>
-          </a:fontRef>
-        </p:style>
-        <p:txBody>
-          <a:bodyPr rtlCol="0" anchor="ctr"/>
-          <a:lstStyle/>
-          <a:p>
-            <a:pPr algn="ctr"/>
-            <a:endParaRPr lang="en-US"/>
-          </a:p>
-        </p:txBody>
-      </p:sp>
-      <p:sp>
-        <p:nvSpPr>
-          <p:cNvPr id="61" name="Rectangle 60"/>
-          <p:cNvSpPr/>
-          <p:nvPr/>
-        </p:nvSpPr>
-        <p:spPr>
-          <a:xfrm>
-            <a:off x="1719705" y="3979933"/>
-            <a:ext cx="1113694" cy="228600"/>
-          </a:xfrm>
-          <a:prstGeom prst="rect">
-            <a:avLst/>
-          </a:prstGeom>
-          <a:noFill/>
-          <a:ln w="19050">
-            <a:solidFill>
-              <a:schemeClr val="accent1"/>
-            </a:solidFill>
-          </a:ln>
-        </p:spPr>
-        <p:style>
-          <a:lnRef idx="2">
-            <a:schemeClr val="accent1">
-              <a:shade val="50000"/>
-            </a:schemeClr>
-          </a:lnRef>
-          <a:fillRef idx="1">
-            <a:schemeClr val="accent1"/>
-          </a:fillRef>
-          <a:effectRef idx="0">
-            <a:schemeClr val="accent1"/>
-          </a:effectRef>
-          <a:fontRef idx="minor">
-            <a:schemeClr val="lt1"/>
-          </a:fontRef>
-        </p:style>
-        <p:txBody>
-          <a:bodyPr rtlCol="0" anchor="ctr"/>
-          <a:lstStyle/>
-          <a:p>
-            <a:pPr algn="ctr"/>
-            <a:endParaRPr lang="en-US"/>
-          </a:p>
-        </p:txBody>
-      </p:sp>
-      <p:cxnSp>
-        <p:nvCxnSpPr>
-          <p:cNvPr id="65" name="Elbow Connector 64"/>
-          <p:cNvCxnSpPr/>
-          <p:nvPr/>
-        </p:nvCxnSpPr>
-        <p:spPr>
-          <a:xfrm>
-            <a:off x="763161" y="3380055"/>
-            <a:ext cx="1448580" cy="67914"/>
-          </a:xfrm>
-          <a:prstGeom prst="bentConnector3">
-            <a:avLst>
-              <a:gd name="adj1" fmla="val 100175"/>
-            </a:avLst>
-          </a:prstGeom>
-          <a:ln w="19050">
-            <a:solidFill>
-              <a:schemeClr val="accent1"/>
-            </a:solidFill>
-            <a:prstDash val="dash"/>
-          </a:ln>
-        </p:spPr>
-        <p:style>
-          <a:lnRef idx="1">
-            <a:schemeClr val="accent1"/>
-          </a:lnRef>
-          <a:fillRef idx="0">
-            <a:schemeClr val="accent1"/>
-          </a:fillRef>
-          <a:effectRef idx="0">
-            <a:schemeClr val="accent1"/>
-          </a:effectRef>
-          <a:fontRef idx="minor">
-            <a:schemeClr val="tx1"/>
-          </a:fontRef>
-        </p:style>
-      </p:cxnSp>
-      <p:sp>
-        <p:nvSpPr>
-          <p:cNvPr id="70" name="Rectangle 69"/>
-          <p:cNvSpPr/>
-          <p:nvPr/>
-        </p:nvSpPr>
-        <p:spPr>
-          <a:xfrm>
-            <a:off x="2402863" y="4785677"/>
-            <a:ext cx="837623" cy="214495"/>
-          </a:xfrm>
-          <a:prstGeom prst="rect">
-            <a:avLst/>
-          </a:prstGeom>
-          <a:noFill/>
-          <a:ln w="19050">
-            <a:solidFill>
-              <a:schemeClr val="accent1"/>
-            </a:solidFill>
-          </a:ln>
-        </p:spPr>
-        <p:style>
-          <a:lnRef idx="2">
-            <a:schemeClr val="accent1">
-              <a:shade val="50000"/>
-            </a:schemeClr>
-          </a:lnRef>
-          <a:fillRef idx="1">
-            <a:schemeClr val="accent1"/>
-          </a:fillRef>
-          <a:effectRef idx="0">
-            <a:schemeClr val="accent1"/>
-          </a:effectRef>
-          <a:fontRef idx="minor">
-            <a:schemeClr val="lt1"/>
-          </a:fontRef>
-        </p:style>
-        <p:txBody>
-          <a:bodyPr rtlCol="0" anchor="ctr"/>
-          <a:lstStyle/>
-          <a:p>
-            <a:pPr algn="ctr"/>
-            <a:endParaRPr lang="en-US"/>
-          </a:p>
-        </p:txBody>
-      </p:sp>
-      <p:cxnSp>
-        <p:nvCxnSpPr>
-          <p:cNvPr id="71" name="Elbow Connector 70"/>
-          <p:cNvCxnSpPr/>
-          <p:nvPr/>
-        </p:nvCxnSpPr>
-        <p:spPr>
-          <a:xfrm>
-            <a:off x="750113" y="3983739"/>
-            <a:ext cx="1676033" cy="798690"/>
-          </a:xfrm>
-          <a:prstGeom prst="bentConnector3">
-            <a:avLst>
-              <a:gd name="adj1" fmla="val -11"/>
-            </a:avLst>
-          </a:prstGeom>
-          <a:ln w="19050">
-            <a:solidFill>
-              <a:schemeClr val="accent1"/>
-            </a:solidFill>
-            <a:prstDash val="dash"/>
-          </a:ln>
-        </p:spPr>
-        <p:style>
-          <a:lnRef idx="1">
-            <a:schemeClr val="accent1"/>
-          </a:lnRef>
-          <a:fillRef idx="0">
-            <a:schemeClr val="accent1"/>
-          </a:fillRef>
-          <a:effectRef idx="0">
-            <a:schemeClr val="accent1"/>
-          </a:effectRef>
-          <a:fontRef idx="minor">
-            <a:schemeClr val="tx1"/>
-          </a:fontRef>
-        </p:style>
-      </p:cxnSp>
-      <p:sp>
-        <p:nvSpPr>
-          <p:cNvPr id="81" name="Rectangle 80"/>
-          <p:cNvSpPr/>
-          <p:nvPr/>
-        </p:nvSpPr>
-        <p:spPr>
-          <a:xfrm>
-            <a:off x="7117303" y="4480908"/>
-            <a:ext cx="1147465" cy="228600"/>
-          </a:xfrm>
-          <a:prstGeom prst="rect">
-            <a:avLst/>
-          </a:prstGeom>
-          <a:noFill/>
-          <a:ln w="19050">
-            <a:solidFill>
-              <a:schemeClr val="accent1"/>
-            </a:solidFill>
-          </a:ln>
-        </p:spPr>
-        <p:style>
-          <a:lnRef idx="2">
-            <a:schemeClr val="accent1">
-              <a:shade val="50000"/>
-            </a:schemeClr>
-          </a:lnRef>
-          <a:fillRef idx="1">
-            <a:schemeClr val="accent1"/>
-          </a:fillRef>
-          <a:effectRef idx="0">
-            <a:schemeClr val="accent1"/>
-          </a:effectRef>
-          <a:fontRef idx="minor">
-            <a:schemeClr val="lt1"/>
-          </a:fontRef>
-        </p:style>
-        <p:txBody>
-          <a:bodyPr rtlCol="0" anchor="ctr"/>
-          <a:lstStyle/>
-          <a:p>
-            <a:pPr algn="ctr"/>
-            <a:endParaRPr lang="en-US"/>
-          </a:p>
-        </p:txBody>
-      </p:sp>
-      <p:sp>
-        <p:nvSpPr>
-          <p:cNvPr id="82" name="Rectangle 81"/>
-          <p:cNvSpPr/>
-          <p:nvPr/>
-        </p:nvSpPr>
-        <p:spPr>
-          <a:xfrm>
-            <a:off x="3361593" y="6353979"/>
-            <a:ext cx="1790699" cy="228600"/>
-          </a:xfrm>
-          <a:prstGeom prst="rect">
-            <a:avLst/>
-          </a:prstGeom>
-          <a:noFill/>
-          <a:ln w="19050">
-            <a:solidFill>
-              <a:schemeClr val="accent1"/>
-            </a:solidFill>
-          </a:ln>
-        </p:spPr>
-        <p:style>
-          <a:lnRef idx="2">
-            <a:schemeClr val="accent1">
-              <a:shade val="50000"/>
-            </a:schemeClr>
-          </a:lnRef>
-          <a:fillRef idx="1">
-            <a:schemeClr val="accent1"/>
-          </a:fillRef>
-          <a:effectRef idx="0">
-            <a:schemeClr val="accent1"/>
-          </a:effectRef>
-          <a:fontRef idx="minor">
-            <a:schemeClr val="lt1"/>
-          </a:fontRef>
-        </p:style>
-        <p:txBody>
-          <a:bodyPr rtlCol="0" anchor="ctr"/>
-          <a:lstStyle/>
-          <a:p>
-            <a:pPr algn="ctr"/>
-            <a:endParaRPr lang="en-US"/>
-          </a:p>
-        </p:txBody>
-      </p:sp>
-      <p:cxnSp>
-        <p:nvCxnSpPr>
-          <p:cNvPr id="85" name="Elbow Connector 84"/>
-          <p:cNvCxnSpPr>
-            <a:stCxn id="81" idx="1"/>
-          </p:cNvCxnSpPr>
-          <p:nvPr/>
-        </p:nvCxnSpPr>
-        <p:spPr>
-          <a:xfrm rot="10800000" flipV="1">
-            <a:off x="3767833" y="4595207"/>
-            <a:ext cx="3349471" cy="1766391"/>
-          </a:xfrm>
-          <a:prstGeom prst="bentConnector3">
-            <a:avLst>
-              <a:gd name="adj1" fmla="val 102552"/>
-            </a:avLst>
-          </a:prstGeom>
-          <a:ln w="19050">
-            <a:solidFill>
-              <a:schemeClr val="accent1"/>
-            </a:solidFill>
-            <a:prstDash val="dash"/>
-          </a:ln>
-        </p:spPr>
-        <p:style>
-          <a:lnRef idx="1">
-            <a:schemeClr val="accent1"/>
-          </a:lnRef>
-          <a:fillRef idx="0">
-            <a:schemeClr val="accent1"/>
-          </a:fillRef>
-          <a:effectRef idx="0">
-            <a:schemeClr val="accent1"/>
-          </a:effectRef>
-          <a:fontRef idx="minor">
-            <a:schemeClr val="tx1"/>
-          </a:fontRef>
-        </p:style>
-      </p:cxnSp>
-      <p:cxnSp>
-        <p:nvCxnSpPr>
-          <p:cNvPr id="45" name="Straight Arrow Connector 44"/>
-          <p:cNvCxnSpPr>
-            <a:stCxn id="50" idx="3"/>
-            <a:endCxn id="90" idx="1"/>
-          </p:cNvCxnSpPr>
-          <p:nvPr/>
-        </p:nvCxnSpPr>
-        <p:spPr>
-          <a:xfrm>
-            <a:off x="9434016" y="377185"/>
-            <a:ext cx="965044" cy="2295"/>
-          </a:xfrm>
-          <a:prstGeom prst="straightConnector1">
-            <a:avLst/>
-          </a:prstGeom>
-          <a:ln>
-            <a:tailEnd type="triangle"/>
-          </a:ln>
-        </p:spPr>
-        <p:style>
-          <a:lnRef idx="1">
-            <a:schemeClr val="accent1"/>
-          </a:lnRef>
-          <a:fillRef idx="0">
-            <a:schemeClr val="accent1"/>
-          </a:fillRef>
-          <a:effectRef idx="0">
-            <a:schemeClr val="accent1"/>
-          </a:effectRef>
-          <a:fontRef idx="minor">
-            <a:schemeClr val="tx1"/>
-          </a:fontRef>
-        </p:style>
-      </p:cxnSp>
-      <p:sp>
-        <p:nvSpPr>
-          <p:cNvPr id="90" name="Rectangle 89"/>
-          <p:cNvSpPr/>
-          <p:nvPr/>
-        </p:nvSpPr>
-        <p:spPr>
-          <a:xfrm>
-            <a:off x="10399060" y="237911"/>
-            <a:ext cx="1577788" cy="283138"/>
-          </a:xfrm>
-          <a:prstGeom prst="rect">
-            <a:avLst/>
-          </a:prstGeom>
-          <a:noFill/>
-          <a:ln w="19050">
-            <a:solidFill>
-              <a:schemeClr val="accent1"/>
-            </a:solidFill>
-          </a:ln>
-        </p:spPr>
-        <p:style>
-          <a:lnRef idx="2">
-            <a:schemeClr val="accent1">
-              <a:shade val="50000"/>
-            </a:schemeClr>
-          </a:lnRef>
-          <a:fillRef idx="1">
-            <a:schemeClr val="accent1"/>
-          </a:fillRef>
-          <a:effectRef idx="0">
-            <a:schemeClr val="accent1"/>
-          </a:effectRef>
-          <a:fontRef idx="minor">
-            <a:schemeClr val="lt1"/>
-          </a:fontRef>
-        </p:style>
-        <p:txBody>
-          <a:bodyPr rtlCol="0" anchor="ctr"/>
-          <a:lstStyle/>
-          <a:p>
-            <a:pPr algn="ctr"/>
-            <a:endParaRPr lang="en-US"/>
-          </a:p>
-        </p:txBody>
-      </p:sp>
-      <p:sp>
-        <p:nvSpPr>
-          <p:cNvPr id="50" name="TextBox 49"/>
-          <p:cNvSpPr txBox="1"/>
-          <p:nvPr/>
-        </p:nvSpPr>
-        <p:spPr>
-          <a:xfrm>
-            <a:off x="8822245" y="192519"/>
-            <a:ext cx="611771" cy="369332"/>
-          </a:xfrm>
-          <a:prstGeom prst="rect">
-            <a:avLst/>
-          </a:prstGeom>
-          <a:noFill/>
-        </p:spPr>
-        <p:txBody>
-          <a:bodyPr wrap="none" rtlCol="0">
-            <a:spAutoFit/>
-          </a:bodyPr>
-          <a:lstStyle/>
-          <a:p>
-            <a:r>
-              <a:rPr lang="en-US" dirty="0"/>
-              <a:t>item</a:t>
-            </a:r>
-          </a:p>
-        </p:txBody>
-      </p:sp>
-      <p:sp>
-        <p:nvSpPr>
-          <p:cNvPr id="54" name="TextBox 53"/>
-          <p:cNvSpPr txBox="1"/>
-          <p:nvPr/>
-        </p:nvSpPr>
-        <p:spPr>
-          <a:xfrm>
-            <a:off x="0" y="6738"/>
-            <a:ext cx="4184159" cy="584775"/>
-          </a:xfrm>
-          <a:prstGeom prst="rect">
-            <a:avLst/>
-          </a:prstGeom>
-          <a:noFill/>
-        </p:spPr>
-        <p:txBody>
-          <a:bodyPr wrap="none" rtlCol="0">
-            <a:spAutoFit/>
-          </a:bodyPr>
-          <a:lstStyle/>
-          <a:p>
-            <a:r>
-              <a:rPr lang="en-US" sz="3200" dirty="0"/>
-              <a:t>How it all fits together…</a:t>
-            </a:r>
-          </a:p>
-        </p:txBody>
-      </p:sp>
-      <p:sp>
-        <p:nvSpPr>
-          <p:cNvPr id="101" name="Rectangle 100"/>
-          <p:cNvSpPr/>
-          <p:nvPr/>
-        </p:nvSpPr>
-        <p:spPr>
-          <a:xfrm>
-            <a:off x="4386559" y="5474447"/>
-            <a:ext cx="1434523" cy="432117"/>
-          </a:xfrm>
-          <a:prstGeom prst="rect">
-            <a:avLst/>
-          </a:prstGeom>
-          <a:noFill/>
-          <a:ln w="19050">
-            <a:solidFill>
-              <a:schemeClr val="accent1"/>
-            </a:solidFill>
-          </a:ln>
-        </p:spPr>
-        <p:style>
-          <a:lnRef idx="2">
-            <a:schemeClr val="accent1">
-              <a:shade val="50000"/>
-            </a:schemeClr>
-          </a:lnRef>
-          <a:fillRef idx="1">
-            <a:schemeClr val="accent1"/>
-          </a:fillRef>
-          <a:effectRef idx="0">
-            <a:schemeClr val="accent1"/>
-          </a:effectRef>
-          <a:fontRef idx="minor">
-            <a:schemeClr val="lt1"/>
-          </a:fontRef>
-        </p:style>
-        <p:txBody>
-          <a:bodyPr rtlCol="0" anchor="ctr"/>
-          <a:lstStyle/>
-          <a:p>
-            <a:pPr algn="ctr"/>
-            <a:endParaRPr lang="en-US"/>
-          </a:p>
-        </p:txBody>
-      </p:sp>
-      <p:sp>
-        <p:nvSpPr>
-          <p:cNvPr id="102" name="Rectangle 101"/>
-          <p:cNvSpPr/>
-          <p:nvPr/>
-        </p:nvSpPr>
-        <p:spPr>
-          <a:xfrm>
-            <a:off x="5235389" y="5591414"/>
-            <a:ext cx="436283" cy="217715"/>
-          </a:xfrm>
-          <a:prstGeom prst="rect">
-            <a:avLst/>
-          </a:prstGeom>
-          <a:noFill/>
-          <a:ln w="19050">
-            <a:solidFill>
-              <a:schemeClr val="accent1"/>
-            </a:solidFill>
-          </a:ln>
-        </p:spPr>
-        <p:style>
-          <a:lnRef idx="2">
-            <a:schemeClr val="accent1">
-              <a:shade val="50000"/>
-            </a:schemeClr>
-          </a:lnRef>
-          <a:fillRef idx="1">
-            <a:schemeClr val="accent1"/>
-          </a:fillRef>
-          <a:effectRef idx="0">
-            <a:schemeClr val="accent1"/>
-          </a:effectRef>
-          <a:fontRef idx="minor">
-            <a:schemeClr val="lt1"/>
-          </a:fontRef>
-        </p:style>
-        <p:txBody>
-          <a:bodyPr rtlCol="0" anchor="ctr"/>
-          <a:lstStyle/>
-          <a:p>
-            <a:pPr algn="ctr"/>
-            <a:endParaRPr lang="en-US"/>
-          </a:p>
-        </p:txBody>
-      </p:sp>
-      <p:cxnSp>
-        <p:nvCxnSpPr>
-          <p:cNvPr id="103" name="Elbow Connector 102"/>
-          <p:cNvCxnSpPr/>
-          <p:nvPr/>
-        </p:nvCxnSpPr>
-        <p:spPr>
-          <a:xfrm rot="5400000" flipH="1">
-            <a:off x="6810278" y="4452382"/>
-            <a:ext cx="387262" cy="3100756"/>
-          </a:xfrm>
-          <a:prstGeom prst="bentConnector3">
-            <a:avLst>
-              <a:gd name="adj1" fmla="val -21992"/>
-            </a:avLst>
-          </a:prstGeom>
-          <a:ln w="19050">
-            <a:solidFill>
-              <a:schemeClr val="accent1"/>
-            </a:solidFill>
-            <a:prstDash val="dash"/>
-          </a:ln>
-        </p:spPr>
-        <p:style>
-          <a:lnRef idx="1">
-            <a:schemeClr val="accent1"/>
-          </a:lnRef>
-          <a:fillRef idx="0">
-            <a:schemeClr val="accent1"/>
-          </a:fillRef>
-          <a:effectRef idx="0">
-            <a:schemeClr val="accent1"/>
-          </a:effectRef>
-          <a:fontRef idx="minor">
-            <a:schemeClr val="tx1"/>
-          </a:fontRef>
-        </p:style>
-      </p:cxnSp>
-      <p:sp>
-        <p:nvSpPr>
-          <p:cNvPr id="106" name="Rectangle 105"/>
-          <p:cNvSpPr/>
-          <p:nvPr/>
-        </p:nvSpPr>
-        <p:spPr>
-          <a:xfrm>
-            <a:off x="7089451" y="5868895"/>
-            <a:ext cx="1815490" cy="485084"/>
-          </a:xfrm>
-          <a:prstGeom prst="rect">
-            <a:avLst/>
-          </a:prstGeom>
-          <a:noFill/>
-          <a:ln w="19050">
-            <a:solidFill>
-              <a:schemeClr val="accent1"/>
-            </a:solidFill>
-          </a:ln>
-        </p:spPr>
-        <p:style>
-          <a:lnRef idx="2">
-            <a:schemeClr val="accent1">
-              <a:shade val="50000"/>
-            </a:schemeClr>
-          </a:lnRef>
-          <a:fillRef idx="1">
-            <a:schemeClr val="accent1"/>
-          </a:fillRef>
-          <a:effectRef idx="0">
-            <a:schemeClr val="accent1"/>
-          </a:effectRef>
-          <a:fontRef idx="minor">
-            <a:schemeClr val="lt1"/>
-          </a:fontRef>
-        </p:style>
-        <p:txBody>
-          <a:bodyPr rtlCol="0" anchor="ctr"/>
-          <a:lstStyle/>
-          <a:p>
-            <a:pPr algn="ctr"/>
-            <a:endParaRPr lang="en-US"/>
-          </a:p>
-        </p:txBody>
-      </p:sp>
-      <p:sp>
-        <p:nvSpPr>
-          <p:cNvPr id="107" name="Rectangle 106"/>
-          <p:cNvSpPr/>
-          <p:nvPr/>
-        </p:nvSpPr>
-        <p:spPr>
-          <a:xfrm>
-            <a:off x="8373034" y="6003151"/>
-            <a:ext cx="362506" cy="193240"/>
-          </a:xfrm>
-          <a:prstGeom prst="rect">
-            <a:avLst/>
-          </a:prstGeom>
-          <a:noFill/>
-          <a:ln w="19050">
-            <a:solidFill>
-              <a:schemeClr val="accent1"/>
-            </a:solidFill>
-          </a:ln>
-        </p:spPr>
-        <p:style>
-          <a:lnRef idx="2">
-            <a:schemeClr val="accent1">
-              <a:shade val="50000"/>
-            </a:schemeClr>
-          </a:lnRef>
-          <a:fillRef idx="1">
-            <a:schemeClr val="accent1"/>
-          </a:fillRef>
-          <a:effectRef idx="0">
-            <a:schemeClr val="accent1"/>
-          </a:effectRef>
-          <a:fontRef idx="minor">
-            <a:schemeClr val="lt1"/>
-          </a:fontRef>
-        </p:style>
-        <p:txBody>
-          <a:bodyPr rtlCol="0" anchor="ctr"/>
-          <a:lstStyle/>
-          <a:p>
-            <a:pPr algn="ctr"/>
-            <a:endParaRPr lang="en-US"/>
-          </a:p>
-        </p:txBody>
-      </p:sp>
-      <p:cxnSp>
-        <p:nvCxnSpPr>
-          <p:cNvPr id="108" name="Elbow Connector 107"/>
-          <p:cNvCxnSpPr/>
-          <p:nvPr/>
-        </p:nvCxnSpPr>
-        <p:spPr>
-          <a:xfrm>
-            <a:off x="763161" y="5291418"/>
-            <a:ext cx="4690370" cy="323900"/>
-          </a:xfrm>
-          <a:prstGeom prst="bentConnector2">
-            <a:avLst/>
-          </a:prstGeom>
-          <a:ln w="19050">
-            <a:solidFill>
-              <a:schemeClr val="accent1"/>
-            </a:solidFill>
-            <a:prstDash val="dash"/>
-          </a:ln>
-        </p:spPr>
-        <p:style>
-          <a:lnRef idx="1">
-            <a:schemeClr val="accent1"/>
-          </a:lnRef>
-          <a:fillRef idx="0">
-            <a:schemeClr val="accent1"/>
-          </a:fillRef>
-          <a:effectRef idx="0">
-            <a:schemeClr val="accent1"/>
-          </a:effectRef>
-          <a:fontRef idx="minor">
-            <a:schemeClr val="tx1"/>
-          </a:fontRef>
-        </p:style>
-      </p:cxnSp>
-      <p:cxnSp>
-        <p:nvCxnSpPr>
-          <p:cNvPr id="116" name="Elbow Connector 115"/>
-          <p:cNvCxnSpPr/>
-          <p:nvPr/>
-        </p:nvCxnSpPr>
-        <p:spPr>
-          <a:xfrm>
-            <a:off x="744448" y="4790446"/>
-            <a:ext cx="1622554" cy="496034"/>
-          </a:xfrm>
-          <a:prstGeom prst="bentConnector3">
-            <a:avLst>
-              <a:gd name="adj1" fmla="val 275"/>
-            </a:avLst>
-          </a:prstGeom>
-          <a:ln w="19050">
-            <a:solidFill>
-              <a:schemeClr val="accent1"/>
-            </a:solidFill>
-            <a:prstDash val="dash"/>
-          </a:ln>
-        </p:spPr>
-        <p:style>
-          <a:lnRef idx="1">
-            <a:schemeClr val="accent1"/>
-          </a:lnRef>
-          <a:fillRef idx="0">
-            <a:schemeClr val="accent1"/>
-          </a:fillRef>
-          <a:effectRef idx="0">
-            <a:schemeClr val="accent1"/>
-          </a:effectRef>
-          <a:fontRef idx="minor">
-            <a:schemeClr val="tx1"/>
-          </a:fontRef>
-        </p:style>
-      </p:cxnSp>
     </p:spTree>
     <p:extLst>
       <p:ext uri="{BB962C8B-B14F-4D97-AF65-F5344CB8AC3E}">
-        <p14:creationId xmlns:p14="http://schemas.microsoft.com/office/powerpoint/2010/main" val="1720939456"/>
+        <p14:creationId xmlns:p14="http://schemas.microsoft.com/office/powerpoint/2010/main" val="1192122821"/>
       </p:ext>
     </p:extLst>
   </p:cSld>
@@ -6945,330 +7796,77 @@
       </p:grpSpPr>
       <p:sp>
         <p:nvSpPr>
-          <p:cNvPr id="3" name="Content Placeholder 2"/>
+          <p:cNvPr id="2" name="Title 1"/>
           <p:cNvSpPr>
             <a:spLocks noGrp="1"/>
           </p:cNvSpPr>
           <p:nvPr>
-            <p:ph idx="1"/>
+            <p:ph type="title"/>
           </p:nvPr>
         </p:nvSpPr>
         <p:spPr>
           <a:xfrm>
-            <a:off x="1341120" y="439616"/>
-            <a:ext cx="9509760" cy="6008076"/>
-          </a:xfrm>
-        </p:spPr>
-        <p:txBody>
-          <a:bodyPr>
-            <a:normAutofit fontScale="92500" lnSpcReduction="10000"/>
-          </a:bodyPr>
-          <a:lstStyle/>
-          <a:p>
-            <a:r>
-              <a:rPr lang="en-US" dirty="0">
+            <a:off x="1341120" y="467360"/>
+            <a:ext cx="9509760" cy="632311"/>
+          </a:xfrm>
+        </p:spPr>
+        <p:txBody>
+          <a:bodyPr/>
+          <a:lstStyle/>
+          <a:p>
+            <a:pPr algn="ctr"/>
+            <a:r>
+              <a:rPr lang="en-US" dirty="0"/>
+              <a:t>Seriously. Ask if you don’t get it!</a:t>
+            </a:r>
+          </a:p>
+        </p:txBody>
+      </p:sp>
+      <p:pic>
+        <p:nvPicPr>
+          <p:cNvPr id="1026" name="Picture 2" descr="http://a3.files.readwrite.com/image/upload/c_fit,cs_srgb,w_620/MTE5NDg0MDYyNzYzMjg4MDc5.png"/>
+          <p:cNvPicPr>
+            <a:picLocks noChangeAspect="1" noChangeArrowheads="1"/>
+          </p:cNvPicPr>
+          <p:nvPr/>
+        </p:nvPicPr>
+        <p:blipFill>
+          <a:blip r:embed="rId2">
+            <a:extLst>
+              <a:ext uri="{28A0092B-C50C-407E-A947-70E740481C1C}">
+                <a14:useLocalDpi xmlns:a14="http://schemas.microsoft.com/office/drawing/2010/main" val="0"/>
+              </a:ext>
+            </a:extLst>
+          </a:blip>
+          <a:srcRect/>
+          <a:stretch>
+            <a:fillRect/>
+          </a:stretch>
+        </p:blipFill>
+        <p:spPr bwMode="auto">
+          <a:xfrm>
+            <a:off x="3553655" y="1340163"/>
+            <a:ext cx="5084690" cy="5248713"/>
+          </a:xfrm>
+          <a:prstGeom prst="rect">
+            <a:avLst/>
+          </a:prstGeom>
+          <a:noFill/>
+          <a:extLst>
+            <a:ext uri="{909E8E84-426E-40DD-AFC4-6F175D3DCCD1}">
+              <a14:hiddenFill xmlns:a14="http://schemas.microsoft.com/office/drawing/2010/main">
                 <a:solidFill>
-                  <a:schemeClr val="accent1"/>
+                  <a:srgbClr val="FFFFFF"/>
                 </a:solidFill>
-              </a:rPr>
-              <a:t>ng-click=“{{expression}}”</a:t>
-            </a:r>
-          </a:p>
-          <a:p>
-            <a:pPr lvl="1"/>
-            <a:r>
-              <a:rPr lang="en-US" dirty="0"/>
-              <a:t>Evaluates the expression when the element is clicked</a:t>
-            </a:r>
-          </a:p>
-          <a:p>
-            <a:r>
-              <a:rPr lang="en-US" dirty="0">
-                <a:solidFill>
-                  <a:schemeClr val="accent1"/>
-                </a:solidFill>
-              </a:rPr>
-              <a:t>ng-</a:t>
-            </a:r>
-            <a:r>
-              <a:rPr lang="en-US" dirty="0" err="1">
-                <a:solidFill>
-                  <a:schemeClr val="accent1"/>
-                </a:solidFill>
-              </a:rPr>
-              <a:t>dblclick</a:t>
-            </a:r>
-            <a:r>
-              <a:rPr lang="en-US" dirty="0">
-                <a:solidFill>
-                  <a:schemeClr val="accent1"/>
-                </a:solidFill>
-              </a:rPr>
-              <a:t>=“{{expression}}”</a:t>
-            </a:r>
-          </a:p>
-          <a:p>
-            <a:pPr lvl="1"/>
-            <a:r>
-              <a:rPr lang="en-US" dirty="0"/>
-              <a:t>Evaluates the expression when the element is double clicked</a:t>
-            </a:r>
-          </a:p>
-          <a:p>
-            <a:r>
-              <a:rPr lang="en-US" dirty="0">
-                <a:solidFill>
-                  <a:schemeClr val="accent1"/>
-                </a:solidFill>
-              </a:rPr>
-              <a:t>ng-repeat=“{{</a:t>
-            </a:r>
-            <a:r>
-              <a:rPr lang="en-US" dirty="0" err="1">
-                <a:solidFill>
-                  <a:schemeClr val="accent1"/>
-                </a:solidFill>
-              </a:rPr>
-              <a:t>enumeratedValue</a:t>
-            </a:r>
-            <a:r>
-              <a:rPr lang="en-US" dirty="0">
-                <a:solidFill>
-                  <a:schemeClr val="accent1"/>
-                </a:solidFill>
-              </a:rPr>
-              <a:t>}} in {{</a:t>
-            </a:r>
-            <a:r>
-              <a:rPr lang="en-US" dirty="0" err="1">
-                <a:solidFill>
-                  <a:schemeClr val="accent1"/>
-                </a:solidFill>
-              </a:rPr>
-              <a:t>enumerableExpression</a:t>
-            </a:r>
-            <a:r>
-              <a:rPr lang="en-US" dirty="0">
-                <a:solidFill>
-                  <a:schemeClr val="accent1"/>
-                </a:solidFill>
-              </a:rPr>
-              <a:t>}}”</a:t>
-            </a:r>
-          </a:p>
-          <a:p>
-            <a:pPr lvl="1"/>
-            <a:r>
-              <a:rPr lang="en-US" dirty="0"/>
-              <a:t>foreach (var </a:t>
-            </a:r>
-            <a:r>
-              <a:rPr lang="en-US" dirty="0" err="1"/>
-              <a:t>enumeratedValue</a:t>
-            </a:r>
-            <a:r>
-              <a:rPr lang="en-US" dirty="0"/>
-              <a:t> in </a:t>
-            </a:r>
-            <a:r>
-              <a:rPr lang="en-US" dirty="0" err="1"/>
-              <a:t>enumerableExpression</a:t>
-            </a:r>
-            <a:r>
-              <a:rPr lang="en-US" dirty="0"/>
-              <a:t>) </a:t>
-            </a:r>
-          </a:p>
-          <a:p>
-            <a:pPr lvl="1"/>
-            <a:r>
-              <a:rPr lang="en-US" dirty="0"/>
-              <a:t>Enumerates the </a:t>
-            </a:r>
-            <a:r>
-              <a:rPr lang="en-US" dirty="0" err="1"/>
-              <a:t>enumerableExpression</a:t>
-            </a:r>
-            <a:r>
-              <a:rPr lang="en-US" dirty="0"/>
-              <a:t> (list) into its </a:t>
-            </a:r>
-            <a:r>
-              <a:rPr lang="en-US" dirty="0" err="1"/>
-              <a:t>enumeratedValues</a:t>
-            </a:r>
-            <a:r>
-              <a:rPr lang="en-US" dirty="0"/>
-              <a:t> (values)</a:t>
-            </a:r>
-          </a:p>
-          <a:p>
-            <a:pPr lvl="1"/>
-            <a:r>
-              <a:rPr lang="en-US" dirty="0"/>
-              <a:t>Each all elements inside the element with ng-repeat will repeat for each value in the list</a:t>
-            </a:r>
-          </a:p>
-          <a:p>
-            <a:pPr lvl="1"/>
-            <a:r>
-              <a:rPr lang="en-US" dirty="0"/>
-              <a:t>The children elements will inherit a scope with the </a:t>
-            </a:r>
-            <a:r>
-              <a:rPr lang="en-US" dirty="0" err="1"/>
-              <a:t>enumerateExpression</a:t>
-            </a:r>
-            <a:r>
-              <a:rPr lang="en-US" dirty="0"/>
-              <a:t> value in it</a:t>
-            </a:r>
-          </a:p>
-          <a:p>
-            <a:r>
-              <a:rPr lang="en-US" dirty="0">
-                <a:solidFill>
-                  <a:schemeClr val="accent1"/>
-                </a:solidFill>
-              </a:rPr>
-              <a:t>ng-model=“expression”</a:t>
-            </a:r>
-          </a:p>
-          <a:p>
-            <a:pPr lvl="1"/>
-            <a:r>
-              <a:rPr lang="en-US" dirty="0"/>
-              <a:t>Creates a two way binding between the view and the value in the model the expression points to</a:t>
-            </a:r>
-          </a:p>
-          <a:p>
-            <a:r>
-              <a:rPr lang="en-US" dirty="0">
-                <a:solidFill>
-                  <a:schemeClr val="accent1"/>
-                </a:solidFill>
-              </a:rPr>
-              <a:t>ng-show=“{{</a:t>
-            </a:r>
-            <a:r>
-              <a:rPr lang="en-US" dirty="0" err="1">
-                <a:solidFill>
-                  <a:schemeClr val="accent1"/>
-                </a:solidFill>
-              </a:rPr>
-              <a:t>booleanExpression</a:t>
-            </a:r>
-            <a:r>
-              <a:rPr lang="en-US" dirty="0">
-                <a:solidFill>
-                  <a:schemeClr val="accent1"/>
-                </a:solidFill>
-              </a:rPr>
-              <a:t>}}”</a:t>
-            </a:r>
-          </a:p>
-          <a:p>
-            <a:pPr lvl="1"/>
-            <a:r>
-              <a:rPr lang="en-US" dirty="0"/>
-              <a:t>Shows the element when the expression is true, otherwise hides it</a:t>
-            </a:r>
-          </a:p>
-          <a:p>
-            <a:r>
-              <a:rPr lang="en-US" dirty="0">
-                <a:solidFill>
-                  <a:schemeClr val="accent1"/>
-                </a:solidFill>
-              </a:rPr>
-              <a:t>ng-hide=“{{</a:t>
-            </a:r>
-            <a:r>
-              <a:rPr lang="en-US" dirty="0" err="1">
-                <a:solidFill>
-                  <a:schemeClr val="accent1"/>
-                </a:solidFill>
-              </a:rPr>
-              <a:t>booleanExpression</a:t>
-            </a:r>
-            <a:r>
-              <a:rPr lang="en-US" dirty="0">
-                <a:solidFill>
-                  <a:schemeClr val="accent1"/>
-                </a:solidFill>
-              </a:rPr>
-              <a:t>}}”</a:t>
-            </a:r>
-          </a:p>
-          <a:p>
-            <a:pPr lvl="1"/>
-            <a:r>
-              <a:rPr lang="en-US" dirty="0"/>
-              <a:t>Hides the element when the expression is true, otherwise shows it</a:t>
-            </a:r>
-          </a:p>
-          <a:p>
-            <a:pPr lvl="1"/>
-            <a:endParaRPr lang="en-US" dirty="0"/>
-          </a:p>
-          <a:p>
-            <a:pPr marL="365760" lvl="1" indent="0">
-              <a:buNone/>
-            </a:pPr>
-            <a:endParaRPr lang="en-US" dirty="0"/>
-          </a:p>
-          <a:p>
-            <a:endParaRPr lang="en-US" dirty="0"/>
-          </a:p>
-          <a:p>
-            <a:endParaRPr lang="en-US" dirty="0"/>
-          </a:p>
-          <a:p>
-            <a:endParaRPr lang="en-US" dirty="0"/>
-          </a:p>
-          <a:p>
-            <a:pPr lvl="1"/>
-            <a:endParaRPr lang="en-US" dirty="0"/>
-          </a:p>
-        </p:txBody>
-      </p:sp>
-      <p:sp>
-        <p:nvSpPr>
-          <p:cNvPr id="5" name="TextBox 4"/>
-          <p:cNvSpPr txBox="1"/>
-          <p:nvPr/>
-        </p:nvSpPr>
-        <p:spPr>
-          <a:xfrm>
-            <a:off x="129540" y="-9964"/>
-            <a:ext cx="720069" cy="584775"/>
-          </a:xfrm>
-          <a:prstGeom prst="rect">
-            <a:avLst/>
-          </a:prstGeom>
-          <a:noFill/>
-        </p:spPr>
-        <p:txBody>
-          <a:bodyPr wrap="none" rtlCol="0">
-            <a:spAutoFit/>
-          </a:bodyPr>
-          <a:lstStyle/>
-          <a:p>
-            <a:r>
-              <a:rPr lang="en-US" sz="3200" dirty="0">
-                <a:solidFill>
-                  <a:schemeClr val="accent1"/>
-                </a:solidFill>
-              </a:rPr>
-              <a:t>ng-</a:t>
-            </a:r>
-          </a:p>
-        </p:txBody>
-      </p:sp>
+              </a14:hiddenFill>
+            </a:ext>
+          </a:extLst>
+        </p:spPr>
+      </p:pic>
     </p:spTree>
     <p:extLst>
       <p:ext uri="{BB962C8B-B14F-4D97-AF65-F5344CB8AC3E}">
-        <p14:creationId xmlns:p14="http://schemas.microsoft.com/office/powerpoint/2010/main" val="1356556007"/>
+        <p14:creationId xmlns:p14="http://schemas.microsoft.com/office/powerpoint/2010/main" val="3534802981"/>
       </p:ext>
     </p:extLst>
   </p:cSld>
@@ -7307,6 +7905,2512 @@
           <a:chExt cx="0" cy="0"/>
         </a:xfrm>
       </p:grpSpPr>
+      <p:pic>
+        <p:nvPicPr>
+          <p:cNvPr id="1028" name="Picture 4" descr="https://angularjs.org/img/AngularJS-large.png"/>
+          <p:cNvPicPr>
+            <a:picLocks noChangeAspect="1" noChangeArrowheads="1"/>
+          </p:cNvPicPr>
+          <p:nvPr/>
+        </p:nvPicPr>
+        <p:blipFill>
+          <a:blip r:embed="rId2">
+            <a:extLst>
+              <a:ext uri="{28A0092B-C50C-407E-A947-70E740481C1C}">
+                <a14:useLocalDpi xmlns:a14="http://schemas.microsoft.com/office/drawing/2010/main" val="0"/>
+              </a:ext>
+            </a:extLst>
+          </a:blip>
+          <a:srcRect/>
+          <a:stretch>
+            <a:fillRect/>
+          </a:stretch>
+        </p:blipFill>
+        <p:spPr bwMode="auto">
+          <a:xfrm>
+            <a:off x="59764" y="56427"/>
+            <a:ext cx="2217158" cy="625204"/>
+          </a:xfrm>
+          <a:prstGeom prst="rect">
+            <a:avLst/>
+          </a:prstGeom>
+          <a:noFill/>
+          <a:extLst>
+            <a:ext uri="{909E8E84-426E-40DD-AFC4-6F175D3DCCD1}">
+              <a14:hiddenFill xmlns:a14="http://schemas.microsoft.com/office/drawing/2010/main">
+                <a:solidFill>
+                  <a:srgbClr val="FFFFFF"/>
+                </a:solidFill>
+              </a14:hiddenFill>
+            </a:ext>
+          </a:extLst>
+        </p:spPr>
+      </p:pic>
+      <p:sp>
+        <p:nvSpPr>
+          <p:cNvPr id="6" name="Rectangle 5"/>
+          <p:cNvSpPr/>
+          <p:nvPr/>
+        </p:nvSpPr>
+        <p:spPr>
+          <a:xfrm>
+            <a:off x="213279" y="2057399"/>
+            <a:ext cx="3260557" cy="4162925"/>
+          </a:xfrm>
+          <a:prstGeom prst="rect">
+            <a:avLst/>
+          </a:prstGeom>
+          <a:noFill/>
+          <a:ln w="9525">
+            <a:solidFill>
+              <a:schemeClr val="accent1"/>
+            </a:solidFill>
+          </a:ln>
+        </p:spPr>
+        <p:style>
+          <a:lnRef idx="2">
+            <a:schemeClr val="accent1">
+              <a:shade val="50000"/>
+            </a:schemeClr>
+          </a:lnRef>
+          <a:fillRef idx="1">
+            <a:schemeClr val="accent1"/>
+          </a:fillRef>
+          <a:effectRef idx="0">
+            <a:schemeClr val="accent1"/>
+          </a:effectRef>
+          <a:fontRef idx="minor">
+            <a:schemeClr val="lt1"/>
+          </a:fontRef>
+        </p:style>
+        <p:txBody>
+          <a:bodyPr rtlCol="0" anchor="ctr"/>
+          <a:lstStyle/>
+          <a:p>
+            <a:pPr algn="ctr"/>
+            <a:endParaRPr lang="en-US" dirty="0"/>
+          </a:p>
+        </p:txBody>
+      </p:sp>
+      <p:sp>
+        <p:nvSpPr>
+          <p:cNvPr id="8" name="Rectangle 7"/>
+          <p:cNvSpPr/>
+          <p:nvPr/>
+        </p:nvSpPr>
+        <p:spPr>
+          <a:xfrm>
+            <a:off x="4471737" y="2057399"/>
+            <a:ext cx="3260557" cy="4162925"/>
+          </a:xfrm>
+          <a:prstGeom prst="rect">
+            <a:avLst/>
+          </a:prstGeom>
+          <a:noFill/>
+          <a:ln w="9525">
+            <a:solidFill>
+              <a:schemeClr val="accent1"/>
+            </a:solidFill>
+          </a:ln>
+        </p:spPr>
+        <p:style>
+          <a:lnRef idx="2">
+            <a:schemeClr val="accent1">
+              <a:shade val="50000"/>
+            </a:schemeClr>
+          </a:lnRef>
+          <a:fillRef idx="1">
+            <a:schemeClr val="accent1"/>
+          </a:fillRef>
+          <a:effectRef idx="0">
+            <a:schemeClr val="accent1"/>
+          </a:effectRef>
+          <a:fontRef idx="minor">
+            <a:schemeClr val="lt1"/>
+          </a:fontRef>
+        </p:style>
+        <p:txBody>
+          <a:bodyPr rtlCol="0" anchor="ctr"/>
+          <a:lstStyle/>
+          <a:p>
+            <a:pPr algn="ctr"/>
+            <a:endParaRPr lang="en-US"/>
+          </a:p>
+        </p:txBody>
+      </p:sp>
+      <p:sp>
+        <p:nvSpPr>
+          <p:cNvPr id="9" name="Rectangle 8"/>
+          <p:cNvSpPr/>
+          <p:nvPr/>
+        </p:nvSpPr>
+        <p:spPr>
+          <a:xfrm>
+            <a:off x="8730193" y="2057399"/>
+            <a:ext cx="3260557" cy="4162925"/>
+          </a:xfrm>
+          <a:prstGeom prst="rect">
+            <a:avLst/>
+          </a:prstGeom>
+          <a:noFill/>
+          <a:ln w="9525">
+            <a:solidFill>
+              <a:schemeClr val="accent1"/>
+            </a:solidFill>
+          </a:ln>
+        </p:spPr>
+        <p:style>
+          <a:lnRef idx="2">
+            <a:schemeClr val="accent1">
+              <a:shade val="50000"/>
+            </a:schemeClr>
+          </a:lnRef>
+          <a:fillRef idx="1">
+            <a:schemeClr val="accent1"/>
+          </a:fillRef>
+          <a:effectRef idx="0">
+            <a:schemeClr val="accent1"/>
+          </a:effectRef>
+          <a:fontRef idx="minor">
+            <a:schemeClr val="lt1"/>
+          </a:fontRef>
+        </p:style>
+        <p:txBody>
+          <a:bodyPr rtlCol="0" anchor="ctr"/>
+          <a:lstStyle/>
+          <a:p>
+            <a:pPr algn="ctr"/>
+            <a:endParaRPr lang="en-US"/>
+          </a:p>
+        </p:txBody>
+      </p:sp>
+      <p:sp>
+        <p:nvSpPr>
+          <p:cNvPr id="7" name="TextBox 6"/>
+          <p:cNvSpPr txBox="1"/>
+          <p:nvPr/>
+        </p:nvSpPr>
+        <p:spPr>
+          <a:xfrm>
+            <a:off x="940104" y="1226402"/>
+            <a:ext cx="1806905" cy="830997"/>
+          </a:xfrm>
+          <a:prstGeom prst="rect">
+            <a:avLst/>
+          </a:prstGeom>
+          <a:noFill/>
+        </p:spPr>
+        <p:txBody>
+          <a:bodyPr wrap="none" rtlCol="0">
+            <a:spAutoFit/>
+          </a:bodyPr>
+          <a:lstStyle/>
+          <a:p>
+            <a:r>
+              <a:rPr lang="en-US" sz="4800" u="sng" dirty="0"/>
+              <a:t>M</a:t>
+            </a:r>
+            <a:r>
+              <a:rPr lang="en-US" sz="4800" dirty="0"/>
+              <a:t>odel</a:t>
+            </a:r>
+          </a:p>
+        </p:txBody>
+      </p:sp>
+      <p:sp>
+        <p:nvSpPr>
+          <p:cNvPr id="11" name="TextBox 10"/>
+          <p:cNvSpPr txBox="1"/>
+          <p:nvPr/>
+        </p:nvSpPr>
+        <p:spPr>
+          <a:xfrm>
+            <a:off x="5392429" y="1226401"/>
+            <a:ext cx="1419171" cy="830997"/>
+          </a:xfrm>
+          <a:prstGeom prst="rect">
+            <a:avLst/>
+          </a:prstGeom>
+          <a:noFill/>
+        </p:spPr>
+        <p:txBody>
+          <a:bodyPr wrap="none" rtlCol="0">
+            <a:spAutoFit/>
+          </a:bodyPr>
+          <a:lstStyle/>
+          <a:p>
+            <a:r>
+              <a:rPr lang="en-US" sz="4800" u="sng" dirty="0"/>
+              <a:t>V</a:t>
+            </a:r>
+            <a:r>
+              <a:rPr lang="en-US" sz="4800" dirty="0"/>
+              <a:t>iew</a:t>
+            </a:r>
+          </a:p>
+        </p:txBody>
+      </p:sp>
+      <p:sp>
+        <p:nvSpPr>
+          <p:cNvPr id="12" name="TextBox 11"/>
+          <p:cNvSpPr txBox="1"/>
+          <p:nvPr/>
+        </p:nvSpPr>
+        <p:spPr>
+          <a:xfrm>
+            <a:off x="9011992" y="1226401"/>
+            <a:ext cx="2696957" cy="830997"/>
+          </a:xfrm>
+          <a:prstGeom prst="rect">
+            <a:avLst/>
+          </a:prstGeom>
+          <a:noFill/>
+        </p:spPr>
+        <p:txBody>
+          <a:bodyPr wrap="none" rtlCol="0">
+            <a:spAutoFit/>
+          </a:bodyPr>
+          <a:lstStyle/>
+          <a:p>
+            <a:r>
+              <a:rPr lang="en-US" sz="4800" u="sng" dirty="0"/>
+              <a:t>C</a:t>
+            </a:r>
+            <a:r>
+              <a:rPr lang="en-US" sz="4800" dirty="0"/>
+              <a:t>ontroller</a:t>
+            </a:r>
+          </a:p>
+        </p:txBody>
+      </p:sp>
+      <p:pic>
+        <p:nvPicPr>
+          <p:cNvPr id="1030" name="Picture 6" descr="http://puu.sh/npjn6/a13608ee3e.png"/>
+          <p:cNvPicPr>
+            <a:picLocks noChangeAspect="1" noChangeArrowheads="1"/>
+          </p:cNvPicPr>
+          <p:nvPr/>
+        </p:nvPicPr>
+        <p:blipFill rotWithShape="1">
+          <a:blip r:embed="rId3">
+            <a:extLst>
+              <a:ext uri="{28A0092B-C50C-407E-A947-70E740481C1C}">
+                <a14:useLocalDpi xmlns:a14="http://schemas.microsoft.com/office/drawing/2010/main" val="0"/>
+              </a:ext>
+            </a:extLst>
+          </a:blip>
+          <a:srcRect r="15751"/>
+          <a:stretch/>
+        </p:blipFill>
+        <p:spPr bwMode="auto">
+          <a:xfrm>
+            <a:off x="4511999" y="2100498"/>
+            <a:ext cx="3180030" cy="1990234"/>
+          </a:xfrm>
+          <a:prstGeom prst="rect">
+            <a:avLst/>
+          </a:prstGeom>
+          <a:noFill/>
+          <a:extLst>
+            <a:ext uri="{909E8E84-426E-40DD-AFC4-6F175D3DCCD1}">
+              <a14:hiddenFill xmlns:a14="http://schemas.microsoft.com/office/drawing/2010/main">
+                <a:solidFill>
+                  <a:srgbClr val="FFFFFF"/>
+                </a:solidFill>
+              </a14:hiddenFill>
+            </a:ext>
+          </a:extLst>
+        </p:spPr>
+      </p:pic>
+      <p:pic>
+        <p:nvPicPr>
+          <p:cNvPr id="1032" name="Picture 8" descr="http://puu.sh/npkrC/5a399c0b60.png"/>
+          <p:cNvPicPr>
+            <a:picLocks noChangeAspect="1" noChangeArrowheads="1"/>
+          </p:cNvPicPr>
+          <p:nvPr/>
+        </p:nvPicPr>
+        <p:blipFill rotWithShape="1">
+          <a:blip r:embed="rId4">
+            <a:extLst>
+              <a:ext uri="{28A0092B-C50C-407E-A947-70E740481C1C}">
+                <a14:useLocalDpi xmlns:a14="http://schemas.microsoft.com/office/drawing/2010/main" val="0"/>
+              </a:ext>
+            </a:extLst>
+          </a:blip>
+          <a:srcRect r="20148" b="18925"/>
+          <a:stretch/>
+        </p:blipFill>
+        <p:spPr bwMode="auto">
+          <a:xfrm>
+            <a:off x="558486" y="2105528"/>
+            <a:ext cx="2577875" cy="4066676"/>
+          </a:xfrm>
+          <a:prstGeom prst="rect">
+            <a:avLst/>
+          </a:prstGeom>
+          <a:noFill/>
+          <a:extLst>
+            <a:ext uri="{909E8E84-426E-40DD-AFC4-6F175D3DCCD1}">
+              <a14:hiddenFill xmlns:a14="http://schemas.microsoft.com/office/drawing/2010/main">
+                <a:solidFill>
+                  <a:srgbClr val="FFFFFF"/>
+                </a:solidFill>
+              </a14:hiddenFill>
+            </a:ext>
+          </a:extLst>
+        </p:spPr>
+      </p:pic>
+      <p:pic>
+        <p:nvPicPr>
+          <p:cNvPr id="1034" name="Picture 10" descr="http://puu.sh/nprbH/64b5b0310d.png"/>
+          <p:cNvPicPr>
+            <a:picLocks noChangeAspect="1" noChangeArrowheads="1"/>
+          </p:cNvPicPr>
+          <p:nvPr/>
+        </p:nvPicPr>
+        <p:blipFill>
+          <a:blip r:embed="rId5">
+            <a:extLst>
+              <a:ext uri="{28A0092B-C50C-407E-A947-70E740481C1C}">
+                <a14:useLocalDpi xmlns:a14="http://schemas.microsoft.com/office/drawing/2010/main" val="0"/>
+              </a:ext>
+            </a:extLst>
+          </a:blip>
+          <a:srcRect/>
+          <a:stretch>
+            <a:fillRect/>
+          </a:stretch>
+        </p:blipFill>
+        <p:spPr bwMode="auto">
+          <a:xfrm>
+            <a:off x="8775341" y="2326356"/>
+            <a:ext cx="3170257" cy="3625009"/>
+          </a:xfrm>
+          <a:prstGeom prst="rect">
+            <a:avLst/>
+          </a:prstGeom>
+          <a:noFill/>
+          <a:extLst>
+            <a:ext uri="{909E8E84-426E-40DD-AFC4-6F175D3DCCD1}">
+              <a14:hiddenFill xmlns:a14="http://schemas.microsoft.com/office/drawing/2010/main">
+                <a:solidFill>
+                  <a:srgbClr val="FFFFFF"/>
+                </a:solidFill>
+              </a14:hiddenFill>
+            </a:ext>
+          </a:extLst>
+        </p:spPr>
+      </p:pic>
+      <p:pic>
+        <p:nvPicPr>
+          <p:cNvPr id="1036" name="Picture 12" descr="http://puu.sh/nprft/2195fee9dc.png"/>
+          <p:cNvPicPr>
+            <a:picLocks noChangeAspect="1" noChangeArrowheads="1"/>
+          </p:cNvPicPr>
+          <p:nvPr/>
+        </p:nvPicPr>
+        <p:blipFill rotWithShape="1">
+          <a:blip r:embed="rId6">
+            <a:extLst>
+              <a:ext uri="{28A0092B-C50C-407E-A947-70E740481C1C}">
+                <a14:useLocalDpi xmlns:a14="http://schemas.microsoft.com/office/drawing/2010/main" val="0"/>
+              </a:ext>
+            </a:extLst>
+          </a:blip>
+          <a:srcRect l="4946" t="15925" r="4660" b="12722"/>
+          <a:stretch/>
+        </p:blipFill>
+        <p:spPr bwMode="auto">
+          <a:xfrm>
+            <a:off x="4831346" y="4133830"/>
+            <a:ext cx="2541335" cy="2038373"/>
+          </a:xfrm>
+          <a:prstGeom prst="rect">
+            <a:avLst/>
+          </a:prstGeom>
+          <a:noFill/>
+          <a:extLst>
+            <a:ext uri="{909E8E84-426E-40DD-AFC4-6F175D3DCCD1}">
+              <a14:hiddenFill xmlns:a14="http://schemas.microsoft.com/office/drawing/2010/main">
+                <a:solidFill>
+                  <a:srgbClr val="FFFFFF"/>
+                </a:solidFill>
+              </a14:hiddenFill>
+            </a:ext>
+          </a:extLst>
+        </p:spPr>
+      </p:pic>
+      <p:sp>
+        <p:nvSpPr>
+          <p:cNvPr id="17" name="TextBox 16"/>
+          <p:cNvSpPr txBox="1"/>
+          <p:nvPr/>
+        </p:nvSpPr>
+        <p:spPr>
+          <a:xfrm>
+            <a:off x="10919012" y="-87810"/>
+            <a:ext cx="1272988" cy="769441"/>
+          </a:xfrm>
+          <a:prstGeom prst="rect">
+            <a:avLst/>
+          </a:prstGeom>
+          <a:noFill/>
+        </p:spPr>
+        <p:txBody>
+          <a:bodyPr wrap="square" rtlCol="0">
+            <a:spAutoFit/>
+          </a:bodyPr>
+          <a:lstStyle/>
+          <a:p>
+            <a:r>
+              <a:rPr lang="en-US" sz="4400" dirty="0">
+                <a:solidFill>
+                  <a:schemeClr val="accent1"/>
+                </a:solidFill>
+              </a:rPr>
+              <a:t>MVC</a:t>
+            </a:r>
+          </a:p>
+        </p:txBody>
+      </p:sp>
+      <p:cxnSp>
+        <p:nvCxnSpPr>
+          <p:cNvPr id="13" name="Elbow Connector 12"/>
+          <p:cNvCxnSpPr>
+            <a:stCxn id="12" idx="0"/>
+            <a:endCxn id="7" idx="0"/>
+          </p:cNvCxnSpPr>
+          <p:nvPr/>
+        </p:nvCxnSpPr>
+        <p:spPr>
+          <a:xfrm rot="16200000" flipH="1" flipV="1">
+            <a:off x="6102013" y="-3032056"/>
+            <a:ext cx="1" cy="8516914"/>
+          </a:xfrm>
+          <a:prstGeom prst="bentConnector3">
+            <a:avLst>
+              <a:gd name="adj1" fmla="val -22860000000"/>
+            </a:avLst>
+          </a:prstGeom>
+          <a:ln>
+            <a:tailEnd type="triangle"/>
+          </a:ln>
+        </p:spPr>
+        <p:style>
+          <a:lnRef idx="1">
+            <a:schemeClr val="accent1"/>
+          </a:lnRef>
+          <a:fillRef idx="0">
+            <a:schemeClr val="accent1"/>
+          </a:fillRef>
+          <a:effectRef idx="0">
+            <a:schemeClr val="accent1"/>
+          </a:effectRef>
+          <a:fontRef idx="minor">
+            <a:schemeClr val="tx1"/>
+          </a:fontRef>
+        </p:style>
+      </p:cxnSp>
+      <p:cxnSp>
+        <p:nvCxnSpPr>
+          <p:cNvPr id="20" name="Straight Arrow Connector 19"/>
+          <p:cNvCxnSpPr>
+            <a:stCxn id="7" idx="3"/>
+            <a:endCxn id="11" idx="1"/>
+          </p:cNvCxnSpPr>
+          <p:nvPr/>
+        </p:nvCxnSpPr>
+        <p:spPr>
+          <a:xfrm flipV="1">
+            <a:off x="2747009" y="1641900"/>
+            <a:ext cx="2645420" cy="1"/>
+          </a:xfrm>
+          <a:prstGeom prst="straightConnector1">
+            <a:avLst/>
+          </a:prstGeom>
+          <a:ln>
+            <a:headEnd type="triangle"/>
+            <a:tailEnd type="triangle"/>
+          </a:ln>
+        </p:spPr>
+        <p:style>
+          <a:lnRef idx="1">
+            <a:schemeClr val="accent1"/>
+          </a:lnRef>
+          <a:fillRef idx="0">
+            <a:schemeClr val="accent1"/>
+          </a:fillRef>
+          <a:effectRef idx="0">
+            <a:schemeClr val="accent1"/>
+          </a:effectRef>
+          <a:fontRef idx="minor">
+            <a:schemeClr val="tx1"/>
+          </a:fontRef>
+        </p:style>
+      </p:cxnSp>
+      <p:cxnSp>
+        <p:nvCxnSpPr>
+          <p:cNvPr id="22" name="Straight Arrow Connector 21"/>
+          <p:cNvCxnSpPr>
+            <a:stCxn id="11" idx="3"/>
+            <a:endCxn id="12" idx="1"/>
+          </p:cNvCxnSpPr>
+          <p:nvPr/>
+        </p:nvCxnSpPr>
+        <p:spPr>
+          <a:xfrm>
+            <a:off x="6811600" y="1641900"/>
+            <a:ext cx="2200392" cy="0"/>
+          </a:xfrm>
+          <a:prstGeom prst="straightConnector1">
+            <a:avLst/>
+          </a:prstGeom>
+          <a:ln>
+            <a:tailEnd type="triangle"/>
+          </a:ln>
+        </p:spPr>
+        <p:style>
+          <a:lnRef idx="1">
+            <a:schemeClr val="accent1"/>
+          </a:lnRef>
+          <a:fillRef idx="0">
+            <a:schemeClr val="accent1"/>
+          </a:fillRef>
+          <a:effectRef idx="0">
+            <a:schemeClr val="accent1"/>
+          </a:effectRef>
+          <a:fontRef idx="minor">
+            <a:schemeClr val="tx1"/>
+          </a:fontRef>
+        </p:style>
+      </p:cxnSp>
+      <p:sp>
+        <p:nvSpPr>
+          <p:cNvPr id="23" name="TextBox 22"/>
+          <p:cNvSpPr txBox="1"/>
+          <p:nvPr/>
+        </p:nvSpPr>
+        <p:spPr>
+          <a:xfrm>
+            <a:off x="3606297" y="420021"/>
+            <a:ext cx="4991431" cy="523220"/>
+          </a:xfrm>
+          <a:prstGeom prst="rect">
+            <a:avLst/>
+          </a:prstGeom>
+          <a:noFill/>
+        </p:spPr>
+        <p:txBody>
+          <a:bodyPr wrap="none" rtlCol="0">
+            <a:spAutoFit/>
+          </a:bodyPr>
+          <a:lstStyle/>
+          <a:p>
+            <a:r>
+              <a:rPr lang="en-US" sz="2800" dirty="0"/>
+              <a:t>Controller’s logic modifies Model</a:t>
+            </a:r>
+          </a:p>
+        </p:txBody>
+      </p:sp>
+      <p:sp>
+        <p:nvSpPr>
+          <p:cNvPr id="28" name="TextBox 27"/>
+          <p:cNvSpPr txBox="1"/>
+          <p:nvPr/>
+        </p:nvSpPr>
+        <p:spPr>
+          <a:xfrm>
+            <a:off x="7362479" y="1313587"/>
+            <a:ext cx="1098634" cy="646331"/>
+          </a:xfrm>
+          <a:prstGeom prst="rect">
+            <a:avLst/>
+          </a:prstGeom>
+          <a:noFill/>
+        </p:spPr>
+        <p:txBody>
+          <a:bodyPr wrap="none" rtlCol="0">
+            <a:spAutoFit/>
+          </a:bodyPr>
+          <a:lstStyle/>
+          <a:p>
+            <a:pPr algn="ctr"/>
+            <a:r>
+              <a:rPr lang="en-US" dirty="0"/>
+              <a:t>Invoke </a:t>
+            </a:r>
+          </a:p>
+          <a:p>
+            <a:pPr algn="ctr"/>
+            <a:r>
+              <a:rPr lang="en-US" dirty="0"/>
+              <a:t>controller</a:t>
+            </a:r>
+          </a:p>
+        </p:txBody>
+      </p:sp>
+      <p:sp>
+        <p:nvSpPr>
+          <p:cNvPr id="29" name="TextBox 28"/>
+          <p:cNvSpPr txBox="1"/>
+          <p:nvPr/>
+        </p:nvSpPr>
+        <p:spPr>
+          <a:xfrm>
+            <a:off x="3529867" y="1313586"/>
+            <a:ext cx="886781" cy="646331"/>
+          </a:xfrm>
+          <a:prstGeom prst="rect">
+            <a:avLst/>
+          </a:prstGeom>
+          <a:noFill/>
+        </p:spPr>
+        <p:txBody>
+          <a:bodyPr wrap="none" rtlCol="0">
+            <a:spAutoFit/>
+          </a:bodyPr>
+          <a:lstStyle/>
+          <a:p>
+            <a:pPr algn="ctr"/>
+            <a:r>
+              <a:rPr lang="en-US" dirty="0"/>
+              <a:t>Data</a:t>
+            </a:r>
+          </a:p>
+          <a:p>
+            <a:pPr algn="ctr"/>
+            <a:r>
+              <a:rPr lang="en-US" dirty="0"/>
+              <a:t>binding</a:t>
+            </a:r>
+          </a:p>
+        </p:txBody>
+      </p:sp>
+      <p:sp>
+        <p:nvSpPr>
+          <p:cNvPr id="30" name="TextBox 29"/>
+          <p:cNvSpPr txBox="1"/>
+          <p:nvPr/>
+        </p:nvSpPr>
+        <p:spPr>
+          <a:xfrm>
+            <a:off x="-96252" y="6220324"/>
+            <a:ext cx="4295278" cy="369332"/>
+          </a:xfrm>
+          <a:prstGeom prst="rect">
+            <a:avLst/>
+          </a:prstGeom>
+          <a:noFill/>
+        </p:spPr>
+        <p:txBody>
+          <a:bodyPr wrap="none" rtlCol="0">
+            <a:spAutoFit/>
+          </a:bodyPr>
+          <a:lstStyle/>
+          <a:p>
+            <a:r>
+              <a:rPr lang="en-US" dirty="0"/>
+              <a:t>A working “</a:t>
+            </a:r>
+            <a:r>
+              <a:rPr lang="en-US" i="1" dirty="0"/>
+              <a:t>model</a:t>
+            </a:r>
+            <a:r>
+              <a:rPr lang="en-US" dirty="0"/>
+              <a:t>” for the </a:t>
+            </a:r>
+            <a:r>
+              <a:rPr lang="en-US" i="1" dirty="0"/>
+              <a:t>view</a:t>
+            </a:r>
+            <a:r>
+              <a:rPr lang="en-US" dirty="0"/>
+              <a:t> to consume</a:t>
+            </a:r>
+          </a:p>
+        </p:txBody>
+      </p:sp>
+      <p:sp>
+        <p:nvSpPr>
+          <p:cNvPr id="31" name="TextBox 30"/>
+          <p:cNvSpPr txBox="1"/>
+          <p:nvPr/>
+        </p:nvSpPr>
+        <p:spPr>
+          <a:xfrm>
+            <a:off x="4852855" y="6215301"/>
+            <a:ext cx="2498313" cy="369332"/>
+          </a:xfrm>
+          <a:prstGeom prst="rect">
+            <a:avLst/>
+          </a:prstGeom>
+          <a:noFill/>
+        </p:spPr>
+        <p:txBody>
+          <a:bodyPr wrap="none" rtlCol="0">
+            <a:spAutoFit/>
+          </a:bodyPr>
+          <a:lstStyle/>
+          <a:p>
+            <a:r>
+              <a:rPr lang="en-US" dirty="0"/>
+              <a:t>The display of the </a:t>
+            </a:r>
+            <a:r>
+              <a:rPr lang="en-US" i="1" dirty="0"/>
+              <a:t>model</a:t>
+            </a:r>
+          </a:p>
+        </p:txBody>
+      </p:sp>
+      <p:sp>
+        <p:nvSpPr>
+          <p:cNvPr id="1024" name="TextBox 1023"/>
+          <p:cNvSpPr txBox="1"/>
+          <p:nvPr/>
+        </p:nvSpPr>
+        <p:spPr>
+          <a:xfrm>
+            <a:off x="9022410" y="6215301"/>
+            <a:ext cx="2676117" cy="369332"/>
+          </a:xfrm>
+          <a:prstGeom prst="rect">
+            <a:avLst/>
+          </a:prstGeom>
+          <a:noFill/>
+        </p:spPr>
+        <p:txBody>
+          <a:bodyPr wrap="none" rtlCol="0">
+            <a:spAutoFit/>
+          </a:bodyPr>
+          <a:lstStyle/>
+          <a:p>
+            <a:r>
+              <a:rPr lang="en-US" dirty="0"/>
+              <a:t>How the </a:t>
+            </a:r>
+            <a:r>
+              <a:rPr lang="en-US" i="1" dirty="0"/>
+              <a:t>model</a:t>
+            </a:r>
+            <a:r>
+              <a:rPr lang="en-US" dirty="0"/>
+              <a:t> is changed</a:t>
+            </a:r>
+          </a:p>
+        </p:txBody>
+      </p:sp>
+    </p:spTree>
+    <p:extLst>
+      <p:ext uri="{BB962C8B-B14F-4D97-AF65-F5344CB8AC3E}">
+        <p14:creationId xmlns:p14="http://schemas.microsoft.com/office/powerpoint/2010/main" val="2239608326"/>
+      </p:ext>
+    </p:extLst>
+  </p:cSld>
+  <p:clrMapOvr>
+    <a:masterClrMapping/>
+  </p:clrMapOvr>
+  <mc:AlternateContent xmlns:mc="http://schemas.openxmlformats.org/markup-compatibility/2006" xmlns:p14="http://schemas.microsoft.com/office/powerpoint/2010/main">
+    <mc:Choice Requires="p14">
+      <p:transition spd="med" p14:dur="700">
+        <p:fade/>
+      </p:transition>
+    </mc:Choice>
+    <mc:Fallback xmlns="">
+      <p:transition spd="med">
+        <p:fade/>
+      </p:transition>
+    </mc:Fallback>
+  </mc:AlternateContent>
+</p:sld>
+</file>
+
+<file path=ppt/slides/slide7.xml><?xml version="1.0" encoding="utf-8"?>
+<p:sld xmlns:a="http://schemas.openxmlformats.org/drawingml/2006/main" xmlns:r="http://schemas.openxmlformats.org/officeDocument/2006/relationships" xmlns:p="http://schemas.openxmlformats.org/presentationml/2006/main">
+  <p:cSld>
+    <p:spTree>
+      <p:nvGrpSpPr>
+        <p:cNvPr id="1" name=""/>
+        <p:cNvGrpSpPr/>
+        <p:nvPr/>
+      </p:nvGrpSpPr>
+      <p:grpSpPr>
+        <a:xfrm>
+          <a:off x="0" y="0"/>
+          <a:ext cx="0" cy="0"/>
+          <a:chOff x="0" y="0"/>
+          <a:chExt cx="0" cy="0"/>
+        </a:xfrm>
+      </p:grpSpPr>
+      <p:pic>
+        <p:nvPicPr>
+          <p:cNvPr id="2050" name="Picture 2" descr="http://puu.sh/nprPC/9242ab6178.png"/>
+          <p:cNvPicPr>
+            <a:picLocks noChangeAspect="1" noChangeArrowheads="1"/>
+          </p:cNvPicPr>
+          <p:nvPr/>
+        </p:nvPicPr>
+        <p:blipFill rotWithShape="1">
+          <a:blip r:embed="rId2">
+            <a:extLst>
+              <a:ext uri="{28A0092B-C50C-407E-A947-70E740481C1C}">
+                <a14:useLocalDpi xmlns:a14="http://schemas.microsoft.com/office/drawing/2010/main" val="0"/>
+              </a:ext>
+            </a:extLst>
+          </a:blip>
+          <a:srcRect r="6891"/>
+          <a:stretch/>
+        </p:blipFill>
+        <p:spPr bwMode="auto">
+          <a:xfrm>
+            <a:off x="0" y="1789553"/>
+            <a:ext cx="6189084" cy="4799669"/>
+          </a:xfrm>
+          <a:prstGeom prst="rect">
+            <a:avLst/>
+          </a:prstGeom>
+          <a:noFill/>
+          <a:extLst>
+            <a:ext uri="{909E8E84-426E-40DD-AFC4-6F175D3DCCD1}">
+              <a14:hiddenFill xmlns:a14="http://schemas.microsoft.com/office/drawing/2010/main">
+                <a:solidFill>
+                  <a:srgbClr val="FFFFFF"/>
+                </a:solidFill>
+              </a14:hiddenFill>
+            </a:ext>
+          </a:extLst>
+        </p:spPr>
+      </p:pic>
+      <p:pic>
+        <p:nvPicPr>
+          <p:cNvPr id="2054" name="Picture 6" descr="http://puu.sh/nprYE/5cb7e92299.png"/>
+          <p:cNvPicPr>
+            <a:picLocks noChangeAspect="1" noChangeArrowheads="1"/>
+          </p:cNvPicPr>
+          <p:nvPr/>
+        </p:nvPicPr>
+        <p:blipFill>
+          <a:blip r:embed="rId3">
+            <a:extLst>
+              <a:ext uri="{28A0092B-C50C-407E-A947-70E740481C1C}">
+                <a14:useLocalDpi xmlns:a14="http://schemas.microsoft.com/office/drawing/2010/main" val="0"/>
+              </a:ext>
+            </a:extLst>
+          </a:blip>
+          <a:srcRect/>
+          <a:stretch>
+            <a:fillRect/>
+          </a:stretch>
+        </p:blipFill>
+        <p:spPr bwMode="auto">
+          <a:xfrm>
+            <a:off x="6874539" y="3405554"/>
+            <a:ext cx="5330697" cy="3183668"/>
+          </a:xfrm>
+          <a:prstGeom prst="rect">
+            <a:avLst/>
+          </a:prstGeom>
+          <a:noFill/>
+          <a:extLst>
+            <a:ext uri="{909E8E84-426E-40DD-AFC4-6F175D3DCCD1}">
+              <a14:hiddenFill xmlns:a14="http://schemas.microsoft.com/office/drawing/2010/main">
+                <a:solidFill>
+                  <a:srgbClr val="FFFFFF"/>
+                </a:solidFill>
+              </a14:hiddenFill>
+            </a:ext>
+          </a:extLst>
+        </p:spPr>
+      </p:pic>
+      <p:pic>
+        <p:nvPicPr>
+          <p:cNvPr id="8" name="Picture 12" descr="http://puu.sh/nprft/2195fee9dc.png"/>
+          <p:cNvPicPr>
+            <a:picLocks noChangeAspect="1" noChangeArrowheads="1"/>
+          </p:cNvPicPr>
+          <p:nvPr/>
+        </p:nvPicPr>
+        <p:blipFill rotWithShape="1">
+          <a:blip r:embed="rId4">
+            <a:extLst>
+              <a:ext uri="{28A0092B-C50C-407E-A947-70E740481C1C}">
+                <a14:useLocalDpi xmlns:a14="http://schemas.microsoft.com/office/drawing/2010/main" val="0"/>
+              </a:ext>
+            </a:extLst>
+          </a:blip>
+          <a:srcRect l="8647" t="25298" r="8373" b="24434"/>
+          <a:stretch/>
+        </p:blipFill>
+        <p:spPr bwMode="auto">
+          <a:xfrm>
+            <a:off x="10530542" y="0"/>
+            <a:ext cx="2409801" cy="1483360"/>
+          </a:xfrm>
+          <a:prstGeom prst="rect">
+            <a:avLst/>
+          </a:prstGeom>
+          <a:noFill/>
+          <a:extLst>
+            <a:ext uri="{909E8E84-426E-40DD-AFC4-6F175D3DCCD1}">
+              <a14:hiddenFill xmlns:a14="http://schemas.microsoft.com/office/drawing/2010/main">
+                <a:solidFill>
+                  <a:srgbClr val="FFFFFF"/>
+                </a:solidFill>
+              </a14:hiddenFill>
+            </a:ext>
+          </a:extLst>
+        </p:spPr>
+      </p:pic>
+      <p:pic>
+        <p:nvPicPr>
+          <p:cNvPr id="2056" name="Picture 8" descr="http://puu.sh/nps8A/5282caf25d.png"/>
+          <p:cNvPicPr>
+            <a:picLocks noChangeAspect="1" noChangeArrowheads="1"/>
+          </p:cNvPicPr>
+          <p:nvPr/>
+        </p:nvPicPr>
+        <p:blipFill>
+          <a:blip r:embed="rId5">
+            <a:extLst>
+              <a:ext uri="{28A0092B-C50C-407E-A947-70E740481C1C}">
+                <a14:useLocalDpi xmlns:a14="http://schemas.microsoft.com/office/drawing/2010/main" val="0"/>
+              </a:ext>
+            </a:extLst>
+          </a:blip>
+          <a:srcRect/>
+          <a:stretch>
+            <a:fillRect/>
+          </a:stretch>
+        </p:blipFill>
+        <p:spPr bwMode="auto">
+          <a:xfrm>
+            <a:off x="6874539" y="1395489"/>
+            <a:ext cx="2559477" cy="1789553"/>
+          </a:xfrm>
+          <a:prstGeom prst="rect">
+            <a:avLst/>
+          </a:prstGeom>
+          <a:noFill/>
+          <a:extLst>
+            <a:ext uri="{909E8E84-426E-40DD-AFC4-6F175D3DCCD1}">
+              <a14:hiddenFill xmlns:a14="http://schemas.microsoft.com/office/drawing/2010/main">
+                <a:solidFill>
+                  <a:srgbClr val="FFFFFF"/>
+                </a:solidFill>
+              </a14:hiddenFill>
+            </a:ext>
+          </a:extLst>
+        </p:spPr>
+      </p:pic>
+      <p:sp>
+        <p:nvSpPr>
+          <p:cNvPr id="5" name="Rectangle 4"/>
+          <p:cNvSpPr/>
+          <p:nvPr/>
+        </p:nvSpPr>
+        <p:spPr>
+          <a:xfrm>
+            <a:off x="7197967" y="1881553"/>
+            <a:ext cx="574431" cy="187569"/>
+          </a:xfrm>
+          <a:prstGeom prst="rect">
+            <a:avLst/>
+          </a:prstGeom>
+          <a:noFill/>
+          <a:ln w="19050">
+            <a:solidFill>
+              <a:schemeClr val="accent1"/>
+            </a:solidFill>
+          </a:ln>
+        </p:spPr>
+        <p:style>
+          <a:lnRef idx="2">
+            <a:schemeClr val="accent1">
+              <a:shade val="50000"/>
+            </a:schemeClr>
+          </a:lnRef>
+          <a:fillRef idx="1">
+            <a:schemeClr val="accent1"/>
+          </a:fillRef>
+          <a:effectRef idx="0">
+            <a:schemeClr val="accent1"/>
+          </a:effectRef>
+          <a:fontRef idx="minor">
+            <a:schemeClr val="lt1"/>
+          </a:fontRef>
+        </p:style>
+        <p:txBody>
+          <a:bodyPr rtlCol="0" anchor="ctr"/>
+          <a:lstStyle/>
+          <a:p>
+            <a:pPr algn="ctr"/>
+            <a:endParaRPr lang="en-US"/>
+          </a:p>
+        </p:txBody>
+      </p:sp>
+      <p:sp>
+        <p:nvSpPr>
+          <p:cNvPr id="11" name="Rectangle 10"/>
+          <p:cNvSpPr/>
+          <p:nvPr/>
+        </p:nvSpPr>
+        <p:spPr>
+          <a:xfrm>
+            <a:off x="8461000" y="3358662"/>
+            <a:ext cx="595077" cy="237131"/>
+          </a:xfrm>
+          <a:prstGeom prst="rect">
+            <a:avLst/>
+          </a:prstGeom>
+          <a:noFill/>
+          <a:ln w="19050">
+            <a:solidFill>
+              <a:schemeClr val="accent1"/>
+            </a:solidFill>
+          </a:ln>
+        </p:spPr>
+        <p:style>
+          <a:lnRef idx="2">
+            <a:schemeClr val="accent1">
+              <a:shade val="50000"/>
+            </a:schemeClr>
+          </a:lnRef>
+          <a:fillRef idx="1">
+            <a:schemeClr val="accent1"/>
+          </a:fillRef>
+          <a:effectRef idx="0">
+            <a:schemeClr val="accent1"/>
+          </a:effectRef>
+          <a:fontRef idx="minor">
+            <a:schemeClr val="lt1"/>
+          </a:fontRef>
+        </p:style>
+        <p:txBody>
+          <a:bodyPr rtlCol="0" anchor="ctr"/>
+          <a:lstStyle/>
+          <a:p>
+            <a:pPr algn="ctr"/>
+            <a:endParaRPr lang="en-US"/>
+          </a:p>
+        </p:txBody>
+      </p:sp>
+      <p:sp>
+        <p:nvSpPr>
+          <p:cNvPr id="12" name="Rectangle 11"/>
+          <p:cNvSpPr/>
+          <p:nvPr/>
+        </p:nvSpPr>
+        <p:spPr>
+          <a:xfrm>
+            <a:off x="7117304" y="4090189"/>
+            <a:ext cx="1194356" cy="280463"/>
+          </a:xfrm>
+          <a:prstGeom prst="rect">
+            <a:avLst/>
+          </a:prstGeom>
+          <a:noFill/>
+          <a:ln w="19050">
+            <a:solidFill>
+              <a:schemeClr val="accent1"/>
+            </a:solidFill>
+          </a:ln>
+        </p:spPr>
+        <p:style>
+          <a:lnRef idx="2">
+            <a:schemeClr val="accent1">
+              <a:shade val="50000"/>
+            </a:schemeClr>
+          </a:lnRef>
+          <a:fillRef idx="1">
+            <a:schemeClr val="accent1"/>
+          </a:fillRef>
+          <a:effectRef idx="0">
+            <a:schemeClr val="accent1"/>
+          </a:effectRef>
+          <a:fontRef idx="minor">
+            <a:schemeClr val="lt1"/>
+          </a:fontRef>
+        </p:style>
+        <p:txBody>
+          <a:bodyPr rtlCol="0" anchor="ctr"/>
+          <a:lstStyle/>
+          <a:p>
+            <a:pPr algn="ctr"/>
+            <a:endParaRPr lang="en-US"/>
+          </a:p>
+        </p:txBody>
+      </p:sp>
+      <p:cxnSp>
+        <p:nvCxnSpPr>
+          <p:cNvPr id="7" name="Elbow Connector 6"/>
+          <p:cNvCxnSpPr>
+            <a:stCxn id="12" idx="3"/>
+            <a:endCxn id="5" idx="0"/>
+          </p:cNvCxnSpPr>
+          <p:nvPr/>
+        </p:nvCxnSpPr>
+        <p:spPr>
+          <a:xfrm flipH="1" flipV="1">
+            <a:off x="7485183" y="1881553"/>
+            <a:ext cx="826477" cy="2348868"/>
+          </a:xfrm>
+          <a:prstGeom prst="bentConnector4">
+            <a:avLst>
+              <a:gd name="adj1" fmla="val -274969"/>
+              <a:gd name="adj2" fmla="val 109732"/>
+            </a:avLst>
+          </a:prstGeom>
+          <a:ln w="19050">
+            <a:prstDash val="dash"/>
+          </a:ln>
+        </p:spPr>
+        <p:style>
+          <a:lnRef idx="1">
+            <a:schemeClr val="accent1"/>
+          </a:lnRef>
+          <a:fillRef idx="0">
+            <a:schemeClr val="accent1"/>
+          </a:fillRef>
+          <a:effectRef idx="0">
+            <a:schemeClr val="accent1"/>
+          </a:effectRef>
+          <a:fontRef idx="minor">
+            <a:schemeClr val="tx1"/>
+          </a:fontRef>
+        </p:style>
+      </p:cxnSp>
+      <p:cxnSp>
+        <p:nvCxnSpPr>
+          <p:cNvPr id="28" name="Straight Connector 27"/>
+          <p:cNvCxnSpPr>
+            <a:stCxn id="11" idx="0"/>
+            <a:endCxn id="11" idx="0"/>
+          </p:cNvCxnSpPr>
+          <p:nvPr/>
+        </p:nvCxnSpPr>
+        <p:spPr>
+          <a:xfrm>
+            <a:off x="8758539" y="3358662"/>
+            <a:ext cx="0" cy="0"/>
+          </a:xfrm>
+          <a:prstGeom prst="line">
+            <a:avLst/>
+          </a:prstGeom>
+        </p:spPr>
+        <p:style>
+          <a:lnRef idx="1">
+            <a:schemeClr val="accent1"/>
+          </a:lnRef>
+          <a:fillRef idx="0">
+            <a:schemeClr val="accent1"/>
+          </a:fillRef>
+          <a:effectRef idx="0">
+            <a:schemeClr val="accent1"/>
+          </a:effectRef>
+          <a:fontRef idx="minor">
+            <a:schemeClr val="tx1"/>
+          </a:fontRef>
+        </p:style>
+      </p:cxnSp>
+      <p:sp>
+        <p:nvSpPr>
+          <p:cNvPr id="33" name="Rectangle 32"/>
+          <p:cNvSpPr/>
+          <p:nvPr/>
+        </p:nvSpPr>
+        <p:spPr>
+          <a:xfrm>
+            <a:off x="423461" y="1735015"/>
+            <a:ext cx="1113694" cy="283138"/>
+          </a:xfrm>
+          <a:prstGeom prst="rect">
+            <a:avLst/>
+          </a:prstGeom>
+          <a:noFill/>
+          <a:ln w="19050">
+            <a:solidFill>
+              <a:schemeClr val="accent1"/>
+            </a:solidFill>
+          </a:ln>
+        </p:spPr>
+        <p:style>
+          <a:lnRef idx="2">
+            <a:schemeClr val="accent1">
+              <a:shade val="50000"/>
+            </a:schemeClr>
+          </a:lnRef>
+          <a:fillRef idx="1">
+            <a:schemeClr val="accent1"/>
+          </a:fillRef>
+          <a:effectRef idx="0">
+            <a:schemeClr val="accent1"/>
+          </a:effectRef>
+          <a:fontRef idx="minor">
+            <a:schemeClr val="lt1"/>
+          </a:fontRef>
+        </p:style>
+        <p:txBody>
+          <a:bodyPr rtlCol="0" anchor="ctr"/>
+          <a:lstStyle/>
+          <a:p>
+            <a:pPr algn="ctr"/>
+            <a:endParaRPr lang="en-US"/>
+          </a:p>
+        </p:txBody>
+      </p:sp>
+      <p:cxnSp>
+        <p:nvCxnSpPr>
+          <p:cNvPr id="2048" name="Elbow Connector 2047"/>
+          <p:cNvCxnSpPr>
+            <a:stCxn id="11" idx="0"/>
+            <a:endCxn id="33" idx="0"/>
+          </p:cNvCxnSpPr>
+          <p:nvPr/>
+        </p:nvCxnSpPr>
+        <p:spPr>
+          <a:xfrm rot="16200000" flipV="1">
+            <a:off x="4057601" y="-1342277"/>
+            <a:ext cx="1623647" cy="7778231"/>
+          </a:xfrm>
+          <a:prstGeom prst="bentConnector3">
+            <a:avLst>
+              <a:gd name="adj1" fmla="val 148375"/>
+            </a:avLst>
+          </a:prstGeom>
+          <a:ln w="19050">
+            <a:prstDash val="dash"/>
+          </a:ln>
+        </p:spPr>
+        <p:style>
+          <a:lnRef idx="1">
+            <a:schemeClr val="accent1"/>
+          </a:lnRef>
+          <a:fillRef idx="0">
+            <a:schemeClr val="accent1"/>
+          </a:fillRef>
+          <a:effectRef idx="0">
+            <a:schemeClr val="accent1"/>
+          </a:effectRef>
+          <a:fontRef idx="minor">
+            <a:schemeClr val="tx1"/>
+          </a:fontRef>
+        </p:style>
+      </p:cxnSp>
+      <p:sp>
+        <p:nvSpPr>
+          <p:cNvPr id="40" name="Rectangle 39"/>
+          <p:cNvSpPr/>
+          <p:nvPr/>
+        </p:nvSpPr>
+        <p:spPr>
+          <a:xfrm>
+            <a:off x="2186355" y="2175965"/>
+            <a:ext cx="2350476" cy="228600"/>
+          </a:xfrm>
+          <a:prstGeom prst="rect">
+            <a:avLst/>
+          </a:prstGeom>
+          <a:noFill/>
+          <a:ln w="19050">
+            <a:solidFill>
+              <a:schemeClr val="accent1"/>
+            </a:solidFill>
+          </a:ln>
+        </p:spPr>
+        <p:style>
+          <a:lnRef idx="2">
+            <a:schemeClr val="accent1">
+              <a:shade val="50000"/>
+            </a:schemeClr>
+          </a:lnRef>
+          <a:fillRef idx="1">
+            <a:schemeClr val="accent1"/>
+          </a:fillRef>
+          <a:effectRef idx="0">
+            <a:schemeClr val="accent1"/>
+          </a:effectRef>
+          <a:fontRef idx="minor">
+            <a:schemeClr val="lt1"/>
+          </a:fontRef>
+        </p:style>
+        <p:txBody>
+          <a:bodyPr rtlCol="0" anchor="ctr"/>
+          <a:lstStyle/>
+          <a:p>
+            <a:pPr algn="ctr"/>
+            <a:endParaRPr lang="en-US"/>
+          </a:p>
+        </p:txBody>
+      </p:sp>
+      <p:sp>
+        <p:nvSpPr>
+          <p:cNvPr id="41" name="Rectangle 40"/>
+          <p:cNvSpPr/>
+          <p:nvPr/>
+        </p:nvSpPr>
+        <p:spPr>
+          <a:xfrm>
+            <a:off x="6864559" y="3742331"/>
+            <a:ext cx="2091872" cy="237602"/>
+          </a:xfrm>
+          <a:prstGeom prst="rect">
+            <a:avLst/>
+          </a:prstGeom>
+          <a:noFill/>
+          <a:ln w="19050">
+            <a:solidFill>
+              <a:schemeClr val="accent1"/>
+            </a:solidFill>
+          </a:ln>
+        </p:spPr>
+        <p:style>
+          <a:lnRef idx="2">
+            <a:schemeClr val="accent1">
+              <a:shade val="50000"/>
+            </a:schemeClr>
+          </a:lnRef>
+          <a:fillRef idx="1">
+            <a:schemeClr val="accent1"/>
+          </a:fillRef>
+          <a:effectRef idx="0">
+            <a:schemeClr val="accent1"/>
+          </a:effectRef>
+          <a:fontRef idx="minor">
+            <a:schemeClr val="lt1"/>
+          </a:fontRef>
+        </p:style>
+        <p:txBody>
+          <a:bodyPr rtlCol="0" anchor="ctr"/>
+          <a:lstStyle/>
+          <a:p>
+            <a:pPr algn="ctr"/>
+            <a:endParaRPr lang="en-US"/>
+          </a:p>
+        </p:txBody>
+      </p:sp>
+      <p:cxnSp>
+        <p:nvCxnSpPr>
+          <p:cNvPr id="2055" name="Elbow Connector 2054"/>
+          <p:cNvCxnSpPr>
+            <a:stCxn id="41" idx="1"/>
+            <a:endCxn id="40" idx="3"/>
+          </p:cNvCxnSpPr>
+          <p:nvPr/>
+        </p:nvCxnSpPr>
+        <p:spPr>
+          <a:xfrm rot="10800000">
+            <a:off x="4536831" y="2290266"/>
+            <a:ext cx="2327728" cy="1570867"/>
+          </a:xfrm>
+          <a:prstGeom prst="bentConnector3">
+            <a:avLst>
+              <a:gd name="adj1" fmla="val 12983"/>
+            </a:avLst>
+          </a:prstGeom>
+          <a:ln w="19050">
+            <a:solidFill>
+              <a:schemeClr val="accent1"/>
+            </a:solidFill>
+            <a:prstDash val="dash"/>
+          </a:ln>
+        </p:spPr>
+        <p:style>
+          <a:lnRef idx="1">
+            <a:schemeClr val="accent1"/>
+          </a:lnRef>
+          <a:fillRef idx="0">
+            <a:schemeClr val="accent1"/>
+          </a:fillRef>
+          <a:effectRef idx="0">
+            <a:schemeClr val="accent1"/>
+          </a:effectRef>
+          <a:fontRef idx="minor">
+            <a:schemeClr val="tx1"/>
+          </a:fontRef>
+        </p:style>
+      </p:cxnSp>
+      <p:sp>
+        <p:nvSpPr>
+          <p:cNvPr id="46" name="Rectangle 45"/>
+          <p:cNvSpPr/>
+          <p:nvPr/>
+        </p:nvSpPr>
+        <p:spPr>
+          <a:xfrm>
+            <a:off x="2549769" y="2989385"/>
+            <a:ext cx="515816" cy="213244"/>
+          </a:xfrm>
+          <a:prstGeom prst="rect">
+            <a:avLst/>
+          </a:prstGeom>
+          <a:noFill/>
+          <a:ln w="19050">
+            <a:solidFill>
+              <a:schemeClr val="accent1"/>
+            </a:solidFill>
+          </a:ln>
+        </p:spPr>
+        <p:style>
+          <a:lnRef idx="2">
+            <a:schemeClr val="accent1">
+              <a:shade val="50000"/>
+            </a:schemeClr>
+          </a:lnRef>
+          <a:fillRef idx="1">
+            <a:schemeClr val="accent1"/>
+          </a:fillRef>
+          <a:effectRef idx="0">
+            <a:schemeClr val="accent1"/>
+          </a:effectRef>
+          <a:fontRef idx="minor">
+            <a:schemeClr val="lt1"/>
+          </a:fontRef>
+        </p:style>
+        <p:txBody>
+          <a:bodyPr rtlCol="0" anchor="ctr"/>
+          <a:lstStyle/>
+          <a:p>
+            <a:pPr algn="ctr"/>
+            <a:endParaRPr lang="en-US"/>
+          </a:p>
+        </p:txBody>
+      </p:sp>
+      <p:cxnSp>
+        <p:nvCxnSpPr>
+          <p:cNvPr id="47" name="Elbow Connector 46"/>
+          <p:cNvCxnSpPr>
+            <a:stCxn id="12" idx="1"/>
+            <a:endCxn id="46" idx="3"/>
+          </p:cNvCxnSpPr>
+          <p:nvPr/>
+        </p:nvCxnSpPr>
+        <p:spPr>
+          <a:xfrm rot="10800000">
+            <a:off x="3065586" y="3096007"/>
+            <a:ext cx="4051719" cy="1134414"/>
+          </a:xfrm>
+          <a:prstGeom prst="bentConnector3">
+            <a:avLst>
+              <a:gd name="adj1" fmla="val 49410"/>
+            </a:avLst>
+          </a:prstGeom>
+          <a:ln w="19050">
+            <a:solidFill>
+              <a:schemeClr val="accent1"/>
+            </a:solidFill>
+            <a:prstDash val="dash"/>
+          </a:ln>
+        </p:spPr>
+        <p:style>
+          <a:lnRef idx="1">
+            <a:schemeClr val="accent1"/>
+          </a:lnRef>
+          <a:fillRef idx="0">
+            <a:schemeClr val="accent1"/>
+          </a:fillRef>
+          <a:effectRef idx="0">
+            <a:schemeClr val="accent1"/>
+          </a:effectRef>
+          <a:fontRef idx="minor">
+            <a:schemeClr val="tx1"/>
+          </a:fontRef>
+        </p:style>
+      </p:cxnSp>
+      <p:sp>
+        <p:nvSpPr>
+          <p:cNvPr id="52" name="Rectangle 51"/>
+          <p:cNvSpPr/>
+          <p:nvPr/>
+        </p:nvSpPr>
+        <p:spPr>
+          <a:xfrm>
+            <a:off x="1952593" y="2995550"/>
+            <a:ext cx="403223" cy="213244"/>
+          </a:xfrm>
+          <a:prstGeom prst="rect">
+            <a:avLst/>
+          </a:prstGeom>
+          <a:noFill/>
+          <a:ln w="19050">
+            <a:solidFill>
+              <a:schemeClr val="accent1"/>
+            </a:solidFill>
+          </a:ln>
+        </p:spPr>
+        <p:style>
+          <a:lnRef idx="2">
+            <a:schemeClr val="accent1">
+              <a:shade val="50000"/>
+            </a:schemeClr>
+          </a:lnRef>
+          <a:fillRef idx="1">
+            <a:schemeClr val="accent1"/>
+          </a:fillRef>
+          <a:effectRef idx="0">
+            <a:schemeClr val="accent1"/>
+          </a:effectRef>
+          <a:fontRef idx="minor">
+            <a:schemeClr val="lt1"/>
+          </a:fontRef>
+        </p:style>
+        <p:txBody>
+          <a:bodyPr rtlCol="0" anchor="ctr"/>
+          <a:lstStyle/>
+          <a:p>
+            <a:pPr algn="ctr"/>
+            <a:endParaRPr lang="en-US"/>
+          </a:p>
+        </p:txBody>
+      </p:sp>
+      <p:cxnSp>
+        <p:nvCxnSpPr>
+          <p:cNvPr id="53" name="Elbow Connector 52"/>
+          <p:cNvCxnSpPr/>
+          <p:nvPr/>
+        </p:nvCxnSpPr>
+        <p:spPr>
+          <a:xfrm rot="10800000" flipH="1">
+            <a:off x="1719705" y="2995551"/>
+            <a:ext cx="434500" cy="1098683"/>
+          </a:xfrm>
+          <a:prstGeom prst="bentConnector4">
+            <a:avLst>
+              <a:gd name="adj1" fmla="val -225288"/>
+              <a:gd name="adj2" fmla="val 100000"/>
+            </a:avLst>
+          </a:prstGeom>
+          <a:ln w="19050">
+            <a:solidFill>
+              <a:schemeClr val="accent1"/>
+            </a:solidFill>
+            <a:prstDash val="dash"/>
+          </a:ln>
+        </p:spPr>
+        <p:style>
+          <a:lnRef idx="1">
+            <a:schemeClr val="accent1"/>
+          </a:lnRef>
+          <a:fillRef idx="0">
+            <a:schemeClr val="accent1"/>
+          </a:fillRef>
+          <a:effectRef idx="0">
+            <a:schemeClr val="accent1"/>
+          </a:effectRef>
+          <a:fontRef idx="minor">
+            <a:schemeClr val="tx1"/>
+          </a:fontRef>
+        </p:style>
+      </p:cxnSp>
+      <p:sp>
+        <p:nvSpPr>
+          <p:cNvPr id="60" name="Rectangle 59"/>
+          <p:cNvSpPr/>
+          <p:nvPr/>
+        </p:nvSpPr>
+        <p:spPr>
+          <a:xfrm>
+            <a:off x="2217981" y="3381298"/>
+            <a:ext cx="837623" cy="214495"/>
+          </a:xfrm>
+          <a:prstGeom prst="rect">
+            <a:avLst/>
+          </a:prstGeom>
+          <a:noFill/>
+          <a:ln w="19050">
+            <a:solidFill>
+              <a:schemeClr val="accent1"/>
+            </a:solidFill>
+          </a:ln>
+        </p:spPr>
+        <p:style>
+          <a:lnRef idx="2">
+            <a:schemeClr val="accent1">
+              <a:shade val="50000"/>
+            </a:schemeClr>
+          </a:lnRef>
+          <a:fillRef idx="1">
+            <a:schemeClr val="accent1"/>
+          </a:fillRef>
+          <a:effectRef idx="0">
+            <a:schemeClr val="accent1"/>
+          </a:effectRef>
+          <a:fontRef idx="minor">
+            <a:schemeClr val="lt1"/>
+          </a:fontRef>
+        </p:style>
+        <p:txBody>
+          <a:bodyPr rtlCol="0" anchor="ctr"/>
+          <a:lstStyle/>
+          <a:p>
+            <a:pPr algn="ctr"/>
+            <a:endParaRPr lang="en-US"/>
+          </a:p>
+        </p:txBody>
+      </p:sp>
+      <p:sp>
+        <p:nvSpPr>
+          <p:cNvPr id="61" name="Rectangle 60"/>
+          <p:cNvSpPr/>
+          <p:nvPr/>
+        </p:nvSpPr>
+        <p:spPr>
+          <a:xfrm>
+            <a:off x="1719705" y="3979933"/>
+            <a:ext cx="1113694" cy="228600"/>
+          </a:xfrm>
+          <a:prstGeom prst="rect">
+            <a:avLst/>
+          </a:prstGeom>
+          <a:noFill/>
+          <a:ln w="19050">
+            <a:solidFill>
+              <a:schemeClr val="accent1"/>
+            </a:solidFill>
+          </a:ln>
+        </p:spPr>
+        <p:style>
+          <a:lnRef idx="2">
+            <a:schemeClr val="accent1">
+              <a:shade val="50000"/>
+            </a:schemeClr>
+          </a:lnRef>
+          <a:fillRef idx="1">
+            <a:schemeClr val="accent1"/>
+          </a:fillRef>
+          <a:effectRef idx="0">
+            <a:schemeClr val="accent1"/>
+          </a:effectRef>
+          <a:fontRef idx="minor">
+            <a:schemeClr val="lt1"/>
+          </a:fontRef>
+        </p:style>
+        <p:txBody>
+          <a:bodyPr rtlCol="0" anchor="ctr"/>
+          <a:lstStyle/>
+          <a:p>
+            <a:pPr algn="ctr"/>
+            <a:endParaRPr lang="en-US"/>
+          </a:p>
+        </p:txBody>
+      </p:sp>
+      <p:cxnSp>
+        <p:nvCxnSpPr>
+          <p:cNvPr id="65" name="Elbow Connector 64"/>
+          <p:cNvCxnSpPr/>
+          <p:nvPr/>
+        </p:nvCxnSpPr>
+        <p:spPr>
+          <a:xfrm>
+            <a:off x="763161" y="3380055"/>
+            <a:ext cx="1448580" cy="67914"/>
+          </a:xfrm>
+          <a:prstGeom prst="bentConnector3">
+            <a:avLst>
+              <a:gd name="adj1" fmla="val 100175"/>
+            </a:avLst>
+          </a:prstGeom>
+          <a:ln w="19050">
+            <a:solidFill>
+              <a:schemeClr val="accent1"/>
+            </a:solidFill>
+            <a:prstDash val="dash"/>
+          </a:ln>
+        </p:spPr>
+        <p:style>
+          <a:lnRef idx="1">
+            <a:schemeClr val="accent1"/>
+          </a:lnRef>
+          <a:fillRef idx="0">
+            <a:schemeClr val="accent1"/>
+          </a:fillRef>
+          <a:effectRef idx="0">
+            <a:schemeClr val="accent1"/>
+          </a:effectRef>
+          <a:fontRef idx="minor">
+            <a:schemeClr val="tx1"/>
+          </a:fontRef>
+        </p:style>
+      </p:cxnSp>
+      <p:sp>
+        <p:nvSpPr>
+          <p:cNvPr id="70" name="Rectangle 69"/>
+          <p:cNvSpPr/>
+          <p:nvPr/>
+        </p:nvSpPr>
+        <p:spPr>
+          <a:xfrm>
+            <a:off x="2402863" y="4785677"/>
+            <a:ext cx="837623" cy="214495"/>
+          </a:xfrm>
+          <a:prstGeom prst="rect">
+            <a:avLst/>
+          </a:prstGeom>
+          <a:noFill/>
+          <a:ln w="19050">
+            <a:solidFill>
+              <a:schemeClr val="accent1"/>
+            </a:solidFill>
+          </a:ln>
+        </p:spPr>
+        <p:style>
+          <a:lnRef idx="2">
+            <a:schemeClr val="accent1">
+              <a:shade val="50000"/>
+            </a:schemeClr>
+          </a:lnRef>
+          <a:fillRef idx="1">
+            <a:schemeClr val="accent1"/>
+          </a:fillRef>
+          <a:effectRef idx="0">
+            <a:schemeClr val="accent1"/>
+          </a:effectRef>
+          <a:fontRef idx="minor">
+            <a:schemeClr val="lt1"/>
+          </a:fontRef>
+        </p:style>
+        <p:txBody>
+          <a:bodyPr rtlCol="0" anchor="ctr"/>
+          <a:lstStyle/>
+          <a:p>
+            <a:pPr algn="ctr"/>
+            <a:endParaRPr lang="en-US"/>
+          </a:p>
+        </p:txBody>
+      </p:sp>
+      <p:cxnSp>
+        <p:nvCxnSpPr>
+          <p:cNvPr id="71" name="Elbow Connector 70"/>
+          <p:cNvCxnSpPr/>
+          <p:nvPr/>
+        </p:nvCxnSpPr>
+        <p:spPr>
+          <a:xfrm>
+            <a:off x="750113" y="3983739"/>
+            <a:ext cx="1676033" cy="798690"/>
+          </a:xfrm>
+          <a:prstGeom prst="bentConnector3">
+            <a:avLst>
+              <a:gd name="adj1" fmla="val -11"/>
+            </a:avLst>
+          </a:prstGeom>
+          <a:ln w="19050">
+            <a:solidFill>
+              <a:schemeClr val="accent1"/>
+            </a:solidFill>
+            <a:prstDash val="dash"/>
+          </a:ln>
+        </p:spPr>
+        <p:style>
+          <a:lnRef idx="1">
+            <a:schemeClr val="accent1"/>
+          </a:lnRef>
+          <a:fillRef idx="0">
+            <a:schemeClr val="accent1"/>
+          </a:fillRef>
+          <a:effectRef idx="0">
+            <a:schemeClr val="accent1"/>
+          </a:effectRef>
+          <a:fontRef idx="minor">
+            <a:schemeClr val="tx1"/>
+          </a:fontRef>
+        </p:style>
+      </p:cxnSp>
+      <p:sp>
+        <p:nvSpPr>
+          <p:cNvPr id="81" name="Rectangle 80"/>
+          <p:cNvSpPr/>
+          <p:nvPr/>
+        </p:nvSpPr>
+        <p:spPr>
+          <a:xfrm>
+            <a:off x="7117303" y="4480908"/>
+            <a:ext cx="1147465" cy="228600"/>
+          </a:xfrm>
+          <a:prstGeom prst="rect">
+            <a:avLst/>
+          </a:prstGeom>
+          <a:noFill/>
+          <a:ln w="19050">
+            <a:solidFill>
+              <a:schemeClr val="accent1"/>
+            </a:solidFill>
+          </a:ln>
+        </p:spPr>
+        <p:style>
+          <a:lnRef idx="2">
+            <a:schemeClr val="accent1">
+              <a:shade val="50000"/>
+            </a:schemeClr>
+          </a:lnRef>
+          <a:fillRef idx="1">
+            <a:schemeClr val="accent1"/>
+          </a:fillRef>
+          <a:effectRef idx="0">
+            <a:schemeClr val="accent1"/>
+          </a:effectRef>
+          <a:fontRef idx="minor">
+            <a:schemeClr val="lt1"/>
+          </a:fontRef>
+        </p:style>
+        <p:txBody>
+          <a:bodyPr rtlCol="0" anchor="ctr"/>
+          <a:lstStyle/>
+          <a:p>
+            <a:pPr algn="ctr"/>
+            <a:endParaRPr lang="en-US"/>
+          </a:p>
+        </p:txBody>
+      </p:sp>
+      <p:sp>
+        <p:nvSpPr>
+          <p:cNvPr id="82" name="Rectangle 81"/>
+          <p:cNvSpPr/>
+          <p:nvPr/>
+        </p:nvSpPr>
+        <p:spPr>
+          <a:xfrm>
+            <a:off x="3361593" y="6353979"/>
+            <a:ext cx="1790699" cy="228600"/>
+          </a:xfrm>
+          <a:prstGeom prst="rect">
+            <a:avLst/>
+          </a:prstGeom>
+          <a:noFill/>
+          <a:ln w="19050">
+            <a:solidFill>
+              <a:schemeClr val="accent1"/>
+            </a:solidFill>
+          </a:ln>
+        </p:spPr>
+        <p:style>
+          <a:lnRef idx="2">
+            <a:schemeClr val="accent1">
+              <a:shade val="50000"/>
+            </a:schemeClr>
+          </a:lnRef>
+          <a:fillRef idx="1">
+            <a:schemeClr val="accent1"/>
+          </a:fillRef>
+          <a:effectRef idx="0">
+            <a:schemeClr val="accent1"/>
+          </a:effectRef>
+          <a:fontRef idx="minor">
+            <a:schemeClr val="lt1"/>
+          </a:fontRef>
+        </p:style>
+        <p:txBody>
+          <a:bodyPr rtlCol="0" anchor="ctr"/>
+          <a:lstStyle/>
+          <a:p>
+            <a:pPr algn="ctr"/>
+            <a:endParaRPr lang="en-US"/>
+          </a:p>
+        </p:txBody>
+      </p:sp>
+      <p:cxnSp>
+        <p:nvCxnSpPr>
+          <p:cNvPr id="85" name="Elbow Connector 84"/>
+          <p:cNvCxnSpPr>
+            <a:stCxn id="81" idx="1"/>
+          </p:cNvCxnSpPr>
+          <p:nvPr/>
+        </p:nvCxnSpPr>
+        <p:spPr>
+          <a:xfrm rot="10800000" flipV="1">
+            <a:off x="3767833" y="4595207"/>
+            <a:ext cx="3349471" cy="1766391"/>
+          </a:xfrm>
+          <a:prstGeom prst="bentConnector3">
+            <a:avLst>
+              <a:gd name="adj1" fmla="val 102552"/>
+            </a:avLst>
+          </a:prstGeom>
+          <a:ln w="19050">
+            <a:solidFill>
+              <a:schemeClr val="accent1"/>
+            </a:solidFill>
+            <a:prstDash val="dash"/>
+          </a:ln>
+        </p:spPr>
+        <p:style>
+          <a:lnRef idx="1">
+            <a:schemeClr val="accent1"/>
+          </a:lnRef>
+          <a:fillRef idx="0">
+            <a:schemeClr val="accent1"/>
+          </a:fillRef>
+          <a:effectRef idx="0">
+            <a:schemeClr val="accent1"/>
+          </a:effectRef>
+          <a:fontRef idx="minor">
+            <a:schemeClr val="tx1"/>
+          </a:fontRef>
+        </p:style>
+      </p:cxnSp>
+      <p:cxnSp>
+        <p:nvCxnSpPr>
+          <p:cNvPr id="45" name="Straight Arrow Connector 44"/>
+          <p:cNvCxnSpPr>
+            <a:stCxn id="50" idx="3"/>
+            <a:endCxn id="90" idx="1"/>
+          </p:cNvCxnSpPr>
+          <p:nvPr/>
+        </p:nvCxnSpPr>
+        <p:spPr>
+          <a:xfrm>
+            <a:off x="9434016" y="377185"/>
+            <a:ext cx="965044" cy="2295"/>
+          </a:xfrm>
+          <a:prstGeom prst="straightConnector1">
+            <a:avLst/>
+          </a:prstGeom>
+          <a:ln>
+            <a:tailEnd type="triangle"/>
+          </a:ln>
+        </p:spPr>
+        <p:style>
+          <a:lnRef idx="1">
+            <a:schemeClr val="accent1"/>
+          </a:lnRef>
+          <a:fillRef idx="0">
+            <a:schemeClr val="accent1"/>
+          </a:fillRef>
+          <a:effectRef idx="0">
+            <a:schemeClr val="accent1"/>
+          </a:effectRef>
+          <a:fontRef idx="minor">
+            <a:schemeClr val="tx1"/>
+          </a:fontRef>
+        </p:style>
+      </p:cxnSp>
+      <p:sp>
+        <p:nvSpPr>
+          <p:cNvPr id="90" name="Rectangle 89"/>
+          <p:cNvSpPr/>
+          <p:nvPr/>
+        </p:nvSpPr>
+        <p:spPr>
+          <a:xfrm>
+            <a:off x="10399060" y="237911"/>
+            <a:ext cx="1577788" cy="283138"/>
+          </a:xfrm>
+          <a:prstGeom prst="rect">
+            <a:avLst/>
+          </a:prstGeom>
+          <a:noFill/>
+          <a:ln w="19050">
+            <a:solidFill>
+              <a:schemeClr val="accent1"/>
+            </a:solidFill>
+          </a:ln>
+        </p:spPr>
+        <p:style>
+          <a:lnRef idx="2">
+            <a:schemeClr val="accent1">
+              <a:shade val="50000"/>
+            </a:schemeClr>
+          </a:lnRef>
+          <a:fillRef idx="1">
+            <a:schemeClr val="accent1"/>
+          </a:fillRef>
+          <a:effectRef idx="0">
+            <a:schemeClr val="accent1"/>
+          </a:effectRef>
+          <a:fontRef idx="minor">
+            <a:schemeClr val="lt1"/>
+          </a:fontRef>
+        </p:style>
+        <p:txBody>
+          <a:bodyPr rtlCol="0" anchor="ctr"/>
+          <a:lstStyle/>
+          <a:p>
+            <a:pPr algn="ctr"/>
+            <a:endParaRPr lang="en-US"/>
+          </a:p>
+        </p:txBody>
+      </p:sp>
+      <p:sp>
+        <p:nvSpPr>
+          <p:cNvPr id="50" name="TextBox 49"/>
+          <p:cNvSpPr txBox="1"/>
+          <p:nvPr/>
+        </p:nvSpPr>
+        <p:spPr>
+          <a:xfrm>
+            <a:off x="8822245" y="192519"/>
+            <a:ext cx="611771" cy="369332"/>
+          </a:xfrm>
+          <a:prstGeom prst="rect">
+            <a:avLst/>
+          </a:prstGeom>
+          <a:noFill/>
+        </p:spPr>
+        <p:txBody>
+          <a:bodyPr wrap="none" rtlCol="0">
+            <a:spAutoFit/>
+          </a:bodyPr>
+          <a:lstStyle/>
+          <a:p>
+            <a:r>
+              <a:rPr lang="en-US" dirty="0"/>
+              <a:t>item</a:t>
+            </a:r>
+          </a:p>
+        </p:txBody>
+      </p:sp>
+      <p:sp>
+        <p:nvSpPr>
+          <p:cNvPr id="54" name="TextBox 53"/>
+          <p:cNvSpPr txBox="1"/>
+          <p:nvPr/>
+        </p:nvSpPr>
+        <p:spPr>
+          <a:xfrm>
+            <a:off x="0" y="6738"/>
+            <a:ext cx="4184159" cy="584775"/>
+          </a:xfrm>
+          <a:prstGeom prst="rect">
+            <a:avLst/>
+          </a:prstGeom>
+          <a:noFill/>
+        </p:spPr>
+        <p:txBody>
+          <a:bodyPr wrap="none" rtlCol="0">
+            <a:spAutoFit/>
+          </a:bodyPr>
+          <a:lstStyle/>
+          <a:p>
+            <a:r>
+              <a:rPr lang="en-US" sz="3200" dirty="0"/>
+              <a:t>How it all fits together…</a:t>
+            </a:r>
+          </a:p>
+        </p:txBody>
+      </p:sp>
+      <p:sp>
+        <p:nvSpPr>
+          <p:cNvPr id="101" name="Rectangle 100"/>
+          <p:cNvSpPr/>
+          <p:nvPr/>
+        </p:nvSpPr>
+        <p:spPr>
+          <a:xfrm>
+            <a:off x="4386559" y="5474447"/>
+            <a:ext cx="1434523" cy="432117"/>
+          </a:xfrm>
+          <a:prstGeom prst="rect">
+            <a:avLst/>
+          </a:prstGeom>
+          <a:noFill/>
+          <a:ln w="19050">
+            <a:solidFill>
+              <a:schemeClr val="accent1"/>
+            </a:solidFill>
+          </a:ln>
+        </p:spPr>
+        <p:style>
+          <a:lnRef idx="2">
+            <a:schemeClr val="accent1">
+              <a:shade val="50000"/>
+            </a:schemeClr>
+          </a:lnRef>
+          <a:fillRef idx="1">
+            <a:schemeClr val="accent1"/>
+          </a:fillRef>
+          <a:effectRef idx="0">
+            <a:schemeClr val="accent1"/>
+          </a:effectRef>
+          <a:fontRef idx="minor">
+            <a:schemeClr val="lt1"/>
+          </a:fontRef>
+        </p:style>
+        <p:txBody>
+          <a:bodyPr rtlCol="0" anchor="ctr"/>
+          <a:lstStyle/>
+          <a:p>
+            <a:pPr algn="ctr"/>
+            <a:endParaRPr lang="en-US"/>
+          </a:p>
+        </p:txBody>
+      </p:sp>
+      <p:sp>
+        <p:nvSpPr>
+          <p:cNvPr id="102" name="Rectangle 101"/>
+          <p:cNvSpPr/>
+          <p:nvPr/>
+        </p:nvSpPr>
+        <p:spPr>
+          <a:xfrm>
+            <a:off x="5235389" y="5591414"/>
+            <a:ext cx="436283" cy="217715"/>
+          </a:xfrm>
+          <a:prstGeom prst="rect">
+            <a:avLst/>
+          </a:prstGeom>
+          <a:noFill/>
+          <a:ln w="19050">
+            <a:solidFill>
+              <a:schemeClr val="accent1"/>
+            </a:solidFill>
+          </a:ln>
+        </p:spPr>
+        <p:style>
+          <a:lnRef idx="2">
+            <a:schemeClr val="accent1">
+              <a:shade val="50000"/>
+            </a:schemeClr>
+          </a:lnRef>
+          <a:fillRef idx="1">
+            <a:schemeClr val="accent1"/>
+          </a:fillRef>
+          <a:effectRef idx="0">
+            <a:schemeClr val="accent1"/>
+          </a:effectRef>
+          <a:fontRef idx="minor">
+            <a:schemeClr val="lt1"/>
+          </a:fontRef>
+        </p:style>
+        <p:txBody>
+          <a:bodyPr rtlCol="0" anchor="ctr"/>
+          <a:lstStyle/>
+          <a:p>
+            <a:pPr algn="ctr"/>
+            <a:endParaRPr lang="en-US"/>
+          </a:p>
+        </p:txBody>
+      </p:sp>
+      <p:cxnSp>
+        <p:nvCxnSpPr>
+          <p:cNvPr id="103" name="Elbow Connector 102"/>
+          <p:cNvCxnSpPr/>
+          <p:nvPr/>
+        </p:nvCxnSpPr>
+        <p:spPr>
+          <a:xfrm rot="5400000" flipH="1">
+            <a:off x="6810278" y="4452382"/>
+            <a:ext cx="387262" cy="3100756"/>
+          </a:xfrm>
+          <a:prstGeom prst="bentConnector3">
+            <a:avLst>
+              <a:gd name="adj1" fmla="val -21992"/>
+            </a:avLst>
+          </a:prstGeom>
+          <a:ln w="19050">
+            <a:solidFill>
+              <a:schemeClr val="accent1"/>
+            </a:solidFill>
+            <a:prstDash val="dash"/>
+          </a:ln>
+        </p:spPr>
+        <p:style>
+          <a:lnRef idx="1">
+            <a:schemeClr val="accent1"/>
+          </a:lnRef>
+          <a:fillRef idx="0">
+            <a:schemeClr val="accent1"/>
+          </a:fillRef>
+          <a:effectRef idx="0">
+            <a:schemeClr val="accent1"/>
+          </a:effectRef>
+          <a:fontRef idx="minor">
+            <a:schemeClr val="tx1"/>
+          </a:fontRef>
+        </p:style>
+      </p:cxnSp>
+      <p:sp>
+        <p:nvSpPr>
+          <p:cNvPr id="106" name="Rectangle 105"/>
+          <p:cNvSpPr/>
+          <p:nvPr/>
+        </p:nvSpPr>
+        <p:spPr>
+          <a:xfrm>
+            <a:off x="7089451" y="5868895"/>
+            <a:ext cx="1815490" cy="485084"/>
+          </a:xfrm>
+          <a:prstGeom prst="rect">
+            <a:avLst/>
+          </a:prstGeom>
+          <a:noFill/>
+          <a:ln w="19050">
+            <a:solidFill>
+              <a:schemeClr val="accent1"/>
+            </a:solidFill>
+          </a:ln>
+        </p:spPr>
+        <p:style>
+          <a:lnRef idx="2">
+            <a:schemeClr val="accent1">
+              <a:shade val="50000"/>
+            </a:schemeClr>
+          </a:lnRef>
+          <a:fillRef idx="1">
+            <a:schemeClr val="accent1"/>
+          </a:fillRef>
+          <a:effectRef idx="0">
+            <a:schemeClr val="accent1"/>
+          </a:effectRef>
+          <a:fontRef idx="minor">
+            <a:schemeClr val="lt1"/>
+          </a:fontRef>
+        </p:style>
+        <p:txBody>
+          <a:bodyPr rtlCol="0" anchor="ctr"/>
+          <a:lstStyle/>
+          <a:p>
+            <a:pPr algn="ctr"/>
+            <a:endParaRPr lang="en-US"/>
+          </a:p>
+        </p:txBody>
+      </p:sp>
+      <p:sp>
+        <p:nvSpPr>
+          <p:cNvPr id="107" name="Rectangle 106"/>
+          <p:cNvSpPr/>
+          <p:nvPr/>
+        </p:nvSpPr>
+        <p:spPr>
+          <a:xfrm>
+            <a:off x="8373034" y="6003151"/>
+            <a:ext cx="362506" cy="193240"/>
+          </a:xfrm>
+          <a:prstGeom prst="rect">
+            <a:avLst/>
+          </a:prstGeom>
+          <a:noFill/>
+          <a:ln w="19050">
+            <a:solidFill>
+              <a:schemeClr val="accent1"/>
+            </a:solidFill>
+          </a:ln>
+        </p:spPr>
+        <p:style>
+          <a:lnRef idx="2">
+            <a:schemeClr val="accent1">
+              <a:shade val="50000"/>
+            </a:schemeClr>
+          </a:lnRef>
+          <a:fillRef idx="1">
+            <a:schemeClr val="accent1"/>
+          </a:fillRef>
+          <a:effectRef idx="0">
+            <a:schemeClr val="accent1"/>
+          </a:effectRef>
+          <a:fontRef idx="minor">
+            <a:schemeClr val="lt1"/>
+          </a:fontRef>
+        </p:style>
+        <p:txBody>
+          <a:bodyPr rtlCol="0" anchor="ctr"/>
+          <a:lstStyle/>
+          <a:p>
+            <a:pPr algn="ctr"/>
+            <a:endParaRPr lang="en-US"/>
+          </a:p>
+        </p:txBody>
+      </p:sp>
+      <p:cxnSp>
+        <p:nvCxnSpPr>
+          <p:cNvPr id="108" name="Elbow Connector 107"/>
+          <p:cNvCxnSpPr/>
+          <p:nvPr/>
+        </p:nvCxnSpPr>
+        <p:spPr>
+          <a:xfrm>
+            <a:off x="763161" y="5291418"/>
+            <a:ext cx="4690370" cy="323900"/>
+          </a:xfrm>
+          <a:prstGeom prst="bentConnector2">
+            <a:avLst/>
+          </a:prstGeom>
+          <a:ln w="19050">
+            <a:solidFill>
+              <a:schemeClr val="accent1"/>
+            </a:solidFill>
+            <a:prstDash val="dash"/>
+          </a:ln>
+        </p:spPr>
+        <p:style>
+          <a:lnRef idx="1">
+            <a:schemeClr val="accent1"/>
+          </a:lnRef>
+          <a:fillRef idx="0">
+            <a:schemeClr val="accent1"/>
+          </a:fillRef>
+          <a:effectRef idx="0">
+            <a:schemeClr val="accent1"/>
+          </a:effectRef>
+          <a:fontRef idx="minor">
+            <a:schemeClr val="tx1"/>
+          </a:fontRef>
+        </p:style>
+      </p:cxnSp>
+      <p:cxnSp>
+        <p:nvCxnSpPr>
+          <p:cNvPr id="116" name="Elbow Connector 115"/>
+          <p:cNvCxnSpPr/>
+          <p:nvPr/>
+        </p:nvCxnSpPr>
+        <p:spPr>
+          <a:xfrm>
+            <a:off x="744448" y="4790446"/>
+            <a:ext cx="1622554" cy="496034"/>
+          </a:xfrm>
+          <a:prstGeom prst="bentConnector3">
+            <a:avLst>
+              <a:gd name="adj1" fmla="val 275"/>
+            </a:avLst>
+          </a:prstGeom>
+          <a:ln w="19050">
+            <a:solidFill>
+              <a:schemeClr val="accent1"/>
+            </a:solidFill>
+            <a:prstDash val="dash"/>
+          </a:ln>
+        </p:spPr>
+        <p:style>
+          <a:lnRef idx="1">
+            <a:schemeClr val="accent1"/>
+          </a:lnRef>
+          <a:fillRef idx="0">
+            <a:schemeClr val="accent1"/>
+          </a:fillRef>
+          <a:effectRef idx="0">
+            <a:schemeClr val="accent1"/>
+          </a:effectRef>
+          <a:fontRef idx="minor">
+            <a:schemeClr val="tx1"/>
+          </a:fontRef>
+        </p:style>
+      </p:cxnSp>
+    </p:spTree>
+    <p:extLst>
+      <p:ext uri="{BB962C8B-B14F-4D97-AF65-F5344CB8AC3E}">
+        <p14:creationId xmlns:p14="http://schemas.microsoft.com/office/powerpoint/2010/main" val="1720939456"/>
+      </p:ext>
+    </p:extLst>
+  </p:cSld>
+  <p:clrMapOvr>
+    <a:masterClrMapping/>
+  </p:clrMapOvr>
+  <mc:AlternateContent xmlns:mc="http://schemas.openxmlformats.org/markup-compatibility/2006" xmlns:p14="http://schemas.microsoft.com/office/powerpoint/2010/main">
+    <mc:Choice Requires="p14">
+      <p:transition spd="med" p14:dur="700">
+        <p:fade/>
+      </p:transition>
+    </mc:Choice>
+    <mc:Fallback xmlns="">
+      <p:transition spd="med">
+        <p:fade/>
+      </p:transition>
+    </mc:Fallback>
+  </mc:AlternateContent>
+</p:sld>
+</file>
+
+<file path=ppt/slides/slide8.xml><?xml version="1.0" encoding="utf-8"?>
+<p:sld xmlns:a="http://schemas.openxmlformats.org/drawingml/2006/main" xmlns:r="http://schemas.openxmlformats.org/officeDocument/2006/relationships" xmlns:p="http://schemas.openxmlformats.org/presentationml/2006/main">
+  <p:cSld>
+    <p:spTree>
+      <p:nvGrpSpPr>
+        <p:cNvPr id="1" name=""/>
+        <p:cNvGrpSpPr/>
+        <p:nvPr/>
+      </p:nvGrpSpPr>
+      <p:grpSpPr>
+        <a:xfrm>
+          <a:off x="0" y="0"/>
+          <a:ext cx="0" cy="0"/>
+          <a:chOff x="0" y="0"/>
+          <a:chExt cx="0" cy="0"/>
+        </a:xfrm>
+      </p:grpSpPr>
+      <p:pic>
+        <p:nvPicPr>
+          <p:cNvPr id="6146" name="Picture 2" descr="http://devgirl.org/wp-content/uploads/2013/03/concepts-controller.png"/>
+          <p:cNvPicPr>
+            <a:picLocks noChangeAspect="1" noChangeArrowheads="1"/>
+          </p:cNvPicPr>
+          <p:nvPr/>
+        </p:nvPicPr>
+        <p:blipFill>
+          <a:blip r:embed="rId2">
+            <a:extLst>
+              <a:ext uri="{28A0092B-C50C-407E-A947-70E740481C1C}">
+                <a14:useLocalDpi xmlns:a14="http://schemas.microsoft.com/office/drawing/2010/main" val="0"/>
+              </a:ext>
+            </a:extLst>
+          </a:blip>
+          <a:srcRect/>
+          <a:stretch>
+            <a:fillRect/>
+          </a:stretch>
+        </p:blipFill>
+        <p:spPr bwMode="auto">
+          <a:xfrm>
+            <a:off x="1365435" y="-252665"/>
+            <a:ext cx="9751744" cy="6655621"/>
+          </a:xfrm>
+          <a:prstGeom prst="rect">
+            <a:avLst/>
+          </a:prstGeom>
+          <a:noFill/>
+          <a:extLst>
+            <a:ext uri="{909E8E84-426E-40DD-AFC4-6F175D3DCCD1}">
+              <a14:hiddenFill xmlns:a14="http://schemas.microsoft.com/office/drawing/2010/main">
+                <a:solidFill>
+                  <a:srgbClr val="FFFFFF"/>
+                </a:solidFill>
+              </a14:hiddenFill>
+            </a:ext>
+          </a:extLst>
+        </p:spPr>
+      </p:pic>
+    </p:spTree>
+    <p:extLst>
+      <p:ext uri="{BB962C8B-B14F-4D97-AF65-F5344CB8AC3E}">
+        <p14:creationId xmlns:p14="http://schemas.microsoft.com/office/powerpoint/2010/main" val="3617822834"/>
+      </p:ext>
+    </p:extLst>
+  </p:cSld>
+  <p:clrMapOvr>
+    <a:masterClrMapping/>
+  </p:clrMapOvr>
+  <mc:AlternateContent xmlns:mc="http://schemas.openxmlformats.org/markup-compatibility/2006" xmlns:p14="http://schemas.microsoft.com/office/powerpoint/2010/main">
+    <mc:Choice Requires="p14">
+      <p:transition spd="med" p14:dur="700">
+        <p:fade/>
+      </p:transition>
+    </mc:Choice>
+    <mc:Fallback xmlns="">
+      <p:transition spd="med">
+        <p:fade/>
+      </p:transition>
+    </mc:Fallback>
+  </mc:AlternateContent>
+</p:sld>
+</file>
+
+<file path=ppt/slides/slide9.xml><?xml version="1.0" encoding="utf-8"?>
+<p:sld xmlns:a="http://schemas.openxmlformats.org/drawingml/2006/main" xmlns:r="http://schemas.openxmlformats.org/officeDocument/2006/relationships" xmlns:p="http://schemas.openxmlformats.org/presentationml/2006/main">
+  <p:cSld>
+    <p:spTree>
+      <p:nvGrpSpPr>
+        <p:cNvPr id="1" name=""/>
+        <p:cNvGrpSpPr/>
+        <p:nvPr/>
+      </p:nvGrpSpPr>
+      <p:grpSpPr>
+        <a:xfrm>
+          <a:off x="0" y="0"/>
+          <a:ext cx="0" cy="0"/>
+          <a:chOff x="0" y="0"/>
+          <a:chExt cx="0" cy="0"/>
+        </a:xfrm>
+      </p:grpSpPr>
       <p:sp>
         <p:nvSpPr>
           <p:cNvPr id="3" name="Content Placeholder 2"/>
@@ -7319,136 +10423,320 @@
         </p:nvSpPr>
         <p:spPr>
           <a:xfrm>
-            <a:off x="1341120" y="883920"/>
-            <a:ext cx="9509760" cy="5145659"/>
-          </a:xfrm>
-        </p:spPr>
-        <p:txBody>
-          <a:bodyPr/>
-          <a:lstStyle/>
-          <a:p>
-            <a:pPr marL="45720" indent="0" algn="ctr">
+            <a:off x="1341120" y="439616"/>
+            <a:ext cx="9509760" cy="6008076"/>
+          </a:xfrm>
+        </p:spPr>
+        <p:txBody>
+          <a:bodyPr>
+            <a:normAutofit fontScale="92500" lnSpcReduction="10000"/>
+          </a:bodyPr>
+          <a:lstStyle/>
+          <a:p>
+            <a:r>
+              <a:rPr lang="en-US" dirty="0">
+                <a:solidFill>
+                  <a:schemeClr val="accent1"/>
+                </a:solidFill>
+              </a:rPr>
+              <a:t>ng-click=“{{expression}}”</a:t>
+            </a:r>
+          </a:p>
+          <a:p>
+            <a:pPr lvl="1"/>
+            <a:r>
+              <a:rPr lang="en-US" dirty="0"/>
+              <a:t>Evaluates the expression when the element is clicked</a:t>
+            </a:r>
+          </a:p>
+          <a:p>
+            <a:r>
+              <a:rPr lang="en-US" dirty="0">
+                <a:solidFill>
+                  <a:schemeClr val="accent1"/>
+                </a:solidFill>
+              </a:rPr>
+              <a:t>ng-</a:t>
+            </a:r>
+            <a:r>
+              <a:rPr lang="en-US" dirty="0" err="1">
+                <a:solidFill>
+                  <a:schemeClr val="accent1"/>
+                </a:solidFill>
+              </a:rPr>
+              <a:t>dblclick</a:t>
+            </a:r>
+            <a:r>
+              <a:rPr lang="en-US" dirty="0">
+                <a:solidFill>
+                  <a:schemeClr val="accent1"/>
+                </a:solidFill>
+              </a:rPr>
+              <a:t>=“{{expression}}”</a:t>
+            </a:r>
+          </a:p>
+          <a:p>
+            <a:pPr lvl="1"/>
+            <a:r>
+              <a:rPr lang="en-US" dirty="0"/>
+              <a:t>Evaluates the expression when the element is double clicked</a:t>
+            </a:r>
+          </a:p>
+          <a:p>
+            <a:r>
+              <a:rPr lang="en-US" dirty="0">
+                <a:solidFill>
+                  <a:schemeClr val="accent1"/>
+                </a:solidFill>
+              </a:rPr>
+              <a:t>ng-repeat=“{{</a:t>
+            </a:r>
+            <a:r>
+              <a:rPr lang="en-US" dirty="0" err="1">
+                <a:solidFill>
+                  <a:schemeClr val="accent1"/>
+                </a:solidFill>
+              </a:rPr>
+              <a:t>enumeratedValue</a:t>
+            </a:r>
+            <a:r>
+              <a:rPr lang="en-US" dirty="0">
+                <a:solidFill>
+                  <a:schemeClr val="accent1"/>
+                </a:solidFill>
+              </a:rPr>
+              <a:t>}} in {{</a:t>
+            </a:r>
+            <a:r>
+              <a:rPr lang="en-US" dirty="0" err="1">
+                <a:solidFill>
+                  <a:schemeClr val="accent1"/>
+                </a:solidFill>
+              </a:rPr>
+              <a:t>enumerableExpression</a:t>
+            </a:r>
+            <a:r>
+              <a:rPr lang="en-US" dirty="0">
+                <a:solidFill>
+                  <a:schemeClr val="accent1"/>
+                </a:solidFill>
+              </a:rPr>
+              <a:t>}}”</a:t>
+            </a:r>
+          </a:p>
+          <a:p>
+            <a:pPr lvl="1"/>
+            <a:r>
+              <a:rPr lang="en-US" dirty="0"/>
+              <a:t>foreach (var </a:t>
+            </a:r>
+            <a:r>
+              <a:rPr lang="en-US" dirty="0" err="1"/>
+              <a:t>enumeratedValue</a:t>
+            </a:r>
+            <a:r>
+              <a:rPr lang="en-US" dirty="0"/>
+              <a:t> in </a:t>
+            </a:r>
+            <a:r>
+              <a:rPr lang="en-US" dirty="0" err="1"/>
+              <a:t>enumerableExpression</a:t>
+            </a:r>
+            <a:r>
+              <a:rPr lang="en-US" dirty="0"/>
+              <a:t>) </a:t>
+            </a:r>
+          </a:p>
+          <a:p>
+            <a:pPr lvl="1"/>
+            <a:r>
+              <a:rPr lang="en-US" dirty="0"/>
+              <a:t>Enumerates the </a:t>
+            </a:r>
+            <a:r>
+              <a:rPr lang="en-US" dirty="0" err="1"/>
+              <a:t>enumerableExpression</a:t>
+            </a:r>
+            <a:r>
+              <a:rPr lang="en-US" dirty="0"/>
+              <a:t> (list) into its </a:t>
+            </a:r>
+            <a:r>
+              <a:rPr lang="en-US" dirty="0" err="1"/>
+              <a:t>enumeratedValues</a:t>
+            </a:r>
+            <a:r>
+              <a:rPr lang="en-US" dirty="0"/>
+              <a:t> (values)</a:t>
+            </a:r>
+          </a:p>
+          <a:p>
+            <a:pPr lvl="1"/>
+            <a:r>
+              <a:rPr lang="en-US" dirty="0"/>
+              <a:t>Each all elements inside the element with ng-repeat will repeat for each value in the list</a:t>
+            </a:r>
+          </a:p>
+          <a:p>
+            <a:pPr lvl="1"/>
+            <a:r>
+              <a:rPr lang="en-US" dirty="0"/>
+              <a:t>The children elements will inherit a scope with the </a:t>
+            </a:r>
+            <a:r>
+              <a:rPr lang="en-US" dirty="0" err="1"/>
+              <a:t>enumerateExpression</a:t>
+            </a:r>
+            <a:r>
+              <a:rPr lang="en-US" dirty="0"/>
+              <a:t> value in it</a:t>
+            </a:r>
+          </a:p>
+          <a:p>
+            <a:r>
+              <a:rPr lang="en-US" dirty="0">
+                <a:solidFill>
+                  <a:schemeClr val="accent1"/>
+                </a:solidFill>
+              </a:rPr>
+              <a:t>ng-model=“expression”</a:t>
+            </a:r>
+          </a:p>
+          <a:p>
+            <a:pPr lvl="1"/>
+            <a:r>
+              <a:rPr lang="en-US" dirty="0"/>
+              <a:t>Creates a two way binding between the view and the value in the model the expression points to</a:t>
+            </a:r>
+          </a:p>
+          <a:p>
+            <a:r>
+              <a:rPr lang="en-US" dirty="0">
+                <a:solidFill>
+                  <a:schemeClr val="accent1"/>
+                </a:solidFill>
+              </a:rPr>
+              <a:t>ng-show=“{{</a:t>
+            </a:r>
+            <a:r>
+              <a:rPr lang="en-US" dirty="0" err="1">
+                <a:solidFill>
+                  <a:schemeClr val="accent1"/>
+                </a:solidFill>
+              </a:rPr>
+              <a:t>booleanExpression</a:t>
+            </a:r>
+            <a:r>
+              <a:rPr lang="en-US" dirty="0">
+                <a:solidFill>
+                  <a:schemeClr val="accent1"/>
+                </a:solidFill>
+              </a:rPr>
+              <a:t>}}”</a:t>
+            </a:r>
+          </a:p>
+          <a:p>
+            <a:pPr lvl="1"/>
+            <a:r>
+              <a:rPr lang="en-US" dirty="0"/>
+              <a:t>Shows the element when the expression is true, otherwise hides it</a:t>
+            </a:r>
+          </a:p>
+          <a:p>
+            <a:r>
+              <a:rPr lang="en-US" dirty="0">
+                <a:solidFill>
+                  <a:schemeClr val="accent1"/>
+                </a:solidFill>
+              </a:rPr>
+              <a:t>ng-hide=“{{</a:t>
+            </a:r>
+            <a:r>
+              <a:rPr lang="en-US" dirty="0" err="1">
+                <a:solidFill>
+                  <a:schemeClr val="accent1"/>
+                </a:solidFill>
+              </a:rPr>
+              <a:t>booleanExpression</a:t>
+            </a:r>
+            <a:r>
+              <a:rPr lang="en-US" dirty="0">
+                <a:solidFill>
+                  <a:schemeClr val="accent1"/>
+                </a:solidFill>
+              </a:rPr>
+              <a:t>}}”</a:t>
+            </a:r>
+          </a:p>
+          <a:p>
+            <a:pPr lvl="1"/>
+            <a:r>
+              <a:rPr lang="en-US" dirty="0"/>
+              <a:t>Hides the element when the expression is true, otherwise shows it</a:t>
+            </a:r>
+          </a:p>
+          <a:p>
+            <a:pPr lvl="1"/>
+            <a:endParaRPr lang="en-US" dirty="0"/>
+          </a:p>
+          <a:p>
+            <a:pPr marL="365760" lvl="1" indent="0">
               <a:buNone/>
             </a:pPr>
+            <a:endParaRPr lang="en-US" dirty="0"/>
+          </a:p>
+          <a:p>
+            <a:endParaRPr lang="en-US" dirty="0"/>
+          </a:p>
+          <a:p>
+            <a:endParaRPr lang="en-US" dirty="0"/>
+          </a:p>
+          <a:p>
+            <a:endParaRPr lang="en-US" dirty="0"/>
+          </a:p>
+          <a:p>
+            <a:pPr lvl="1"/>
+            <a:endParaRPr lang="en-US" dirty="0"/>
+          </a:p>
+        </p:txBody>
+      </p:sp>
+      <p:sp>
+        <p:nvSpPr>
+          <p:cNvPr id="5" name="TextBox 4"/>
+          <p:cNvSpPr txBox="1"/>
+          <p:nvPr/>
+        </p:nvSpPr>
+        <p:spPr>
+          <a:xfrm>
+            <a:off x="129540" y="-9964"/>
+            <a:ext cx="720069" cy="584775"/>
+          </a:xfrm>
+          <a:prstGeom prst="rect">
+            <a:avLst/>
+          </a:prstGeom>
+          <a:noFill/>
+        </p:spPr>
+        <p:txBody>
+          <a:bodyPr wrap="none" rtlCol="0">
+            <a:spAutoFit/>
+          </a:bodyPr>
+          <a:lstStyle/>
+          <a:p>
             <a:r>
               <a:rPr lang="en-US" sz="3200" dirty="0">
-                <a:latin typeface="Consolas" panose="020B0609020204030204" pitchFamily="49" charset="0"/>
+                <a:solidFill>
+                  <a:schemeClr val="accent1"/>
+                </a:solidFill>
               </a:rPr>
-              <a:t>Open </a:t>
-            </a:r>
-            <a:r>
-              <a:rPr lang="en-US" sz="3200" dirty="0" err="1">
-                <a:latin typeface="Consolas" panose="020B0609020204030204" pitchFamily="49" charset="0"/>
-              </a:rPr>
-              <a:t>git</a:t>
-            </a:r>
-            <a:r>
-              <a:rPr lang="en-US" sz="3200" dirty="0">
-                <a:latin typeface="Consolas" panose="020B0609020204030204" pitchFamily="49" charset="0"/>
-              </a:rPr>
-              <a:t> bash or terminal</a:t>
-            </a:r>
-          </a:p>
-          <a:p>
-            <a:pPr marL="45720" indent="0" algn="ctr">
-              <a:buNone/>
-            </a:pPr>
-            <a:endParaRPr lang="en-US" dirty="0">
-              <a:latin typeface="Consolas" panose="020B0609020204030204" pitchFamily="49" charset="0"/>
-            </a:endParaRPr>
-          </a:p>
-          <a:p>
-            <a:pPr marL="45720" indent="0">
-              <a:buNone/>
-            </a:pPr>
-            <a:r>
-              <a:rPr lang="en-US" sz="2400" dirty="0" err="1">
-                <a:latin typeface="Consolas" panose="020B0609020204030204" pitchFamily="49" charset="0"/>
-              </a:rPr>
-              <a:t>git</a:t>
-            </a:r>
-            <a:r>
-              <a:rPr lang="en-US" sz="2400" dirty="0">
-                <a:latin typeface="Consolas" panose="020B0609020204030204" pitchFamily="49" charset="0"/>
-              </a:rPr>
-              <a:t> clone https://github.com/chcaru/workshop.git</a:t>
-            </a:r>
-          </a:p>
-          <a:p>
-            <a:pPr marL="45720" indent="0">
-              <a:buNone/>
-            </a:pPr>
-            <a:r>
-              <a:rPr lang="en-US" sz="2400" dirty="0">
-                <a:latin typeface="Consolas" panose="020B0609020204030204" pitchFamily="49" charset="0"/>
-              </a:rPr>
-              <a:t>cd workshop/workshop2</a:t>
-            </a:r>
-          </a:p>
-          <a:p>
-            <a:pPr marL="45720" indent="0">
-              <a:buNone/>
-            </a:pPr>
-            <a:r>
-              <a:rPr lang="en-US" sz="2400" dirty="0" err="1">
-                <a:latin typeface="Consolas" panose="020B0609020204030204" pitchFamily="49" charset="0"/>
-              </a:rPr>
-              <a:t>npm</a:t>
-            </a:r>
-            <a:r>
-              <a:rPr lang="en-US" sz="2400" dirty="0">
-                <a:latin typeface="Consolas" panose="020B0609020204030204" pitchFamily="49" charset="0"/>
-              </a:rPr>
-              <a:t> install</a:t>
-            </a:r>
-          </a:p>
-          <a:p>
-            <a:pPr marL="45720" indent="0">
-              <a:buNone/>
-            </a:pPr>
-            <a:r>
-              <a:rPr lang="en-US" sz="2400" dirty="0">
-                <a:latin typeface="Consolas" panose="020B0609020204030204" pitchFamily="49" charset="0"/>
-              </a:rPr>
-              <a:t>cd start</a:t>
-            </a:r>
-          </a:p>
-          <a:p>
-            <a:pPr marL="45720" indent="0">
-              <a:buNone/>
-            </a:pPr>
-            <a:r>
-              <a:rPr lang="en-US" sz="2400" dirty="0">
-                <a:latin typeface="Consolas" panose="020B0609020204030204" pitchFamily="49" charset="0"/>
-              </a:rPr>
-              <a:t>start atom .</a:t>
-            </a:r>
-          </a:p>
-          <a:p>
-            <a:pPr marL="45720" indent="0">
-              <a:buNone/>
-            </a:pPr>
-            <a:r>
-              <a:rPr lang="en-US" sz="2400" dirty="0">
-                <a:latin typeface="Consolas" panose="020B0609020204030204" pitchFamily="49" charset="0"/>
-              </a:rPr>
-              <a:t>node server</a:t>
-            </a:r>
-          </a:p>
-          <a:p>
-            <a:pPr marL="45720" indent="0">
-              <a:buNone/>
-            </a:pPr>
-            <a:endParaRPr lang="en-US" dirty="0">
-              <a:latin typeface="Consolas" panose="020B0609020204030204" pitchFamily="49" charset="0"/>
-            </a:endParaRPr>
+              <a:t>ng-</a:t>
+            </a:r>
           </a:p>
         </p:txBody>
       </p:sp>
     </p:spTree>
     <p:extLst>
       <p:ext uri="{BB962C8B-B14F-4D97-AF65-F5344CB8AC3E}">
-        <p14:creationId xmlns:p14="http://schemas.microsoft.com/office/powerpoint/2010/main" val="1596373389"/>
+        <p14:creationId xmlns:p14="http://schemas.microsoft.com/office/powerpoint/2010/main" val="1356556007"/>
       </p:ext>
     </p:extLst>
   </p:cSld>

--- a/workshop2/presentation.pptx
+++ b/workshop2/presentation.pptx
@@ -6892,10 +6892,11 @@
             </a:r>
           </a:p>
           <a:p>
-            <a:pPr marL="45720" indent="0">
-              <a:buNone/>
-            </a:pPr>
-            <a:endParaRPr lang="en-US" sz="3000" dirty="0"/>
+            <a:pPr lvl="1"/>
+            <a:r>
+              <a:rPr lang="en-US" sz="2800" dirty="0"/>
+              <a:t>And use Angular Material </a:t>
+            </a:r>
           </a:p>
           <a:p>
             <a:pPr marL="45720" indent="0">

--- a/workshop2/presentation.pptx
+++ b/workshop2/presentation.pptx
@@ -229,7 +229,7 @@
           <a:p>
             <a:fld id="{20EA5F0D-C1DC-412F-A146-DDB3A74B588F}" type="datetimeFigureOut">
               <a:rPr lang="en-US"/>
-              <a:t>2/29/2016</a:t>
+              <a:t>3/1/2016</a:t>
             </a:fld>
             <a:endParaRPr/>
           </a:p>
@@ -394,7 +394,7 @@
           <a:p>
             <a:fld id="{A8CDE508-72C8-4AB5-AA9C-1584D31690E0}" type="datetimeFigureOut">
               <a:rPr lang="en-US"/>
-              <a:t>2/29/2016</a:t>
+              <a:t>3/1/2016</a:t>
             </a:fld>
             <a:endParaRPr/>
           </a:p>
@@ -1004,7 +1004,7 @@
           <a:p>
             <a:fld id="{9E583DDF-CA54-461A-A486-592D2374C532}" type="datetimeFigureOut">
               <a:rPr lang="en-US"/>
-              <a:t>2/29/2016</a:t>
+              <a:t>3/1/2016</a:t>
             </a:fld>
             <a:endParaRPr/>
           </a:p>
@@ -1196,7 +1196,7 @@
           <a:p>
             <a:fld id="{9E583DDF-CA54-461A-A486-592D2374C532}" type="datetimeFigureOut">
               <a:rPr lang="en-US"/>
-              <a:t>2/29/2016</a:t>
+              <a:t>3/1/2016</a:t>
             </a:fld>
             <a:endParaRPr/>
           </a:p>
@@ -1378,7 +1378,7 @@
           <a:p>
             <a:fld id="{9E583DDF-CA54-461A-A486-592D2374C532}" type="datetimeFigureOut">
               <a:rPr lang="en-US"/>
-              <a:t>2/29/2016</a:t>
+              <a:t>3/1/2016</a:t>
             </a:fld>
             <a:endParaRPr/>
           </a:p>
@@ -1684,7 +1684,7 @@
           <a:p>
             <a:fld id="{9E583DDF-CA54-461A-A486-592D2374C532}" type="datetimeFigureOut">
               <a:rPr lang="en-US"/>
-              <a:t>2/29/2016</a:t>
+              <a:t>3/1/2016</a:t>
             </a:fld>
             <a:endParaRPr/>
           </a:p>
@@ -1988,7 +1988,7 @@
           <a:p>
             <a:fld id="{0A879FD0-C37A-4F50-8F3B-5FA0D9D0B42F}" type="datetimeFigureOut">
               <a:rPr lang="en-US"/>
-              <a:t>2/29/2016</a:t>
+              <a:t>3/1/2016</a:t>
             </a:fld>
             <a:endParaRPr/>
           </a:p>
@@ -2432,7 +2432,7 @@
           <a:p>
             <a:fld id="{9E583DDF-CA54-461A-A486-592D2374C532}" type="datetimeFigureOut">
               <a:rPr lang="en-US"/>
-              <a:t>2/29/2016</a:t>
+              <a:t>3/1/2016</a:t>
             </a:fld>
             <a:endParaRPr/>
           </a:p>
@@ -2562,7 +2562,7 @@
           <a:p>
             <a:fld id="{9E583DDF-CA54-461A-A486-592D2374C532}" type="datetimeFigureOut">
               <a:rPr lang="en-US"/>
-              <a:t>2/29/2016</a:t>
+              <a:t>3/1/2016</a:t>
             </a:fld>
             <a:endParaRPr/>
           </a:p>
@@ -2714,7 +2714,7 @@
           <a:p>
             <a:fld id="{9E583DDF-CA54-461A-A486-592D2374C532}" type="datetimeFigureOut">
               <a:rPr lang="en-US"/>
-              <a:t>2/29/2016</a:t>
+              <a:t>3/1/2016</a:t>
             </a:fld>
             <a:endParaRPr/>
           </a:p>
@@ -3012,7 +3012,7 @@
           <a:p>
             <a:fld id="{9E583DDF-CA54-461A-A486-592D2374C532}" type="datetimeFigureOut">
               <a:rPr lang="en-US"/>
-              <a:t>2/29/2016</a:t>
+              <a:t>3/1/2016</a:t>
             </a:fld>
             <a:endParaRPr/>
           </a:p>
@@ -3298,7 +3298,7 @@
           <a:p>
             <a:fld id="{9E583DDF-CA54-461A-A486-592D2374C532}" type="datetimeFigureOut">
               <a:rPr lang="en-US"/>
-              <a:t>2/29/2016</a:t>
+              <a:t>3/1/2016</a:t>
             </a:fld>
             <a:endParaRPr/>
           </a:p>
@@ -3569,7 +3569,7 @@
             <a:fld id="{9E583DDF-CA54-461A-A486-592D2374C532}" type="datetimeFigureOut">
               <a:rPr lang="en-US"/>
               <a:pPr/>
-              <a:t>2/29/2016</a:t>
+              <a:t>3/1/2016</a:t>
             </a:fld>
             <a:endParaRPr/>
           </a:p>
@@ -5209,7 +5209,7 @@
               <a:rPr lang="en-US" sz="2400" dirty="0">
                 <a:latin typeface="Consolas" panose="020B0609020204030204" pitchFamily="49" charset="0"/>
               </a:rPr>
-              <a:t>start atom .</a:t>
+              <a:t>atom .</a:t>
             </a:r>
           </a:p>
           <a:p>
@@ -6789,6 +6789,45 @@
           </a:p>
         </p:txBody>
       </p:sp>
+      <p:pic>
+        <p:nvPicPr>
+          <p:cNvPr id="19" name="Picture 2" descr="http://storage.vexxhost.net/v1/d7594b0298b54bcc9e4e0f252e1da2e4/blog/mean-socket-io-integration-tutorial%2Fsocketio-logo.png"/>
+          <p:cNvPicPr>
+            <a:picLocks noChangeAspect="1" noChangeArrowheads="1"/>
+          </p:cNvPicPr>
+          <p:nvPr/>
+        </p:nvPicPr>
+        <p:blipFill rotWithShape="1">
+          <a:blip r:embed="rId8" cstate="print">
+            <a:extLst>
+              <a:ext uri="{28A0092B-C50C-407E-A947-70E740481C1C}">
+                <a14:useLocalDpi xmlns:a14="http://schemas.microsoft.com/office/drawing/2010/main" val="0"/>
+              </a:ext>
+            </a:extLst>
+          </a:blip>
+          <a:srcRect l="4305" t="18439" r="5299" b="23702"/>
+          <a:stretch/>
+        </p:blipFill>
+        <p:spPr bwMode="auto">
+          <a:xfrm>
+            <a:off x="4698474" y="-5369"/>
+            <a:ext cx="2549970" cy="765832"/>
+          </a:xfrm>
+          <a:prstGeom prst="rect">
+            <a:avLst/>
+          </a:prstGeom>
+          <a:noFill/>
+          <a:extLst>
+            <a:ext uri="{909E8E84-426E-40DD-AFC4-6F175D3DCCD1}">
+              <a14:hiddenFill xmlns:a14="http://schemas.microsoft.com/office/drawing/2010/main">
+                <a:solidFill>
+                  <a:srgbClr val="FFFFFF"/>
+                </a:solidFill>
+              </a14:hiddenFill>
+            </a:ext>
+          </a:extLst>
+        </p:spPr>
+      </p:pic>
     </p:spTree>
     <p:extLst>
       <p:ext uri="{BB962C8B-B14F-4D97-AF65-F5344CB8AC3E}">
@@ -6811,6 +6850,557 @@
       </p:transition>
     </mc:Fallback>
   </mc:AlternateContent>
+  <p:timing>
+    <p:tnLst>
+      <p:par>
+        <p:cTn id="1" dur="indefinite" restart="never" nodeType="tmRoot">
+          <p:childTnLst>
+            <p:seq concurrent="1" nextAc="seek">
+              <p:cTn id="2" dur="indefinite" nodeType="mainSeq">
+                <p:childTnLst>
+                  <p:par>
+                    <p:cTn id="3" fill="hold">
+                      <p:stCondLst>
+                        <p:cond delay="indefinite"/>
+                      </p:stCondLst>
+                      <p:childTnLst>
+                        <p:par>
+                          <p:cTn id="4" fill="hold">
+                            <p:stCondLst>
+                              <p:cond delay="0"/>
+                            </p:stCondLst>
+                            <p:childTnLst>
+                              <p:par>
+                                <p:cTn id="5" presetID="10" presetClass="entr" presetSubtype="0" fill="hold" grpId="0" nodeType="clickEffect">
+                                  <p:stCondLst>
+                                    <p:cond delay="0"/>
+                                  </p:stCondLst>
+                                  <p:childTnLst>
+                                    <p:set>
+                                      <p:cBhvr>
+                                        <p:cTn id="6" dur="1" fill="hold">
+                                          <p:stCondLst>
+                                            <p:cond delay="0"/>
+                                          </p:stCondLst>
+                                        </p:cTn>
+                                        <p:tgtEl>
+                                          <p:spTgt spid="15"/>
+                                        </p:tgtEl>
+                                        <p:attrNameLst>
+                                          <p:attrName>style.visibility</p:attrName>
+                                        </p:attrNameLst>
+                                      </p:cBhvr>
+                                      <p:to>
+                                        <p:strVal val="visible"/>
+                                      </p:to>
+                                    </p:set>
+                                    <p:animEffect transition="in" filter="fade">
+                                      <p:cBhvr>
+                                        <p:cTn id="7" dur="500"/>
+                                        <p:tgtEl>
+                                          <p:spTgt spid="15"/>
+                                        </p:tgtEl>
+                                      </p:cBhvr>
+                                    </p:animEffect>
+                                  </p:childTnLst>
+                                  <p:subTnLst>
+                                    <p:set>
+                                      <p:cBhvr override="childStyle">
+                                        <p:cTn dur="1" fill="hold" display="0" masterRel="nextClick" afterEffect="1"/>
+                                        <p:tgtEl>
+                                          <p:spTgt spid="15"/>
+                                        </p:tgtEl>
+                                        <p:attrNameLst>
+                                          <p:attrName>style.visibility</p:attrName>
+                                        </p:attrNameLst>
+                                      </p:cBhvr>
+                                      <p:to>
+                                        <p:strVal val="hidden"/>
+                                      </p:to>
+                                    </p:set>
+                                  </p:subTnLst>
+                                </p:cTn>
+                              </p:par>
+                              <p:par>
+                                <p:cTn id="8" presetID="10" presetClass="entr" presetSubtype="0" fill="hold" nodeType="withEffect">
+                                  <p:stCondLst>
+                                    <p:cond delay="0"/>
+                                  </p:stCondLst>
+                                  <p:childTnLst>
+                                    <p:set>
+                                      <p:cBhvr>
+                                        <p:cTn id="9" dur="1" fill="hold">
+                                          <p:stCondLst>
+                                            <p:cond delay="0"/>
+                                          </p:stCondLst>
+                                        </p:cTn>
+                                        <p:tgtEl>
+                                          <p:spTgt spid="16"/>
+                                        </p:tgtEl>
+                                        <p:attrNameLst>
+                                          <p:attrName>style.visibility</p:attrName>
+                                        </p:attrNameLst>
+                                      </p:cBhvr>
+                                      <p:to>
+                                        <p:strVal val="visible"/>
+                                      </p:to>
+                                    </p:set>
+                                    <p:animEffect transition="in" filter="fade">
+                                      <p:cBhvr>
+                                        <p:cTn id="10" dur="500"/>
+                                        <p:tgtEl>
+                                          <p:spTgt spid="16"/>
+                                        </p:tgtEl>
+                                      </p:cBhvr>
+                                    </p:animEffect>
+                                  </p:childTnLst>
+                                  <p:subTnLst>
+                                    <p:set>
+                                      <p:cBhvr override="childStyle">
+                                        <p:cTn dur="1" fill="hold" display="0" masterRel="nextClick" afterEffect="1"/>
+                                        <p:tgtEl>
+                                          <p:spTgt spid="16"/>
+                                        </p:tgtEl>
+                                        <p:attrNameLst>
+                                          <p:attrName>style.visibility</p:attrName>
+                                        </p:attrNameLst>
+                                      </p:cBhvr>
+                                      <p:to>
+                                        <p:strVal val="hidden"/>
+                                      </p:to>
+                                    </p:set>
+                                  </p:subTnLst>
+                                </p:cTn>
+                              </p:par>
+                              <p:par>
+                                <p:cTn id="11" presetID="10" presetClass="entr" presetSubtype="0" fill="hold" grpId="0" nodeType="withEffect">
+                                  <p:stCondLst>
+                                    <p:cond delay="0"/>
+                                  </p:stCondLst>
+                                  <p:childTnLst>
+                                    <p:set>
+                                      <p:cBhvr>
+                                        <p:cTn id="12" dur="1" fill="hold">
+                                          <p:stCondLst>
+                                            <p:cond delay="0"/>
+                                          </p:stCondLst>
+                                        </p:cTn>
+                                        <p:tgtEl>
+                                          <p:spTgt spid="22"/>
+                                        </p:tgtEl>
+                                        <p:attrNameLst>
+                                          <p:attrName>style.visibility</p:attrName>
+                                        </p:attrNameLst>
+                                      </p:cBhvr>
+                                      <p:to>
+                                        <p:strVal val="visible"/>
+                                      </p:to>
+                                    </p:set>
+                                    <p:animEffect transition="in" filter="fade">
+                                      <p:cBhvr>
+                                        <p:cTn id="13" dur="500"/>
+                                        <p:tgtEl>
+                                          <p:spTgt spid="22"/>
+                                        </p:tgtEl>
+                                      </p:cBhvr>
+                                    </p:animEffect>
+                                  </p:childTnLst>
+                                  <p:subTnLst>
+                                    <p:set>
+                                      <p:cBhvr override="childStyle">
+                                        <p:cTn dur="1" fill="hold" display="0" masterRel="nextClick" afterEffect="1"/>
+                                        <p:tgtEl>
+                                          <p:spTgt spid="22"/>
+                                        </p:tgtEl>
+                                        <p:attrNameLst>
+                                          <p:attrName>style.visibility</p:attrName>
+                                        </p:attrNameLst>
+                                      </p:cBhvr>
+                                      <p:to>
+                                        <p:strVal val="hidden"/>
+                                      </p:to>
+                                    </p:set>
+                                  </p:subTnLst>
+                                </p:cTn>
+                              </p:par>
+                            </p:childTnLst>
+                          </p:cTn>
+                        </p:par>
+                      </p:childTnLst>
+                    </p:cTn>
+                  </p:par>
+                  <p:par>
+                    <p:cTn id="14" fill="hold">
+                      <p:stCondLst>
+                        <p:cond delay="indefinite"/>
+                      </p:stCondLst>
+                      <p:childTnLst>
+                        <p:par>
+                          <p:cTn id="15" fill="hold">
+                            <p:stCondLst>
+                              <p:cond delay="0"/>
+                            </p:stCondLst>
+                            <p:childTnLst>
+                              <p:par>
+                                <p:cTn id="16" presetID="10" presetClass="entr" presetSubtype="0" fill="hold" grpId="0" nodeType="clickEffect">
+                                  <p:stCondLst>
+                                    <p:cond delay="0"/>
+                                  </p:stCondLst>
+                                  <p:childTnLst>
+                                    <p:set>
+                                      <p:cBhvr>
+                                        <p:cTn id="17" dur="1" fill="hold">
+                                          <p:stCondLst>
+                                            <p:cond delay="0"/>
+                                          </p:stCondLst>
+                                        </p:cTn>
+                                        <p:tgtEl>
+                                          <p:spTgt spid="25"/>
+                                        </p:tgtEl>
+                                        <p:attrNameLst>
+                                          <p:attrName>style.visibility</p:attrName>
+                                        </p:attrNameLst>
+                                      </p:cBhvr>
+                                      <p:to>
+                                        <p:strVal val="visible"/>
+                                      </p:to>
+                                    </p:set>
+                                    <p:animEffect transition="in" filter="fade">
+                                      <p:cBhvr>
+                                        <p:cTn id="18" dur="500"/>
+                                        <p:tgtEl>
+                                          <p:spTgt spid="25"/>
+                                        </p:tgtEl>
+                                      </p:cBhvr>
+                                    </p:animEffect>
+                                  </p:childTnLst>
+                                  <p:subTnLst>
+                                    <p:set>
+                                      <p:cBhvr override="childStyle">
+                                        <p:cTn dur="1" fill="hold" display="0" masterRel="nextClick" afterEffect="1"/>
+                                        <p:tgtEl>
+                                          <p:spTgt spid="25"/>
+                                        </p:tgtEl>
+                                        <p:attrNameLst>
+                                          <p:attrName>style.visibility</p:attrName>
+                                        </p:attrNameLst>
+                                      </p:cBhvr>
+                                      <p:to>
+                                        <p:strVal val="hidden"/>
+                                      </p:to>
+                                    </p:set>
+                                  </p:subTnLst>
+                                </p:cTn>
+                              </p:par>
+                              <p:par>
+                                <p:cTn id="19" presetID="10" presetClass="entr" presetSubtype="0" fill="hold" nodeType="withEffect">
+                                  <p:stCondLst>
+                                    <p:cond delay="0"/>
+                                  </p:stCondLst>
+                                  <p:childTnLst>
+                                    <p:set>
+                                      <p:cBhvr>
+                                        <p:cTn id="20" dur="1" fill="hold">
+                                          <p:stCondLst>
+                                            <p:cond delay="0"/>
+                                          </p:stCondLst>
+                                        </p:cTn>
+                                        <p:tgtEl>
+                                          <p:spTgt spid="26"/>
+                                        </p:tgtEl>
+                                        <p:attrNameLst>
+                                          <p:attrName>style.visibility</p:attrName>
+                                        </p:attrNameLst>
+                                      </p:cBhvr>
+                                      <p:to>
+                                        <p:strVal val="visible"/>
+                                      </p:to>
+                                    </p:set>
+                                    <p:animEffect transition="in" filter="fade">
+                                      <p:cBhvr>
+                                        <p:cTn id="21" dur="500"/>
+                                        <p:tgtEl>
+                                          <p:spTgt spid="26"/>
+                                        </p:tgtEl>
+                                      </p:cBhvr>
+                                    </p:animEffect>
+                                  </p:childTnLst>
+                                  <p:subTnLst>
+                                    <p:set>
+                                      <p:cBhvr override="childStyle">
+                                        <p:cTn dur="1" fill="hold" display="0" masterRel="nextClick" afterEffect="1"/>
+                                        <p:tgtEl>
+                                          <p:spTgt spid="26"/>
+                                        </p:tgtEl>
+                                        <p:attrNameLst>
+                                          <p:attrName>style.visibility</p:attrName>
+                                        </p:attrNameLst>
+                                      </p:cBhvr>
+                                      <p:to>
+                                        <p:strVal val="hidden"/>
+                                      </p:to>
+                                    </p:set>
+                                  </p:subTnLst>
+                                </p:cTn>
+                              </p:par>
+                              <p:par>
+                                <p:cTn id="22" presetID="10" presetClass="entr" presetSubtype="0" fill="hold" grpId="0" nodeType="withEffect">
+                                  <p:stCondLst>
+                                    <p:cond delay="0"/>
+                                  </p:stCondLst>
+                                  <p:childTnLst>
+                                    <p:set>
+                                      <p:cBhvr>
+                                        <p:cTn id="23" dur="1" fill="hold">
+                                          <p:stCondLst>
+                                            <p:cond delay="0"/>
+                                          </p:stCondLst>
+                                        </p:cTn>
+                                        <p:tgtEl>
+                                          <p:spTgt spid="27"/>
+                                        </p:tgtEl>
+                                        <p:attrNameLst>
+                                          <p:attrName>style.visibility</p:attrName>
+                                        </p:attrNameLst>
+                                      </p:cBhvr>
+                                      <p:to>
+                                        <p:strVal val="visible"/>
+                                      </p:to>
+                                    </p:set>
+                                    <p:animEffect transition="in" filter="fade">
+                                      <p:cBhvr>
+                                        <p:cTn id="24" dur="500"/>
+                                        <p:tgtEl>
+                                          <p:spTgt spid="27"/>
+                                        </p:tgtEl>
+                                      </p:cBhvr>
+                                    </p:animEffect>
+                                  </p:childTnLst>
+                                  <p:subTnLst>
+                                    <p:set>
+                                      <p:cBhvr override="childStyle">
+                                        <p:cTn dur="1" fill="hold" display="0" masterRel="nextClick" afterEffect="1"/>
+                                        <p:tgtEl>
+                                          <p:spTgt spid="27"/>
+                                        </p:tgtEl>
+                                        <p:attrNameLst>
+                                          <p:attrName>style.visibility</p:attrName>
+                                        </p:attrNameLst>
+                                      </p:cBhvr>
+                                      <p:to>
+                                        <p:strVal val="hidden"/>
+                                      </p:to>
+                                    </p:set>
+                                  </p:subTnLst>
+                                </p:cTn>
+                              </p:par>
+                            </p:childTnLst>
+                          </p:cTn>
+                        </p:par>
+                      </p:childTnLst>
+                    </p:cTn>
+                  </p:par>
+                  <p:par>
+                    <p:cTn id="25" fill="hold">
+                      <p:stCondLst>
+                        <p:cond delay="indefinite"/>
+                      </p:stCondLst>
+                      <p:childTnLst>
+                        <p:par>
+                          <p:cTn id="26" fill="hold">
+                            <p:stCondLst>
+                              <p:cond delay="0"/>
+                            </p:stCondLst>
+                            <p:childTnLst>
+                              <p:par>
+                                <p:cTn id="27" presetID="10" presetClass="entr" presetSubtype="0" fill="hold" grpId="0" nodeType="clickEffect">
+                                  <p:stCondLst>
+                                    <p:cond delay="0"/>
+                                  </p:stCondLst>
+                                  <p:childTnLst>
+                                    <p:set>
+                                      <p:cBhvr>
+                                        <p:cTn id="28" dur="1" fill="hold">
+                                          <p:stCondLst>
+                                            <p:cond delay="0"/>
+                                          </p:stCondLst>
+                                        </p:cTn>
+                                        <p:tgtEl>
+                                          <p:spTgt spid="38"/>
+                                        </p:tgtEl>
+                                        <p:attrNameLst>
+                                          <p:attrName>style.visibility</p:attrName>
+                                        </p:attrNameLst>
+                                      </p:cBhvr>
+                                      <p:to>
+                                        <p:strVal val="visible"/>
+                                      </p:to>
+                                    </p:set>
+                                    <p:animEffect transition="in" filter="fade">
+                                      <p:cBhvr>
+                                        <p:cTn id="29" dur="500"/>
+                                        <p:tgtEl>
+                                          <p:spTgt spid="38"/>
+                                        </p:tgtEl>
+                                      </p:cBhvr>
+                                    </p:animEffect>
+                                  </p:childTnLst>
+                                  <p:subTnLst>
+                                    <p:set>
+                                      <p:cBhvr override="childStyle">
+                                        <p:cTn dur="1" fill="hold" display="0" masterRel="nextClick" afterEffect="1"/>
+                                        <p:tgtEl>
+                                          <p:spTgt spid="38"/>
+                                        </p:tgtEl>
+                                        <p:attrNameLst>
+                                          <p:attrName>style.visibility</p:attrName>
+                                        </p:attrNameLst>
+                                      </p:cBhvr>
+                                      <p:to>
+                                        <p:strVal val="hidden"/>
+                                      </p:to>
+                                    </p:set>
+                                  </p:subTnLst>
+                                </p:cTn>
+                              </p:par>
+                              <p:par>
+                                <p:cTn id="30" presetID="10" presetClass="entr" presetSubtype="0" fill="hold" nodeType="withEffect">
+                                  <p:stCondLst>
+                                    <p:cond delay="0"/>
+                                  </p:stCondLst>
+                                  <p:childTnLst>
+                                    <p:set>
+                                      <p:cBhvr>
+                                        <p:cTn id="31" dur="1" fill="hold">
+                                          <p:stCondLst>
+                                            <p:cond delay="0"/>
+                                          </p:stCondLst>
+                                        </p:cTn>
+                                        <p:tgtEl>
+                                          <p:spTgt spid="39"/>
+                                        </p:tgtEl>
+                                        <p:attrNameLst>
+                                          <p:attrName>style.visibility</p:attrName>
+                                        </p:attrNameLst>
+                                      </p:cBhvr>
+                                      <p:to>
+                                        <p:strVal val="visible"/>
+                                      </p:to>
+                                    </p:set>
+                                    <p:animEffect transition="in" filter="fade">
+                                      <p:cBhvr>
+                                        <p:cTn id="32" dur="500"/>
+                                        <p:tgtEl>
+                                          <p:spTgt spid="39"/>
+                                        </p:tgtEl>
+                                      </p:cBhvr>
+                                    </p:animEffect>
+                                  </p:childTnLst>
+                                  <p:subTnLst>
+                                    <p:set>
+                                      <p:cBhvr override="childStyle">
+                                        <p:cTn dur="1" fill="hold" display="0" masterRel="nextClick" afterEffect="1"/>
+                                        <p:tgtEl>
+                                          <p:spTgt spid="39"/>
+                                        </p:tgtEl>
+                                        <p:attrNameLst>
+                                          <p:attrName>style.visibility</p:attrName>
+                                        </p:attrNameLst>
+                                      </p:cBhvr>
+                                      <p:to>
+                                        <p:strVal val="hidden"/>
+                                      </p:to>
+                                    </p:set>
+                                  </p:subTnLst>
+                                </p:cTn>
+                              </p:par>
+                              <p:par>
+                                <p:cTn id="33" presetID="10" presetClass="entr" presetSubtype="0" fill="hold" grpId="0" nodeType="withEffect">
+                                  <p:stCondLst>
+                                    <p:cond delay="0"/>
+                                  </p:stCondLst>
+                                  <p:childTnLst>
+                                    <p:set>
+                                      <p:cBhvr>
+                                        <p:cTn id="34" dur="1" fill="hold">
+                                          <p:stCondLst>
+                                            <p:cond delay="0"/>
+                                          </p:stCondLst>
+                                        </p:cTn>
+                                        <p:tgtEl>
+                                          <p:spTgt spid="40"/>
+                                        </p:tgtEl>
+                                        <p:attrNameLst>
+                                          <p:attrName>style.visibility</p:attrName>
+                                        </p:attrNameLst>
+                                      </p:cBhvr>
+                                      <p:to>
+                                        <p:strVal val="visible"/>
+                                      </p:to>
+                                    </p:set>
+                                    <p:animEffect transition="in" filter="fade">
+                                      <p:cBhvr>
+                                        <p:cTn id="35" dur="500"/>
+                                        <p:tgtEl>
+                                          <p:spTgt spid="40"/>
+                                        </p:tgtEl>
+                                      </p:cBhvr>
+                                    </p:animEffect>
+                                  </p:childTnLst>
+                                  <p:subTnLst>
+                                    <p:set>
+                                      <p:cBhvr override="childStyle">
+                                        <p:cTn dur="1" fill="hold" display="0" masterRel="nextClick" afterEffect="1"/>
+                                        <p:tgtEl>
+                                          <p:spTgt spid="40"/>
+                                        </p:tgtEl>
+                                        <p:attrNameLst>
+                                          <p:attrName>style.visibility</p:attrName>
+                                        </p:attrNameLst>
+                                      </p:cBhvr>
+                                      <p:to>
+                                        <p:strVal val="hidden"/>
+                                      </p:to>
+                                    </p:set>
+                                  </p:subTnLst>
+                                </p:cTn>
+                              </p:par>
+                            </p:childTnLst>
+                          </p:cTn>
+                        </p:par>
+                      </p:childTnLst>
+                    </p:cTn>
+                  </p:par>
+                </p:childTnLst>
+              </p:cTn>
+              <p:prevCondLst>
+                <p:cond evt="onPrev" delay="0">
+                  <p:tgtEl>
+                    <p:sldTgt/>
+                  </p:tgtEl>
+                </p:cond>
+              </p:prevCondLst>
+              <p:nextCondLst>
+                <p:cond evt="onNext" delay="0">
+                  <p:tgtEl>
+                    <p:sldTgt/>
+                  </p:tgtEl>
+                </p:cond>
+              </p:nextCondLst>
+            </p:seq>
+          </p:childTnLst>
+        </p:cTn>
+      </p:par>
+    </p:tnLst>
+    <p:bldLst>
+      <p:bldP spid="15" grpId="0" animBg="1"/>
+      <p:bldP spid="22" grpId="0" animBg="1"/>
+      <p:bldP spid="25" grpId="0" animBg="1"/>
+      <p:bldP spid="27" grpId="0" animBg="1"/>
+      <p:bldP spid="38" grpId="0" animBg="1"/>
+      <p:bldP spid="40" grpId="0" animBg="1"/>
+    </p:bldLst>
+  </p:timing>
 </p:sld>
 </file>
 
@@ -10287,6 +10877,47 @@
           </a:fontRef>
         </p:style>
       </p:cxnSp>
+      <p:cxnSp>
+        <p:nvCxnSpPr>
+          <p:cNvPr id="39" name="Elbow Connector 38"/>
+          <p:cNvCxnSpPr>
+            <a:stCxn id="106" idx="0"/>
+            <a:endCxn id="101" idx="0"/>
+          </p:cNvCxnSpPr>
+          <p:nvPr/>
+        </p:nvCxnSpPr>
+        <p:spPr>
+          <a:xfrm rot="16200000" flipV="1">
+            <a:off x="6353285" y="4224983"/>
+            <a:ext cx="394448" cy="2893375"/>
+          </a:xfrm>
+          <a:prstGeom prst="bentConnector3">
+            <a:avLst>
+              <a:gd name="adj1" fmla="val 153090"/>
+            </a:avLst>
+          </a:prstGeom>
+          <a:ln w="19050">
+            <a:solidFill>
+              <a:schemeClr val="accent1"/>
+            </a:solidFill>
+            <a:prstDash val="dash"/>
+          </a:ln>
+        </p:spPr>
+        <p:style>
+          <a:lnRef idx="1">
+            <a:schemeClr val="accent1"/>
+          </a:lnRef>
+          <a:fillRef idx="0">
+            <a:schemeClr val="accent1"/>
+          </a:fillRef>
+          <a:effectRef idx="0">
+            <a:schemeClr val="accent1"/>
+          </a:effectRef>
+          <a:fontRef idx="minor">
+            <a:schemeClr val="tx1"/>
+          </a:fontRef>
+        </p:style>
+      </p:cxnSp>
     </p:spTree>
     <p:extLst>
       <p:ext uri="{BB962C8B-B14F-4D97-AF65-F5344CB8AC3E}">
@@ -10309,6 +10940,1848 @@
       </p:transition>
     </mc:Fallback>
   </mc:AlternateContent>
+  <p:timing>
+    <p:tnLst>
+      <p:par>
+        <p:cTn id="1" dur="indefinite" restart="never" nodeType="tmRoot">
+          <p:childTnLst>
+            <p:seq concurrent="1" nextAc="seek">
+              <p:cTn id="2" dur="indefinite" nodeType="mainSeq">
+                <p:childTnLst>
+                  <p:par>
+                    <p:cTn id="3" fill="hold">
+                      <p:stCondLst>
+                        <p:cond delay="indefinite"/>
+                      </p:stCondLst>
+                      <p:childTnLst>
+                        <p:par>
+                          <p:cTn id="4" fill="hold">
+                            <p:stCondLst>
+                              <p:cond delay="0"/>
+                            </p:stCondLst>
+                            <p:childTnLst>
+                              <p:par>
+                                <p:cTn id="5" presetID="10" presetClass="entr" presetSubtype="0" fill="hold" nodeType="clickEffect">
+                                  <p:stCondLst>
+                                    <p:cond delay="0"/>
+                                  </p:stCondLst>
+                                  <p:childTnLst>
+                                    <p:set>
+                                      <p:cBhvr>
+                                        <p:cTn id="6" dur="1" fill="hold">
+                                          <p:stCondLst>
+                                            <p:cond delay="0"/>
+                                          </p:stCondLst>
+                                        </p:cTn>
+                                        <p:tgtEl>
+                                          <p:spTgt spid="2048"/>
+                                        </p:tgtEl>
+                                        <p:attrNameLst>
+                                          <p:attrName>style.visibility</p:attrName>
+                                        </p:attrNameLst>
+                                      </p:cBhvr>
+                                      <p:to>
+                                        <p:strVal val="visible"/>
+                                      </p:to>
+                                    </p:set>
+                                    <p:animEffect transition="in" filter="fade">
+                                      <p:cBhvr>
+                                        <p:cTn id="7" dur="500"/>
+                                        <p:tgtEl>
+                                          <p:spTgt spid="2048"/>
+                                        </p:tgtEl>
+                                      </p:cBhvr>
+                                    </p:animEffect>
+                                  </p:childTnLst>
+                                  <p:subTnLst>
+                                    <p:set>
+                                      <p:cBhvr override="childStyle">
+                                        <p:cTn dur="1" fill="hold" display="0" masterRel="nextClick" afterEffect="1"/>
+                                        <p:tgtEl>
+                                          <p:spTgt spid="2048"/>
+                                        </p:tgtEl>
+                                        <p:attrNameLst>
+                                          <p:attrName>style.visibility</p:attrName>
+                                        </p:attrNameLst>
+                                      </p:cBhvr>
+                                      <p:to>
+                                        <p:strVal val="hidden"/>
+                                      </p:to>
+                                    </p:set>
+                                  </p:subTnLst>
+                                </p:cTn>
+                              </p:par>
+                              <p:par>
+                                <p:cTn id="8" presetID="10" presetClass="entr" presetSubtype="0" fill="hold" grpId="0" nodeType="withEffect">
+                                  <p:stCondLst>
+                                    <p:cond delay="0"/>
+                                  </p:stCondLst>
+                                  <p:childTnLst>
+                                    <p:set>
+                                      <p:cBhvr>
+                                        <p:cTn id="9" dur="1" fill="hold">
+                                          <p:stCondLst>
+                                            <p:cond delay="0"/>
+                                          </p:stCondLst>
+                                        </p:cTn>
+                                        <p:tgtEl>
+                                          <p:spTgt spid="33"/>
+                                        </p:tgtEl>
+                                        <p:attrNameLst>
+                                          <p:attrName>style.visibility</p:attrName>
+                                        </p:attrNameLst>
+                                      </p:cBhvr>
+                                      <p:to>
+                                        <p:strVal val="visible"/>
+                                      </p:to>
+                                    </p:set>
+                                    <p:animEffect transition="in" filter="fade">
+                                      <p:cBhvr>
+                                        <p:cTn id="10" dur="500"/>
+                                        <p:tgtEl>
+                                          <p:spTgt spid="33"/>
+                                        </p:tgtEl>
+                                      </p:cBhvr>
+                                    </p:animEffect>
+                                  </p:childTnLst>
+                                  <p:subTnLst>
+                                    <p:set>
+                                      <p:cBhvr override="childStyle">
+                                        <p:cTn dur="1" fill="hold" display="0" masterRel="nextClick" afterEffect="1"/>
+                                        <p:tgtEl>
+                                          <p:spTgt spid="33"/>
+                                        </p:tgtEl>
+                                        <p:attrNameLst>
+                                          <p:attrName>style.visibility</p:attrName>
+                                        </p:attrNameLst>
+                                      </p:cBhvr>
+                                      <p:to>
+                                        <p:strVal val="hidden"/>
+                                      </p:to>
+                                    </p:set>
+                                  </p:subTnLst>
+                                </p:cTn>
+                              </p:par>
+                              <p:par>
+                                <p:cTn id="11" presetID="10" presetClass="entr" presetSubtype="0" fill="hold" grpId="0" nodeType="withEffect">
+                                  <p:stCondLst>
+                                    <p:cond delay="0"/>
+                                  </p:stCondLst>
+                                  <p:childTnLst>
+                                    <p:set>
+                                      <p:cBhvr>
+                                        <p:cTn id="12" dur="1" fill="hold">
+                                          <p:stCondLst>
+                                            <p:cond delay="0"/>
+                                          </p:stCondLst>
+                                        </p:cTn>
+                                        <p:tgtEl>
+                                          <p:spTgt spid="11"/>
+                                        </p:tgtEl>
+                                        <p:attrNameLst>
+                                          <p:attrName>style.visibility</p:attrName>
+                                        </p:attrNameLst>
+                                      </p:cBhvr>
+                                      <p:to>
+                                        <p:strVal val="visible"/>
+                                      </p:to>
+                                    </p:set>
+                                    <p:animEffect transition="in" filter="fade">
+                                      <p:cBhvr>
+                                        <p:cTn id="13" dur="500"/>
+                                        <p:tgtEl>
+                                          <p:spTgt spid="11"/>
+                                        </p:tgtEl>
+                                      </p:cBhvr>
+                                    </p:animEffect>
+                                  </p:childTnLst>
+                                  <p:subTnLst>
+                                    <p:set>
+                                      <p:cBhvr override="childStyle">
+                                        <p:cTn dur="1" fill="hold" display="0" masterRel="nextClick" afterEffect="1"/>
+                                        <p:tgtEl>
+                                          <p:spTgt spid="11"/>
+                                        </p:tgtEl>
+                                        <p:attrNameLst>
+                                          <p:attrName>style.visibility</p:attrName>
+                                        </p:attrNameLst>
+                                      </p:cBhvr>
+                                      <p:to>
+                                        <p:strVal val="hidden"/>
+                                      </p:to>
+                                    </p:set>
+                                  </p:subTnLst>
+                                </p:cTn>
+                              </p:par>
+                            </p:childTnLst>
+                          </p:cTn>
+                        </p:par>
+                      </p:childTnLst>
+                    </p:cTn>
+                  </p:par>
+                  <p:par>
+                    <p:cTn id="14" fill="hold">
+                      <p:stCondLst>
+                        <p:cond delay="indefinite"/>
+                      </p:stCondLst>
+                      <p:childTnLst>
+                        <p:par>
+                          <p:cTn id="15" fill="hold">
+                            <p:stCondLst>
+                              <p:cond delay="0"/>
+                            </p:stCondLst>
+                            <p:childTnLst>
+                              <p:par>
+                                <p:cTn id="16" presetID="10" presetClass="entr" presetSubtype="0" fill="hold" grpId="0" nodeType="clickEffect">
+                                  <p:stCondLst>
+                                    <p:cond delay="0"/>
+                                  </p:stCondLst>
+                                  <p:childTnLst>
+                                    <p:set>
+                                      <p:cBhvr>
+                                        <p:cTn id="17" dur="1" fill="hold">
+                                          <p:stCondLst>
+                                            <p:cond delay="0"/>
+                                          </p:stCondLst>
+                                        </p:cTn>
+                                        <p:tgtEl>
+                                          <p:spTgt spid="40"/>
+                                        </p:tgtEl>
+                                        <p:attrNameLst>
+                                          <p:attrName>style.visibility</p:attrName>
+                                        </p:attrNameLst>
+                                      </p:cBhvr>
+                                      <p:to>
+                                        <p:strVal val="visible"/>
+                                      </p:to>
+                                    </p:set>
+                                    <p:animEffect transition="in" filter="fade">
+                                      <p:cBhvr>
+                                        <p:cTn id="18" dur="500"/>
+                                        <p:tgtEl>
+                                          <p:spTgt spid="40"/>
+                                        </p:tgtEl>
+                                      </p:cBhvr>
+                                    </p:animEffect>
+                                  </p:childTnLst>
+                                  <p:subTnLst>
+                                    <p:set>
+                                      <p:cBhvr override="childStyle">
+                                        <p:cTn dur="1" fill="hold" display="0" masterRel="nextClick" afterEffect="1"/>
+                                        <p:tgtEl>
+                                          <p:spTgt spid="40"/>
+                                        </p:tgtEl>
+                                        <p:attrNameLst>
+                                          <p:attrName>style.visibility</p:attrName>
+                                        </p:attrNameLst>
+                                      </p:cBhvr>
+                                      <p:to>
+                                        <p:strVal val="hidden"/>
+                                      </p:to>
+                                    </p:set>
+                                  </p:subTnLst>
+                                </p:cTn>
+                              </p:par>
+                              <p:par>
+                                <p:cTn id="19" presetID="10" presetClass="entr" presetSubtype="0" fill="hold" nodeType="withEffect">
+                                  <p:stCondLst>
+                                    <p:cond delay="0"/>
+                                  </p:stCondLst>
+                                  <p:childTnLst>
+                                    <p:set>
+                                      <p:cBhvr>
+                                        <p:cTn id="20" dur="1" fill="hold">
+                                          <p:stCondLst>
+                                            <p:cond delay="0"/>
+                                          </p:stCondLst>
+                                        </p:cTn>
+                                        <p:tgtEl>
+                                          <p:spTgt spid="2055"/>
+                                        </p:tgtEl>
+                                        <p:attrNameLst>
+                                          <p:attrName>style.visibility</p:attrName>
+                                        </p:attrNameLst>
+                                      </p:cBhvr>
+                                      <p:to>
+                                        <p:strVal val="visible"/>
+                                      </p:to>
+                                    </p:set>
+                                    <p:animEffect transition="in" filter="fade">
+                                      <p:cBhvr>
+                                        <p:cTn id="21" dur="500"/>
+                                        <p:tgtEl>
+                                          <p:spTgt spid="2055"/>
+                                        </p:tgtEl>
+                                      </p:cBhvr>
+                                    </p:animEffect>
+                                  </p:childTnLst>
+                                  <p:subTnLst>
+                                    <p:set>
+                                      <p:cBhvr override="childStyle">
+                                        <p:cTn dur="1" fill="hold" display="0" masterRel="nextClick" afterEffect="1"/>
+                                        <p:tgtEl>
+                                          <p:spTgt spid="2055"/>
+                                        </p:tgtEl>
+                                        <p:attrNameLst>
+                                          <p:attrName>style.visibility</p:attrName>
+                                        </p:attrNameLst>
+                                      </p:cBhvr>
+                                      <p:to>
+                                        <p:strVal val="hidden"/>
+                                      </p:to>
+                                    </p:set>
+                                  </p:subTnLst>
+                                </p:cTn>
+                              </p:par>
+                              <p:par>
+                                <p:cTn id="22" presetID="10" presetClass="entr" presetSubtype="0" fill="hold" grpId="0" nodeType="withEffect">
+                                  <p:stCondLst>
+                                    <p:cond delay="0"/>
+                                  </p:stCondLst>
+                                  <p:childTnLst>
+                                    <p:set>
+                                      <p:cBhvr>
+                                        <p:cTn id="23" dur="1" fill="hold">
+                                          <p:stCondLst>
+                                            <p:cond delay="0"/>
+                                          </p:stCondLst>
+                                        </p:cTn>
+                                        <p:tgtEl>
+                                          <p:spTgt spid="41"/>
+                                        </p:tgtEl>
+                                        <p:attrNameLst>
+                                          <p:attrName>style.visibility</p:attrName>
+                                        </p:attrNameLst>
+                                      </p:cBhvr>
+                                      <p:to>
+                                        <p:strVal val="visible"/>
+                                      </p:to>
+                                    </p:set>
+                                    <p:animEffect transition="in" filter="fade">
+                                      <p:cBhvr>
+                                        <p:cTn id="24" dur="500"/>
+                                        <p:tgtEl>
+                                          <p:spTgt spid="41"/>
+                                        </p:tgtEl>
+                                      </p:cBhvr>
+                                    </p:animEffect>
+                                  </p:childTnLst>
+                                  <p:subTnLst>
+                                    <p:set>
+                                      <p:cBhvr override="childStyle">
+                                        <p:cTn dur="1" fill="hold" display="0" masterRel="nextClick" afterEffect="1"/>
+                                        <p:tgtEl>
+                                          <p:spTgt spid="41"/>
+                                        </p:tgtEl>
+                                        <p:attrNameLst>
+                                          <p:attrName>style.visibility</p:attrName>
+                                        </p:attrNameLst>
+                                      </p:cBhvr>
+                                      <p:to>
+                                        <p:strVal val="hidden"/>
+                                      </p:to>
+                                    </p:set>
+                                  </p:subTnLst>
+                                </p:cTn>
+                              </p:par>
+                            </p:childTnLst>
+                          </p:cTn>
+                        </p:par>
+                      </p:childTnLst>
+                    </p:cTn>
+                  </p:par>
+                  <p:par>
+                    <p:cTn id="25" fill="hold">
+                      <p:stCondLst>
+                        <p:cond delay="indefinite"/>
+                      </p:stCondLst>
+                      <p:childTnLst>
+                        <p:par>
+                          <p:cTn id="26" fill="hold">
+                            <p:stCondLst>
+                              <p:cond delay="0"/>
+                            </p:stCondLst>
+                            <p:childTnLst>
+                              <p:par>
+                                <p:cTn id="27" presetID="10" presetClass="entr" presetSubtype="0" fill="hold" grpId="0" nodeType="clickEffect">
+                                  <p:stCondLst>
+                                    <p:cond delay="0"/>
+                                  </p:stCondLst>
+                                  <p:childTnLst>
+                                    <p:set>
+                                      <p:cBhvr>
+                                        <p:cTn id="28" dur="1" fill="hold">
+                                          <p:stCondLst>
+                                            <p:cond delay="0"/>
+                                          </p:stCondLst>
+                                        </p:cTn>
+                                        <p:tgtEl>
+                                          <p:spTgt spid="46"/>
+                                        </p:tgtEl>
+                                        <p:attrNameLst>
+                                          <p:attrName>style.visibility</p:attrName>
+                                        </p:attrNameLst>
+                                      </p:cBhvr>
+                                      <p:to>
+                                        <p:strVal val="visible"/>
+                                      </p:to>
+                                    </p:set>
+                                    <p:animEffect transition="in" filter="fade">
+                                      <p:cBhvr>
+                                        <p:cTn id="29" dur="500"/>
+                                        <p:tgtEl>
+                                          <p:spTgt spid="46"/>
+                                        </p:tgtEl>
+                                      </p:cBhvr>
+                                    </p:animEffect>
+                                  </p:childTnLst>
+                                  <p:subTnLst>
+                                    <p:set>
+                                      <p:cBhvr override="childStyle">
+                                        <p:cTn dur="1" fill="hold" display="0" masterRel="nextClick" afterEffect="1"/>
+                                        <p:tgtEl>
+                                          <p:spTgt spid="46"/>
+                                        </p:tgtEl>
+                                        <p:attrNameLst>
+                                          <p:attrName>style.visibility</p:attrName>
+                                        </p:attrNameLst>
+                                      </p:cBhvr>
+                                      <p:to>
+                                        <p:strVal val="hidden"/>
+                                      </p:to>
+                                    </p:set>
+                                  </p:subTnLst>
+                                </p:cTn>
+                              </p:par>
+                              <p:par>
+                                <p:cTn id="30" presetID="10" presetClass="entr" presetSubtype="0" fill="hold" nodeType="withEffect">
+                                  <p:stCondLst>
+                                    <p:cond delay="0"/>
+                                  </p:stCondLst>
+                                  <p:childTnLst>
+                                    <p:set>
+                                      <p:cBhvr>
+                                        <p:cTn id="31" dur="1" fill="hold">
+                                          <p:stCondLst>
+                                            <p:cond delay="0"/>
+                                          </p:stCondLst>
+                                        </p:cTn>
+                                        <p:tgtEl>
+                                          <p:spTgt spid="47"/>
+                                        </p:tgtEl>
+                                        <p:attrNameLst>
+                                          <p:attrName>style.visibility</p:attrName>
+                                        </p:attrNameLst>
+                                      </p:cBhvr>
+                                      <p:to>
+                                        <p:strVal val="visible"/>
+                                      </p:to>
+                                    </p:set>
+                                    <p:animEffect transition="in" filter="fade">
+                                      <p:cBhvr>
+                                        <p:cTn id="32" dur="500"/>
+                                        <p:tgtEl>
+                                          <p:spTgt spid="47"/>
+                                        </p:tgtEl>
+                                      </p:cBhvr>
+                                    </p:animEffect>
+                                  </p:childTnLst>
+                                  <p:subTnLst>
+                                    <p:set>
+                                      <p:cBhvr override="childStyle">
+                                        <p:cTn dur="1" fill="hold" display="0" masterRel="nextClick" afterEffect="1"/>
+                                        <p:tgtEl>
+                                          <p:spTgt spid="47"/>
+                                        </p:tgtEl>
+                                        <p:attrNameLst>
+                                          <p:attrName>style.visibility</p:attrName>
+                                        </p:attrNameLst>
+                                      </p:cBhvr>
+                                      <p:to>
+                                        <p:strVal val="hidden"/>
+                                      </p:to>
+                                    </p:set>
+                                  </p:subTnLst>
+                                </p:cTn>
+                              </p:par>
+                              <p:par>
+                                <p:cTn id="33" presetID="10" presetClass="entr" presetSubtype="0" fill="hold" grpId="0" nodeType="withEffect">
+                                  <p:stCondLst>
+                                    <p:cond delay="0"/>
+                                  </p:stCondLst>
+                                  <p:childTnLst>
+                                    <p:set>
+                                      <p:cBhvr>
+                                        <p:cTn id="34" dur="1" fill="hold">
+                                          <p:stCondLst>
+                                            <p:cond delay="0"/>
+                                          </p:stCondLst>
+                                        </p:cTn>
+                                        <p:tgtEl>
+                                          <p:spTgt spid="12"/>
+                                        </p:tgtEl>
+                                        <p:attrNameLst>
+                                          <p:attrName>style.visibility</p:attrName>
+                                        </p:attrNameLst>
+                                      </p:cBhvr>
+                                      <p:to>
+                                        <p:strVal val="visible"/>
+                                      </p:to>
+                                    </p:set>
+                                    <p:animEffect transition="in" filter="fade">
+                                      <p:cBhvr>
+                                        <p:cTn id="35" dur="500"/>
+                                        <p:tgtEl>
+                                          <p:spTgt spid="12"/>
+                                        </p:tgtEl>
+                                      </p:cBhvr>
+                                    </p:animEffect>
+                                  </p:childTnLst>
+                                  <p:subTnLst>
+                                    <p:set>
+                                      <p:cBhvr override="childStyle">
+                                        <p:cTn dur="1" fill="hold" display="0" masterRel="nextClick" afterEffect="1"/>
+                                        <p:tgtEl>
+                                          <p:spTgt spid="12"/>
+                                        </p:tgtEl>
+                                        <p:attrNameLst>
+                                          <p:attrName>style.visibility</p:attrName>
+                                        </p:attrNameLst>
+                                      </p:cBhvr>
+                                      <p:to>
+                                        <p:strVal val="hidden"/>
+                                      </p:to>
+                                    </p:set>
+                                  </p:subTnLst>
+                                </p:cTn>
+                              </p:par>
+                              <p:par>
+                                <p:cTn id="36" presetID="10" presetClass="entr" presetSubtype="0" fill="hold" nodeType="withEffect">
+                                  <p:stCondLst>
+                                    <p:cond delay="0"/>
+                                  </p:stCondLst>
+                                  <p:childTnLst>
+                                    <p:set>
+                                      <p:cBhvr>
+                                        <p:cTn id="37" dur="1" fill="hold">
+                                          <p:stCondLst>
+                                            <p:cond delay="0"/>
+                                          </p:stCondLst>
+                                        </p:cTn>
+                                        <p:tgtEl>
+                                          <p:spTgt spid="7"/>
+                                        </p:tgtEl>
+                                        <p:attrNameLst>
+                                          <p:attrName>style.visibility</p:attrName>
+                                        </p:attrNameLst>
+                                      </p:cBhvr>
+                                      <p:to>
+                                        <p:strVal val="visible"/>
+                                      </p:to>
+                                    </p:set>
+                                    <p:animEffect transition="in" filter="fade">
+                                      <p:cBhvr>
+                                        <p:cTn id="38" dur="500"/>
+                                        <p:tgtEl>
+                                          <p:spTgt spid="7"/>
+                                        </p:tgtEl>
+                                      </p:cBhvr>
+                                    </p:animEffect>
+                                  </p:childTnLst>
+                                  <p:subTnLst>
+                                    <p:set>
+                                      <p:cBhvr override="childStyle">
+                                        <p:cTn dur="1" fill="hold" display="0" masterRel="nextClick" afterEffect="1"/>
+                                        <p:tgtEl>
+                                          <p:spTgt spid="7"/>
+                                        </p:tgtEl>
+                                        <p:attrNameLst>
+                                          <p:attrName>style.visibility</p:attrName>
+                                        </p:attrNameLst>
+                                      </p:cBhvr>
+                                      <p:to>
+                                        <p:strVal val="hidden"/>
+                                      </p:to>
+                                    </p:set>
+                                  </p:subTnLst>
+                                </p:cTn>
+                              </p:par>
+                              <p:par>
+                                <p:cTn id="39" presetID="10" presetClass="entr" presetSubtype="0" fill="hold" grpId="0" nodeType="withEffect">
+                                  <p:stCondLst>
+                                    <p:cond delay="0"/>
+                                  </p:stCondLst>
+                                  <p:childTnLst>
+                                    <p:set>
+                                      <p:cBhvr>
+                                        <p:cTn id="40" dur="1" fill="hold">
+                                          <p:stCondLst>
+                                            <p:cond delay="0"/>
+                                          </p:stCondLst>
+                                        </p:cTn>
+                                        <p:tgtEl>
+                                          <p:spTgt spid="5"/>
+                                        </p:tgtEl>
+                                        <p:attrNameLst>
+                                          <p:attrName>style.visibility</p:attrName>
+                                        </p:attrNameLst>
+                                      </p:cBhvr>
+                                      <p:to>
+                                        <p:strVal val="visible"/>
+                                      </p:to>
+                                    </p:set>
+                                    <p:animEffect transition="in" filter="fade">
+                                      <p:cBhvr>
+                                        <p:cTn id="41" dur="500"/>
+                                        <p:tgtEl>
+                                          <p:spTgt spid="5"/>
+                                        </p:tgtEl>
+                                      </p:cBhvr>
+                                    </p:animEffect>
+                                  </p:childTnLst>
+                                  <p:subTnLst>
+                                    <p:set>
+                                      <p:cBhvr override="childStyle">
+                                        <p:cTn dur="1" fill="hold" display="0" masterRel="nextClick" afterEffect="1"/>
+                                        <p:tgtEl>
+                                          <p:spTgt spid="5"/>
+                                        </p:tgtEl>
+                                        <p:attrNameLst>
+                                          <p:attrName>style.visibility</p:attrName>
+                                        </p:attrNameLst>
+                                      </p:cBhvr>
+                                      <p:to>
+                                        <p:strVal val="hidden"/>
+                                      </p:to>
+                                    </p:set>
+                                  </p:subTnLst>
+                                </p:cTn>
+                              </p:par>
+                              <p:par>
+                                <p:cTn id="42" presetID="10" presetClass="entr" presetSubtype="0" fill="hold" grpId="0" nodeType="withEffect">
+                                  <p:stCondLst>
+                                    <p:cond delay="0"/>
+                                  </p:stCondLst>
+                                  <p:childTnLst>
+                                    <p:set>
+                                      <p:cBhvr>
+                                        <p:cTn id="43" dur="1" fill="hold">
+                                          <p:stCondLst>
+                                            <p:cond delay="0"/>
+                                          </p:stCondLst>
+                                        </p:cTn>
+                                        <p:tgtEl>
+                                          <p:spTgt spid="50"/>
+                                        </p:tgtEl>
+                                        <p:attrNameLst>
+                                          <p:attrName>style.visibility</p:attrName>
+                                        </p:attrNameLst>
+                                      </p:cBhvr>
+                                      <p:to>
+                                        <p:strVal val="visible"/>
+                                      </p:to>
+                                    </p:set>
+                                    <p:animEffect transition="in" filter="fade">
+                                      <p:cBhvr>
+                                        <p:cTn id="44" dur="500"/>
+                                        <p:tgtEl>
+                                          <p:spTgt spid="50"/>
+                                        </p:tgtEl>
+                                      </p:cBhvr>
+                                    </p:animEffect>
+                                  </p:childTnLst>
+                                  <p:subTnLst>
+                                    <p:set>
+                                      <p:cBhvr override="childStyle">
+                                        <p:cTn dur="1" fill="hold" display="0" masterRel="nextClick" afterEffect="1"/>
+                                        <p:tgtEl>
+                                          <p:spTgt spid="50"/>
+                                        </p:tgtEl>
+                                        <p:attrNameLst>
+                                          <p:attrName>style.visibility</p:attrName>
+                                        </p:attrNameLst>
+                                      </p:cBhvr>
+                                      <p:to>
+                                        <p:strVal val="hidden"/>
+                                      </p:to>
+                                    </p:set>
+                                  </p:subTnLst>
+                                </p:cTn>
+                              </p:par>
+                              <p:par>
+                                <p:cTn id="45" presetID="10" presetClass="entr" presetSubtype="0" fill="hold" nodeType="withEffect">
+                                  <p:stCondLst>
+                                    <p:cond delay="0"/>
+                                  </p:stCondLst>
+                                  <p:childTnLst>
+                                    <p:set>
+                                      <p:cBhvr>
+                                        <p:cTn id="46" dur="1" fill="hold">
+                                          <p:stCondLst>
+                                            <p:cond delay="0"/>
+                                          </p:stCondLst>
+                                        </p:cTn>
+                                        <p:tgtEl>
+                                          <p:spTgt spid="45"/>
+                                        </p:tgtEl>
+                                        <p:attrNameLst>
+                                          <p:attrName>style.visibility</p:attrName>
+                                        </p:attrNameLst>
+                                      </p:cBhvr>
+                                      <p:to>
+                                        <p:strVal val="visible"/>
+                                      </p:to>
+                                    </p:set>
+                                    <p:animEffect transition="in" filter="fade">
+                                      <p:cBhvr>
+                                        <p:cTn id="47" dur="500"/>
+                                        <p:tgtEl>
+                                          <p:spTgt spid="45"/>
+                                        </p:tgtEl>
+                                      </p:cBhvr>
+                                    </p:animEffect>
+                                  </p:childTnLst>
+                                  <p:subTnLst>
+                                    <p:set>
+                                      <p:cBhvr override="childStyle">
+                                        <p:cTn dur="1" fill="hold" display="0" masterRel="nextClick" afterEffect="1"/>
+                                        <p:tgtEl>
+                                          <p:spTgt spid="45"/>
+                                        </p:tgtEl>
+                                        <p:attrNameLst>
+                                          <p:attrName>style.visibility</p:attrName>
+                                        </p:attrNameLst>
+                                      </p:cBhvr>
+                                      <p:to>
+                                        <p:strVal val="hidden"/>
+                                      </p:to>
+                                    </p:set>
+                                  </p:subTnLst>
+                                </p:cTn>
+                              </p:par>
+                              <p:par>
+                                <p:cTn id="48" presetID="10" presetClass="entr" presetSubtype="0" fill="hold" grpId="0" nodeType="withEffect">
+                                  <p:stCondLst>
+                                    <p:cond delay="0"/>
+                                  </p:stCondLst>
+                                  <p:childTnLst>
+                                    <p:set>
+                                      <p:cBhvr>
+                                        <p:cTn id="49" dur="1" fill="hold">
+                                          <p:stCondLst>
+                                            <p:cond delay="0"/>
+                                          </p:stCondLst>
+                                        </p:cTn>
+                                        <p:tgtEl>
+                                          <p:spTgt spid="90"/>
+                                        </p:tgtEl>
+                                        <p:attrNameLst>
+                                          <p:attrName>style.visibility</p:attrName>
+                                        </p:attrNameLst>
+                                      </p:cBhvr>
+                                      <p:to>
+                                        <p:strVal val="visible"/>
+                                      </p:to>
+                                    </p:set>
+                                    <p:animEffect transition="in" filter="fade">
+                                      <p:cBhvr>
+                                        <p:cTn id="50" dur="500"/>
+                                        <p:tgtEl>
+                                          <p:spTgt spid="90"/>
+                                        </p:tgtEl>
+                                      </p:cBhvr>
+                                    </p:animEffect>
+                                  </p:childTnLst>
+                                  <p:subTnLst>
+                                    <p:set>
+                                      <p:cBhvr override="childStyle">
+                                        <p:cTn dur="1" fill="hold" display="0" masterRel="nextClick" afterEffect="1"/>
+                                        <p:tgtEl>
+                                          <p:spTgt spid="90"/>
+                                        </p:tgtEl>
+                                        <p:attrNameLst>
+                                          <p:attrName>style.visibility</p:attrName>
+                                        </p:attrNameLst>
+                                      </p:cBhvr>
+                                      <p:to>
+                                        <p:strVal val="hidden"/>
+                                      </p:to>
+                                    </p:set>
+                                  </p:subTnLst>
+                                </p:cTn>
+                              </p:par>
+                              <p:par>
+                                <p:cTn id="51" presetID="10" presetClass="entr" presetSubtype="0" fill="hold" nodeType="withEffect">
+                                  <p:stCondLst>
+                                    <p:cond delay="0"/>
+                                  </p:stCondLst>
+                                  <p:childTnLst>
+                                    <p:set>
+                                      <p:cBhvr>
+                                        <p:cTn id="52" dur="1" fill="hold">
+                                          <p:stCondLst>
+                                            <p:cond delay="0"/>
+                                          </p:stCondLst>
+                                        </p:cTn>
+                                        <p:tgtEl>
+                                          <p:spTgt spid="8"/>
+                                        </p:tgtEl>
+                                        <p:attrNameLst>
+                                          <p:attrName>style.visibility</p:attrName>
+                                        </p:attrNameLst>
+                                      </p:cBhvr>
+                                      <p:to>
+                                        <p:strVal val="visible"/>
+                                      </p:to>
+                                    </p:set>
+                                    <p:animEffect transition="in" filter="fade">
+                                      <p:cBhvr>
+                                        <p:cTn id="53" dur="500"/>
+                                        <p:tgtEl>
+                                          <p:spTgt spid="8"/>
+                                        </p:tgtEl>
+                                      </p:cBhvr>
+                                    </p:animEffect>
+                                  </p:childTnLst>
+                                  <p:subTnLst>
+                                    <p:set>
+                                      <p:cBhvr override="childStyle">
+                                        <p:cTn dur="1" fill="hold" display="0" masterRel="nextClick" afterEffect="1"/>
+                                        <p:tgtEl>
+                                          <p:spTgt spid="8"/>
+                                        </p:tgtEl>
+                                        <p:attrNameLst>
+                                          <p:attrName>style.visibility</p:attrName>
+                                        </p:attrNameLst>
+                                      </p:cBhvr>
+                                      <p:to>
+                                        <p:strVal val="hidden"/>
+                                      </p:to>
+                                    </p:set>
+                                  </p:subTnLst>
+                                </p:cTn>
+                              </p:par>
+                            </p:childTnLst>
+                          </p:cTn>
+                        </p:par>
+                      </p:childTnLst>
+                    </p:cTn>
+                  </p:par>
+                  <p:par>
+                    <p:cTn id="54" fill="hold">
+                      <p:stCondLst>
+                        <p:cond delay="indefinite"/>
+                      </p:stCondLst>
+                      <p:childTnLst>
+                        <p:par>
+                          <p:cTn id="55" fill="hold">
+                            <p:stCondLst>
+                              <p:cond delay="0"/>
+                            </p:stCondLst>
+                            <p:childTnLst>
+                              <p:par>
+                                <p:cTn id="56" presetID="10" presetClass="entr" presetSubtype="0" fill="hold" grpId="0" nodeType="clickEffect">
+                                  <p:stCondLst>
+                                    <p:cond delay="0"/>
+                                  </p:stCondLst>
+                                  <p:childTnLst>
+                                    <p:set>
+                                      <p:cBhvr>
+                                        <p:cTn id="57" dur="1" fill="hold">
+                                          <p:stCondLst>
+                                            <p:cond delay="0"/>
+                                          </p:stCondLst>
+                                        </p:cTn>
+                                        <p:tgtEl>
+                                          <p:spTgt spid="101"/>
+                                        </p:tgtEl>
+                                        <p:attrNameLst>
+                                          <p:attrName>style.visibility</p:attrName>
+                                        </p:attrNameLst>
+                                      </p:cBhvr>
+                                      <p:to>
+                                        <p:strVal val="visible"/>
+                                      </p:to>
+                                    </p:set>
+                                    <p:animEffect transition="in" filter="fade">
+                                      <p:cBhvr>
+                                        <p:cTn id="58" dur="500"/>
+                                        <p:tgtEl>
+                                          <p:spTgt spid="101"/>
+                                        </p:tgtEl>
+                                      </p:cBhvr>
+                                    </p:animEffect>
+                                  </p:childTnLst>
+                                  <p:subTnLst>
+                                    <p:set>
+                                      <p:cBhvr override="childStyle">
+                                        <p:cTn dur="1" fill="hold" display="0" masterRel="nextClick" afterEffect="1"/>
+                                        <p:tgtEl>
+                                          <p:spTgt spid="101"/>
+                                        </p:tgtEl>
+                                        <p:attrNameLst>
+                                          <p:attrName>style.visibility</p:attrName>
+                                        </p:attrNameLst>
+                                      </p:cBhvr>
+                                      <p:to>
+                                        <p:strVal val="hidden"/>
+                                      </p:to>
+                                    </p:set>
+                                  </p:subTnLst>
+                                </p:cTn>
+                              </p:par>
+                              <p:par>
+                                <p:cTn id="59" presetID="10" presetClass="entr" presetSubtype="0" fill="hold" grpId="0" nodeType="withEffect">
+                                  <p:stCondLst>
+                                    <p:cond delay="0"/>
+                                  </p:stCondLst>
+                                  <p:childTnLst>
+                                    <p:set>
+                                      <p:cBhvr>
+                                        <p:cTn id="60" dur="1" fill="hold">
+                                          <p:stCondLst>
+                                            <p:cond delay="0"/>
+                                          </p:stCondLst>
+                                        </p:cTn>
+                                        <p:tgtEl>
+                                          <p:spTgt spid="106"/>
+                                        </p:tgtEl>
+                                        <p:attrNameLst>
+                                          <p:attrName>style.visibility</p:attrName>
+                                        </p:attrNameLst>
+                                      </p:cBhvr>
+                                      <p:to>
+                                        <p:strVal val="visible"/>
+                                      </p:to>
+                                    </p:set>
+                                    <p:animEffect transition="in" filter="fade">
+                                      <p:cBhvr>
+                                        <p:cTn id="61" dur="500"/>
+                                        <p:tgtEl>
+                                          <p:spTgt spid="106"/>
+                                        </p:tgtEl>
+                                      </p:cBhvr>
+                                    </p:animEffect>
+                                  </p:childTnLst>
+                                  <p:subTnLst>
+                                    <p:set>
+                                      <p:cBhvr override="childStyle">
+                                        <p:cTn dur="1" fill="hold" display="0" masterRel="nextClick" afterEffect="1"/>
+                                        <p:tgtEl>
+                                          <p:spTgt spid="106"/>
+                                        </p:tgtEl>
+                                        <p:attrNameLst>
+                                          <p:attrName>style.visibility</p:attrName>
+                                        </p:attrNameLst>
+                                      </p:cBhvr>
+                                      <p:to>
+                                        <p:strVal val="hidden"/>
+                                      </p:to>
+                                    </p:set>
+                                  </p:subTnLst>
+                                </p:cTn>
+                              </p:par>
+                              <p:par>
+                                <p:cTn id="62" presetID="10" presetClass="entr" presetSubtype="0" fill="hold" nodeType="withEffect">
+                                  <p:stCondLst>
+                                    <p:cond delay="0"/>
+                                  </p:stCondLst>
+                                  <p:childTnLst>
+                                    <p:set>
+                                      <p:cBhvr>
+                                        <p:cTn id="63" dur="1" fill="hold">
+                                          <p:stCondLst>
+                                            <p:cond delay="0"/>
+                                          </p:stCondLst>
+                                        </p:cTn>
+                                        <p:tgtEl>
+                                          <p:spTgt spid="39"/>
+                                        </p:tgtEl>
+                                        <p:attrNameLst>
+                                          <p:attrName>style.visibility</p:attrName>
+                                        </p:attrNameLst>
+                                      </p:cBhvr>
+                                      <p:to>
+                                        <p:strVal val="visible"/>
+                                      </p:to>
+                                    </p:set>
+                                    <p:animEffect transition="in" filter="fade">
+                                      <p:cBhvr>
+                                        <p:cTn id="64" dur="500"/>
+                                        <p:tgtEl>
+                                          <p:spTgt spid="39"/>
+                                        </p:tgtEl>
+                                      </p:cBhvr>
+                                    </p:animEffect>
+                                  </p:childTnLst>
+                                  <p:subTnLst>
+                                    <p:set>
+                                      <p:cBhvr override="childStyle">
+                                        <p:cTn dur="1" fill="hold" display="0" masterRel="nextClick" afterEffect="1"/>
+                                        <p:tgtEl>
+                                          <p:spTgt spid="39"/>
+                                        </p:tgtEl>
+                                        <p:attrNameLst>
+                                          <p:attrName>style.visibility</p:attrName>
+                                        </p:attrNameLst>
+                                      </p:cBhvr>
+                                      <p:to>
+                                        <p:strVal val="hidden"/>
+                                      </p:to>
+                                    </p:set>
+                                  </p:subTnLst>
+                                </p:cTn>
+                              </p:par>
+                            </p:childTnLst>
+                          </p:cTn>
+                        </p:par>
+                      </p:childTnLst>
+                    </p:cTn>
+                  </p:par>
+                  <p:par>
+                    <p:cTn id="65" fill="hold">
+                      <p:stCondLst>
+                        <p:cond delay="indefinite"/>
+                      </p:stCondLst>
+                      <p:childTnLst>
+                        <p:par>
+                          <p:cTn id="66" fill="hold">
+                            <p:stCondLst>
+                              <p:cond delay="0"/>
+                            </p:stCondLst>
+                            <p:childTnLst>
+                              <p:par>
+                                <p:cTn id="67" presetID="10" presetClass="entr" presetSubtype="0" fill="hold" grpId="0" nodeType="clickEffect">
+                                  <p:stCondLst>
+                                    <p:cond delay="0"/>
+                                  </p:stCondLst>
+                                  <p:childTnLst>
+                                    <p:set>
+                                      <p:cBhvr>
+                                        <p:cTn id="68" dur="1" fill="hold">
+                                          <p:stCondLst>
+                                            <p:cond delay="0"/>
+                                          </p:stCondLst>
+                                        </p:cTn>
+                                        <p:tgtEl>
+                                          <p:spTgt spid="82"/>
+                                        </p:tgtEl>
+                                        <p:attrNameLst>
+                                          <p:attrName>style.visibility</p:attrName>
+                                        </p:attrNameLst>
+                                      </p:cBhvr>
+                                      <p:to>
+                                        <p:strVal val="visible"/>
+                                      </p:to>
+                                    </p:set>
+                                    <p:animEffect transition="in" filter="fade">
+                                      <p:cBhvr>
+                                        <p:cTn id="69" dur="500"/>
+                                        <p:tgtEl>
+                                          <p:spTgt spid="82"/>
+                                        </p:tgtEl>
+                                      </p:cBhvr>
+                                    </p:animEffect>
+                                  </p:childTnLst>
+                                  <p:subTnLst>
+                                    <p:set>
+                                      <p:cBhvr override="childStyle">
+                                        <p:cTn dur="1" fill="hold" display="0" masterRel="nextClick" afterEffect="1"/>
+                                        <p:tgtEl>
+                                          <p:spTgt spid="82"/>
+                                        </p:tgtEl>
+                                        <p:attrNameLst>
+                                          <p:attrName>style.visibility</p:attrName>
+                                        </p:attrNameLst>
+                                      </p:cBhvr>
+                                      <p:to>
+                                        <p:strVal val="hidden"/>
+                                      </p:to>
+                                    </p:set>
+                                  </p:subTnLst>
+                                </p:cTn>
+                              </p:par>
+                              <p:par>
+                                <p:cTn id="70" presetID="10" presetClass="entr" presetSubtype="0" fill="hold" nodeType="withEffect">
+                                  <p:stCondLst>
+                                    <p:cond delay="0"/>
+                                  </p:stCondLst>
+                                  <p:childTnLst>
+                                    <p:set>
+                                      <p:cBhvr>
+                                        <p:cTn id="71" dur="1" fill="hold">
+                                          <p:stCondLst>
+                                            <p:cond delay="0"/>
+                                          </p:stCondLst>
+                                        </p:cTn>
+                                        <p:tgtEl>
+                                          <p:spTgt spid="85"/>
+                                        </p:tgtEl>
+                                        <p:attrNameLst>
+                                          <p:attrName>style.visibility</p:attrName>
+                                        </p:attrNameLst>
+                                      </p:cBhvr>
+                                      <p:to>
+                                        <p:strVal val="visible"/>
+                                      </p:to>
+                                    </p:set>
+                                    <p:animEffect transition="in" filter="fade">
+                                      <p:cBhvr>
+                                        <p:cTn id="72" dur="500"/>
+                                        <p:tgtEl>
+                                          <p:spTgt spid="85"/>
+                                        </p:tgtEl>
+                                      </p:cBhvr>
+                                    </p:animEffect>
+                                  </p:childTnLst>
+                                  <p:subTnLst>
+                                    <p:set>
+                                      <p:cBhvr override="childStyle">
+                                        <p:cTn dur="1" fill="hold" display="0" masterRel="nextClick" afterEffect="1"/>
+                                        <p:tgtEl>
+                                          <p:spTgt spid="85"/>
+                                        </p:tgtEl>
+                                        <p:attrNameLst>
+                                          <p:attrName>style.visibility</p:attrName>
+                                        </p:attrNameLst>
+                                      </p:cBhvr>
+                                      <p:to>
+                                        <p:strVal val="hidden"/>
+                                      </p:to>
+                                    </p:set>
+                                  </p:subTnLst>
+                                </p:cTn>
+                              </p:par>
+                              <p:par>
+                                <p:cTn id="73" presetID="10" presetClass="entr" presetSubtype="0" fill="hold" grpId="0" nodeType="withEffect">
+                                  <p:stCondLst>
+                                    <p:cond delay="0"/>
+                                  </p:stCondLst>
+                                  <p:childTnLst>
+                                    <p:set>
+                                      <p:cBhvr>
+                                        <p:cTn id="74" dur="1" fill="hold">
+                                          <p:stCondLst>
+                                            <p:cond delay="0"/>
+                                          </p:stCondLst>
+                                        </p:cTn>
+                                        <p:tgtEl>
+                                          <p:spTgt spid="81"/>
+                                        </p:tgtEl>
+                                        <p:attrNameLst>
+                                          <p:attrName>style.visibility</p:attrName>
+                                        </p:attrNameLst>
+                                      </p:cBhvr>
+                                      <p:to>
+                                        <p:strVal val="visible"/>
+                                      </p:to>
+                                    </p:set>
+                                    <p:animEffect transition="in" filter="fade">
+                                      <p:cBhvr>
+                                        <p:cTn id="75" dur="500"/>
+                                        <p:tgtEl>
+                                          <p:spTgt spid="81"/>
+                                        </p:tgtEl>
+                                      </p:cBhvr>
+                                    </p:animEffect>
+                                  </p:childTnLst>
+                                  <p:subTnLst>
+                                    <p:set>
+                                      <p:cBhvr override="childStyle">
+                                        <p:cTn dur="1" fill="hold" display="0" masterRel="nextClick" afterEffect="1"/>
+                                        <p:tgtEl>
+                                          <p:spTgt spid="81"/>
+                                        </p:tgtEl>
+                                        <p:attrNameLst>
+                                          <p:attrName>style.visibility</p:attrName>
+                                        </p:attrNameLst>
+                                      </p:cBhvr>
+                                      <p:to>
+                                        <p:strVal val="hidden"/>
+                                      </p:to>
+                                    </p:set>
+                                  </p:subTnLst>
+                                </p:cTn>
+                              </p:par>
+                            </p:childTnLst>
+                          </p:cTn>
+                        </p:par>
+                      </p:childTnLst>
+                    </p:cTn>
+                  </p:par>
+                  <p:par>
+                    <p:cTn id="76" fill="hold">
+                      <p:stCondLst>
+                        <p:cond delay="indefinite"/>
+                      </p:stCondLst>
+                      <p:childTnLst>
+                        <p:par>
+                          <p:cTn id="77" fill="hold">
+                            <p:stCondLst>
+                              <p:cond delay="0"/>
+                            </p:stCondLst>
+                            <p:childTnLst>
+                              <p:par>
+                                <p:cTn id="78" presetID="10" presetClass="entr" presetSubtype="0" fill="hold" grpId="0" nodeType="clickEffect">
+                                  <p:stCondLst>
+                                    <p:cond delay="0"/>
+                                  </p:stCondLst>
+                                  <p:childTnLst>
+                                    <p:set>
+                                      <p:cBhvr>
+                                        <p:cTn id="79" dur="1" fill="hold">
+                                          <p:stCondLst>
+                                            <p:cond delay="0"/>
+                                          </p:stCondLst>
+                                        </p:cTn>
+                                        <p:tgtEl>
+                                          <p:spTgt spid="52"/>
+                                        </p:tgtEl>
+                                        <p:attrNameLst>
+                                          <p:attrName>style.visibility</p:attrName>
+                                        </p:attrNameLst>
+                                      </p:cBhvr>
+                                      <p:to>
+                                        <p:strVal val="visible"/>
+                                      </p:to>
+                                    </p:set>
+                                    <p:animEffect transition="in" filter="fade">
+                                      <p:cBhvr>
+                                        <p:cTn id="80" dur="500"/>
+                                        <p:tgtEl>
+                                          <p:spTgt spid="52"/>
+                                        </p:tgtEl>
+                                      </p:cBhvr>
+                                    </p:animEffect>
+                                  </p:childTnLst>
+                                  <p:subTnLst>
+                                    <p:set>
+                                      <p:cBhvr override="childStyle">
+                                        <p:cTn dur="1" fill="hold" display="0" masterRel="nextClick" afterEffect="1"/>
+                                        <p:tgtEl>
+                                          <p:spTgt spid="52"/>
+                                        </p:tgtEl>
+                                        <p:attrNameLst>
+                                          <p:attrName>style.visibility</p:attrName>
+                                        </p:attrNameLst>
+                                      </p:cBhvr>
+                                      <p:to>
+                                        <p:strVal val="hidden"/>
+                                      </p:to>
+                                    </p:set>
+                                  </p:subTnLst>
+                                </p:cTn>
+                              </p:par>
+                              <p:par>
+                                <p:cTn id="81" presetID="10" presetClass="entr" presetSubtype="0" fill="hold" nodeType="withEffect">
+                                  <p:stCondLst>
+                                    <p:cond delay="0"/>
+                                  </p:stCondLst>
+                                  <p:childTnLst>
+                                    <p:set>
+                                      <p:cBhvr>
+                                        <p:cTn id="82" dur="1" fill="hold">
+                                          <p:stCondLst>
+                                            <p:cond delay="0"/>
+                                          </p:stCondLst>
+                                        </p:cTn>
+                                        <p:tgtEl>
+                                          <p:spTgt spid="53"/>
+                                        </p:tgtEl>
+                                        <p:attrNameLst>
+                                          <p:attrName>style.visibility</p:attrName>
+                                        </p:attrNameLst>
+                                      </p:cBhvr>
+                                      <p:to>
+                                        <p:strVal val="visible"/>
+                                      </p:to>
+                                    </p:set>
+                                    <p:animEffect transition="in" filter="fade">
+                                      <p:cBhvr>
+                                        <p:cTn id="83" dur="500"/>
+                                        <p:tgtEl>
+                                          <p:spTgt spid="53"/>
+                                        </p:tgtEl>
+                                      </p:cBhvr>
+                                    </p:animEffect>
+                                  </p:childTnLst>
+                                  <p:subTnLst>
+                                    <p:set>
+                                      <p:cBhvr override="childStyle">
+                                        <p:cTn dur="1" fill="hold" display="0" masterRel="nextClick" afterEffect="1"/>
+                                        <p:tgtEl>
+                                          <p:spTgt spid="53"/>
+                                        </p:tgtEl>
+                                        <p:attrNameLst>
+                                          <p:attrName>style.visibility</p:attrName>
+                                        </p:attrNameLst>
+                                      </p:cBhvr>
+                                      <p:to>
+                                        <p:strVal val="hidden"/>
+                                      </p:to>
+                                    </p:set>
+                                  </p:subTnLst>
+                                </p:cTn>
+                              </p:par>
+                              <p:par>
+                                <p:cTn id="84" presetID="10" presetClass="entr" presetSubtype="0" fill="hold" nodeType="withEffect">
+                                  <p:stCondLst>
+                                    <p:cond delay="0"/>
+                                  </p:stCondLst>
+                                  <p:childTnLst>
+                                    <p:set>
+                                      <p:cBhvr>
+                                        <p:cTn id="85" dur="1" fill="hold">
+                                          <p:stCondLst>
+                                            <p:cond delay="0"/>
+                                          </p:stCondLst>
+                                        </p:cTn>
+                                        <p:tgtEl>
+                                          <p:spTgt spid="65"/>
+                                        </p:tgtEl>
+                                        <p:attrNameLst>
+                                          <p:attrName>style.visibility</p:attrName>
+                                        </p:attrNameLst>
+                                      </p:cBhvr>
+                                      <p:to>
+                                        <p:strVal val="visible"/>
+                                      </p:to>
+                                    </p:set>
+                                    <p:animEffect transition="in" filter="fade">
+                                      <p:cBhvr>
+                                        <p:cTn id="86" dur="500"/>
+                                        <p:tgtEl>
+                                          <p:spTgt spid="65"/>
+                                        </p:tgtEl>
+                                      </p:cBhvr>
+                                    </p:animEffect>
+                                  </p:childTnLst>
+                                  <p:subTnLst>
+                                    <p:set>
+                                      <p:cBhvr override="childStyle">
+                                        <p:cTn dur="1" fill="hold" display="0" masterRel="nextClick" afterEffect="1"/>
+                                        <p:tgtEl>
+                                          <p:spTgt spid="65"/>
+                                        </p:tgtEl>
+                                        <p:attrNameLst>
+                                          <p:attrName>style.visibility</p:attrName>
+                                        </p:attrNameLst>
+                                      </p:cBhvr>
+                                      <p:to>
+                                        <p:strVal val="hidden"/>
+                                      </p:to>
+                                    </p:set>
+                                  </p:subTnLst>
+                                </p:cTn>
+                              </p:par>
+                              <p:par>
+                                <p:cTn id="87" presetID="10" presetClass="entr" presetSubtype="0" fill="hold" grpId="0" nodeType="withEffect">
+                                  <p:stCondLst>
+                                    <p:cond delay="0"/>
+                                  </p:stCondLst>
+                                  <p:childTnLst>
+                                    <p:set>
+                                      <p:cBhvr>
+                                        <p:cTn id="88" dur="1" fill="hold">
+                                          <p:stCondLst>
+                                            <p:cond delay="0"/>
+                                          </p:stCondLst>
+                                        </p:cTn>
+                                        <p:tgtEl>
+                                          <p:spTgt spid="60"/>
+                                        </p:tgtEl>
+                                        <p:attrNameLst>
+                                          <p:attrName>style.visibility</p:attrName>
+                                        </p:attrNameLst>
+                                      </p:cBhvr>
+                                      <p:to>
+                                        <p:strVal val="visible"/>
+                                      </p:to>
+                                    </p:set>
+                                    <p:animEffect transition="in" filter="fade">
+                                      <p:cBhvr>
+                                        <p:cTn id="89" dur="500"/>
+                                        <p:tgtEl>
+                                          <p:spTgt spid="60"/>
+                                        </p:tgtEl>
+                                      </p:cBhvr>
+                                    </p:animEffect>
+                                  </p:childTnLst>
+                                  <p:subTnLst>
+                                    <p:set>
+                                      <p:cBhvr override="childStyle">
+                                        <p:cTn dur="1" fill="hold" display="0" masterRel="nextClick" afterEffect="1"/>
+                                        <p:tgtEl>
+                                          <p:spTgt spid="60"/>
+                                        </p:tgtEl>
+                                        <p:attrNameLst>
+                                          <p:attrName>style.visibility</p:attrName>
+                                        </p:attrNameLst>
+                                      </p:cBhvr>
+                                      <p:to>
+                                        <p:strVal val="hidden"/>
+                                      </p:to>
+                                    </p:set>
+                                  </p:subTnLst>
+                                </p:cTn>
+                              </p:par>
+                              <p:par>
+                                <p:cTn id="90" presetID="10" presetClass="entr" presetSubtype="0" fill="hold" nodeType="withEffect">
+                                  <p:stCondLst>
+                                    <p:cond delay="0"/>
+                                  </p:stCondLst>
+                                  <p:childTnLst>
+                                    <p:set>
+                                      <p:cBhvr>
+                                        <p:cTn id="91" dur="1" fill="hold">
+                                          <p:stCondLst>
+                                            <p:cond delay="0"/>
+                                          </p:stCondLst>
+                                        </p:cTn>
+                                        <p:tgtEl>
+                                          <p:spTgt spid="71"/>
+                                        </p:tgtEl>
+                                        <p:attrNameLst>
+                                          <p:attrName>style.visibility</p:attrName>
+                                        </p:attrNameLst>
+                                      </p:cBhvr>
+                                      <p:to>
+                                        <p:strVal val="visible"/>
+                                      </p:to>
+                                    </p:set>
+                                    <p:animEffect transition="in" filter="fade">
+                                      <p:cBhvr>
+                                        <p:cTn id="92" dur="500"/>
+                                        <p:tgtEl>
+                                          <p:spTgt spid="71"/>
+                                        </p:tgtEl>
+                                      </p:cBhvr>
+                                    </p:animEffect>
+                                  </p:childTnLst>
+                                  <p:subTnLst>
+                                    <p:set>
+                                      <p:cBhvr override="childStyle">
+                                        <p:cTn dur="1" fill="hold" display="0" masterRel="nextClick" afterEffect="1"/>
+                                        <p:tgtEl>
+                                          <p:spTgt spid="71"/>
+                                        </p:tgtEl>
+                                        <p:attrNameLst>
+                                          <p:attrName>style.visibility</p:attrName>
+                                        </p:attrNameLst>
+                                      </p:cBhvr>
+                                      <p:to>
+                                        <p:strVal val="hidden"/>
+                                      </p:to>
+                                    </p:set>
+                                  </p:subTnLst>
+                                </p:cTn>
+                              </p:par>
+                              <p:par>
+                                <p:cTn id="93" presetID="10" presetClass="entr" presetSubtype="0" fill="hold" grpId="0" nodeType="withEffect">
+                                  <p:stCondLst>
+                                    <p:cond delay="0"/>
+                                  </p:stCondLst>
+                                  <p:childTnLst>
+                                    <p:set>
+                                      <p:cBhvr>
+                                        <p:cTn id="94" dur="1" fill="hold">
+                                          <p:stCondLst>
+                                            <p:cond delay="0"/>
+                                          </p:stCondLst>
+                                        </p:cTn>
+                                        <p:tgtEl>
+                                          <p:spTgt spid="61"/>
+                                        </p:tgtEl>
+                                        <p:attrNameLst>
+                                          <p:attrName>style.visibility</p:attrName>
+                                        </p:attrNameLst>
+                                      </p:cBhvr>
+                                      <p:to>
+                                        <p:strVal val="visible"/>
+                                      </p:to>
+                                    </p:set>
+                                    <p:animEffect transition="in" filter="fade">
+                                      <p:cBhvr>
+                                        <p:cTn id="95" dur="500"/>
+                                        <p:tgtEl>
+                                          <p:spTgt spid="61"/>
+                                        </p:tgtEl>
+                                      </p:cBhvr>
+                                    </p:animEffect>
+                                  </p:childTnLst>
+                                  <p:subTnLst>
+                                    <p:set>
+                                      <p:cBhvr override="childStyle">
+                                        <p:cTn dur="1" fill="hold" display="0" masterRel="nextClick" afterEffect="1"/>
+                                        <p:tgtEl>
+                                          <p:spTgt spid="61"/>
+                                        </p:tgtEl>
+                                        <p:attrNameLst>
+                                          <p:attrName>style.visibility</p:attrName>
+                                        </p:attrNameLst>
+                                      </p:cBhvr>
+                                      <p:to>
+                                        <p:strVal val="hidden"/>
+                                      </p:to>
+                                    </p:set>
+                                  </p:subTnLst>
+                                </p:cTn>
+                              </p:par>
+                              <p:par>
+                                <p:cTn id="96" presetID="10" presetClass="entr" presetSubtype="0" fill="hold" grpId="0" nodeType="withEffect">
+                                  <p:stCondLst>
+                                    <p:cond delay="0"/>
+                                  </p:stCondLst>
+                                  <p:childTnLst>
+                                    <p:set>
+                                      <p:cBhvr>
+                                        <p:cTn id="97" dur="1" fill="hold">
+                                          <p:stCondLst>
+                                            <p:cond delay="0"/>
+                                          </p:stCondLst>
+                                        </p:cTn>
+                                        <p:tgtEl>
+                                          <p:spTgt spid="70"/>
+                                        </p:tgtEl>
+                                        <p:attrNameLst>
+                                          <p:attrName>style.visibility</p:attrName>
+                                        </p:attrNameLst>
+                                      </p:cBhvr>
+                                      <p:to>
+                                        <p:strVal val="visible"/>
+                                      </p:to>
+                                    </p:set>
+                                    <p:animEffect transition="in" filter="fade">
+                                      <p:cBhvr>
+                                        <p:cTn id="98" dur="500"/>
+                                        <p:tgtEl>
+                                          <p:spTgt spid="70"/>
+                                        </p:tgtEl>
+                                      </p:cBhvr>
+                                    </p:animEffect>
+                                  </p:childTnLst>
+                                  <p:subTnLst>
+                                    <p:set>
+                                      <p:cBhvr override="childStyle">
+                                        <p:cTn dur="1" fill="hold" display="0" masterRel="nextClick" afterEffect="1"/>
+                                        <p:tgtEl>
+                                          <p:spTgt spid="70"/>
+                                        </p:tgtEl>
+                                        <p:attrNameLst>
+                                          <p:attrName>style.visibility</p:attrName>
+                                        </p:attrNameLst>
+                                      </p:cBhvr>
+                                      <p:to>
+                                        <p:strVal val="hidden"/>
+                                      </p:to>
+                                    </p:set>
+                                  </p:subTnLst>
+                                </p:cTn>
+                              </p:par>
+                              <p:par>
+                                <p:cTn id="99" presetID="10" presetClass="entr" presetSubtype="0" fill="hold" nodeType="withEffect">
+                                  <p:stCondLst>
+                                    <p:cond delay="0"/>
+                                  </p:stCondLst>
+                                  <p:childTnLst>
+                                    <p:set>
+                                      <p:cBhvr>
+                                        <p:cTn id="100" dur="1" fill="hold">
+                                          <p:stCondLst>
+                                            <p:cond delay="0"/>
+                                          </p:stCondLst>
+                                        </p:cTn>
+                                        <p:tgtEl>
+                                          <p:spTgt spid="116"/>
+                                        </p:tgtEl>
+                                        <p:attrNameLst>
+                                          <p:attrName>style.visibility</p:attrName>
+                                        </p:attrNameLst>
+                                      </p:cBhvr>
+                                      <p:to>
+                                        <p:strVal val="visible"/>
+                                      </p:to>
+                                    </p:set>
+                                    <p:animEffect transition="in" filter="fade">
+                                      <p:cBhvr>
+                                        <p:cTn id="101" dur="500"/>
+                                        <p:tgtEl>
+                                          <p:spTgt spid="116"/>
+                                        </p:tgtEl>
+                                      </p:cBhvr>
+                                    </p:animEffect>
+                                  </p:childTnLst>
+                                  <p:subTnLst>
+                                    <p:set>
+                                      <p:cBhvr override="childStyle">
+                                        <p:cTn dur="1" fill="hold" display="0" masterRel="nextClick" afterEffect="1"/>
+                                        <p:tgtEl>
+                                          <p:spTgt spid="116"/>
+                                        </p:tgtEl>
+                                        <p:attrNameLst>
+                                          <p:attrName>style.visibility</p:attrName>
+                                        </p:attrNameLst>
+                                      </p:cBhvr>
+                                      <p:to>
+                                        <p:strVal val="hidden"/>
+                                      </p:to>
+                                    </p:set>
+                                  </p:subTnLst>
+                                </p:cTn>
+                              </p:par>
+                              <p:par>
+                                <p:cTn id="102" presetID="10" presetClass="entr" presetSubtype="0" fill="hold" nodeType="withEffect">
+                                  <p:stCondLst>
+                                    <p:cond delay="0"/>
+                                  </p:stCondLst>
+                                  <p:childTnLst>
+                                    <p:set>
+                                      <p:cBhvr>
+                                        <p:cTn id="103" dur="1" fill="hold">
+                                          <p:stCondLst>
+                                            <p:cond delay="0"/>
+                                          </p:stCondLst>
+                                        </p:cTn>
+                                        <p:tgtEl>
+                                          <p:spTgt spid="108"/>
+                                        </p:tgtEl>
+                                        <p:attrNameLst>
+                                          <p:attrName>style.visibility</p:attrName>
+                                        </p:attrNameLst>
+                                      </p:cBhvr>
+                                      <p:to>
+                                        <p:strVal val="visible"/>
+                                      </p:to>
+                                    </p:set>
+                                    <p:animEffect transition="in" filter="fade">
+                                      <p:cBhvr>
+                                        <p:cTn id="104" dur="500"/>
+                                        <p:tgtEl>
+                                          <p:spTgt spid="108"/>
+                                        </p:tgtEl>
+                                      </p:cBhvr>
+                                    </p:animEffect>
+                                  </p:childTnLst>
+                                  <p:subTnLst>
+                                    <p:set>
+                                      <p:cBhvr override="childStyle">
+                                        <p:cTn dur="1" fill="hold" display="0" masterRel="nextClick" afterEffect="1"/>
+                                        <p:tgtEl>
+                                          <p:spTgt spid="108"/>
+                                        </p:tgtEl>
+                                        <p:attrNameLst>
+                                          <p:attrName>style.visibility</p:attrName>
+                                        </p:attrNameLst>
+                                      </p:cBhvr>
+                                      <p:to>
+                                        <p:strVal val="hidden"/>
+                                      </p:to>
+                                    </p:set>
+                                  </p:subTnLst>
+                                </p:cTn>
+                              </p:par>
+                              <p:par>
+                                <p:cTn id="105" presetID="10" presetClass="entr" presetSubtype="0" fill="hold" grpId="0" nodeType="withEffect">
+                                  <p:stCondLst>
+                                    <p:cond delay="0"/>
+                                  </p:stCondLst>
+                                  <p:childTnLst>
+                                    <p:set>
+                                      <p:cBhvr>
+                                        <p:cTn id="106" dur="1" fill="hold">
+                                          <p:stCondLst>
+                                            <p:cond delay="0"/>
+                                          </p:stCondLst>
+                                        </p:cTn>
+                                        <p:tgtEl>
+                                          <p:spTgt spid="102"/>
+                                        </p:tgtEl>
+                                        <p:attrNameLst>
+                                          <p:attrName>style.visibility</p:attrName>
+                                        </p:attrNameLst>
+                                      </p:cBhvr>
+                                      <p:to>
+                                        <p:strVal val="visible"/>
+                                      </p:to>
+                                    </p:set>
+                                    <p:animEffect transition="in" filter="fade">
+                                      <p:cBhvr>
+                                        <p:cTn id="107" dur="500"/>
+                                        <p:tgtEl>
+                                          <p:spTgt spid="102"/>
+                                        </p:tgtEl>
+                                      </p:cBhvr>
+                                    </p:animEffect>
+                                  </p:childTnLst>
+                                  <p:subTnLst>
+                                    <p:set>
+                                      <p:cBhvr override="childStyle">
+                                        <p:cTn dur="1" fill="hold" display="0" masterRel="nextClick" afterEffect="1"/>
+                                        <p:tgtEl>
+                                          <p:spTgt spid="102"/>
+                                        </p:tgtEl>
+                                        <p:attrNameLst>
+                                          <p:attrName>style.visibility</p:attrName>
+                                        </p:attrNameLst>
+                                      </p:cBhvr>
+                                      <p:to>
+                                        <p:strVal val="hidden"/>
+                                      </p:to>
+                                    </p:set>
+                                  </p:subTnLst>
+                                </p:cTn>
+                              </p:par>
+                              <p:par>
+                                <p:cTn id="108" presetID="10" presetClass="entr" presetSubtype="0" fill="hold" nodeType="withEffect">
+                                  <p:stCondLst>
+                                    <p:cond delay="0"/>
+                                  </p:stCondLst>
+                                  <p:childTnLst>
+                                    <p:set>
+                                      <p:cBhvr>
+                                        <p:cTn id="109" dur="1" fill="hold">
+                                          <p:stCondLst>
+                                            <p:cond delay="0"/>
+                                          </p:stCondLst>
+                                        </p:cTn>
+                                        <p:tgtEl>
+                                          <p:spTgt spid="103"/>
+                                        </p:tgtEl>
+                                        <p:attrNameLst>
+                                          <p:attrName>style.visibility</p:attrName>
+                                        </p:attrNameLst>
+                                      </p:cBhvr>
+                                      <p:to>
+                                        <p:strVal val="visible"/>
+                                      </p:to>
+                                    </p:set>
+                                    <p:animEffect transition="in" filter="fade">
+                                      <p:cBhvr>
+                                        <p:cTn id="110" dur="500"/>
+                                        <p:tgtEl>
+                                          <p:spTgt spid="103"/>
+                                        </p:tgtEl>
+                                      </p:cBhvr>
+                                    </p:animEffect>
+                                  </p:childTnLst>
+                                  <p:subTnLst>
+                                    <p:set>
+                                      <p:cBhvr override="childStyle">
+                                        <p:cTn dur="1" fill="hold" display="0" masterRel="nextClick" afterEffect="1"/>
+                                        <p:tgtEl>
+                                          <p:spTgt spid="103"/>
+                                        </p:tgtEl>
+                                        <p:attrNameLst>
+                                          <p:attrName>style.visibility</p:attrName>
+                                        </p:attrNameLst>
+                                      </p:cBhvr>
+                                      <p:to>
+                                        <p:strVal val="hidden"/>
+                                      </p:to>
+                                    </p:set>
+                                  </p:subTnLst>
+                                </p:cTn>
+                              </p:par>
+                              <p:par>
+                                <p:cTn id="111" presetID="10" presetClass="entr" presetSubtype="0" fill="hold" grpId="0" nodeType="withEffect">
+                                  <p:stCondLst>
+                                    <p:cond delay="0"/>
+                                  </p:stCondLst>
+                                  <p:childTnLst>
+                                    <p:set>
+                                      <p:cBhvr>
+                                        <p:cTn id="112" dur="1" fill="hold">
+                                          <p:stCondLst>
+                                            <p:cond delay="0"/>
+                                          </p:stCondLst>
+                                        </p:cTn>
+                                        <p:tgtEl>
+                                          <p:spTgt spid="107"/>
+                                        </p:tgtEl>
+                                        <p:attrNameLst>
+                                          <p:attrName>style.visibility</p:attrName>
+                                        </p:attrNameLst>
+                                      </p:cBhvr>
+                                      <p:to>
+                                        <p:strVal val="visible"/>
+                                      </p:to>
+                                    </p:set>
+                                    <p:animEffect transition="in" filter="fade">
+                                      <p:cBhvr>
+                                        <p:cTn id="113" dur="500"/>
+                                        <p:tgtEl>
+                                          <p:spTgt spid="107"/>
+                                        </p:tgtEl>
+                                      </p:cBhvr>
+                                    </p:animEffect>
+                                  </p:childTnLst>
+                                  <p:subTnLst>
+                                    <p:set>
+                                      <p:cBhvr override="childStyle">
+                                        <p:cTn dur="1" fill="hold" display="0" masterRel="nextClick" afterEffect="1"/>
+                                        <p:tgtEl>
+                                          <p:spTgt spid="107"/>
+                                        </p:tgtEl>
+                                        <p:attrNameLst>
+                                          <p:attrName>style.visibility</p:attrName>
+                                        </p:attrNameLst>
+                                      </p:cBhvr>
+                                      <p:to>
+                                        <p:strVal val="hidden"/>
+                                      </p:to>
+                                    </p:set>
+                                  </p:subTnLst>
+                                </p:cTn>
+                              </p:par>
+                            </p:childTnLst>
+                          </p:cTn>
+                        </p:par>
+                      </p:childTnLst>
+                    </p:cTn>
+                  </p:par>
+                </p:childTnLst>
+              </p:cTn>
+              <p:prevCondLst>
+                <p:cond evt="onPrev" delay="0">
+                  <p:tgtEl>
+                    <p:sldTgt/>
+                  </p:tgtEl>
+                </p:cond>
+              </p:prevCondLst>
+              <p:nextCondLst>
+                <p:cond evt="onNext" delay="0">
+                  <p:tgtEl>
+                    <p:sldTgt/>
+                  </p:tgtEl>
+                </p:cond>
+              </p:nextCondLst>
+            </p:seq>
+          </p:childTnLst>
+        </p:cTn>
+      </p:par>
+    </p:tnLst>
+    <p:bldLst>
+      <p:bldP spid="5" grpId="0" animBg="1"/>
+      <p:bldP spid="11" grpId="0" animBg="1"/>
+      <p:bldP spid="12" grpId="0" animBg="1"/>
+      <p:bldP spid="33" grpId="0" animBg="1"/>
+      <p:bldP spid="40" grpId="0" animBg="1"/>
+      <p:bldP spid="41" grpId="0" animBg="1"/>
+      <p:bldP spid="46" grpId="0" animBg="1"/>
+      <p:bldP spid="52" grpId="0" animBg="1"/>
+      <p:bldP spid="60" grpId="0" animBg="1"/>
+      <p:bldP spid="61" grpId="0" animBg="1"/>
+      <p:bldP spid="70" grpId="0" animBg="1"/>
+      <p:bldP spid="81" grpId="0" animBg="1"/>
+      <p:bldP spid="82" grpId="0" animBg="1"/>
+      <p:bldP spid="90" grpId="0" animBg="1"/>
+      <p:bldP spid="50" grpId="0"/>
+      <p:bldP spid="101" grpId="0" animBg="1"/>
+      <p:bldP spid="102" grpId="0" animBg="1"/>
+      <p:bldP spid="106" grpId="0" animBg="1"/>
+      <p:bldP spid="107" grpId="0" animBg="1"/>
+    </p:bldLst>
+  </p:timing>
 </p:sld>
 </file>
 
